--- a/projects/5_機器學習應用於偵測信用卡詐欺的績效評估.pptx
+++ b/projects/5_機器學習應用於偵測信用卡詐欺的績效評估.pptx
@@ -5,23 +5,22 @@
     <p:sldMasterId id="2147483648" r:id="rId1"/>
   </p:sldMasterIdLst>
   <p:notesMasterIdLst>
-    <p:notesMasterId r:id="rId16"/>
+    <p:notesMasterId r:id="rId15"/>
   </p:notesMasterIdLst>
   <p:sldIdLst>
-    <p:sldId id="256" r:id="rId2"/>
-    <p:sldId id="269" r:id="rId3"/>
-    <p:sldId id="257" r:id="rId4"/>
-    <p:sldId id="258" r:id="rId5"/>
-    <p:sldId id="259" r:id="rId6"/>
-    <p:sldId id="260" r:id="rId7"/>
-    <p:sldId id="261" r:id="rId8"/>
-    <p:sldId id="262" r:id="rId9"/>
-    <p:sldId id="263" r:id="rId10"/>
-    <p:sldId id="264" r:id="rId11"/>
-    <p:sldId id="265" r:id="rId12"/>
-    <p:sldId id="266" r:id="rId13"/>
-    <p:sldId id="267" r:id="rId14"/>
-    <p:sldId id="268" r:id="rId15"/>
+    <p:sldId id="269" r:id="rId2"/>
+    <p:sldId id="257" r:id="rId3"/>
+    <p:sldId id="258" r:id="rId4"/>
+    <p:sldId id="259" r:id="rId5"/>
+    <p:sldId id="260" r:id="rId6"/>
+    <p:sldId id="261" r:id="rId7"/>
+    <p:sldId id="262" r:id="rId8"/>
+    <p:sldId id="263" r:id="rId9"/>
+    <p:sldId id="264" r:id="rId10"/>
+    <p:sldId id="265" r:id="rId11"/>
+    <p:sldId id="266" r:id="rId12"/>
+    <p:sldId id="267" r:id="rId13"/>
+    <p:sldId id="268" r:id="rId14"/>
   </p:sldIdLst>
   <p:sldSz cx="13004800" cy="9753600"/>
   <p:notesSz cx="6858000" cy="9144000"/>
@@ -323,6 +322,11 @@
       </a:defRPr>
     </a:lvl9pPr>
   </p:defaultTextStyle>
+  <p:extLst>
+    <p:ext uri="{EFAFB233-063F-42B5-8137-9DF3F51BA10A}">
+      <p15:sldGuideLst xmlns:p15="http://schemas.microsoft.com/office/powerpoint/2012/main"/>
+    </p:ext>
+  </p:extLst>
 </p:presentation>
 </file>
 
@@ -676,7 +680,7 @@
           </a:ln>
           <a:extLst>
             <a:ext uri="{C572A759-6A51-4108-AA02-DFA0A04FC94B}">
-              <ma14:wrappingTextBoxFlag xmlns:ma14="http://schemas.microsoft.com/office/mac/drawingml/2011/main" xmlns:a14="http://schemas.microsoft.com/office/drawing/2010/main" xmlns:m="http://schemas.openxmlformats.org/officeDocument/2006/math" xmlns="" val="1"/>
+              <ma14:wrappingTextBoxFlag xmlns="" xmlns:m="http://schemas.openxmlformats.org/officeDocument/2006/math" xmlns:a14="http://schemas.microsoft.com/office/drawing/2010/main" xmlns:ma14="http://schemas.microsoft.com/office/mac/drawingml/2011/main" val="1"/>
             </a:ext>
           </a:extLst>
         </p:spPr>
@@ -3545,7 +3549,7 @@
           </a:ln>
           <a:extLst>
             <a:ext uri="{C572A759-6A51-4108-AA02-DFA0A04FC94B}">
-              <ma14:wrappingTextBoxFlag xmlns:ma14="http://schemas.microsoft.com/office/mac/drawingml/2011/main" xmlns:a14="http://schemas.microsoft.com/office/drawing/2010/main" xmlns:m="http://schemas.openxmlformats.org/officeDocument/2006/math" xmlns="" val="1"/>
+              <ma14:wrappingTextBoxFlag xmlns="" xmlns:m="http://schemas.openxmlformats.org/officeDocument/2006/math" xmlns:a14="http://schemas.microsoft.com/office/drawing/2010/main" xmlns:ma14="http://schemas.microsoft.com/office/mac/drawingml/2011/main" val="1"/>
             </a:ext>
           </a:extLst>
         </p:spPr>
@@ -3587,7 +3591,7 @@
           </a:ln>
           <a:extLst>
             <a:ext uri="{C572A759-6A51-4108-AA02-DFA0A04FC94B}">
-              <ma14:wrappingTextBoxFlag xmlns:ma14="http://schemas.microsoft.com/office/mac/drawingml/2011/main" xmlns:a14="http://schemas.microsoft.com/office/drawing/2010/main" xmlns:m="http://schemas.openxmlformats.org/officeDocument/2006/math" xmlns="" val="1"/>
+              <ma14:wrappingTextBoxFlag xmlns="" xmlns:m="http://schemas.openxmlformats.org/officeDocument/2006/math" xmlns:a14="http://schemas.microsoft.com/office/drawing/2010/main" xmlns:ma14="http://schemas.microsoft.com/office/mac/drawingml/2011/main" val="1"/>
             </a:ext>
           </a:extLst>
         </p:spPr>
@@ -3644,7 +3648,7 @@
           </a:ln>
           <a:extLst>
             <a:ext uri="{C572A759-6A51-4108-AA02-DFA0A04FC94B}">
-              <ma14:wrappingTextBoxFlag xmlns:ma14="http://schemas.microsoft.com/office/mac/drawingml/2011/main" xmlns:a14="http://schemas.microsoft.com/office/drawing/2010/main" xmlns:m="http://schemas.openxmlformats.org/officeDocument/2006/math" xmlns="" val="1"/>
+              <ma14:wrappingTextBoxFlag xmlns="" xmlns:m="http://schemas.openxmlformats.org/officeDocument/2006/math" xmlns:a14="http://schemas.microsoft.com/office/drawing/2010/main" xmlns:ma14="http://schemas.microsoft.com/office/mac/drawingml/2011/main" val="1"/>
             </a:ext>
           </a:extLst>
         </p:spPr>
@@ -3689,7 +3693,7 @@
                 <a:solidFill>
                   <a:srgbClr val="0A5694"/>
                 </a:solidFill>
-                <a:hlinkClick r:id=""/>
+                <a:hlinkClick r:id="" action="ppaction://noaction"/>
               </a:rPr>
               <a:t>Your Webpage</a:t>
             </a:r>
@@ -3719,7 +3723,7 @@
           </a:ln>
           <a:extLst>
             <a:ext uri="{C572A759-6A51-4108-AA02-DFA0A04FC94B}">
-              <ma14:wrappingTextBoxFlag xmlns:ma14="http://schemas.microsoft.com/office/mac/drawingml/2011/main" xmlns:a14="http://schemas.microsoft.com/office/drawing/2010/main" xmlns:m="http://schemas.openxmlformats.org/officeDocument/2006/math" xmlns="" val="1"/>
+              <ma14:wrappingTextBoxFlag xmlns="" xmlns:m="http://schemas.openxmlformats.org/officeDocument/2006/math" xmlns:a14="http://schemas.microsoft.com/office/drawing/2010/main" xmlns:ma14="http://schemas.microsoft.com/office/mac/drawingml/2011/main" val="1"/>
             </a:ext>
           </a:extLst>
         </p:spPr>
@@ -3758,7 +3762,7 @@
           </a:ln>
           <a:extLst>
             <a:ext uri="{C572A759-6A51-4108-AA02-DFA0A04FC94B}">
-              <ma14:wrappingTextBoxFlag xmlns:ma14="http://schemas.microsoft.com/office/mac/drawingml/2011/main" xmlns:a14="http://schemas.microsoft.com/office/drawing/2010/main" xmlns:m="http://schemas.openxmlformats.org/officeDocument/2006/math" xmlns="" val="1"/>
+              <ma14:wrappingTextBoxFlag xmlns="" xmlns:m="http://schemas.openxmlformats.org/officeDocument/2006/math" xmlns:a14="http://schemas.microsoft.com/office/drawing/2010/main" xmlns:ma14="http://schemas.microsoft.com/office/mac/drawingml/2011/main" val="1"/>
             </a:ext>
           </a:extLst>
         </p:spPr>
@@ -4588,7 +4592,7 @@
       </p:grpSpPr>
       <p:sp>
         <p:nvSpPr>
-          <p:cNvPr id="65" name="TEN Template"/>
+          <p:cNvPr id="120" name="Map, Food, Smiles…"/>
           <p:cNvSpPr txBox="1">
             <a:spLocks noGrp="1"/>
           </p:cNvSpPr>
@@ -4606,26 +4610,212 @@
           </a:prstGeom>
         </p:spPr>
         <p:txBody>
+          <a:bodyPr>
+            <a:noAutofit/>
+          </a:bodyPr>
+          <a:lstStyle/>
+          <a:p>
+            <a:pPr defTabSz="572516">
+              <a:defRPr sz="5390"/>
+            </a:pPr>
+            <a:r>
+              <a:rPr lang="zh-TW" altLang="en-US" sz="3000" dirty="0"/>
+              <a:t>機器學習應用於信用卡詐欺的績效評估</a:t>
+            </a:r>
+            <a:endParaRPr lang="en-US" altLang="zh-TW" sz="3000" dirty="0"/>
+          </a:p>
+          <a:p>
+            <a:pPr defTabSz="572516">
+              <a:defRPr sz="5390"/>
+            </a:pPr>
+            <a:r>
+              <a:rPr lang="en-US" sz="3000" dirty="0"/>
+              <a:t>Machine learning applied to the performance evaluation of credit card fraud detection</a:t>
+            </a:r>
+            <a:endParaRPr sz="3000" dirty="0"/>
+          </a:p>
+        </p:txBody>
+      </p:sp>
+      <p:sp>
+        <p:nvSpPr>
+          <p:cNvPr id="121" name="Your name"/>
+          <p:cNvSpPr>
+            <a:spLocks noGrp="1"/>
+          </p:cNvSpPr>
+          <p:nvPr>
+            <p:ph type="body" idx="22"/>
+          </p:nvPr>
+        </p:nvSpPr>
+        <p:spPr>
+          <a:xfrm>
+            <a:off x="773350" y="5011710"/>
+            <a:ext cx="11458100" cy="717527"/>
+          </a:xfrm>
+          <a:custGeom>
+            <a:avLst/>
+            <a:gdLst/>
+            <a:ahLst/>
+            <a:cxnLst>
+              <a:cxn ang="0">
+                <a:pos x="wd2" y="hd2"/>
+              </a:cxn>
+              <a:cxn ang="5400000">
+                <a:pos x="wd2" y="hd2"/>
+              </a:cxn>
+              <a:cxn ang="10800000">
+                <a:pos x="wd2" y="hd2"/>
+              </a:cxn>
+              <a:cxn ang="16200000">
+                <a:pos x="wd2" y="hd2"/>
+              </a:cxn>
+            </a:cxnLst>
+            <a:rect l="0" t="0" r="r" b="b"/>
+            <a:pathLst>
+              <a:path w="21600" h="21600" extrusionOk="0">
+                <a:moveTo>
+                  <a:pt x="0" y="0"/>
+                </a:moveTo>
+                <a:lnTo>
+                  <a:pt x="21600" y="0"/>
+                </a:lnTo>
+                <a:lnTo>
+                  <a:pt x="21600" y="21600"/>
+                </a:lnTo>
+                <a:lnTo>
+                  <a:pt x="0" y="21600"/>
+                </a:lnTo>
+                <a:cubicBezTo>
+                  <a:pt x="4" y="18306"/>
+                  <a:pt x="5" y="15012"/>
+                  <a:pt x="6" y="11718"/>
+                </a:cubicBezTo>
+                <a:cubicBezTo>
+                  <a:pt x="6" y="7811"/>
+                  <a:pt x="4" y="3905"/>
+                  <a:pt x="0" y="0"/>
+                </a:cubicBezTo>
+                <a:close/>
+              </a:path>
+            </a:pathLst>
+          </a:custGeom>
+          <a:extLst>
+            <a:ext uri="{C572A759-6A51-4108-AA02-DFA0A04FC94B}">
+              <ma14:wrappingTextBoxFlag xmlns:ma14="http://schemas.microsoft.com/office/mac/drawingml/2011/main" xmlns:a14="http://schemas.microsoft.com/office/drawing/2010/main" xmlns:m="http://schemas.openxmlformats.org/officeDocument/2006/math" xmlns="" val="1"/>
+            </a:ext>
+          </a:extLst>
+        </p:spPr>
+        <p:txBody>
           <a:bodyPr/>
           <a:lstStyle/>
           <a:p>
             <a:r>
               <a:rPr dirty="0"/>
-              <a:t>TEN Template</a:t>
+              <a:t> </a:t>
+            </a:r>
+            <a:r>
+              <a:rPr lang="en-US" altLang="zh-TW" dirty="0"/>
+              <a:t>312707033</a:t>
+            </a:r>
+            <a:r>
+              <a:rPr lang="zh-TW" altLang="en-US" dirty="0"/>
+              <a:t>包坤達、</a:t>
+            </a:r>
+            <a:r>
+              <a:rPr lang="en-US" altLang="zh-TW" dirty="0"/>
+              <a:t>313707048</a:t>
+            </a:r>
+            <a:r>
+              <a:rPr lang="zh-TW" altLang="en-US" dirty="0"/>
+              <a:t>郭奕伶</a:t>
+            </a:r>
+            <a:endParaRPr dirty="0"/>
+          </a:p>
+        </p:txBody>
+      </p:sp>
+      <p:sp>
+        <p:nvSpPr>
+          <p:cNvPr id="122" name="Your affiliation"/>
+          <p:cNvSpPr>
+            <a:spLocks noGrp="1"/>
+          </p:cNvSpPr>
+          <p:nvPr>
+            <p:ph type="body" idx="23"/>
+          </p:nvPr>
+        </p:nvSpPr>
+        <p:spPr>
+          <a:custGeom>
+            <a:avLst/>
+            <a:gdLst/>
+            <a:ahLst/>
+            <a:cxnLst>
+              <a:cxn ang="0">
+                <a:pos x="wd2" y="hd2"/>
+              </a:cxn>
+              <a:cxn ang="5400000">
+                <a:pos x="wd2" y="hd2"/>
+              </a:cxn>
+              <a:cxn ang="10800000">
+                <a:pos x="wd2" y="hd2"/>
+              </a:cxn>
+              <a:cxn ang="16200000">
+                <a:pos x="wd2" y="hd2"/>
+              </a:cxn>
+            </a:cxnLst>
+            <a:rect l="0" t="0" r="r" b="b"/>
+            <a:pathLst>
+              <a:path w="21600" h="21600" extrusionOk="0">
+                <a:moveTo>
+                  <a:pt x="0" y="0"/>
+                </a:moveTo>
+                <a:lnTo>
+                  <a:pt x="21600" y="0"/>
+                </a:lnTo>
+                <a:lnTo>
+                  <a:pt x="21600" y="21600"/>
+                </a:lnTo>
+                <a:lnTo>
+                  <a:pt x="0" y="21600"/>
+                </a:lnTo>
+                <a:cubicBezTo>
+                  <a:pt x="4" y="18306"/>
+                  <a:pt x="5" y="15012"/>
+                  <a:pt x="6" y="11718"/>
+                </a:cubicBezTo>
+                <a:cubicBezTo>
+                  <a:pt x="6" y="7811"/>
+                  <a:pt x="4" y="3905"/>
+                  <a:pt x="0" y="0"/>
+                </a:cubicBezTo>
+                <a:close/>
+              </a:path>
+            </a:pathLst>
+          </a:custGeom>
+          <a:extLst>
+            <a:ext uri="{C572A759-6A51-4108-AA02-DFA0A04FC94B}">
+              <ma14:wrappingTextBoxFlag xmlns:ma14="http://schemas.microsoft.com/office/mac/drawingml/2011/main" xmlns:a14="http://schemas.microsoft.com/office/drawing/2010/main" xmlns:m="http://schemas.openxmlformats.org/officeDocument/2006/math" xmlns="" val="1"/>
+            </a:ext>
+          </a:extLst>
+        </p:spPr>
+        <p:txBody>
+          <a:bodyPr/>
+          <a:lstStyle/>
+          <a:p>
+            <a:r>
+              <a:t> </a:t>
             </a:r>
           </a:p>
         </p:txBody>
       </p:sp>
       <p:sp>
         <p:nvSpPr>
-          <p:cNvPr id="66" name="20240125 IDA Template Keynote.key"/>
+          <p:cNvPr id="123" name="20240419 TEN MFS.key"/>
           <p:cNvSpPr txBox="1"/>
           <p:nvPr/>
         </p:nvSpPr>
         <p:spPr>
           <a:xfrm>
             <a:off x="9519751" y="9237870"/>
-            <a:ext cx="3163634" cy="324675"/>
+            <a:ext cx="2134553" cy="324675"/>
           </a:xfrm>
           <a:prstGeom prst="rect">
             <a:avLst/>
@@ -4650,81 +4840,8 @@
           </a:lstStyle>
           <a:p>
             <a:r>
-              <a:t>20240125 IDA Template Keynote.key</a:t>
+              <a:t>20240419 TEN MFS.key</a:t>
             </a:r>
-          </a:p>
-        </p:txBody>
-      </p:sp>
-      <p:sp>
-        <p:nvSpPr>
-          <p:cNvPr id="67" name="always add date of touching a keynote"/>
-          <p:cNvSpPr txBox="1"/>
-          <p:nvPr/>
-        </p:nvSpPr>
-        <p:spPr>
-          <a:xfrm>
-            <a:off x="4380780" y="7642180"/>
-            <a:ext cx="4540988" cy="411364"/>
-          </a:xfrm>
-          <a:prstGeom prst="rect">
-            <a:avLst/>
-          </a:prstGeom>
-          <a:ln w="12700">
-            <a:miter lim="400000"/>
-          </a:ln>
-          <a:extLst>
-            <a:ext uri="{C572A759-6A51-4108-AA02-DFA0A04FC94B}">
-              <ma14:wrappingTextBoxFlag xmlns:ma14="http://schemas.microsoft.com/office/mac/drawingml/2011/main" xmlns:a14="http://schemas.microsoft.com/office/drawing/2010/main" xmlns:m="http://schemas.openxmlformats.org/officeDocument/2006/math" xmlns="" val="1"/>
-            </a:ext>
-          </a:extLst>
-        </p:spPr>
-        <p:txBody>
-          <a:bodyPr wrap="none" lIns="50800" tIns="50800" rIns="50800" bIns="50800">
-            <a:normAutofit lnSpcReduction="10000"/>
-          </a:bodyPr>
-          <a:lstStyle>
-            <a:lvl1pPr>
-              <a:defRPr sz="2100"/>
-            </a:lvl1pPr>
-          </a:lstStyle>
-          <a:p>
-            <a:r>
-              <a:t>always add date of touching a keynote</a:t>
-            </a:r>
-          </a:p>
-        </p:txBody>
-      </p:sp>
-      <p:sp>
-        <p:nvSpPr>
-          <p:cNvPr id="68" name="線條"/>
-          <p:cNvSpPr/>
-          <p:nvPr/>
-        </p:nvSpPr>
-        <p:spPr>
-          <a:xfrm>
-            <a:off x="8197017" y="8192009"/>
-            <a:ext cx="1469782" cy="1084404"/>
-          </a:xfrm>
-          <a:prstGeom prst="line">
-            <a:avLst/>
-          </a:prstGeom>
-          <a:ln w="25400">
-            <a:solidFill>
-              <a:schemeClr val="accent5">
-                <a:hueOff val="-608018"/>
-                <a:satOff val="-16379"/>
-                <a:lumOff val="25127"/>
-              </a:schemeClr>
-            </a:solidFill>
-            <a:miter lim="400000"/>
-            <a:tailEnd type="triangle"/>
-          </a:ln>
-        </p:spPr>
-        <p:txBody>
-          <a:bodyPr lIns="50800" tIns="50800" rIns="50800" bIns="50800" anchor="ctr"/>
-          <a:lstStyle/>
-          <a:p>
-            <a:endParaRPr/>
           </a:p>
         </p:txBody>
       </p:sp>
@@ -4738,733 +4855,6 @@
 </file>
 
 <file path=ppt/slides/slide10.xml><?xml version="1.0" encoding="utf-8"?>
-<p:sld xmlns:a="http://schemas.openxmlformats.org/drawingml/2006/main" xmlns:r="http://schemas.openxmlformats.org/officeDocument/2006/relationships" xmlns:p="http://schemas.openxmlformats.org/presentationml/2006/main">
-  <p:cSld>
-    <p:spTree>
-      <p:nvGrpSpPr>
-        <p:cNvPr id="1" name=""/>
-        <p:cNvGrpSpPr/>
-        <p:nvPr/>
-      </p:nvGrpSpPr>
-      <p:grpSpPr>
-        <a:xfrm>
-          <a:off x="0" y="0"/>
-          <a:ext cx="0" cy="0"/>
-          <a:chOff x="0" y="0"/>
-          <a:chExt cx="0" cy="0"/>
-        </a:xfrm>
-      </p:grpSpPr>
-      <p:sp>
-        <p:nvSpPr>
-          <p:cNvPr id="114" name="幻燈片編號"/>
-          <p:cNvSpPr txBox="1">
-            <a:spLocks noGrp="1"/>
-          </p:cNvSpPr>
-          <p:nvPr>
-            <p:ph type="sldNum" sz="quarter" idx="2"/>
-          </p:nvPr>
-        </p:nvSpPr>
-        <p:spPr>
-          <a:prstGeom prst="rect">
-            <a:avLst/>
-          </a:prstGeom>
-          <a:extLst>
-            <a:ext uri="{C572A759-6A51-4108-AA02-DFA0A04FC94B}">
-              <ma14:wrappingTextBoxFlag xmlns:ma14="http://schemas.microsoft.com/office/mac/drawingml/2011/main" xmlns:a14="http://schemas.microsoft.com/office/drawing/2010/main" xmlns:m="http://schemas.openxmlformats.org/officeDocument/2006/math" xmlns="" val="1"/>
-            </a:ext>
-          </a:extLst>
-        </p:spPr>
-        <p:txBody>
-          <a:bodyPr>
-            <a:normAutofit lnSpcReduction="10000"/>
-          </a:bodyPr>
-          <a:lstStyle/>
-          <a:p>
-            <a:fld id="{86CB4B4D-7CA3-9044-876B-883B54F8677D}" type="slidenum">
-              <a:t>10</a:t>
-            </a:fld>
-            <a:endParaRPr/>
-          </a:p>
-        </p:txBody>
-      </p:sp>
-      <p:sp>
-        <p:nvSpPr>
-          <p:cNvPr id="115" name="Styleguide"/>
-          <p:cNvSpPr txBox="1">
-            <a:spLocks noGrp="1"/>
-          </p:cNvSpPr>
-          <p:nvPr>
-            <p:ph type="body" idx="21"/>
-          </p:nvPr>
-        </p:nvSpPr>
-        <p:spPr>
-          <a:prstGeom prst="rect">
-            <a:avLst/>
-          </a:prstGeom>
-        </p:spPr>
-        <p:txBody>
-          <a:bodyPr/>
-          <a:lstStyle/>
-          <a:p>
-            <a:r>
-              <a:t>Styleguide</a:t>
-            </a:r>
-          </a:p>
-        </p:txBody>
-      </p:sp>
-      <p:sp>
-        <p:nvSpPr>
-          <p:cNvPr id="116" name="LvB notations 3"/>
-          <p:cNvSpPr txBox="1">
-            <a:spLocks noGrp="1"/>
-          </p:cNvSpPr>
-          <p:nvPr>
-            <p:ph type="body" idx="22"/>
-          </p:nvPr>
-        </p:nvSpPr>
-        <p:spPr>
-          <a:prstGeom prst="rect">
-            <a:avLst/>
-          </a:prstGeom>
-        </p:spPr>
-        <p:txBody>
-          <a:bodyPr>
-            <a:normAutofit lnSpcReduction="10000"/>
-          </a:bodyPr>
-          <a:lstStyle/>
-          <a:p>
-            <a:r>
-              <a:t>LvB notations 3</a:t>
-            </a:r>
-          </a:p>
-        </p:txBody>
-      </p:sp>
-      <p:sp>
-        <p:nvSpPr>
-          <p:cNvPr id="117" name="IDA Template"/>
-          <p:cNvSpPr txBox="1">
-            <a:spLocks noGrp="1"/>
-          </p:cNvSpPr>
-          <p:nvPr>
-            <p:ph type="body" idx="24"/>
-          </p:nvPr>
-        </p:nvSpPr>
-        <p:spPr>
-          <a:prstGeom prst="rect">
-            <a:avLst/>
-          </a:prstGeom>
-        </p:spPr>
-        <p:txBody>
-          <a:bodyPr/>
-          <a:lstStyle/>
-          <a:p>
-            <a:r>
-              <a:t>IDA Template</a:t>
-            </a:r>
-          </a:p>
-        </p:txBody>
-      </p:sp>
-      <mc:AlternateContent xmlns:mc="http://schemas.openxmlformats.org/markup-compatibility/2006">
-        <mc:Choice xmlns:a14="http://schemas.microsoft.com/office/drawing/2010/main" Requires="a14">
-          <p:sp>
-            <p:nvSpPr>
-              <p:cNvPr id="118" name="The for convergence may be written with \mathcal{O}:…"/>
-              <p:cNvSpPr txBox="1"/>
-              <p:nvPr/>
-            </p:nvSpPr>
-            <p:spPr>
-              <a:xfrm>
-                <a:off x="667478" y="2153311"/>
-                <a:ext cx="11467783" cy="5805426"/>
-              </a:xfrm>
-              <a:prstGeom prst="rect">
-                <a:avLst/>
-              </a:prstGeom>
-              <a:ln w="12700">
-                <a:miter lim="400000"/>
-              </a:ln>
-              <a:extLst>
-                <a:ext uri="{C572A759-6A51-4108-AA02-DFA0A04FC94B}">
-                  <ma14:wrappingTextBoxFlag xmlns:ma14="http://schemas.microsoft.com/office/mac/drawingml/2011/main" xmlns:m="http://schemas.openxmlformats.org/officeDocument/2006/math" xmlns="" val="1"/>
-                </a:ext>
-              </a:extLst>
-            </p:spPr>
-            <p:txBody>
-              <a:bodyPr lIns="50800" tIns="50800" rIns="50800" bIns="50800">
-                <a:spAutoFit/>
-              </a:bodyPr>
-              <a:lstStyle/>
-              <a:p>
-                <a:pPr marL="444500" indent="-444500">
-                  <a:lnSpc>
-                    <a:spcPts val="4500"/>
-                  </a:lnSpc>
-                  <a:buClr>
-                    <a:srgbClr val="00599E"/>
-                  </a:buClr>
-                  <a:buSzPct val="100000"/>
-                  <a:buChar char="⊡"/>
-                  <a:defRPr sz="3000">
-                    <a:solidFill>
-                      <a:srgbClr val="5A5F5E"/>
-                    </a:solidFill>
-                  </a:defRPr>
-                </a:pPr>
-                <a:r>
-                  <a:t>The for convergence may be written with \mathcal{O}: </a:t>
-                </a:r>
-                <a14:m>
-                  <m:oMath xmlns:m="http://schemas.openxmlformats.org/officeDocument/2006/math">
-                    <m:r>
-                      <a:rPr sz="3650" i="1">
-                        <a:solidFill>
-                          <a:srgbClr val="5A5F5E"/>
-                        </a:solidFill>
-                        <a:latin typeface="Cambria Math" panose="02040503050406030204" pitchFamily="18" charset="0"/>
-                      </a:rPr>
-                      <m:t>𝒪</m:t>
-                    </m:r>
-                  </m:oMath>
-                </a14:m>
-                <a:endParaRPr/>
-              </a:p>
-              <a:p>
-                <a:pPr marL="444500" indent="-444500">
-                  <a:lnSpc>
-                    <a:spcPts val="4500"/>
-                  </a:lnSpc>
-                  <a:buClr>
-                    <a:srgbClr val="00599E"/>
-                  </a:buClr>
-                  <a:buSzPct val="100000"/>
-                  <a:buChar char="⊡"/>
-                  <a:defRPr sz="3000">
-                    <a:solidFill>
-                      <a:srgbClr val="5A5F5E"/>
-                    </a:solidFill>
-                  </a:defRPr>
-                </a:pPr>
-                <a:r>
-                  <a:t>The operator for exponential terms with Euler’s number as the base is defined by \exp: </a:t>
-                </a:r>
-                <a14:m>
-                  <m:oMath xmlns:m="http://schemas.openxmlformats.org/officeDocument/2006/math">
-                    <m:r>
-                      <m:rPr>
-                        <m:sty m:val="p"/>
-                      </m:rPr>
-                      <a:rPr sz="3650" i="1">
-                        <a:solidFill>
-                          <a:srgbClr val="5A5F5E"/>
-                        </a:solidFill>
-                        <a:latin typeface="Cambria Math" panose="02040503050406030204" pitchFamily="18" charset="0"/>
-                      </a:rPr>
-                      <m:t>exp</m:t>
-                    </m:r>
-                    <m:r>
-                      <a:rPr sz="3650" i="1">
-                        <a:solidFill>
-                          <a:srgbClr val="5A5F5E"/>
-                        </a:solidFill>
-                        <a:latin typeface="Cambria Math" panose="02040503050406030204" pitchFamily="18" charset="0"/>
-                      </a:rPr>
-                      <m:t>(</m:t>
-                    </m:r>
-                    <m:r>
-                      <a:rPr sz="3650" i="1">
-                        <a:solidFill>
-                          <a:srgbClr val="5A5F5E"/>
-                        </a:solidFill>
-                        <a:latin typeface="Cambria Math" panose="02040503050406030204" pitchFamily="18" charset="0"/>
-                      </a:rPr>
-                      <m:t>1</m:t>
-                    </m:r>
-                    <m:r>
-                      <a:rPr sz="3650" i="1">
-                        <a:solidFill>
-                          <a:srgbClr val="5A5F5E"/>
-                        </a:solidFill>
-                        <a:latin typeface="Cambria Math" panose="02040503050406030204" pitchFamily="18" charset="0"/>
-                      </a:rPr>
-                      <m:t>)≈</m:t>
-                    </m:r>
-                    <m:r>
-                      <a:rPr sz="3650" i="1">
-                        <a:solidFill>
-                          <a:srgbClr val="5A5F5E"/>
-                        </a:solidFill>
-                        <a:latin typeface="Cambria Math" panose="02040503050406030204" pitchFamily="18" charset="0"/>
-                      </a:rPr>
-                      <m:t>2</m:t>
-                    </m:r>
-                    <m:r>
-                      <a:rPr sz="3650" i="1">
-                        <a:solidFill>
-                          <a:srgbClr val="5A5F5E"/>
-                        </a:solidFill>
-                        <a:latin typeface="Cambria Math" panose="02040503050406030204" pitchFamily="18" charset="0"/>
-                      </a:rPr>
-                      <m:t>.</m:t>
-                    </m:r>
-                    <m:r>
-                      <a:rPr sz="3650" i="1">
-                        <a:solidFill>
-                          <a:srgbClr val="5A5F5E"/>
-                        </a:solidFill>
-                        <a:latin typeface="Cambria Math" panose="02040503050406030204" pitchFamily="18" charset="0"/>
-                      </a:rPr>
-                      <m:t>718</m:t>
-                    </m:r>
-                  </m:oMath>
-                </a14:m>
-                <a:endParaRPr/>
-              </a:p>
-              <a:p>
-                <a:pPr marL="444500" indent="-444500">
-                  <a:lnSpc>
-                    <a:spcPts val="4500"/>
-                  </a:lnSpc>
-                  <a:buClr>
-                    <a:srgbClr val="00599E"/>
-                  </a:buClr>
-                  <a:buSzPct val="100000"/>
-                  <a:buChar char="⊡"/>
-                  <a:defRPr sz="3000">
-                    <a:solidFill>
-                      <a:srgbClr val="5A5F5E"/>
-                    </a:solidFill>
-                  </a:defRPr>
-                </a:pPr>
-                <a:r>
-                  <a:t>Use \overset{\mathcal{L}}{\rightarrow} to write the symbol for convergence in distribution and denote the normal distribution by \mathcal{N}, this produces </a:t>
-                </a:r>
-                <a14:m>
-                  <m:oMath xmlns:m="http://schemas.openxmlformats.org/officeDocument/2006/math">
-                    <m:r>
-                      <a:rPr sz="3650" i="1">
-                        <a:solidFill>
-                          <a:srgbClr val="5A5F5E"/>
-                        </a:solidFill>
-                        <a:latin typeface="Cambria Math" panose="02040503050406030204" pitchFamily="18" charset="0"/>
-                      </a:rPr>
-                      <m:t>𝑋</m:t>
-                    </m:r>
-                    <m:limUpp>
-                      <m:limUppPr>
-                        <m:ctrlPr>
-                          <a:rPr sz="3650" i="1">
-                            <a:solidFill>
-                              <a:srgbClr val="5A5F5E"/>
-                            </a:solidFill>
-                            <a:latin typeface="Cambria Math" panose="02040503050406030204" pitchFamily="18" charset="0"/>
-                          </a:rPr>
-                        </m:ctrlPr>
-                      </m:limUppPr>
-                      <m:e>
-                        <m:r>
-                          <a:rPr sz="3650" i="1">
-                            <a:solidFill>
-                              <a:srgbClr val="5A5F5E"/>
-                            </a:solidFill>
-                            <a:latin typeface="Cambria Math" panose="02040503050406030204" pitchFamily="18" charset="0"/>
-                          </a:rPr>
-                          <m:t>→</m:t>
-                        </m:r>
-                      </m:e>
-                      <m:lim>
-                        <m:r>
-                          <a:rPr sz="3650" i="1">
-                            <a:solidFill>
-                              <a:srgbClr val="5A5F5E"/>
-                            </a:solidFill>
-                            <a:latin typeface="Cambria Math" panose="02040503050406030204" pitchFamily="18" charset="0"/>
-                          </a:rPr>
-                          <m:t>ℒ</m:t>
-                        </m:r>
-                      </m:lim>
-                    </m:limUpp>
-                    <m:r>
-                      <a:rPr sz="3650" i="1">
-                        <a:solidFill>
-                          <a:srgbClr val="5A5F5E"/>
-                        </a:solidFill>
-                        <a:latin typeface="Cambria Math" panose="02040503050406030204" pitchFamily="18" charset="0"/>
-                      </a:rPr>
-                      <m:t>𝒩</m:t>
-                    </m:r>
-                    <m:r>
-                      <a:rPr sz="3650" i="1">
-                        <a:solidFill>
-                          <a:srgbClr val="5A5F5E"/>
-                        </a:solidFill>
-                        <a:latin typeface="Cambria Math" panose="02040503050406030204" pitchFamily="18" charset="0"/>
-                      </a:rPr>
-                      <m:t>(</m:t>
-                    </m:r>
-                    <m:r>
-                      <a:rPr sz="3650" i="1">
-                        <a:solidFill>
-                          <a:srgbClr val="5A5F5E"/>
-                        </a:solidFill>
-                        <a:latin typeface="Cambria Math" panose="02040503050406030204" pitchFamily="18" charset="0"/>
-                      </a:rPr>
-                      <m:t>0</m:t>
-                    </m:r>
-                    <m:r>
-                      <a:rPr sz="3650" i="1">
-                        <a:solidFill>
-                          <a:srgbClr val="5A5F5E"/>
-                        </a:solidFill>
-                        <a:latin typeface="Cambria Math" panose="02040503050406030204" pitchFamily="18" charset="0"/>
-                      </a:rPr>
-                      <m:t>,</m:t>
-                    </m:r>
-                    <m:sSup>
-                      <m:sSupPr>
-                        <m:ctrlPr>
-                          <a:rPr sz="3650" i="1">
-                            <a:solidFill>
-                              <a:srgbClr val="5A5F5E"/>
-                            </a:solidFill>
-                            <a:latin typeface="Cambria Math" panose="02040503050406030204" pitchFamily="18" charset="0"/>
-                          </a:rPr>
-                        </m:ctrlPr>
-                      </m:sSupPr>
-                      <m:e>
-                        <m:r>
-                          <a:rPr sz="3650" i="1">
-                            <a:solidFill>
-                              <a:srgbClr val="5A5F5E"/>
-                            </a:solidFill>
-                            <a:latin typeface="Cambria Math" panose="02040503050406030204" pitchFamily="18" charset="0"/>
-                          </a:rPr>
-                          <m:t>𝜎</m:t>
-                        </m:r>
-                      </m:e>
-                      <m:sup>
-                        <m:r>
-                          <a:rPr sz="3650" i="1">
-                            <a:solidFill>
-                              <a:srgbClr val="5A5F5E"/>
-                            </a:solidFill>
-                            <a:latin typeface="Cambria Math" panose="02040503050406030204" pitchFamily="18" charset="0"/>
-                          </a:rPr>
-                          <m:t>2</m:t>
-                        </m:r>
-                      </m:sup>
-                    </m:sSup>
-                    <m:r>
-                      <a:rPr sz="3650" i="1">
-                        <a:solidFill>
-                          <a:srgbClr val="5A5F5E"/>
-                        </a:solidFill>
-                        <a:latin typeface="Cambria Math" panose="02040503050406030204" pitchFamily="18" charset="0"/>
-                      </a:rPr>
-                      <m:t>)</m:t>
-                    </m:r>
-                  </m:oMath>
-                </a14:m>
-                <a:endParaRPr/>
-              </a:p>
-              <a:p>
-                <a:pPr marL="444500" indent="-444500">
-                  <a:lnSpc>
-                    <a:spcPts val="4500"/>
-                  </a:lnSpc>
-                  <a:buClr>
-                    <a:srgbClr val="00599E"/>
-                  </a:buClr>
-                  <a:buSzPct val="100000"/>
-                  <a:buChar char="⊡"/>
-                  <a:defRPr sz="3000">
-                    <a:solidFill>
-                      <a:srgbClr val="5A5F5E"/>
-                    </a:solidFill>
-                  </a:defRPr>
-                </a:pPr>
-                <a:r>
-                  <a:t>Use \overset{\operatorname{as.}}{\sim} to write the symbol for asymptotic distribution  </a:t>
-                </a:r>
-                <a14:m>
-                  <m:oMath xmlns:m="http://schemas.openxmlformats.org/officeDocument/2006/math">
-                    <m:r>
-                      <a:rPr sz="3650" i="1">
-                        <a:solidFill>
-                          <a:srgbClr val="5A5F5E"/>
-                        </a:solidFill>
-                        <a:latin typeface="Cambria Math" panose="02040503050406030204" pitchFamily="18" charset="0"/>
-                      </a:rPr>
-                      <m:t>𝑋</m:t>
-                    </m:r>
-                    <m:limUpp>
-                      <m:limUppPr>
-                        <m:ctrlPr>
-                          <a:rPr sz="3650" i="1">
-                            <a:solidFill>
-                              <a:srgbClr val="5A5F5E"/>
-                            </a:solidFill>
-                            <a:latin typeface="Cambria Math" panose="02040503050406030204" pitchFamily="18" charset="0"/>
-                          </a:rPr>
-                        </m:ctrlPr>
-                      </m:limUppPr>
-                      <m:e>
-                        <m:r>
-                          <a:rPr sz="3650" i="1">
-                            <a:solidFill>
-                              <a:srgbClr val="5A5F5E"/>
-                            </a:solidFill>
-                            <a:latin typeface="Cambria Math" panose="02040503050406030204" pitchFamily="18" charset="0"/>
-                          </a:rPr>
-                          <m:t>∼</m:t>
-                        </m:r>
-                      </m:e>
-                      <m:lim>
-                        <m:r>
-                          <m:rPr>
-                            <m:sty m:val="p"/>
-                          </m:rPr>
-                          <a:rPr sz="3650" i="1">
-                            <a:solidFill>
-                              <a:srgbClr val="5A5F5E"/>
-                            </a:solidFill>
-                            <a:latin typeface="Cambria Math" panose="02040503050406030204" pitchFamily="18" charset="0"/>
-                          </a:rPr>
-                          <m:t>as</m:t>
-                        </m:r>
-                        <m:r>
-                          <a:rPr sz="3650" i="1">
-                            <a:solidFill>
-                              <a:srgbClr val="5A5F5E"/>
-                            </a:solidFill>
-                            <a:latin typeface="Cambria Math" panose="02040503050406030204" pitchFamily="18" charset="0"/>
-                          </a:rPr>
-                          <m:t>.</m:t>
-                        </m:r>
-                      </m:lim>
-                    </m:limUpp>
-                    <m:sSup>
-                      <m:sSupPr>
-                        <m:ctrlPr>
-                          <a:rPr sz="3650" i="1">
-                            <a:solidFill>
-                              <a:srgbClr val="5A5F5E"/>
-                            </a:solidFill>
-                            <a:latin typeface="Cambria Math" panose="02040503050406030204" pitchFamily="18" charset="0"/>
-                          </a:rPr>
-                        </m:ctrlPr>
-                      </m:sSupPr>
-                      <m:e>
-                        <m:r>
-                          <a:rPr sz="3650" i="1">
-                            <a:solidFill>
-                              <a:srgbClr val="5A5F5E"/>
-                            </a:solidFill>
-                            <a:latin typeface="Cambria Math" panose="02040503050406030204" pitchFamily="18" charset="0"/>
-                          </a:rPr>
-                          <m:t>𝜒</m:t>
-                        </m:r>
-                      </m:e>
-                      <m:sup>
-                        <m:r>
-                          <a:rPr sz="3650" i="1">
-                            <a:solidFill>
-                              <a:srgbClr val="5A5F5E"/>
-                            </a:solidFill>
-                            <a:latin typeface="Cambria Math" panose="02040503050406030204" pitchFamily="18" charset="0"/>
-                          </a:rPr>
-                          <m:t>2</m:t>
-                        </m:r>
-                      </m:sup>
-                    </m:sSup>
-                  </m:oMath>
-                </a14:m>
-                <a:endParaRPr/>
-              </a:p>
-              <a:p>
-                <a:pPr marL="444500" indent="-444500">
-                  <a:lnSpc>
-                    <a:spcPts val="4500"/>
-                  </a:lnSpc>
-                  <a:buClr>
-                    <a:srgbClr val="00599E"/>
-                  </a:buClr>
-                  <a:buSzPct val="100000"/>
-                  <a:buChar char="⊡"/>
-                  <a:defRPr sz="3000">
-                    <a:solidFill>
-                      <a:srgbClr val="5A5F5E"/>
-                    </a:solidFill>
-                  </a:defRPr>
-                </a:pPr>
-                <a:r>
-                  <a:t>To define a function, variable etc. use \overset{\operatorname{def}}{=} </a:t>
-                </a:r>
-                <a14:m>
-                  <m:oMath xmlns:m="http://schemas.openxmlformats.org/officeDocument/2006/math">
-                    <m:r>
-                      <a:rPr sz="3650" i="1">
-                        <a:solidFill>
-                          <a:srgbClr val="5A5F5E"/>
-                        </a:solidFill>
-                        <a:latin typeface="Cambria Math" panose="02040503050406030204" pitchFamily="18" charset="0"/>
-                      </a:rPr>
-                      <m:t>𝑓</m:t>
-                    </m:r>
-                    <m:r>
-                      <a:rPr sz="3650" i="1">
-                        <a:solidFill>
-                          <a:srgbClr val="5A5F5E"/>
-                        </a:solidFill>
-                        <a:latin typeface="Cambria Math" panose="02040503050406030204" pitchFamily="18" charset="0"/>
-                      </a:rPr>
-                      <m:t>(</m:t>
-                    </m:r>
-                    <m:r>
-                      <a:rPr sz="3650" i="1">
-                        <a:solidFill>
-                          <a:srgbClr val="5A5F5E"/>
-                        </a:solidFill>
-                        <a:latin typeface="Cambria Math" panose="02040503050406030204" pitchFamily="18" charset="0"/>
-                      </a:rPr>
-                      <m:t>𝑥</m:t>
-                    </m:r>
-                    <m:r>
-                      <a:rPr sz="3650" i="1">
-                        <a:solidFill>
-                          <a:srgbClr val="5A5F5E"/>
-                        </a:solidFill>
-                        <a:latin typeface="Cambria Math" panose="02040503050406030204" pitchFamily="18" charset="0"/>
-                      </a:rPr>
-                      <m:t>)</m:t>
-                    </m:r>
-                    <m:limUpp>
-                      <m:limUppPr>
-                        <m:ctrlPr>
-                          <a:rPr sz="3650" i="1">
-                            <a:solidFill>
-                              <a:srgbClr val="5A5F5E"/>
-                            </a:solidFill>
-                            <a:latin typeface="Cambria Math" panose="02040503050406030204" pitchFamily="18" charset="0"/>
-                          </a:rPr>
-                        </m:ctrlPr>
-                      </m:limUppPr>
-                      <m:e>
-                        <m:r>
-                          <a:rPr sz="3650" i="1">
-                            <a:solidFill>
-                              <a:srgbClr val="5A5F5E"/>
-                            </a:solidFill>
-                            <a:latin typeface="Cambria Math" panose="02040503050406030204" pitchFamily="18" charset="0"/>
-                          </a:rPr>
-                          <m:t>=</m:t>
-                        </m:r>
-                      </m:e>
-                      <m:lim>
-                        <m:r>
-                          <m:rPr>
-                            <m:sty m:val="p"/>
-                          </m:rPr>
-                          <a:rPr sz="3650" i="1">
-                            <a:solidFill>
-                              <a:srgbClr val="5A5F5E"/>
-                            </a:solidFill>
-                            <a:latin typeface="Cambria Math" panose="02040503050406030204" pitchFamily="18" charset="0"/>
-                          </a:rPr>
-                          <m:t>def</m:t>
-                        </m:r>
-                      </m:lim>
-                    </m:limUpp>
-                    <m:r>
-                      <a:rPr sz="3650" i="1">
-                        <a:solidFill>
-                          <a:srgbClr val="5A5F5E"/>
-                        </a:solidFill>
-                        <a:latin typeface="Cambria Math" panose="02040503050406030204" pitchFamily="18" charset="0"/>
-                      </a:rPr>
-                      <m:t>𝑎𝑥</m:t>
-                    </m:r>
-                    <m:r>
-                      <a:rPr sz="3650" i="1">
-                        <a:solidFill>
-                          <a:srgbClr val="5A5F5E"/>
-                        </a:solidFill>
-                        <a:latin typeface="Cambria Math" panose="02040503050406030204" pitchFamily="18" charset="0"/>
-                      </a:rPr>
-                      <m:t>+</m:t>
-                    </m:r>
-                    <m:r>
-                      <a:rPr sz="3650" i="1">
-                        <a:solidFill>
-                          <a:srgbClr val="5A5F5E"/>
-                        </a:solidFill>
-                        <a:latin typeface="Cambria Math" panose="02040503050406030204" pitchFamily="18" charset="0"/>
-                      </a:rPr>
-                      <m:t>𝑏</m:t>
-                    </m:r>
-                  </m:oMath>
-                </a14:m>
-                <a:endParaRPr/>
-              </a:p>
-            </p:txBody>
-          </p:sp>
-        </mc:Choice>
-        <mc:Fallback>
-          <p:sp>
-            <p:nvSpPr>
-              <p:cNvPr id="118" name="The for convergence may be written with \mathcal{O}:…"/>
-              <p:cNvSpPr txBox="1">
-                <a:spLocks noRot="1" noChangeAspect="1" noMove="1" noResize="1" noEditPoints="1" noAdjustHandles="1" noChangeArrowheads="1" noChangeShapeType="1" noTextEdit="1"/>
-              </p:cNvSpPr>
-              <p:nvPr/>
-            </p:nvSpPr>
-            <p:spPr>
-              <a:xfrm>
-                <a:off x="667478" y="2153311"/>
-                <a:ext cx="11467783" cy="5805426"/>
-              </a:xfrm>
-              <a:prstGeom prst="rect">
-                <a:avLst/>
-              </a:prstGeom>
-              <a:blipFill>
-                <a:blip r:embed="rId2"/>
-                <a:stretch>
-                  <a:fillRect l="-1541" t="-315" b="-2938"/>
-                </a:stretch>
-              </a:blipFill>
-              <a:ln w="12700">
-                <a:miter lim="400000"/>
-              </a:ln>
-              <a:extLst>
-                <a:ext uri="{C572A759-6A51-4108-AA02-DFA0A04FC94B}">
-                  <ma14:wrappingTextBoxFlag xmlns:ma14="http://schemas.microsoft.com/office/mac/drawingml/2011/main" xmlns:a14="http://schemas.microsoft.com/office/drawing/2010/main" xmlns:m="http://schemas.openxmlformats.org/officeDocument/2006/math" xmlns="" val="1"/>
-                </a:ext>
-              </a:extLst>
-            </p:spPr>
-            <p:txBody>
-              <a:bodyPr/>
-              <a:lstStyle/>
-              <a:p>
-                <a:r>
-                  <a:rPr lang="zh-TW" altLang="en-US">
-                    <a:noFill/>
-                  </a:rPr>
-                  <a:t> </a:t>
-                </a:r>
-              </a:p>
-            </p:txBody>
-          </p:sp>
-        </mc:Fallback>
-      </mc:AlternateContent>
-    </p:spTree>
-  </p:cSld>
-  <p:clrMapOvr>
-    <a:masterClrMapping/>
-  </p:clrMapOvr>
-  <p:transition spd="med"/>
-</p:sld>
-</file>
-
-<file path=ppt/slides/slide11.xml><?xml version="1.0" encoding="utf-8"?>
 <p:sld xmlns:a="http://schemas.openxmlformats.org/drawingml/2006/main" xmlns:r="http://schemas.openxmlformats.org/officeDocument/2006/relationships" xmlns:p="http://schemas.openxmlformats.org/presentationml/2006/main">
   <p:cSld>
     <p:spTree>
@@ -5497,7 +4887,7 @@
           </a:prstGeom>
           <a:extLst>
             <a:ext uri="{C572A759-6A51-4108-AA02-DFA0A04FC94B}">
-              <ma14:wrappingTextBoxFlag xmlns:ma14="http://schemas.microsoft.com/office/mac/drawingml/2011/main" xmlns:a14="http://schemas.microsoft.com/office/drawing/2010/main" xmlns:m="http://schemas.openxmlformats.org/officeDocument/2006/math" xmlns="" val="1"/>
+              <ma14:wrappingTextBoxFlag xmlns="" xmlns:m="http://schemas.openxmlformats.org/officeDocument/2006/math" xmlns:a14="http://schemas.microsoft.com/office/drawing/2010/main" xmlns:ma14="http://schemas.microsoft.com/office/mac/drawingml/2011/main" val="1"/>
             </a:ext>
           </a:extLst>
         </p:spPr>
@@ -5508,7 +4898,7 @@
           <a:lstStyle/>
           <a:p>
             <a:fld id="{86CB4B4D-7CA3-9044-876B-883B54F8677D}" type="slidenum">
-              <a:t>11</a:t>
+              <a:t>10</a:t>
             </a:fld>
             <a:endParaRPr/>
           </a:p>
@@ -5591,8 +4981,8 @@
           </a:p>
         </p:txBody>
       </p:sp>
-      <mc:AlternateContent xmlns:mc="http://schemas.openxmlformats.org/markup-compatibility/2006">
-        <mc:Choice xmlns:a14="http://schemas.microsoft.com/office/drawing/2010/main" Requires="a14">
+      <mc:AlternateContent xmlns:mc="http://schemas.openxmlformats.org/markup-compatibility/2006" xmlns:a14="http://schemas.microsoft.com/office/drawing/2010/main">
+        <mc:Choice Requires="a14">
           <p:sp>
             <p:nvSpPr>
               <p:cNvPr id="124" name="Use \log for the natural logarithm:…"/>
@@ -5612,7 +5002,7 @@
               </a:ln>
               <a:extLst>
                 <a:ext uri="{C572A759-6A51-4108-AA02-DFA0A04FC94B}">
-                  <ma14:wrappingTextBoxFlag xmlns:ma14="http://schemas.microsoft.com/office/mac/drawingml/2011/main" xmlns:m="http://schemas.openxmlformats.org/officeDocument/2006/math" xmlns="" val="1"/>
+                  <ma14:wrappingTextBoxFlag xmlns="" xmlns:m="http://schemas.openxmlformats.org/officeDocument/2006/math" xmlns:ma14="http://schemas.microsoft.com/office/mac/drawingml/2011/main" val="1"/>
                 </a:ext>
               </a:extLst>
             </p:spPr>
@@ -5934,7 +5324,7 @@
             </p:txBody>
           </p:sp>
         </mc:Choice>
-        <mc:Fallback>
+        <mc:Fallback xmlns="">
           <p:sp>
             <p:nvSpPr>
               <p:cNvPr id="124" name="Use \log for the natural logarithm:…"/>
@@ -5990,7 +5380,7 @@
 </p:sld>
 </file>
 
-<file path=ppt/slides/slide12.xml><?xml version="1.0" encoding="utf-8"?>
+<file path=ppt/slides/slide11.xml><?xml version="1.0" encoding="utf-8"?>
 <p:sld xmlns:a="http://schemas.openxmlformats.org/drawingml/2006/main" xmlns:r="http://schemas.openxmlformats.org/officeDocument/2006/relationships" xmlns:p="http://schemas.openxmlformats.org/presentationml/2006/main">
   <p:cSld>
     <p:spTree>
@@ -6023,7 +5413,7 @@
           </a:prstGeom>
           <a:extLst>
             <a:ext uri="{C572A759-6A51-4108-AA02-DFA0A04FC94B}">
-              <ma14:wrappingTextBoxFlag xmlns:ma14="http://schemas.microsoft.com/office/mac/drawingml/2011/main" xmlns:a14="http://schemas.microsoft.com/office/drawing/2010/main" xmlns:m="http://schemas.openxmlformats.org/officeDocument/2006/math" xmlns="" val="1"/>
+              <ma14:wrappingTextBoxFlag xmlns="" xmlns:m="http://schemas.openxmlformats.org/officeDocument/2006/math" xmlns:a14="http://schemas.microsoft.com/office/drawing/2010/main" xmlns:ma14="http://schemas.microsoft.com/office/mac/drawingml/2011/main" val="1"/>
             </a:ext>
           </a:extLst>
         </p:spPr>
@@ -6034,7 +5424,7 @@
           <a:lstStyle/>
           <a:p>
             <a:fld id="{86CB4B4D-7CA3-9044-876B-883B54F8677D}" type="slidenum">
-              <a:t>12</a:t>
+              <a:t>11</a:t>
             </a:fld>
             <a:endParaRPr/>
           </a:p>
@@ -6112,7 +5502,7 @@
           </a:prstGeom>
           <a:extLst>
             <a:ext uri="{C572A759-6A51-4108-AA02-DFA0A04FC94B}">
-              <ma14:wrappingTextBoxFlag xmlns:ma14="http://schemas.microsoft.com/office/mac/drawingml/2011/main" xmlns:a14="http://schemas.microsoft.com/office/drawing/2010/main" xmlns:m="http://schemas.openxmlformats.org/officeDocument/2006/math" xmlns="" val="1"/>
+              <ma14:wrappingTextBoxFlag xmlns="" xmlns:m="http://schemas.openxmlformats.org/officeDocument/2006/math" xmlns:a14="http://schemas.microsoft.com/office/drawing/2010/main" xmlns:ma14="http://schemas.microsoft.com/office/mac/drawingml/2011/main" val="1"/>
             </a:ext>
           </a:extLst>
         </p:spPr>
@@ -6244,7 +5634,7 @@
 </p:sld>
 </file>
 
-<file path=ppt/slides/slide13.xml><?xml version="1.0" encoding="utf-8"?>
+<file path=ppt/slides/slide12.xml><?xml version="1.0" encoding="utf-8"?>
 <p:sld xmlns:a="http://schemas.openxmlformats.org/drawingml/2006/main" xmlns:r="http://schemas.openxmlformats.org/officeDocument/2006/relationships" xmlns:p="http://schemas.openxmlformats.org/presentationml/2006/main">
   <p:cSld>
     <p:spTree>
@@ -6277,7 +5667,7 @@
           </a:prstGeom>
           <a:extLst>
             <a:ext uri="{C572A759-6A51-4108-AA02-DFA0A04FC94B}">
-              <ma14:wrappingTextBoxFlag xmlns:ma14="http://schemas.microsoft.com/office/mac/drawingml/2011/main" xmlns:a14="http://schemas.microsoft.com/office/drawing/2010/main" xmlns:m="http://schemas.openxmlformats.org/officeDocument/2006/math" xmlns="" val="1"/>
+              <ma14:wrappingTextBoxFlag xmlns="" xmlns:m="http://schemas.openxmlformats.org/officeDocument/2006/math" xmlns:a14="http://schemas.microsoft.com/office/drawing/2010/main" xmlns:ma14="http://schemas.microsoft.com/office/mac/drawingml/2011/main" val="1"/>
             </a:ext>
           </a:extLst>
         </p:spPr>
@@ -6288,7 +5678,7 @@
           <a:lstStyle/>
           <a:p>
             <a:fld id="{86CB4B4D-7CA3-9044-876B-883B54F8677D}" type="slidenum">
-              <a:t>13</a:t>
+              <a:t>12</a:t>
             </a:fld>
             <a:endParaRPr/>
           </a:p>
@@ -6366,7 +5756,7 @@
           </a:prstGeom>
           <a:extLst>
             <a:ext uri="{C572A759-6A51-4108-AA02-DFA0A04FC94B}">
-              <ma14:wrappingTextBoxFlag xmlns:ma14="http://schemas.microsoft.com/office/mac/drawingml/2011/main" xmlns:a14="http://schemas.microsoft.com/office/drawing/2010/main" xmlns:m="http://schemas.openxmlformats.org/officeDocument/2006/math" xmlns="" val="1"/>
+              <ma14:wrappingTextBoxFlag xmlns="" xmlns:m="http://schemas.openxmlformats.org/officeDocument/2006/math" xmlns:a14="http://schemas.microsoft.com/office/drawing/2010/main" xmlns:ma14="http://schemas.microsoft.com/office/mac/drawingml/2011/main" val="1"/>
             </a:ext>
           </a:extLst>
         </p:spPr>
@@ -6469,7 +5859,7 @@
 </p:sld>
 </file>
 
-<file path=ppt/slides/slide14.xml><?xml version="1.0" encoding="utf-8"?>
+<file path=ppt/slides/slide13.xml><?xml version="1.0" encoding="utf-8"?>
 <p:sld xmlns:a="http://schemas.openxmlformats.org/drawingml/2006/main" xmlns:r="http://schemas.openxmlformats.org/officeDocument/2006/relationships" xmlns:p="http://schemas.openxmlformats.org/presentationml/2006/main">
   <p:cSld>
     <p:spTree>
@@ -6534,7 +5924,7 @@
           </a:ln>
           <a:extLst>
             <a:ext uri="{C572A759-6A51-4108-AA02-DFA0A04FC94B}">
-              <ma14:wrappingTextBoxFlag xmlns:ma14="http://schemas.microsoft.com/office/mac/drawingml/2011/main" xmlns:a14="http://schemas.microsoft.com/office/drawing/2010/main" xmlns:m="http://schemas.openxmlformats.org/officeDocument/2006/math" xmlns="" val="1"/>
+              <ma14:wrappingTextBoxFlag xmlns="" xmlns:m="http://schemas.openxmlformats.org/officeDocument/2006/math" xmlns:a14="http://schemas.microsoft.com/office/drawing/2010/main" xmlns:ma14="http://schemas.microsoft.com/office/mac/drawingml/2011/main" val="1"/>
             </a:ext>
           </a:extLst>
         </p:spPr>
@@ -6582,287 +5972,6 @@
       </p:grpSpPr>
       <p:sp>
         <p:nvSpPr>
-          <p:cNvPr id="120" name="Map, Food, Smiles…"/>
-          <p:cNvSpPr txBox="1">
-            <a:spLocks noGrp="1"/>
-          </p:cNvSpPr>
-          <p:nvPr>
-            <p:ph type="body" idx="21"/>
-          </p:nvPr>
-        </p:nvSpPr>
-        <p:spPr>
-          <a:xfrm>
-            <a:off x="773350" y="2649953"/>
-            <a:ext cx="11458100" cy="1760787"/>
-          </a:xfrm>
-          <a:prstGeom prst="rect">
-            <a:avLst/>
-          </a:prstGeom>
-        </p:spPr>
-        <p:txBody>
-          <a:bodyPr>
-            <a:noAutofit/>
-          </a:bodyPr>
-          <a:lstStyle/>
-          <a:p>
-            <a:pPr defTabSz="572516">
-              <a:defRPr sz="5390"/>
-            </a:pPr>
-            <a:r>
-              <a:rPr lang="zh-TW" altLang="en-US" sz="3000" dirty="0"/>
-              <a:t>機器學習應用於信用卡詐欺的績效評估</a:t>
-            </a:r>
-            <a:endParaRPr lang="en-US" altLang="zh-TW" sz="3000" dirty="0"/>
-          </a:p>
-          <a:p>
-            <a:pPr defTabSz="572516">
-              <a:defRPr sz="5390"/>
-            </a:pPr>
-            <a:r>
-              <a:rPr lang="en-US" sz="3000" dirty="0"/>
-              <a:t>Machine learning applied to the performance evaluation of credit card fraud detection</a:t>
-            </a:r>
-            <a:endParaRPr sz="3000" dirty="0"/>
-          </a:p>
-        </p:txBody>
-      </p:sp>
-      <p:sp>
-        <p:nvSpPr>
-          <p:cNvPr id="121" name="Your name"/>
-          <p:cNvSpPr>
-            <a:spLocks noGrp="1"/>
-          </p:cNvSpPr>
-          <p:nvPr>
-            <p:ph type="body" idx="22"/>
-          </p:nvPr>
-        </p:nvSpPr>
-        <p:spPr>
-          <a:xfrm>
-            <a:off x="773350" y="5011710"/>
-            <a:ext cx="11458100" cy="717527"/>
-          </a:xfrm>
-          <a:custGeom>
-            <a:avLst/>
-            <a:gdLst/>
-            <a:ahLst/>
-            <a:cxnLst>
-              <a:cxn ang="0">
-                <a:pos x="wd2" y="hd2"/>
-              </a:cxn>
-              <a:cxn ang="5400000">
-                <a:pos x="wd2" y="hd2"/>
-              </a:cxn>
-              <a:cxn ang="10800000">
-                <a:pos x="wd2" y="hd2"/>
-              </a:cxn>
-              <a:cxn ang="16200000">
-                <a:pos x="wd2" y="hd2"/>
-              </a:cxn>
-            </a:cxnLst>
-            <a:rect l="0" t="0" r="r" b="b"/>
-            <a:pathLst>
-              <a:path w="21600" h="21600" extrusionOk="0">
-                <a:moveTo>
-                  <a:pt x="0" y="0"/>
-                </a:moveTo>
-                <a:lnTo>
-                  <a:pt x="21600" y="0"/>
-                </a:lnTo>
-                <a:lnTo>
-                  <a:pt x="21600" y="21600"/>
-                </a:lnTo>
-                <a:lnTo>
-                  <a:pt x="0" y="21600"/>
-                </a:lnTo>
-                <a:cubicBezTo>
-                  <a:pt x="4" y="18306"/>
-                  <a:pt x="5" y="15012"/>
-                  <a:pt x="6" y="11718"/>
-                </a:cubicBezTo>
-                <a:cubicBezTo>
-                  <a:pt x="6" y="7811"/>
-                  <a:pt x="4" y="3905"/>
-                  <a:pt x="0" y="0"/>
-                </a:cubicBezTo>
-                <a:close/>
-              </a:path>
-            </a:pathLst>
-          </a:custGeom>
-          <a:extLst>
-            <a:ext uri="{C572A759-6A51-4108-AA02-DFA0A04FC94B}">
-              <ma14:wrappingTextBoxFlag xmlns="" xmlns:m="http://schemas.openxmlformats.org/officeDocument/2006/math" xmlns:a14="http://schemas.microsoft.com/office/drawing/2010/main" xmlns:ma14="http://schemas.microsoft.com/office/mac/drawingml/2011/main" val="1"/>
-            </a:ext>
-          </a:extLst>
-        </p:spPr>
-        <p:txBody>
-          <a:bodyPr/>
-          <a:lstStyle/>
-          <a:p>
-            <a:r>
-              <a:rPr dirty="0"/>
-              <a:t> </a:t>
-            </a:r>
-            <a:r>
-              <a:rPr lang="en-US" altLang="zh-TW" dirty="0"/>
-              <a:t>312707033</a:t>
-            </a:r>
-            <a:r>
-              <a:rPr lang="zh-TW" altLang="en-US" dirty="0"/>
-              <a:t>包坤達、</a:t>
-            </a:r>
-            <a:r>
-              <a:rPr lang="en-US" altLang="zh-TW" dirty="0"/>
-              <a:t>313707048</a:t>
-            </a:r>
-            <a:r>
-              <a:rPr lang="zh-TW" altLang="en-US" dirty="0"/>
-              <a:t>郭奕伶</a:t>
-            </a:r>
-            <a:endParaRPr dirty="0"/>
-          </a:p>
-        </p:txBody>
-      </p:sp>
-      <p:sp>
-        <p:nvSpPr>
-          <p:cNvPr id="122" name="Your affiliation"/>
-          <p:cNvSpPr>
-            <a:spLocks noGrp="1"/>
-          </p:cNvSpPr>
-          <p:nvPr>
-            <p:ph type="body" idx="23"/>
-          </p:nvPr>
-        </p:nvSpPr>
-        <p:spPr>
-          <a:custGeom>
-            <a:avLst/>
-            <a:gdLst/>
-            <a:ahLst/>
-            <a:cxnLst>
-              <a:cxn ang="0">
-                <a:pos x="wd2" y="hd2"/>
-              </a:cxn>
-              <a:cxn ang="5400000">
-                <a:pos x="wd2" y="hd2"/>
-              </a:cxn>
-              <a:cxn ang="10800000">
-                <a:pos x="wd2" y="hd2"/>
-              </a:cxn>
-              <a:cxn ang="16200000">
-                <a:pos x="wd2" y="hd2"/>
-              </a:cxn>
-            </a:cxnLst>
-            <a:rect l="0" t="0" r="r" b="b"/>
-            <a:pathLst>
-              <a:path w="21600" h="21600" extrusionOk="0">
-                <a:moveTo>
-                  <a:pt x="0" y="0"/>
-                </a:moveTo>
-                <a:lnTo>
-                  <a:pt x="21600" y="0"/>
-                </a:lnTo>
-                <a:lnTo>
-                  <a:pt x="21600" y="21600"/>
-                </a:lnTo>
-                <a:lnTo>
-                  <a:pt x="0" y="21600"/>
-                </a:lnTo>
-                <a:cubicBezTo>
-                  <a:pt x="4" y="18306"/>
-                  <a:pt x="5" y="15012"/>
-                  <a:pt x="6" y="11718"/>
-                </a:cubicBezTo>
-                <a:cubicBezTo>
-                  <a:pt x="6" y="7811"/>
-                  <a:pt x="4" y="3905"/>
-                  <a:pt x="0" y="0"/>
-                </a:cubicBezTo>
-                <a:close/>
-              </a:path>
-            </a:pathLst>
-          </a:custGeom>
-          <a:extLst>
-            <a:ext uri="{C572A759-6A51-4108-AA02-DFA0A04FC94B}">
-              <ma14:wrappingTextBoxFlag xmlns="" xmlns:m="http://schemas.openxmlformats.org/officeDocument/2006/math" xmlns:a14="http://schemas.microsoft.com/office/drawing/2010/main" xmlns:ma14="http://schemas.microsoft.com/office/mac/drawingml/2011/main" val="1"/>
-            </a:ext>
-          </a:extLst>
-        </p:spPr>
-        <p:txBody>
-          <a:bodyPr/>
-          <a:lstStyle/>
-          <a:p>
-            <a:r>
-              <a:t> </a:t>
-            </a:r>
-          </a:p>
-        </p:txBody>
-      </p:sp>
-      <p:sp>
-        <p:nvSpPr>
-          <p:cNvPr id="123" name="20240419 TEN MFS.key"/>
-          <p:cNvSpPr txBox="1"/>
-          <p:nvPr/>
-        </p:nvSpPr>
-        <p:spPr>
-          <a:xfrm>
-            <a:off x="9519751" y="9237870"/>
-            <a:ext cx="2134553" cy="324675"/>
-          </a:xfrm>
-          <a:prstGeom prst="rect">
-            <a:avLst/>
-          </a:prstGeom>
-          <a:ln w="12700">
-            <a:miter lim="400000"/>
-          </a:ln>
-          <a:extLst>
-            <a:ext uri="{C572A759-6A51-4108-AA02-DFA0A04FC94B}">
-              <ma14:wrappingTextBoxFlag xmlns="" xmlns:m="http://schemas.openxmlformats.org/officeDocument/2006/math" xmlns:a14="http://schemas.microsoft.com/office/drawing/2010/main" xmlns:ma14="http://schemas.microsoft.com/office/mac/drawingml/2011/main" val="1"/>
-            </a:ext>
-          </a:extLst>
-        </p:spPr>
-        <p:txBody>
-          <a:bodyPr wrap="none" lIns="50800" tIns="50800" rIns="50800" bIns="50800">
-            <a:normAutofit lnSpcReduction="10000"/>
-          </a:bodyPr>
-          <a:lstStyle>
-            <a:lvl1pPr>
-              <a:defRPr sz="1500"/>
-            </a:lvl1pPr>
-          </a:lstStyle>
-          <a:p>
-            <a:r>
-              <a:t>20240419 TEN MFS.key</a:t>
-            </a:r>
-          </a:p>
-        </p:txBody>
-      </p:sp>
-    </p:spTree>
-  </p:cSld>
-  <p:clrMapOvr>
-    <a:masterClrMapping/>
-  </p:clrMapOvr>
-  <p:transition spd="med"/>
-</p:sld>
-</file>
-
-<file path=ppt/slides/slide3.xml><?xml version="1.0" encoding="utf-8"?>
-<p:sld xmlns:a="http://schemas.openxmlformats.org/drawingml/2006/main" xmlns:r="http://schemas.openxmlformats.org/officeDocument/2006/relationships" xmlns:p="http://schemas.openxmlformats.org/presentationml/2006/main">
-  <p:cSld>
-    <p:spTree>
-      <p:nvGrpSpPr>
-        <p:cNvPr id="1" name=""/>
-        <p:cNvGrpSpPr/>
-        <p:nvPr/>
-      </p:nvGrpSpPr>
-      <p:grpSpPr>
-        <a:xfrm>
-          <a:off x="0" y="0"/>
-          <a:ext cx="0" cy="0"/>
-          <a:chOff x="0" y="0"/>
-          <a:chExt cx="0" cy="0"/>
-        </a:xfrm>
-      </p:grpSpPr>
-      <p:sp>
-        <p:nvSpPr>
           <p:cNvPr id="70" name="幻燈片編號"/>
           <p:cNvSpPr txBox="1">
             <a:spLocks noGrp="1"/>
@@ -6877,7 +5986,7 @@
           </a:prstGeom>
           <a:extLst>
             <a:ext uri="{C572A759-6A51-4108-AA02-DFA0A04FC94B}">
-              <ma14:wrappingTextBoxFlag xmlns:ma14="http://schemas.microsoft.com/office/mac/drawingml/2011/main" xmlns:a14="http://schemas.microsoft.com/office/drawing/2010/main" xmlns:m="http://schemas.openxmlformats.org/officeDocument/2006/math" xmlns="" val="1"/>
+              <ma14:wrappingTextBoxFlag xmlns="" xmlns:m="http://schemas.openxmlformats.org/officeDocument/2006/math" xmlns:a14="http://schemas.microsoft.com/office/drawing/2010/main" xmlns:ma14="http://schemas.microsoft.com/office/mac/drawingml/2011/main" val="1"/>
             </a:ext>
           </a:extLst>
         </p:spPr>
@@ -6889,7 +5998,7 @@
           <a:p>
             <a:fld id="{86CB4B4D-7CA3-9044-876B-883B54F8677D}" type="slidenum">
               <a:rPr/>
-              <a:t>3</a:t>
+              <a:t>2</a:t>
             </a:fld>
             <a:endParaRPr/>
           </a:p>
@@ -6967,7 +6076,7 @@
           </a:prstGeom>
           <a:extLst>
             <a:ext uri="{C572A759-6A51-4108-AA02-DFA0A04FC94B}">
-              <ma14:wrappingTextBoxFlag xmlns:ma14="http://schemas.microsoft.com/office/mac/drawingml/2011/main" xmlns:a14="http://schemas.microsoft.com/office/drawing/2010/main" xmlns:m="http://schemas.openxmlformats.org/officeDocument/2006/math" xmlns="" val="1"/>
+              <ma14:wrappingTextBoxFlag xmlns="" xmlns:m="http://schemas.openxmlformats.org/officeDocument/2006/math" xmlns:a14="http://schemas.microsoft.com/office/drawing/2010/main" xmlns:ma14="http://schemas.microsoft.com/office/mac/drawingml/2011/main" val="1"/>
             </a:ext>
           </a:extLst>
         </p:spPr>
@@ -7063,7 +6172,7 @@
           </a:ln>
           <a:extLst>
             <a:ext uri="{C572A759-6A51-4108-AA02-DFA0A04FC94B}">
-              <ma14:wrappingTextBoxFlag xmlns:ma14="http://schemas.microsoft.com/office/mac/drawingml/2011/main" xmlns:a14="http://schemas.microsoft.com/office/drawing/2010/main" xmlns:m="http://schemas.openxmlformats.org/officeDocument/2006/math" xmlns="" val="1"/>
+              <ma14:wrappingTextBoxFlag xmlns="" xmlns:m="http://schemas.openxmlformats.org/officeDocument/2006/math" xmlns:a14="http://schemas.microsoft.com/office/drawing/2010/main" xmlns:ma14="http://schemas.microsoft.com/office/mac/drawingml/2011/main" val="1"/>
             </a:ext>
           </a:extLst>
         </p:spPr>
@@ -7126,7 +6235,7 @@
 </p:sld>
 </file>
 
-<file path=ppt/slides/slide4.xml><?xml version="1.0" encoding="utf-8"?>
+<file path=ppt/slides/slide3.xml><?xml version="1.0" encoding="utf-8"?>
 <p:sld xmlns:a="http://schemas.openxmlformats.org/drawingml/2006/main" xmlns:r="http://schemas.openxmlformats.org/officeDocument/2006/relationships" xmlns:p="http://schemas.openxmlformats.org/presentationml/2006/main">
   <p:cSld>
     <p:spTree>
@@ -7188,7 +6297,7 @@
           </a:prstGeom>
           <a:extLst>
             <a:ext uri="{C572A759-6A51-4108-AA02-DFA0A04FC94B}">
-              <ma14:wrappingTextBoxFlag xmlns:ma14="http://schemas.microsoft.com/office/mac/drawingml/2011/main" xmlns:a14="http://schemas.microsoft.com/office/drawing/2010/main" xmlns:m="http://schemas.openxmlformats.org/officeDocument/2006/math" xmlns="" val="1"/>
+              <ma14:wrappingTextBoxFlag xmlns="" xmlns:m="http://schemas.openxmlformats.org/officeDocument/2006/math" xmlns:a14="http://schemas.microsoft.com/office/drawing/2010/main" xmlns:ma14="http://schemas.microsoft.com/office/mac/drawingml/2011/main" val="1"/>
             </a:ext>
           </a:extLst>
         </p:spPr>
@@ -7255,7 +6364,7 @@
 </p:sld>
 </file>
 
-<file path=ppt/slides/slide5.xml><?xml version="1.0" encoding="utf-8"?>
+<file path=ppt/slides/slide4.xml><?xml version="1.0" encoding="utf-8"?>
 <p:sld xmlns:a="http://schemas.openxmlformats.org/drawingml/2006/main" xmlns:r="http://schemas.openxmlformats.org/officeDocument/2006/relationships" xmlns:p="http://schemas.openxmlformats.org/presentationml/2006/main">
   <p:cSld>
     <p:spTree>
@@ -7288,7 +6397,7 @@
           </a:prstGeom>
           <a:extLst>
             <a:ext uri="{C572A759-6A51-4108-AA02-DFA0A04FC94B}">
-              <ma14:wrappingTextBoxFlag xmlns:ma14="http://schemas.microsoft.com/office/mac/drawingml/2011/main" xmlns:a14="http://schemas.microsoft.com/office/drawing/2010/main" xmlns:m="http://schemas.openxmlformats.org/officeDocument/2006/math" xmlns="" val="1"/>
+              <ma14:wrappingTextBoxFlag xmlns="" xmlns:m="http://schemas.openxmlformats.org/officeDocument/2006/math" xmlns:a14="http://schemas.microsoft.com/office/drawing/2010/main" xmlns:ma14="http://schemas.microsoft.com/office/mac/drawingml/2011/main" val="1"/>
             </a:ext>
           </a:extLst>
         </p:spPr>
@@ -7299,7 +6408,7 @@
           <a:lstStyle/>
           <a:p>
             <a:fld id="{86CB4B4D-7CA3-9044-876B-883B54F8677D}" type="slidenum">
-              <a:t>5</a:t>
+              <a:t>4</a:t>
             </a:fld>
             <a:endParaRPr/>
           </a:p>
@@ -7491,7 +6600,7 @@
 </p:sld>
 </file>
 
-<file path=ppt/slides/slide6.xml><?xml version="1.0" encoding="utf-8"?>
+<file path=ppt/slides/slide5.xml><?xml version="1.0" encoding="utf-8"?>
 <p:sld xmlns:a="http://schemas.openxmlformats.org/drawingml/2006/main" xmlns:r="http://schemas.openxmlformats.org/officeDocument/2006/relationships" xmlns:p="http://schemas.openxmlformats.org/presentationml/2006/main">
   <p:cSld>
     <p:spTree>
@@ -7524,7 +6633,7 @@
           </a:prstGeom>
           <a:extLst>
             <a:ext uri="{C572A759-6A51-4108-AA02-DFA0A04FC94B}">
-              <ma14:wrappingTextBoxFlag xmlns:ma14="http://schemas.microsoft.com/office/mac/drawingml/2011/main" xmlns:a14="http://schemas.microsoft.com/office/drawing/2010/main" xmlns:m="http://schemas.openxmlformats.org/officeDocument/2006/math" xmlns="" val="1"/>
+              <ma14:wrappingTextBoxFlag xmlns="" xmlns:m="http://schemas.openxmlformats.org/officeDocument/2006/math" xmlns:a14="http://schemas.microsoft.com/office/drawing/2010/main" xmlns:ma14="http://schemas.microsoft.com/office/mac/drawingml/2011/main" val="1"/>
             </a:ext>
           </a:extLst>
         </p:spPr>
@@ -7535,7 +6644,7 @@
           <a:lstStyle/>
           <a:p>
             <a:fld id="{86CB4B4D-7CA3-9044-876B-883B54F8677D}" type="slidenum">
-              <a:t>6</a:t>
+              <a:t>5</a:t>
             </a:fld>
             <a:endParaRPr/>
           </a:p>
@@ -7637,7 +6746,7 @@
           </a:ln>
           <a:extLst>
             <a:ext uri="{C572A759-6A51-4108-AA02-DFA0A04FC94B}">
-              <ma14:wrappingTextBoxFlag xmlns:ma14="http://schemas.microsoft.com/office/mac/drawingml/2011/main" xmlns:a14="http://schemas.microsoft.com/office/drawing/2010/main" xmlns:m="http://schemas.openxmlformats.org/officeDocument/2006/math" xmlns="" val="1"/>
+              <ma14:wrappingTextBoxFlag xmlns="" xmlns:m="http://schemas.openxmlformats.org/officeDocument/2006/math" xmlns:a14="http://schemas.microsoft.com/office/drawing/2010/main" xmlns:ma14="http://schemas.microsoft.com/office/mac/drawingml/2011/main" val="1"/>
             </a:ext>
           </a:extLst>
         </p:spPr>
@@ -7705,7 +6814,7 @@
 </p:sld>
 </file>
 
-<file path=ppt/slides/slide7.xml><?xml version="1.0" encoding="utf-8"?>
+<file path=ppt/slides/slide6.xml><?xml version="1.0" encoding="utf-8"?>
 <p:sld xmlns:a="http://schemas.openxmlformats.org/drawingml/2006/main" xmlns:r="http://schemas.openxmlformats.org/officeDocument/2006/relationships" xmlns:p="http://schemas.openxmlformats.org/presentationml/2006/main">
   <p:cSld>
     <p:spTree>
@@ -7738,7 +6847,7 @@
           </a:prstGeom>
           <a:extLst>
             <a:ext uri="{C572A759-6A51-4108-AA02-DFA0A04FC94B}">
-              <ma14:wrappingTextBoxFlag xmlns:ma14="http://schemas.microsoft.com/office/mac/drawingml/2011/main" xmlns:a14="http://schemas.microsoft.com/office/drawing/2010/main" xmlns:m="http://schemas.openxmlformats.org/officeDocument/2006/math" xmlns="" val="1"/>
+              <ma14:wrappingTextBoxFlag xmlns="" xmlns:m="http://schemas.openxmlformats.org/officeDocument/2006/math" xmlns:a14="http://schemas.microsoft.com/office/drawing/2010/main" xmlns:ma14="http://schemas.microsoft.com/office/mac/drawingml/2011/main" val="1"/>
             </a:ext>
           </a:extLst>
         </p:spPr>
@@ -7749,7 +6858,7 @@
           <a:lstStyle/>
           <a:p>
             <a:fld id="{86CB4B4D-7CA3-9044-876B-883B54F8677D}" type="slidenum">
-              <a:t>7</a:t>
+              <a:t>6</a:t>
             </a:fld>
             <a:endParaRPr/>
           </a:p>
@@ -7851,7 +6960,7 @@
           </a:ln>
           <a:extLst>
             <a:ext uri="{C572A759-6A51-4108-AA02-DFA0A04FC94B}">
-              <ma14:wrappingTextBoxFlag xmlns:ma14="http://schemas.microsoft.com/office/mac/drawingml/2011/main" xmlns:a14="http://schemas.microsoft.com/office/drawing/2010/main" xmlns:m="http://schemas.openxmlformats.org/officeDocument/2006/math" xmlns="" val="1"/>
+              <ma14:wrappingTextBoxFlag xmlns="" xmlns:m="http://schemas.openxmlformats.org/officeDocument/2006/math" xmlns:a14="http://schemas.microsoft.com/office/drawing/2010/main" xmlns:ma14="http://schemas.microsoft.com/office/mac/drawingml/2011/main" val="1"/>
             </a:ext>
           </a:extLst>
         </p:spPr>
@@ -7943,7 +7052,7 @@
           </a:ln>
           <a:extLst>
             <a:ext uri="{C572A759-6A51-4108-AA02-DFA0A04FC94B}">
-              <ma14:wrappingTextBoxFlag xmlns:ma14="http://schemas.microsoft.com/office/mac/drawingml/2011/main" xmlns:a14="http://schemas.microsoft.com/office/drawing/2010/main" xmlns:m="http://schemas.openxmlformats.org/officeDocument/2006/math" xmlns="" val="1"/>
+              <ma14:wrappingTextBoxFlag xmlns="" xmlns:m="http://schemas.openxmlformats.org/officeDocument/2006/math" xmlns:a14="http://schemas.microsoft.com/office/drawing/2010/main" xmlns:ma14="http://schemas.microsoft.com/office/mac/drawingml/2011/main" val="1"/>
             </a:ext>
           </a:extLst>
         </p:spPr>
@@ -8003,7 +7112,7 @@
 </p:sld>
 </file>
 
-<file path=ppt/slides/slide8.xml><?xml version="1.0" encoding="utf-8"?>
+<file path=ppt/slides/slide7.xml><?xml version="1.0" encoding="utf-8"?>
 <p:sld xmlns:a="http://schemas.openxmlformats.org/drawingml/2006/main" xmlns:r="http://schemas.openxmlformats.org/officeDocument/2006/relationships" xmlns:p="http://schemas.openxmlformats.org/presentationml/2006/main">
   <p:cSld>
     <p:spTree>
@@ -8036,7 +7145,7 @@
           </a:prstGeom>
           <a:extLst>
             <a:ext uri="{C572A759-6A51-4108-AA02-DFA0A04FC94B}">
-              <ma14:wrappingTextBoxFlag xmlns:ma14="http://schemas.microsoft.com/office/mac/drawingml/2011/main" xmlns:a14="http://schemas.microsoft.com/office/drawing/2010/main" xmlns:m="http://schemas.openxmlformats.org/officeDocument/2006/math" xmlns="" val="1"/>
+              <ma14:wrappingTextBoxFlag xmlns="" xmlns:m="http://schemas.openxmlformats.org/officeDocument/2006/math" xmlns:a14="http://schemas.microsoft.com/office/drawing/2010/main" xmlns:ma14="http://schemas.microsoft.com/office/mac/drawingml/2011/main" val="1"/>
             </a:ext>
           </a:extLst>
         </p:spPr>
@@ -8047,7 +7156,7 @@
           <a:lstStyle/>
           <a:p>
             <a:fld id="{86CB4B4D-7CA3-9044-876B-883B54F8677D}" type="slidenum">
-              <a:t>8</a:t>
+              <a:t>7</a:t>
             </a:fld>
             <a:endParaRPr/>
           </a:p>
@@ -8130,8 +7239,8 @@
           </a:p>
         </p:txBody>
       </p:sp>
-      <mc:AlternateContent xmlns:mc="http://schemas.openxmlformats.org/markup-compatibility/2006">
-        <mc:Choice xmlns:a14="http://schemas.microsoft.com/office/drawing/2010/main" Requires="a14">
+      <mc:AlternateContent xmlns:mc="http://schemas.openxmlformats.org/markup-compatibility/2006" xmlns:a14="http://schemas.microsoft.com/office/drawing/2010/main">
+        <mc:Choice Requires="a14">
           <p:sp>
             <p:nvSpPr>
               <p:cNvPr id="106" name="Use the formula creator within keynote ‘Insert/Equation’…"/>
@@ -8151,7 +7260,7 @@
               </a:ln>
               <a:extLst>
                 <a:ext uri="{C572A759-6A51-4108-AA02-DFA0A04FC94B}">
-                  <ma14:wrappingTextBoxFlag xmlns:ma14="http://schemas.microsoft.com/office/mac/drawingml/2011/main" xmlns:m="http://schemas.openxmlformats.org/officeDocument/2006/math" xmlns="" val="1"/>
+                  <ma14:wrappingTextBoxFlag xmlns="" xmlns:m="http://schemas.openxmlformats.org/officeDocument/2006/math" xmlns:ma14="http://schemas.microsoft.com/office/mac/drawingml/2011/main" val="1"/>
                 </a:ext>
               </a:extLst>
             </p:spPr>
@@ -8372,7 +7481,7 @@
                     <m:sSub>
                       <m:sSubPr>
                         <m:ctrlPr>
-                          <a:rPr sz="3650">
+                          <a:rPr sz="3650" i="1">
                             <a:solidFill>
                               <a:srgbClr val="5A5F5E"/>
                             </a:solidFill>
@@ -8663,7 +7772,7 @@
             </p:txBody>
           </p:sp>
         </mc:Choice>
-        <mc:Fallback>
+        <mc:Fallback xmlns="">
           <p:sp>
             <p:nvSpPr>
               <p:cNvPr id="106" name="Use the formula creator within keynote ‘Insert/Equation’…"/>
@@ -8719,7 +7828,7 @@
 </p:sld>
 </file>
 
-<file path=ppt/slides/slide9.xml><?xml version="1.0" encoding="utf-8"?>
+<file path=ppt/slides/slide8.xml><?xml version="1.0" encoding="utf-8"?>
 <p:sld xmlns:a="http://schemas.openxmlformats.org/drawingml/2006/main" xmlns:r="http://schemas.openxmlformats.org/officeDocument/2006/relationships" xmlns:p="http://schemas.openxmlformats.org/presentationml/2006/main">
   <p:cSld>
     <p:spTree>
@@ -8752,7 +7861,7 @@
           </a:prstGeom>
           <a:extLst>
             <a:ext uri="{C572A759-6A51-4108-AA02-DFA0A04FC94B}">
-              <ma14:wrappingTextBoxFlag xmlns:ma14="http://schemas.microsoft.com/office/mac/drawingml/2011/main" xmlns:a14="http://schemas.microsoft.com/office/drawing/2010/main" xmlns:m="http://schemas.openxmlformats.org/officeDocument/2006/math" xmlns="" val="1"/>
+              <ma14:wrappingTextBoxFlag xmlns="" xmlns:m="http://schemas.openxmlformats.org/officeDocument/2006/math" xmlns:a14="http://schemas.microsoft.com/office/drawing/2010/main" xmlns:ma14="http://schemas.microsoft.com/office/mac/drawingml/2011/main" val="1"/>
             </a:ext>
           </a:extLst>
         </p:spPr>
@@ -8763,7 +7872,7 @@
           <a:lstStyle/>
           <a:p>
             <a:fld id="{86CB4B4D-7CA3-9044-876B-883B54F8677D}" type="slidenum">
-              <a:t>9</a:t>
+              <a:t>8</a:t>
             </a:fld>
             <a:endParaRPr/>
           </a:p>
@@ -8846,8 +7955,8 @@
           </a:p>
         </p:txBody>
       </p:sp>
-      <mc:AlternateContent xmlns:mc="http://schemas.openxmlformats.org/markup-compatibility/2006">
-        <mc:Choice xmlns:a14="http://schemas.microsoft.com/office/drawing/2010/main" Requires="a14">
+      <mc:AlternateContent xmlns:mc="http://schemas.openxmlformats.org/markup-compatibility/2006" xmlns:a14="http://schemas.microsoft.com/office/drawing/2010/main">
+        <mc:Choice Requires="a14">
           <p:sp>
             <p:nvSpPr>
               <p:cNvPr id="112" name="Use ^{\top} to write the transpose symbol:…"/>
@@ -8867,7 +7976,7 @@
               </a:ln>
               <a:extLst>
                 <a:ext uri="{C572A759-6A51-4108-AA02-DFA0A04FC94B}">
-                  <ma14:wrappingTextBoxFlag xmlns:ma14="http://schemas.microsoft.com/office/mac/drawingml/2011/main" xmlns:m="http://schemas.openxmlformats.org/officeDocument/2006/math" xmlns="" val="1"/>
+                  <ma14:wrappingTextBoxFlag xmlns="" xmlns:m="http://schemas.openxmlformats.org/officeDocument/2006/math" xmlns:ma14="http://schemas.microsoft.com/office/mac/drawingml/2011/main" val="1"/>
                 </a:ext>
               </a:extLst>
             </p:spPr>
@@ -8900,7 +8009,7 @@
                     <m:sSup>
                       <m:sSupPr>
                         <m:ctrlPr>
-                          <a:rPr sz="3650">
+                          <a:rPr sz="3650" i="1">
                             <a:solidFill>
                               <a:srgbClr val="5A5F5E"/>
                             </a:solidFill>
@@ -9056,7 +8165,7 @@
                     <m:limUpp>
                       <m:limUppPr>
                         <m:ctrlPr>
-                          <a:rPr sz="3650">
+                          <a:rPr sz="3650" i="1">
                             <a:solidFill>
                               <a:srgbClr val="5A5F5E"/>
                             </a:solidFill>
@@ -9189,7 +8298,7 @@
             </p:txBody>
           </p:sp>
         </mc:Choice>
-        <mc:Fallback>
+        <mc:Fallback xmlns="">
           <p:sp>
             <p:nvSpPr>
               <p:cNvPr id="112" name="Use ^{\top} to write the transpose symbol:…"/>
@@ -9210,6 +8319,670 @@
                 <a:blip r:embed="rId2"/>
                 <a:stretch>
                   <a:fillRect l="-1541" t="-771" b="-6170"/>
+                </a:stretch>
+              </a:blipFill>
+              <a:ln w="12700">
+                <a:miter lim="400000"/>
+              </a:ln>
+              <a:extLst>
+                <a:ext uri="{C572A759-6A51-4108-AA02-DFA0A04FC94B}">
+                  <ma14:wrappingTextBoxFlag xmlns:ma14="http://schemas.microsoft.com/office/mac/drawingml/2011/main" xmlns:a14="http://schemas.microsoft.com/office/drawing/2010/main" xmlns:m="http://schemas.openxmlformats.org/officeDocument/2006/math" xmlns="" val="1"/>
+                </a:ext>
+              </a:extLst>
+            </p:spPr>
+            <p:txBody>
+              <a:bodyPr/>
+              <a:lstStyle/>
+              <a:p>
+                <a:r>
+                  <a:rPr lang="zh-TW" altLang="en-US">
+                    <a:noFill/>
+                  </a:rPr>
+                  <a:t> </a:t>
+                </a:r>
+              </a:p>
+            </p:txBody>
+          </p:sp>
+        </mc:Fallback>
+      </mc:AlternateContent>
+    </p:spTree>
+  </p:cSld>
+  <p:clrMapOvr>
+    <a:masterClrMapping/>
+  </p:clrMapOvr>
+  <p:transition spd="med"/>
+</p:sld>
+</file>
+
+<file path=ppt/slides/slide9.xml><?xml version="1.0" encoding="utf-8"?>
+<p:sld xmlns:a="http://schemas.openxmlformats.org/drawingml/2006/main" xmlns:r="http://schemas.openxmlformats.org/officeDocument/2006/relationships" xmlns:p="http://schemas.openxmlformats.org/presentationml/2006/main">
+  <p:cSld>
+    <p:spTree>
+      <p:nvGrpSpPr>
+        <p:cNvPr id="1" name=""/>
+        <p:cNvGrpSpPr/>
+        <p:nvPr/>
+      </p:nvGrpSpPr>
+      <p:grpSpPr>
+        <a:xfrm>
+          <a:off x="0" y="0"/>
+          <a:ext cx="0" cy="0"/>
+          <a:chOff x="0" y="0"/>
+          <a:chExt cx="0" cy="0"/>
+        </a:xfrm>
+      </p:grpSpPr>
+      <p:sp>
+        <p:nvSpPr>
+          <p:cNvPr id="114" name="幻燈片編號"/>
+          <p:cNvSpPr txBox="1">
+            <a:spLocks noGrp="1"/>
+          </p:cNvSpPr>
+          <p:nvPr>
+            <p:ph type="sldNum" sz="quarter" idx="2"/>
+          </p:nvPr>
+        </p:nvSpPr>
+        <p:spPr>
+          <a:prstGeom prst="rect">
+            <a:avLst/>
+          </a:prstGeom>
+          <a:extLst>
+            <a:ext uri="{C572A759-6A51-4108-AA02-DFA0A04FC94B}">
+              <ma14:wrappingTextBoxFlag xmlns="" xmlns:m="http://schemas.openxmlformats.org/officeDocument/2006/math" xmlns:a14="http://schemas.microsoft.com/office/drawing/2010/main" xmlns:ma14="http://schemas.microsoft.com/office/mac/drawingml/2011/main" val="1"/>
+            </a:ext>
+          </a:extLst>
+        </p:spPr>
+        <p:txBody>
+          <a:bodyPr>
+            <a:normAutofit lnSpcReduction="10000"/>
+          </a:bodyPr>
+          <a:lstStyle/>
+          <a:p>
+            <a:fld id="{86CB4B4D-7CA3-9044-876B-883B54F8677D}" type="slidenum">
+              <a:t>9</a:t>
+            </a:fld>
+            <a:endParaRPr/>
+          </a:p>
+        </p:txBody>
+      </p:sp>
+      <p:sp>
+        <p:nvSpPr>
+          <p:cNvPr id="115" name="Styleguide"/>
+          <p:cNvSpPr txBox="1">
+            <a:spLocks noGrp="1"/>
+          </p:cNvSpPr>
+          <p:nvPr>
+            <p:ph type="body" idx="21"/>
+          </p:nvPr>
+        </p:nvSpPr>
+        <p:spPr>
+          <a:prstGeom prst="rect">
+            <a:avLst/>
+          </a:prstGeom>
+        </p:spPr>
+        <p:txBody>
+          <a:bodyPr/>
+          <a:lstStyle/>
+          <a:p>
+            <a:r>
+              <a:t>Styleguide</a:t>
+            </a:r>
+          </a:p>
+        </p:txBody>
+      </p:sp>
+      <p:sp>
+        <p:nvSpPr>
+          <p:cNvPr id="116" name="LvB notations 3"/>
+          <p:cNvSpPr txBox="1">
+            <a:spLocks noGrp="1"/>
+          </p:cNvSpPr>
+          <p:nvPr>
+            <p:ph type="body" idx="22"/>
+          </p:nvPr>
+        </p:nvSpPr>
+        <p:spPr>
+          <a:prstGeom prst="rect">
+            <a:avLst/>
+          </a:prstGeom>
+        </p:spPr>
+        <p:txBody>
+          <a:bodyPr>
+            <a:normAutofit lnSpcReduction="10000"/>
+          </a:bodyPr>
+          <a:lstStyle/>
+          <a:p>
+            <a:r>
+              <a:t>LvB notations 3</a:t>
+            </a:r>
+          </a:p>
+        </p:txBody>
+      </p:sp>
+      <p:sp>
+        <p:nvSpPr>
+          <p:cNvPr id="117" name="IDA Template"/>
+          <p:cNvSpPr txBox="1">
+            <a:spLocks noGrp="1"/>
+          </p:cNvSpPr>
+          <p:nvPr>
+            <p:ph type="body" idx="24"/>
+          </p:nvPr>
+        </p:nvSpPr>
+        <p:spPr>
+          <a:prstGeom prst="rect">
+            <a:avLst/>
+          </a:prstGeom>
+        </p:spPr>
+        <p:txBody>
+          <a:bodyPr/>
+          <a:lstStyle/>
+          <a:p>
+            <a:r>
+              <a:t>IDA Template</a:t>
+            </a:r>
+          </a:p>
+        </p:txBody>
+      </p:sp>
+      <mc:AlternateContent xmlns:mc="http://schemas.openxmlformats.org/markup-compatibility/2006" xmlns:a14="http://schemas.microsoft.com/office/drawing/2010/main">
+        <mc:Choice Requires="a14">
+          <p:sp>
+            <p:nvSpPr>
+              <p:cNvPr id="118" name="The for convergence may be written with \mathcal{O}:…"/>
+              <p:cNvSpPr txBox="1"/>
+              <p:nvPr/>
+            </p:nvSpPr>
+            <p:spPr>
+              <a:xfrm>
+                <a:off x="667478" y="2153311"/>
+                <a:ext cx="11467783" cy="5805426"/>
+              </a:xfrm>
+              <a:prstGeom prst="rect">
+                <a:avLst/>
+              </a:prstGeom>
+              <a:ln w="12700">
+                <a:miter lim="400000"/>
+              </a:ln>
+              <a:extLst>
+                <a:ext uri="{C572A759-6A51-4108-AA02-DFA0A04FC94B}">
+                  <ma14:wrappingTextBoxFlag xmlns="" xmlns:m="http://schemas.openxmlformats.org/officeDocument/2006/math" xmlns:ma14="http://schemas.microsoft.com/office/mac/drawingml/2011/main" val="1"/>
+                </a:ext>
+              </a:extLst>
+            </p:spPr>
+            <p:txBody>
+              <a:bodyPr lIns="50800" tIns="50800" rIns="50800" bIns="50800">
+                <a:spAutoFit/>
+              </a:bodyPr>
+              <a:lstStyle/>
+              <a:p>
+                <a:pPr marL="444500" indent="-444500">
+                  <a:lnSpc>
+                    <a:spcPts val="4500"/>
+                  </a:lnSpc>
+                  <a:buClr>
+                    <a:srgbClr val="00599E"/>
+                  </a:buClr>
+                  <a:buSzPct val="100000"/>
+                  <a:buChar char="⊡"/>
+                  <a:defRPr sz="3000">
+                    <a:solidFill>
+                      <a:srgbClr val="5A5F5E"/>
+                    </a:solidFill>
+                  </a:defRPr>
+                </a:pPr>
+                <a:r>
+                  <a:t>The for convergence may be written with \mathcal{O}: </a:t>
+                </a:r>
+                <a14:m>
+                  <m:oMath xmlns:m="http://schemas.openxmlformats.org/officeDocument/2006/math">
+                    <m:r>
+                      <a:rPr sz="3650" i="1">
+                        <a:solidFill>
+                          <a:srgbClr val="5A5F5E"/>
+                        </a:solidFill>
+                        <a:latin typeface="Cambria Math" panose="02040503050406030204" pitchFamily="18" charset="0"/>
+                      </a:rPr>
+                      <m:t>𝒪</m:t>
+                    </m:r>
+                  </m:oMath>
+                </a14:m>
+                <a:endParaRPr/>
+              </a:p>
+              <a:p>
+                <a:pPr marL="444500" indent="-444500">
+                  <a:lnSpc>
+                    <a:spcPts val="4500"/>
+                  </a:lnSpc>
+                  <a:buClr>
+                    <a:srgbClr val="00599E"/>
+                  </a:buClr>
+                  <a:buSzPct val="100000"/>
+                  <a:buChar char="⊡"/>
+                  <a:defRPr sz="3000">
+                    <a:solidFill>
+                      <a:srgbClr val="5A5F5E"/>
+                    </a:solidFill>
+                  </a:defRPr>
+                </a:pPr>
+                <a:r>
+                  <a:t>The operator for exponential terms with Euler’s number as the base is defined by \exp: </a:t>
+                </a:r>
+                <a14:m>
+                  <m:oMath xmlns:m="http://schemas.openxmlformats.org/officeDocument/2006/math">
+                    <m:r>
+                      <m:rPr>
+                        <m:sty m:val="p"/>
+                      </m:rPr>
+                      <a:rPr sz="3650" i="1">
+                        <a:solidFill>
+                          <a:srgbClr val="5A5F5E"/>
+                        </a:solidFill>
+                        <a:latin typeface="Cambria Math" panose="02040503050406030204" pitchFamily="18" charset="0"/>
+                      </a:rPr>
+                      <m:t>exp</m:t>
+                    </m:r>
+                    <m:r>
+                      <a:rPr sz="3650" i="1">
+                        <a:solidFill>
+                          <a:srgbClr val="5A5F5E"/>
+                        </a:solidFill>
+                        <a:latin typeface="Cambria Math" panose="02040503050406030204" pitchFamily="18" charset="0"/>
+                      </a:rPr>
+                      <m:t>(1)≈2.718</m:t>
+                    </m:r>
+                  </m:oMath>
+                </a14:m>
+                <a:endParaRPr/>
+              </a:p>
+              <a:p>
+                <a:pPr marL="444500" indent="-444500">
+                  <a:lnSpc>
+                    <a:spcPts val="4500"/>
+                  </a:lnSpc>
+                  <a:buClr>
+                    <a:srgbClr val="00599E"/>
+                  </a:buClr>
+                  <a:buSzPct val="100000"/>
+                  <a:buChar char="⊡"/>
+                  <a:defRPr sz="3000">
+                    <a:solidFill>
+                      <a:srgbClr val="5A5F5E"/>
+                    </a:solidFill>
+                  </a:defRPr>
+                </a:pPr>
+                <a:r>
+                  <a:t>Use \overset{\mathcal{L}}{\rightarrow} to write the symbol for convergence in distribution and denote the normal distribution by \mathcal{N}, this produces </a:t>
+                </a:r>
+                <a14:m>
+                  <m:oMath xmlns:m="http://schemas.openxmlformats.org/officeDocument/2006/math">
+                    <m:r>
+                      <a:rPr sz="3650" i="1">
+                        <a:solidFill>
+                          <a:srgbClr val="5A5F5E"/>
+                        </a:solidFill>
+                        <a:latin typeface="Cambria Math" panose="02040503050406030204" pitchFamily="18" charset="0"/>
+                      </a:rPr>
+                      <m:t>𝑋</m:t>
+                    </m:r>
+                    <m:limUpp>
+                      <m:limUppPr>
+                        <m:ctrlPr>
+                          <a:rPr sz="3650" i="1">
+                            <a:solidFill>
+                              <a:srgbClr val="5A5F5E"/>
+                            </a:solidFill>
+                            <a:latin typeface="Cambria Math" panose="02040503050406030204" pitchFamily="18" charset="0"/>
+                          </a:rPr>
+                        </m:ctrlPr>
+                      </m:limUppPr>
+                      <m:e>
+                        <m:r>
+                          <a:rPr sz="3650" i="1">
+                            <a:solidFill>
+                              <a:srgbClr val="5A5F5E"/>
+                            </a:solidFill>
+                            <a:latin typeface="Cambria Math" panose="02040503050406030204" pitchFamily="18" charset="0"/>
+                          </a:rPr>
+                          <m:t>→</m:t>
+                        </m:r>
+                      </m:e>
+                      <m:lim>
+                        <m:r>
+                          <a:rPr sz="3650" i="1">
+                            <a:solidFill>
+                              <a:srgbClr val="5A5F5E"/>
+                            </a:solidFill>
+                            <a:latin typeface="Cambria Math" panose="02040503050406030204" pitchFamily="18" charset="0"/>
+                          </a:rPr>
+                          <m:t>ℒ</m:t>
+                        </m:r>
+                      </m:lim>
+                    </m:limUpp>
+                    <m:r>
+                      <a:rPr sz="3650" i="1">
+                        <a:solidFill>
+                          <a:srgbClr val="5A5F5E"/>
+                        </a:solidFill>
+                        <a:latin typeface="Cambria Math" panose="02040503050406030204" pitchFamily="18" charset="0"/>
+                      </a:rPr>
+                      <m:t>𝒩</m:t>
+                    </m:r>
+                    <m:r>
+                      <a:rPr sz="3650" i="1">
+                        <a:solidFill>
+                          <a:srgbClr val="5A5F5E"/>
+                        </a:solidFill>
+                        <a:latin typeface="Cambria Math" panose="02040503050406030204" pitchFamily="18" charset="0"/>
+                      </a:rPr>
+                      <m:t>(0,</m:t>
+                    </m:r>
+                    <m:sSup>
+                      <m:sSupPr>
+                        <m:ctrlPr>
+                          <a:rPr sz="3650" i="1">
+                            <a:solidFill>
+                              <a:srgbClr val="5A5F5E"/>
+                            </a:solidFill>
+                            <a:latin typeface="Cambria Math" panose="02040503050406030204" pitchFamily="18" charset="0"/>
+                          </a:rPr>
+                        </m:ctrlPr>
+                      </m:sSupPr>
+                      <m:e>
+                        <m:r>
+                          <a:rPr sz="3650" i="1">
+                            <a:solidFill>
+                              <a:srgbClr val="5A5F5E"/>
+                            </a:solidFill>
+                            <a:latin typeface="Cambria Math" panose="02040503050406030204" pitchFamily="18" charset="0"/>
+                          </a:rPr>
+                          <m:t>𝜎</m:t>
+                        </m:r>
+                      </m:e>
+                      <m:sup>
+                        <m:r>
+                          <a:rPr sz="3650" i="1">
+                            <a:solidFill>
+                              <a:srgbClr val="5A5F5E"/>
+                            </a:solidFill>
+                            <a:latin typeface="Cambria Math" panose="02040503050406030204" pitchFamily="18" charset="0"/>
+                          </a:rPr>
+                          <m:t>2</m:t>
+                        </m:r>
+                      </m:sup>
+                    </m:sSup>
+                    <m:r>
+                      <a:rPr sz="3650" i="1">
+                        <a:solidFill>
+                          <a:srgbClr val="5A5F5E"/>
+                        </a:solidFill>
+                        <a:latin typeface="Cambria Math" panose="02040503050406030204" pitchFamily="18" charset="0"/>
+                      </a:rPr>
+                      <m:t>)</m:t>
+                    </m:r>
+                  </m:oMath>
+                </a14:m>
+                <a:endParaRPr/>
+              </a:p>
+              <a:p>
+                <a:pPr marL="444500" indent="-444500">
+                  <a:lnSpc>
+                    <a:spcPts val="4500"/>
+                  </a:lnSpc>
+                  <a:buClr>
+                    <a:srgbClr val="00599E"/>
+                  </a:buClr>
+                  <a:buSzPct val="100000"/>
+                  <a:buChar char="⊡"/>
+                  <a:defRPr sz="3000">
+                    <a:solidFill>
+                      <a:srgbClr val="5A5F5E"/>
+                    </a:solidFill>
+                  </a:defRPr>
+                </a:pPr>
+                <a:r>
+                  <a:t>Use \overset{\operatorname{as.}}{\sim} to write the symbol for asymptotic distribution  </a:t>
+                </a:r>
+                <a14:m>
+                  <m:oMath xmlns:m="http://schemas.openxmlformats.org/officeDocument/2006/math">
+                    <m:r>
+                      <a:rPr sz="3650" i="1">
+                        <a:solidFill>
+                          <a:srgbClr val="5A5F5E"/>
+                        </a:solidFill>
+                        <a:latin typeface="Cambria Math" panose="02040503050406030204" pitchFamily="18" charset="0"/>
+                      </a:rPr>
+                      <m:t>𝑋</m:t>
+                    </m:r>
+                    <m:limUpp>
+                      <m:limUppPr>
+                        <m:ctrlPr>
+                          <a:rPr sz="3650" i="1">
+                            <a:solidFill>
+                              <a:srgbClr val="5A5F5E"/>
+                            </a:solidFill>
+                            <a:latin typeface="Cambria Math" panose="02040503050406030204" pitchFamily="18" charset="0"/>
+                          </a:rPr>
+                        </m:ctrlPr>
+                      </m:limUppPr>
+                      <m:e>
+                        <m:r>
+                          <a:rPr sz="3650" i="1">
+                            <a:solidFill>
+                              <a:srgbClr val="5A5F5E"/>
+                            </a:solidFill>
+                            <a:latin typeface="Cambria Math" panose="02040503050406030204" pitchFamily="18" charset="0"/>
+                          </a:rPr>
+                          <m:t>∼</m:t>
+                        </m:r>
+                      </m:e>
+                      <m:lim>
+                        <m:r>
+                          <m:rPr>
+                            <m:sty m:val="p"/>
+                          </m:rPr>
+                          <a:rPr sz="3650" i="1">
+                            <a:solidFill>
+                              <a:srgbClr val="5A5F5E"/>
+                            </a:solidFill>
+                            <a:latin typeface="Cambria Math" panose="02040503050406030204" pitchFamily="18" charset="0"/>
+                          </a:rPr>
+                          <m:t>as</m:t>
+                        </m:r>
+                        <m:r>
+                          <a:rPr sz="3650" i="1">
+                            <a:solidFill>
+                              <a:srgbClr val="5A5F5E"/>
+                            </a:solidFill>
+                            <a:latin typeface="Cambria Math" panose="02040503050406030204" pitchFamily="18" charset="0"/>
+                          </a:rPr>
+                          <m:t>.</m:t>
+                        </m:r>
+                      </m:lim>
+                    </m:limUpp>
+                    <m:sSup>
+                      <m:sSupPr>
+                        <m:ctrlPr>
+                          <a:rPr sz="3650" i="1">
+                            <a:solidFill>
+                              <a:srgbClr val="5A5F5E"/>
+                            </a:solidFill>
+                            <a:latin typeface="Cambria Math" panose="02040503050406030204" pitchFamily="18" charset="0"/>
+                          </a:rPr>
+                        </m:ctrlPr>
+                      </m:sSupPr>
+                      <m:e>
+                        <m:r>
+                          <a:rPr sz="3650" i="1">
+                            <a:solidFill>
+                              <a:srgbClr val="5A5F5E"/>
+                            </a:solidFill>
+                            <a:latin typeface="Cambria Math" panose="02040503050406030204" pitchFamily="18" charset="0"/>
+                          </a:rPr>
+                          <m:t>𝜒</m:t>
+                        </m:r>
+                      </m:e>
+                      <m:sup>
+                        <m:r>
+                          <a:rPr sz="3650" i="1">
+                            <a:solidFill>
+                              <a:srgbClr val="5A5F5E"/>
+                            </a:solidFill>
+                            <a:latin typeface="Cambria Math" panose="02040503050406030204" pitchFamily="18" charset="0"/>
+                          </a:rPr>
+                          <m:t>2</m:t>
+                        </m:r>
+                      </m:sup>
+                    </m:sSup>
+                  </m:oMath>
+                </a14:m>
+                <a:endParaRPr/>
+              </a:p>
+              <a:p>
+                <a:pPr marL="444500" indent="-444500">
+                  <a:lnSpc>
+                    <a:spcPts val="4500"/>
+                  </a:lnSpc>
+                  <a:buClr>
+                    <a:srgbClr val="00599E"/>
+                  </a:buClr>
+                  <a:buSzPct val="100000"/>
+                  <a:buChar char="⊡"/>
+                  <a:defRPr sz="3000">
+                    <a:solidFill>
+                      <a:srgbClr val="5A5F5E"/>
+                    </a:solidFill>
+                  </a:defRPr>
+                </a:pPr>
+                <a:r>
+                  <a:t>To define a function, variable etc. use \overset{\operatorname{def}}{=} </a:t>
+                </a:r>
+                <a14:m>
+                  <m:oMath xmlns:m="http://schemas.openxmlformats.org/officeDocument/2006/math">
+                    <m:r>
+                      <a:rPr sz="3650" i="1">
+                        <a:solidFill>
+                          <a:srgbClr val="5A5F5E"/>
+                        </a:solidFill>
+                        <a:latin typeface="Cambria Math" panose="02040503050406030204" pitchFamily="18" charset="0"/>
+                      </a:rPr>
+                      <m:t>𝑓</m:t>
+                    </m:r>
+                    <m:r>
+                      <a:rPr sz="3650" i="1">
+                        <a:solidFill>
+                          <a:srgbClr val="5A5F5E"/>
+                        </a:solidFill>
+                        <a:latin typeface="Cambria Math" panose="02040503050406030204" pitchFamily="18" charset="0"/>
+                      </a:rPr>
+                      <m:t>(</m:t>
+                    </m:r>
+                    <m:r>
+                      <a:rPr sz="3650" i="1">
+                        <a:solidFill>
+                          <a:srgbClr val="5A5F5E"/>
+                        </a:solidFill>
+                        <a:latin typeface="Cambria Math" panose="02040503050406030204" pitchFamily="18" charset="0"/>
+                      </a:rPr>
+                      <m:t>𝑥</m:t>
+                    </m:r>
+                    <m:r>
+                      <a:rPr sz="3650" i="1">
+                        <a:solidFill>
+                          <a:srgbClr val="5A5F5E"/>
+                        </a:solidFill>
+                        <a:latin typeface="Cambria Math" panose="02040503050406030204" pitchFamily="18" charset="0"/>
+                      </a:rPr>
+                      <m:t>)</m:t>
+                    </m:r>
+                    <m:limUpp>
+                      <m:limUppPr>
+                        <m:ctrlPr>
+                          <a:rPr sz="3650" i="1">
+                            <a:solidFill>
+                              <a:srgbClr val="5A5F5E"/>
+                            </a:solidFill>
+                            <a:latin typeface="Cambria Math" panose="02040503050406030204" pitchFamily="18" charset="0"/>
+                          </a:rPr>
+                        </m:ctrlPr>
+                      </m:limUppPr>
+                      <m:e>
+                        <m:r>
+                          <a:rPr sz="3650" i="1">
+                            <a:solidFill>
+                              <a:srgbClr val="5A5F5E"/>
+                            </a:solidFill>
+                            <a:latin typeface="Cambria Math" panose="02040503050406030204" pitchFamily="18" charset="0"/>
+                          </a:rPr>
+                          <m:t>=</m:t>
+                        </m:r>
+                      </m:e>
+                      <m:lim>
+                        <m:r>
+                          <m:rPr>
+                            <m:sty m:val="p"/>
+                          </m:rPr>
+                          <a:rPr sz="3650" i="1">
+                            <a:solidFill>
+                              <a:srgbClr val="5A5F5E"/>
+                            </a:solidFill>
+                            <a:latin typeface="Cambria Math" panose="02040503050406030204" pitchFamily="18" charset="0"/>
+                          </a:rPr>
+                          <m:t>def</m:t>
+                        </m:r>
+                      </m:lim>
+                    </m:limUpp>
+                    <m:r>
+                      <a:rPr sz="3650" i="1">
+                        <a:solidFill>
+                          <a:srgbClr val="5A5F5E"/>
+                        </a:solidFill>
+                        <a:latin typeface="Cambria Math" panose="02040503050406030204" pitchFamily="18" charset="0"/>
+                      </a:rPr>
+                      <m:t>𝑎𝑥</m:t>
+                    </m:r>
+                    <m:r>
+                      <a:rPr sz="3650" i="1">
+                        <a:solidFill>
+                          <a:srgbClr val="5A5F5E"/>
+                        </a:solidFill>
+                        <a:latin typeface="Cambria Math" panose="02040503050406030204" pitchFamily="18" charset="0"/>
+                      </a:rPr>
+                      <m:t>+</m:t>
+                    </m:r>
+                    <m:r>
+                      <a:rPr sz="3650" i="1">
+                        <a:solidFill>
+                          <a:srgbClr val="5A5F5E"/>
+                        </a:solidFill>
+                        <a:latin typeface="Cambria Math" panose="02040503050406030204" pitchFamily="18" charset="0"/>
+                      </a:rPr>
+                      <m:t>𝑏</m:t>
+                    </m:r>
+                  </m:oMath>
+                </a14:m>
+                <a:endParaRPr/>
+              </a:p>
+            </p:txBody>
+          </p:sp>
+        </mc:Choice>
+        <mc:Fallback xmlns="">
+          <p:sp>
+            <p:nvSpPr>
+              <p:cNvPr id="118" name="The for convergence may be written with \mathcal{O}:…"/>
+              <p:cNvSpPr txBox="1">
+                <a:spLocks noRot="1" noChangeAspect="1" noMove="1" noResize="1" noEditPoints="1" noAdjustHandles="1" noChangeArrowheads="1" noChangeShapeType="1" noTextEdit="1"/>
+              </p:cNvSpPr>
+              <p:nvPr/>
+            </p:nvSpPr>
+            <p:spPr>
+              <a:xfrm>
+                <a:off x="667478" y="2153311"/>
+                <a:ext cx="11467783" cy="5805426"/>
+              </a:xfrm>
+              <a:prstGeom prst="rect">
+                <a:avLst/>
+              </a:prstGeom>
+              <a:blipFill>
+                <a:blip r:embed="rId2"/>
+                <a:stretch>
+                  <a:fillRect l="-1541" t="-315" b="-2938"/>
                 </a:stretch>
               </a:blipFill>
               <a:ln w="12700">

--- a/projects/5_機器學習應用於偵測信用卡詐欺的績效評估.pptx
+++ b/projects/5_機器學習應用於偵測信用卡詐欺的績效評估.pptx
@@ -5,22 +5,23 @@
     <p:sldMasterId id="2147483648" r:id="rId1"/>
   </p:sldMasterIdLst>
   <p:notesMasterIdLst>
-    <p:notesMasterId r:id="rId15"/>
+    <p:notesMasterId r:id="rId16"/>
   </p:notesMasterIdLst>
   <p:sldIdLst>
     <p:sldId id="269" r:id="rId2"/>
     <p:sldId id="257" r:id="rId3"/>
-    <p:sldId id="258" r:id="rId4"/>
-    <p:sldId id="259" r:id="rId5"/>
-    <p:sldId id="260" r:id="rId6"/>
-    <p:sldId id="261" r:id="rId7"/>
-    <p:sldId id="262" r:id="rId8"/>
-    <p:sldId id="263" r:id="rId9"/>
-    <p:sldId id="264" r:id="rId10"/>
-    <p:sldId id="265" r:id="rId11"/>
-    <p:sldId id="266" r:id="rId12"/>
-    <p:sldId id="267" r:id="rId13"/>
-    <p:sldId id="268" r:id="rId14"/>
+    <p:sldId id="270" r:id="rId4"/>
+    <p:sldId id="258" r:id="rId5"/>
+    <p:sldId id="259" r:id="rId6"/>
+    <p:sldId id="260" r:id="rId7"/>
+    <p:sldId id="261" r:id="rId8"/>
+    <p:sldId id="262" r:id="rId9"/>
+    <p:sldId id="263" r:id="rId10"/>
+    <p:sldId id="264" r:id="rId11"/>
+    <p:sldId id="265" r:id="rId12"/>
+    <p:sldId id="266" r:id="rId13"/>
+    <p:sldId id="267" r:id="rId14"/>
+    <p:sldId id="268" r:id="rId15"/>
   </p:sldIdLst>
   <p:sldSz cx="13004800" cy="9753600"/>
   <p:notesSz cx="6858000" cy="9144000"/>
@@ -680,7 +681,7 @@
           </a:ln>
           <a:extLst>
             <a:ext uri="{C572A759-6A51-4108-AA02-DFA0A04FC94B}">
-              <ma14:wrappingTextBoxFlag xmlns="" xmlns:m="http://schemas.openxmlformats.org/officeDocument/2006/math" xmlns:a14="http://schemas.microsoft.com/office/drawing/2010/main" xmlns:ma14="http://schemas.microsoft.com/office/mac/drawingml/2011/main" val="1"/>
+              <ma14:wrappingTextBoxFlag xmlns:ma14="http://schemas.microsoft.com/office/mac/drawingml/2011/main" xmlns:a14="http://schemas.microsoft.com/office/drawing/2010/main" xmlns:m="http://schemas.openxmlformats.org/officeDocument/2006/math" xmlns="" val="1"/>
             </a:ext>
           </a:extLst>
         </p:spPr>
@@ -3549,7 +3550,7 @@
           </a:ln>
           <a:extLst>
             <a:ext uri="{C572A759-6A51-4108-AA02-DFA0A04FC94B}">
-              <ma14:wrappingTextBoxFlag xmlns="" xmlns:m="http://schemas.openxmlformats.org/officeDocument/2006/math" xmlns:a14="http://schemas.microsoft.com/office/drawing/2010/main" xmlns:ma14="http://schemas.microsoft.com/office/mac/drawingml/2011/main" val="1"/>
+              <ma14:wrappingTextBoxFlag xmlns:ma14="http://schemas.microsoft.com/office/mac/drawingml/2011/main" xmlns:a14="http://schemas.microsoft.com/office/drawing/2010/main" xmlns:m="http://schemas.openxmlformats.org/officeDocument/2006/math" xmlns="" val="1"/>
             </a:ext>
           </a:extLst>
         </p:spPr>
@@ -3591,7 +3592,7 @@
           </a:ln>
           <a:extLst>
             <a:ext uri="{C572A759-6A51-4108-AA02-DFA0A04FC94B}">
-              <ma14:wrappingTextBoxFlag xmlns="" xmlns:m="http://schemas.openxmlformats.org/officeDocument/2006/math" xmlns:a14="http://schemas.microsoft.com/office/drawing/2010/main" xmlns:ma14="http://schemas.microsoft.com/office/mac/drawingml/2011/main" val="1"/>
+              <ma14:wrappingTextBoxFlag xmlns:ma14="http://schemas.microsoft.com/office/mac/drawingml/2011/main" xmlns:a14="http://schemas.microsoft.com/office/drawing/2010/main" xmlns:m="http://schemas.openxmlformats.org/officeDocument/2006/math" xmlns="" val="1"/>
             </a:ext>
           </a:extLst>
         </p:spPr>
@@ -3648,7 +3649,7 @@
           </a:ln>
           <a:extLst>
             <a:ext uri="{C572A759-6A51-4108-AA02-DFA0A04FC94B}">
-              <ma14:wrappingTextBoxFlag xmlns="" xmlns:m="http://schemas.openxmlformats.org/officeDocument/2006/math" xmlns:a14="http://schemas.microsoft.com/office/drawing/2010/main" xmlns:ma14="http://schemas.microsoft.com/office/mac/drawingml/2011/main" val="1"/>
+              <ma14:wrappingTextBoxFlag xmlns:ma14="http://schemas.microsoft.com/office/mac/drawingml/2011/main" xmlns:a14="http://schemas.microsoft.com/office/drawing/2010/main" xmlns:m="http://schemas.openxmlformats.org/officeDocument/2006/math" xmlns="" val="1"/>
             </a:ext>
           </a:extLst>
         </p:spPr>
@@ -3723,7 +3724,7 @@
           </a:ln>
           <a:extLst>
             <a:ext uri="{C572A759-6A51-4108-AA02-DFA0A04FC94B}">
-              <ma14:wrappingTextBoxFlag xmlns="" xmlns:m="http://schemas.openxmlformats.org/officeDocument/2006/math" xmlns:a14="http://schemas.microsoft.com/office/drawing/2010/main" xmlns:ma14="http://schemas.microsoft.com/office/mac/drawingml/2011/main" val="1"/>
+              <ma14:wrappingTextBoxFlag xmlns:ma14="http://schemas.microsoft.com/office/mac/drawingml/2011/main" xmlns:a14="http://schemas.microsoft.com/office/drawing/2010/main" xmlns:m="http://schemas.openxmlformats.org/officeDocument/2006/math" xmlns="" val="1"/>
             </a:ext>
           </a:extLst>
         </p:spPr>
@@ -3762,7 +3763,7 @@
           </a:ln>
           <a:extLst>
             <a:ext uri="{C572A759-6A51-4108-AA02-DFA0A04FC94B}">
-              <ma14:wrappingTextBoxFlag xmlns="" xmlns:m="http://schemas.openxmlformats.org/officeDocument/2006/math" xmlns:a14="http://schemas.microsoft.com/office/drawing/2010/main" xmlns:ma14="http://schemas.microsoft.com/office/mac/drawingml/2011/main" val="1"/>
+              <ma14:wrappingTextBoxFlag xmlns:ma14="http://schemas.microsoft.com/office/mac/drawingml/2011/main" xmlns:a14="http://schemas.microsoft.com/office/drawing/2010/main" xmlns:m="http://schemas.openxmlformats.org/officeDocument/2006/math" xmlns="" val="1"/>
             </a:ext>
           </a:extLst>
         </p:spPr>
@@ -4700,7 +4701,7 @@
           </a:custGeom>
           <a:extLst>
             <a:ext uri="{C572A759-6A51-4108-AA02-DFA0A04FC94B}">
-              <ma14:wrappingTextBoxFlag xmlns:ma14="http://schemas.microsoft.com/office/mac/drawingml/2011/main" xmlns:a14="http://schemas.microsoft.com/office/drawing/2010/main" xmlns:m="http://schemas.openxmlformats.org/officeDocument/2006/math" xmlns="" val="1"/>
+              <ma14:wrappingTextBoxFlag xmlns="" xmlns:m="http://schemas.openxmlformats.org/officeDocument/2006/math" xmlns:a14="http://schemas.microsoft.com/office/drawing/2010/main" xmlns:ma14="http://schemas.microsoft.com/office/mac/drawingml/2011/main" val="1"/>
             </a:ext>
           </a:extLst>
         </p:spPr>
@@ -4792,7 +4793,7 @@
           </a:custGeom>
           <a:extLst>
             <a:ext uri="{C572A759-6A51-4108-AA02-DFA0A04FC94B}">
-              <ma14:wrappingTextBoxFlag xmlns:ma14="http://schemas.microsoft.com/office/mac/drawingml/2011/main" xmlns:a14="http://schemas.microsoft.com/office/drawing/2010/main" xmlns:m="http://schemas.openxmlformats.org/officeDocument/2006/math" xmlns="" val="1"/>
+              <ma14:wrappingTextBoxFlag xmlns="" xmlns:m="http://schemas.openxmlformats.org/officeDocument/2006/math" xmlns:a14="http://schemas.microsoft.com/office/drawing/2010/main" xmlns:ma14="http://schemas.microsoft.com/office/mac/drawingml/2011/main" val="1"/>
             </a:ext>
           </a:extLst>
         </p:spPr>
@@ -4825,7 +4826,7 @@
           </a:ln>
           <a:extLst>
             <a:ext uri="{C572A759-6A51-4108-AA02-DFA0A04FC94B}">
-              <ma14:wrappingTextBoxFlag xmlns:ma14="http://schemas.microsoft.com/office/mac/drawingml/2011/main" xmlns:a14="http://schemas.microsoft.com/office/drawing/2010/main" xmlns:m="http://schemas.openxmlformats.org/officeDocument/2006/math" xmlns="" val="1"/>
+              <ma14:wrappingTextBoxFlag xmlns="" xmlns:m="http://schemas.openxmlformats.org/officeDocument/2006/math" xmlns:a14="http://schemas.microsoft.com/office/drawing/2010/main" xmlns:ma14="http://schemas.microsoft.com/office/mac/drawingml/2011/main" val="1"/>
             </a:ext>
           </a:extLst>
         </p:spPr>
@@ -4873,6 +4874,670 @@
       </p:grpSpPr>
       <p:sp>
         <p:nvSpPr>
+          <p:cNvPr id="114" name="幻燈片編號"/>
+          <p:cNvSpPr txBox="1">
+            <a:spLocks noGrp="1"/>
+          </p:cNvSpPr>
+          <p:nvPr>
+            <p:ph type="sldNum" sz="quarter" idx="2"/>
+          </p:nvPr>
+        </p:nvSpPr>
+        <p:spPr>
+          <a:prstGeom prst="rect">
+            <a:avLst/>
+          </a:prstGeom>
+          <a:extLst>
+            <a:ext uri="{C572A759-6A51-4108-AA02-DFA0A04FC94B}">
+              <ma14:wrappingTextBoxFlag xmlns:ma14="http://schemas.microsoft.com/office/mac/drawingml/2011/main" xmlns:a14="http://schemas.microsoft.com/office/drawing/2010/main" xmlns:m="http://schemas.openxmlformats.org/officeDocument/2006/math" xmlns="" val="1"/>
+            </a:ext>
+          </a:extLst>
+        </p:spPr>
+        <p:txBody>
+          <a:bodyPr>
+            <a:normAutofit lnSpcReduction="10000"/>
+          </a:bodyPr>
+          <a:lstStyle/>
+          <a:p>
+            <a:fld id="{86CB4B4D-7CA3-9044-876B-883B54F8677D}" type="slidenum">
+              <a:t>10</a:t>
+            </a:fld>
+            <a:endParaRPr/>
+          </a:p>
+        </p:txBody>
+      </p:sp>
+      <p:sp>
+        <p:nvSpPr>
+          <p:cNvPr id="115" name="Styleguide"/>
+          <p:cNvSpPr txBox="1">
+            <a:spLocks noGrp="1"/>
+          </p:cNvSpPr>
+          <p:nvPr>
+            <p:ph type="body" idx="21"/>
+          </p:nvPr>
+        </p:nvSpPr>
+        <p:spPr>
+          <a:prstGeom prst="rect">
+            <a:avLst/>
+          </a:prstGeom>
+        </p:spPr>
+        <p:txBody>
+          <a:bodyPr/>
+          <a:lstStyle/>
+          <a:p>
+            <a:r>
+              <a:t>Styleguide</a:t>
+            </a:r>
+          </a:p>
+        </p:txBody>
+      </p:sp>
+      <p:sp>
+        <p:nvSpPr>
+          <p:cNvPr id="116" name="LvB notations 3"/>
+          <p:cNvSpPr txBox="1">
+            <a:spLocks noGrp="1"/>
+          </p:cNvSpPr>
+          <p:nvPr>
+            <p:ph type="body" idx="22"/>
+          </p:nvPr>
+        </p:nvSpPr>
+        <p:spPr>
+          <a:prstGeom prst="rect">
+            <a:avLst/>
+          </a:prstGeom>
+        </p:spPr>
+        <p:txBody>
+          <a:bodyPr>
+            <a:normAutofit lnSpcReduction="10000"/>
+          </a:bodyPr>
+          <a:lstStyle/>
+          <a:p>
+            <a:r>
+              <a:t>LvB notations 3</a:t>
+            </a:r>
+          </a:p>
+        </p:txBody>
+      </p:sp>
+      <p:sp>
+        <p:nvSpPr>
+          <p:cNvPr id="117" name="IDA Template"/>
+          <p:cNvSpPr txBox="1">
+            <a:spLocks noGrp="1"/>
+          </p:cNvSpPr>
+          <p:nvPr>
+            <p:ph type="body" idx="24"/>
+          </p:nvPr>
+        </p:nvSpPr>
+        <p:spPr>
+          <a:prstGeom prst="rect">
+            <a:avLst/>
+          </a:prstGeom>
+        </p:spPr>
+        <p:txBody>
+          <a:bodyPr/>
+          <a:lstStyle/>
+          <a:p>
+            <a:r>
+              <a:t>IDA Template</a:t>
+            </a:r>
+          </a:p>
+        </p:txBody>
+      </p:sp>
+      <mc:AlternateContent xmlns:mc="http://schemas.openxmlformats.org/markup-compatibility/2006" xmlns:a14="http://schemas.microsoft.com/office/drawing/2010/main">
+        <mc:Choice Requires="a14">
+          <p:sp>
+            <p:nvSpPr>
+              <p:cNvPr id="118" name="The for convergence may be written with \mathcal{O}:…"/>
+              <p:cNvSpPr txBox="1"/>
+              <p:nvPr/>
+            </p:nvSpPr>
+            <p:spPr>
+              <a:xfrm>
+                <a:off x="667478" y="2153311"/>
+                <a:ext cx="11467783" cy="5805426"/>
+              </a:xfrm>
+              <a:prstGeom prst="rect">
+                <a:avLst/>
+              </a:prstGeom>
+              <a:ln w="12700">
+                <a:miter lim="400000"/>
+              </a:ln>
+              <a:extLst>
+                <a:ext uri="{C572A759-6A51-4108-AA02-DFA0A04FC94B}">
+                  <ma14:wrappingTextBoxFlag xmlns:ma14="http://schemas.microsoft.com/office/mac/drawingml/2011/main" xmlns:m="http://schemas.openxmlformats.org/officeDocument/2006/math" xmlns="" val="1"/>
+                </a:ext>
+              </a:extLst>
+            </p:spPr>
+            <p:txBody>
+              <a:bodyPr lIns="50800" tIns="50800" rIns="50800" bIns="50800">
+                <a:spAutoFit/>
+              </a:bodyPr>
+              <a:lstStyle/>
+              <a:p>
+                <a:pPr marL="444500" indent="-444500">
+                  <a:lnSpc>
+                    <a:spcPts val="4500"/>
+                  </a:lnSpc>
+                  <a:buClr>
+                    <a:srgbClr val="00599E"/>
+                  </a:buClr>
+                  <a:buSzPct val="100000"/>
+                  <a:buChar char="⊡"/>
+                  <a:defRPr sz="3000">
+                    <a:solidFill>
+                      <a:srgbClr val="5A5F5E"/>
+                    </a:solidFill>
+                  </a:defRPr>
+                </a:pPr>
+                <a:r>
+                  <a:t>The for convergence may be written with \mathcal{O}: </a:t>
+                </a:r>
+                <a14:m>
+                  <m:oMath xmlns:m="http://schemas.openxmlformats.org/officeDocument/2006/math">
+                    <m:r>
+                      <a:rPr sz="3650" i="1">
+                        <a:solidFill>
+                          <a:srgbClr val="5A5F5E"/>
+                        </a:solidFill>
+                        <a:latin typeface="Cambria Math" panose="02040503050406030204" pitchFamily="18" charset="0"/>
+                      </a:rPr>
+                      <m:t>𝒪</m:t>
+                    </m:r>
+                  </m:oMath>
+                </a14:m>
+                <a:endParaRPr/>
+              </a:p>
+              <a:p>
+                <a:pPr marL="444500" indent="-444500">
+                  <a:lnSpc>
+                    <a:spcPts val="4500"/>
+                  </a:lnSpc>
+                  <a:buClr>
+                    <a:srgbClr val="00599E"/>
+                  </a:buClr>
+                  <a:buSzPct val="100000"/>
+                  <a:buChar char="⊡"/>
+                  <a:defRPr sz="3000">
+                    <a:solidFill>
+                      <a:srgbClr val="5A5F5E"/>
+                    </a:solidFill>
+                  </a:defRPr>
+                </a:pPr>
+                <a:r>
+                  <a:t>The operator for exponential terms with Euler’s number as the base is defined by \exp: </a:t>
+                </a:r>
+                <a14:m>
+                  <m:oMath xmlns:m="http://schemas.openxmlformats.org/officeDocument/2006/math">
+                    <m:r>
+                      <m:rPr>
+                        <m:sty m:val="p"/>
+                      </m:rPr>
+                      <a:rPr sz="3650" i="1">
+                        <a:solidFill>
+                          <a:srgbClr val="5A5F5E"/>
+                        </a:solidFill>
+                        <a:latin typeface="Cambria Math" panose="02040503050406030204" pitchFamily="18" charset="0"/>
+                      </a:rPr>
+                      <m:t>exp</m:t>
+                    </m:r>
+                    <m:r>
+                      <a:rPr sz="3650" i="1">
+                        <a:solidFill>
+                          <a:srgbClr val="5A5F5E"/>
+                        </a:solidFill>
+                        <a:latin typeface="Cambria Math" panose="02040503050406030204" pitchFamily="18" charset="0"/>
+                      </a:rPr>
+                      <m:t>(1)≈2.718</m:t>
+                    </m:r>
+                  </m:oMath>
+                </a14:m>
+                <a:endParaRPr/>
+              </a:p>
+              <a:p>
+                <a:pPr marL="444500" indent="-444500">
+                  <a:lnSpc>
+                    <a:spcPts val="4500"/>
+                  </a:lnSpc>
+                  <a:buClr>
+                    <a:srgbClr val="00599E"/>
+                  </a:buClr>
+                  <a:buSzPct val="100000"/>
+                  <a:buChar char="⊡"/>
+                  <a:defRPr sz="3000">
+                    <a:solidFill>
+                      <a:srgbClr val="5A5F5E"/>
+                    </a:solidFill>
+                  </a:defRPr>
+                </a:pPr>
+                <a:r>
+                  <a:t>Use \overset{\mathcal{L}}{\rightarrow} to write the symbol for convergence in distribution and denote the normal distribution by \mathcal{N}, this produces </a:t>
+                </a:r>
+                <a14:m>
+                  <m:oMath xmlns:m="http://schemas.openxmlformats.org/officeDocument/2006/math">
+                    <m:r>
+                      <a:rPr sz="3650" i="1">
+                        <a:solidFill>
+                          <a:srgbClr val="5A5F5E"/>
+                        </a:solidFill>
+                        <a:latin typeface="Cambria Math" panose="02040503050406030204" pitchFamily="18" charset="0"/>
+                      </a:rPr>
+                      <m:t>𝑋</m:t>
+                    </m:r>
+                    <m:limUpp>
+                      <m:limUppPr>
+                        <m:ctrlPr>
+                          <a:rPr sz="3650" i="1">
+                            <a:solidFill>
+                              <a:srgbClr val="5A5F5E"/>
+                            </a:solidFill>
+                            <a:latin typeface="Cambria Math" panose="02040503050406030204" pitchFamily="18" charset="0"/>
+                          </a:rPr>
+                        </m:ctrlPr>
+                      </m:limUppPr>
+                      <m:e>
+                        <m:r>
+                          <a:rPr sz="3650" i="1">
+                            <a:solidFill>
+                              <a:srgbClr val="5A5F5E"/>
+                            </a:solidFill>
+                            <a:latin typeface="Cambria Math" panose="02040503050406030204" pitchFamily="18" charset="0"/>
+                          </a:rPr>
+                          <m:t>→</m:t>
+                        </m:r>
+                      </m:e>
+                      <m:lim>
+                        <m:r>
+                          <a:rPr sz="3650" i="1">
+                            <a:solidFill>
+                              <a:srgbClr val="5A5F5E"/>
+                            </a:solidFill>
+                            <a:latin typeface="Cambria Math" panose="02040503050406030204" pitchFamily="18" charset="0"/>
+                          </a:rPr>
+                          <m:t>ℒ</m:t>
+                        </m:r>
+                      </m:lim>
+                    </m:limUpp>
+                    <m:r>
+                      <a:rPr sz="3650" i="1">
+                        <a:solidFill>
+                          <a:srgbClr val="5A5F5E"/>
+                        </a:solidFill>
+                        <a:latin typeface="Cambria Math" panose="02040503050406030204" pitchFamily="18" charset="0"/>
+                      </a:rPr>
+                      <m:t>𝒩</m:t>
+                    </m:r>
+                    <m:r>
+                      <a:rPr sz="3650" i="1">
+                        <a:solidFill>
+                          <a:srgbClr val="5A5F5E"/>
+                        </a:solidFill>
+                        <a:latin typeface="Cambria Math" panose="02040503050406030204" pitchFamily="18" charset="0"/>
+                      </a:rPr>
+                      <m:t>(0,</m:t>
+                    </m:r>
+                    <m:sSup>
+                      <m:sSupPr>
+                        <m:ctrlPr>
+                          <a:rPr sz="3650" i="1">
+                            <a:solidFill>
+                              <a:srgbClr val="5A5F5E"/>
+                            </a:solidFill>
+                            <a:latin typeface="Cambria Math" panose="02040503050406030204" pitchFamily="18" charset="0"/>
+                          </a:rPr>
+                        </m:ctrlPr>
+                      </m:sSupPr>
+                      <m:e>
+                        <m:r>
+                          <a:rPr sz="3650" i="1">
+                            <a:solidFill>
+                              <a:srgbClr val="5A5F5E"/>
+                            </a:solidFill>
+                            <a:latin typeface="Cambria Math" panose="02040503050406030204" pitchFamily="18" charset="0"/>
+                          </a:rPr>
+                          <m:t>𝜎</m:t>
+                        </m:r>
+                      </m:e>
+                      <m:sup>
+                        <m:r>
+                          <a:rPr sz="3650" i="1">
+                            <a:solidFill>
+                              <a:srgbClr val="5A5F5E"/>
+                            </a:solidFill>
+                            <a:latin typeface="Cambria Math" panose="02040503050406030204" pitchFamily="18" charset="0"/>
+                          </a:rPr>
+                          <m:t>2</m:t>
+                        </m:r>
+                      </m:sup>
+                    </m:sSup>
+                    <m:r>
+                      <a:rPr sz="3650" i="1">
+                        <a:solidFill>
+                          <a:srgbClr val="5A5F5E"/>
+                        </a:solidFill>
+                        <a:latin typeface="Cambria Math" panose="02040503050406030204" pitchFamily="18" charset="0"/>
+                      </a:rPr>
+                      <m:t>)</m:t>
+                    </m:r>
+                  </m:oMath>
+                </a14:m>
+                <a:endParaRPr/>
+              </a:p>
+              <a:p>
+                <a:pPr marL="444500" indent="-444500">
+                  <a:lnSpc>
+                    <a:spcPts val="4500"/>
+                  </a:lnSpc>
+                  <a:buClr>
+                    <a:srgbClr val="00599E"/>
+                  </a:buClr>
+                  <a:buSzPct val="100000"/>
+                  <a:buChar char="⊡"/>
+                  <a:defRPr sz="3000">
+                    <a:solidFill>
+                      <a:srgbClr val="5A5F5E"/>
+                    </a:solidFill>
+                  </a:defRPr>
+                </a:pPr>
+                <a:r>
+                  <a:t>Use \overset{\operatorname{as.}}{\sim} to write the symbol for asymptotic distribution  </a:t>
+                </a:r>
+                <a14:m>
+                  <m:oMath xmlns:m="http://schemas.openxmlformats.org/officeDocument/2006/math">
+                    <m:r>
+                      <a:rPr sz="3650" i="1">
+                        <a:solidFill>
+                          <a:srgbClr val="5A5F5E"/>
+                        </a:solidFill>
+                        <a:latin typeface="Cambria Math" panose="02040503050406030204" pitchFamily="18" charset="0"/>
+                      </a:rPr>
+                      <m:t>𝑋</m:t>
+                    </m:r>
+                    <m:limUpp>
+                      <m:limUppPr>
+                        <m:ctrlPr>
+                          <a:rPr sz="3650" i="1">
+                            <a:solidFill>
+                              <a:srgbClr val="5A5F5E"/>
+                            </a:solidFill>
+                            <a:latin typeface="Cambria Math" panose="02040503050406030204" pitchFamily="18" charset="0"/>
+                          </a:rPr>
+                        </m:ctrlPr>
+                      </m:limUppPr>
+                      <m:e>
+                        <m:r>
+                          <a:rPr sz="3650" i="1">
+                            <a:solidFill>
+                              <a:srgbClr val="5A5F5E"/>
+                            </a:solidFill>
+                            <a:latin typeface="Cambria Math" panose="02040503050406030204" pitchFamily="18" charset="0"/>
+                          </a:rPr>
+                          <m:t>∼</m:t>
+                        </m:r>
+                      </m:e>
+                      <m:lim>
+                        <m:r>
+                          <m:rPr>
+                            <m:sty m:val="p"/>
+                          </m:rPr>
+                          <a:rPr sz="3650" i="1">
+                            <a:solidFill>
+                              <a:srgbClr val="5A5F5E"/>
+                            </a:solidFill>
+                            <a:latin typeface="Cambria Math" panose="02040503050406030204" pitchFamily="18" charset="0"/>
+                          </a:rPr>
+                          <m:t>as</m:t>
+                        </m:r>
+                        <m:r>
+                          <a:rPr sz="3650" i="1">
+                            <a:solidFill>
+                              <a:srgbClr val="5A5F5E"/>
+                            </a:solidFill>
+                            <a:latin typeface="Cambria Math" panose="02040503050406030204" pitchFamily="18" charset="0"/>
+                          </a:rPr>
+                          <m:t>.</m:t>
+                        </m:r>
+                      </m:lim>
+                    </m:limUpp>
+                    <m:sSup>
+                      <m:sSupPr>
+                        <m:ctrlPr>
+                          <a:rPr sz="3650" i="1">
+                            <a:solidFill>
+                              <a:srgbClr val="5A5F5E"/>
+                            </a:solidFill>
+                            <a:latin typeface="Cambria Math" panose="02040503050406030204" pitchFamily="18" charset="0"/>
+                          </a:rPr>
+                        </m:ctrlPr>
+                      </m:sSupPr>
+                      <m:e>
+                        <m:r>
+                          <a:rPr sz="3650" i="1">
+                            <a:solidFill>
+                              <a:srgbClr val="5A5F5E"/>
+                            </a:solidFill>
+                            <a:latin typeface="Cambria Math" panose="02040503050406030204" pitchFamily="18" charset="0"/>
+                          </a:rPr>
+                          <m:t>𝜒</m:t>
+                        </m:r>
+                      </m:e>
+                      <m:sup>
+                        <m:r>
+                          <a:rPr sz="3650" i="1">
+                            <a:solidFill>
+                              <a:srgbClr val="5A5F5E"/>
+                            </a:solidFill>
+                            <a:latin typeface="Cambria Math" panose="02040503050406030204" pitchFamily="18" charset="0"/>
+                          </a:rPr>
+                          <m:t>2</m:t>
+                        </m:r>
+                      </m:sup>
+                    </m:sSup>
+                  </m:oMath>
+                </a14:m>
+                <a:endParaRPr/>
+              </a:p>
+              <a:p>
+                <a:pPr marL="444500" indent="-444500">
+                  <a:lnSpc>
+                    <a:spcPts val="4500"/>
+                  </a:lnSpc>
+                  <a:buClr>
+                    <a:srgbClr val="00599E"/>
+                  </a:buClr>
+                  <a:buSzPct val="100000"/>
+                  <a:buChar char="⊡"/>
+                  <a:defRPr sz="3000">
+                    <a:solidFill>
+                      <a:srgbClr val="5A5F5E"/>
+                    </a:solidFill>
+                  </a:defRPr>
+                </a:pPr>
+                <a:r>
+                  <a:t>To define a function, variable etc. use \overset{\operatorname{def}}{=} </a:t>
+                </a:r>
+                <a14:m>
+                  <m:oMath xmlns:m="http://schemas.openxmlformats.org/officeDocument/2006/math">
+                    <m:r>
+                      <a:rPr sz="3650" i="1">
+                        <a:solidFill>
+                          <a:srgbClr val="5A5F5E"/>
+                        </a:solidFill>
+                        <a:latin typeface="Cambria Math" panose="02040503050406030204" pitchFamily="18" charset="0"/>
+                      </a:rPr>
+                      <m:t>𝑓</m:t>
+                    </m:r>
+                    <m:r>
+                      <a:rPr sz="3650" i="1">
+                        <a:solidFill>
+                          <a:srgbClr val="5A5F5E"/>
+                        </a:solidFill>
+                        <a:latin typeface="Cambria Math" panose="02040503050406030204" pitchFamily="18" charset="0"/>
+                      </a:rPr>
+                      <m:t>(</m:t>
+                    </m:r>
+                    <m:r>
+                      <a:rPr sz="3650" i="1">
+                        <a:solidFill>
+                          <a:srgbClr val="5A5F5E"/>
+                        </a:solidFill>
+                        <a:latin typeface="Cambria Math" panose="02040503050406030204" pitchFamily="18" charset="0"/>
+                      </a:rPr>
+                      <m:t>𝑥</m:t>
+                    </m:r>
+                    <m:r>
+                      <a:rPr sz="3650" i="1">
+                        <a:solidFill>
+                          <a:srgbClr val="5A5F5E"/>
+                        </a:solidFill>
+                        <a:latin typeface="Cambria Math" panose="02040503050406030204" pitchFamily="18" charset="0"/>
+                      </a:rPr>
+                      <m:t>)</m:t>
+                    </m:r>
+                    <m:limUpp>
+                      <m:limUppPr>
+                        <m:ctrlPr>
+                          <a:rPr sz="3650" i="1">
+                            <a:solidFill>
+                              <a:srgbClr val="5A5F5E"/>
+                            </a:solidFill>
+                            <a:latin typeface="Cambria Math" panose="02040503050406030204" pitchFamily="18" charset="0"/>
+                          </a:rPr>
+                        </m:ctrlPr>
+                      </m:limUppPr>
+                      <m:e>
+                        <m:r>
+                          <a:rPr sz="3650" i="1">
+                            <a:solidFill>
+                              <a:srgbClr val="5A5F5E"/>
+                            </a:solidFill>
+                            <a:latin typeface="Cambria Math" panose="02040503050406030204" pitchFamily="18" charset="0"/>
+                          </a:rPr>
+                          <m:t>=</m:t>
+                        </m:r>
+                      </m:e>
+                      <m:lim>
+                        <m:r>
+                          <m:rPr>
+                            <m:sty m:val="p"/>
+                          </m:rPr>
+                          <a:rPr sz="3650" i="1">
+                            <a:solidFill>
+                              <a:srgbClr val="5A5F5E"/>
+                            </a:solidFill>
+                            <a:latin typeface="Cambria Math" panose="02040503050406030204" pitchFamily="18" charset="0"/>
+                          </a:rPr>
+                          <m:t>def</m:t>
+                        </m:r>
+                      </m:lim>
+                    </m:limUpp>
+                    <m:r>
+                      <a:rPr sz="3650" i="1">
+                        <a:solidFill>
+                          <a:srgbClr val="5A5F5E"/>
+                        </a:solidFill>
+                        <a:latin typeface="Cambria Math" panose="02040503050406030204" pitchFamily="18" charset="0"/>
+                      </a:rPr>
+                      <m:t>𝑎𝑥</m:t>
+                    </m:r>
+                    <m:r>
+                      <a:rPr sz="3650" i="1">
+                        <a:solidFill>
+                          <a:srgbClr val="5A5F5E"/>
+                        </a:solidFill>
+                        <a:latin typeface="Cambria Math" panose="02040503050406030204" pitchFamily="18" charset="0"/>
+                      </a:rPr>
+                      <m:t>+</m:t>
+                    </m:r>
+                    <m:r>
+                      <a:rPr sz="3650" i="1">
+                        <a:solidFill>
+                          <a:srgbClr val="5A5F5E"/>
+                        </a:solidFill>
+                        <a:latin typeface="Cambria Math" panose="02040503050406030204" pitchFamily="18" charset="0"/>
+                      </a:rPr>
+                      <m:t>𝑏</m:t>
+                    </m:r>
+                  </m:oMath>
+                </a14:m>
+                <a:endParaRPr/>
+              </a:p>
+            </p:txBody>
+          </p:sp>
+        </mc:Choice>
+        <mc:Fallback xmlns="">
+          <p:sp>
+            <p:nvSpPr>
+              <p:cNvPr id="118" name="The for convergence may be written with \mathcal{O}:…"/>
+              <p:cNvSpPr txBox="1">
+                <a:spLocks noRot="1" noChangeAspect="1" noMove="1" noResize="1" noEditPoints="1" noAdjustHandles="1" noChangeArrowheads="1" noChangeShapeType="1" noTextEdit="1"/>
+              </p:cNvSpPr>
+              <p:nvPr/>
+            </p:nvSpPr>
+            <p:spPr>
+              <a:xfrm>
+                <a:off x="667478" y="2153311"/>
+                <a:ext cx="11467783" cy="5805426"/>
+              </a:xfrm>
+              <a:prstGeom prst="rect">
+                <a:avLst/>
+              </a:prstGeom>
+              <a:blipFill>
+                <a:blip r:embed="rId2"/>
+                <a:stretch>
+                  <a:fillRect l="-1541" t="-315" b="-2938"/>
+                </a:stretch>
+              </a:blipFill>
+              <a:ln w="12700">
+                <a:miter lim="400000"/>
+              </a:ln>
+              <a:extLst>
+                <a:ext uri="{C572A759-6A51-4108-AA02-DFA0A04FC94B}">
+                  <ma14:wrappingTextBoxFlag xmlns:ma14="http://schemas.microsoft.com/office/mac/drawingml/2011/main" xmlns:a14="http://schemas.microsoft.com/office/drawing/2010/main" xmlns:m="http://schemas.openxmlformats.org/officeDocument/2006/math" xmlns="" val="1"/>
+                </a:ext>
+              </a:extLst>
+            </p:spPr>
+            <p:txBody>
+              <a:bodyPr/>
+              <a:lstStyle/>
+              <a:p>
+                <a:r>
+                  <a:rPr lang="zh-TW" altLang="en-US">
+                    <a:noFill/>
+                  </a:rPr>
+                  <a:t> </a:t>
+                </a:r>
+              </a:p>
+            </p:txBody>
+          </p:sp>
+        </mc:Fallback>
+      </mc:AlternateContent>
+    </p:spTree>
+  </p:cSld>
+  <p:clrMapOvr>
+    <a:masterClrMapping/>
+  </p:clrMapOvr>
+  <p:transition spd="med"/>
+</p:sld>
+</file>
+
+<file path=ppt/slides/slide11.xml><?xml version="1.0" encoding="utf-8"?>
+<p:sld xmlns:a="http://schemas.openxmlformats.org/drawingml/2006/main" xmlns:r="http://schemas.openxmlformats.org/officeDocument/2006/relationships" xmlns:p="http://schemas.openxmlformats.org/presentationml/2006/main">
+  <p:cSld>
+    <p:spTree>
+      <p:nvGrpSpPr>
+        <p:cNvPr id="1" name=""/>
+        <p:cNvGrpSpPr/>
+        <p:nvPr/>
+      </p:nvGrpSpPr>
+      <p:grpSpPr>
+        <a:xfrm>
+          <a:off x="0" y="0"/>
+          <a:ext cx="0" cy="0"/>
+          <a:chOff x="0" y="0"/>
+          <a:chExt cx="0" cy="0"/>
+        </a:xfrm>
+      </p:grpSpPr>
+      <p:sp>
+        <p:nvSpPr>
           <p:cNvPr id="120" name="幻燈片編號"/>
           <p:cNvSpPr txBox="1">
             <a:spLocks noGrp="1"/>
@@ -4887,7 +5552,7 @@
           </a:prstGeom>
           <a:extLst>
             <a:ext uri="{C572A759-6A51-4108-AA02-DFA0A04FC94B}">
-              <ma14:wrappingTextBoxFlag xmlns="" xmlns:m="http://schemas.openxmlformats.org/officeDocument/2006/math" xmlns:a14="http://schemas.microsoft.com/office/drawing/2010/main" xmlns:ma14="http://schemas.microsoft.com/office/mac/drawingml/2011/main" val="1"/>
+              <ma14:wrappingTextBoxFlag xmlns:ma14="http://schemas.microsoft.com/office/mac/drawingml/2011/main" xmlns:a14="http://schemas.microsoft.com/office/drawing/2010/main" xmlns:m="http://schemas.openxmlformats.org/officeDocument/2006/math" xmlns="" val="1"/>
             </a:ext>
           </a:extLst>
         </p:spPr>
@@ -4898,7 +5563,7 @@
           <a:lstStyle/>
           <a:p>
             <a:fld id="{86CB4B4D-7CA3-9044-876B-883B54F8677D}" type="slidenum">
-              <a:t>10</a:t>
+              <a:t>11</a:t>
             </a:fld>
             <a:endParaRPr/>
           </a:p>
@@ -5002,7 +5667,7 @@
               </a:ln>
               <a:extLst>
                 <a:ext uri="{C572A759-6A51-4108-AA02-DFA0A04FC94B}">
-                  <ma14:wrappingTextBoxFlag xmlns="" xmlns:m="http://schemas.openxmlformats.org/officeDocument/2006/math" xmlns:ma14="http://schemas.microsoft.com/office/mac/drawingml/2011/main" val="1"/>
+                  <ma14:wrappingTextBoxFlag xmlns:ma14="http://schemas.microsoft.com/office/mac/drawingml/2011/main" xmlns:m="http://schemas.openxmlformats.org/officeDocument/2006/math" xmlns="" val="1"/>
                 </a:ext>
               </a:extLst>
             </p:spPr>
@@ -5072,34 +5737,7 @@
                         </a:solidFill>
                         <a:latin typeface="Cambria Math" panose="02040503050406030204" pitchFamily="18" charset="0"/>
                       </a:rPr>
-                      <m:t>(</m:t>
-                    </m:r>
-                    <m:r>
-                      <a:rPr sz="3650" i="1">
-                        <a:solidFill>
-                          <a:srgbClr val="5A5F5E"/>
-                        </a:solidFill>
-                        <a:latin typeface="Cambria Math" panose="02040503050406030204" pitchFamily="18" charset="0"/>
-                      </a:rPr>
-                      <m:t>1</m:t>
-                    </m:r>
-                    <m:r>
-                      <a:rPr sz="3650" i="1">
-                        <a:solidFill>
-                          <a:srgbClr val="5A5F5E"/>
-                        </a:solidFill>
-                        <a:latin typeface="Cambria Math" panose="02040503050406030204" pitchFamily="18" charset="0"/>
-                      </a:rPr>
-                      <m:t>)}=</m:t>
-                    </m:r>
-                    <m:r>
-                      <a:rPr sz="3650" i="1">
-                        <a:solidFill>
-                          <a:srgbClr val="5A5F5E"/>
-                        </a:solidFill>
-                        <a:latin typeface="Cambria Math" panose="02040503050406030204" pitchFamily="18" charset="0"/>
-                      </a:rPr>
-                      <m:t>1</m:t>
+                      <m:t>(1)}=1</m:t>
                     </m:r>
                   </m:oMath>
                 </a14:m>
@@ -5269,25 +5907,7 @@
                         </a:solidFill>
                         <a:latin typeface="Cambria Math" panose="02040503050406030204" pitchFamily="18" charset="0"/>
                       </a:rPr>
-                      <m:t>&lt;</m:t>
-                    </m:r>
-                    <m:r>
-                      <a:rPr sz="3400" i="1">
-                        <a:solidFill>
-                          <a:srgbClr val="5A5F5E"/>
-                        </a:solidFill>
-                        <a:latin typeface="Cambria Math" panose="02040503050406030204" pitchFamily="18" charset="0"/>
-                      </a:rPr>
-                      <m:t>1</m:t>
-                    </m:r>
-                    <m:r>
-                      <a:rPr sz="3400" i="1">
-                        <a:solidFill>
-                          <a:srgbClr val="5A5F5E"/>
-                        </a:solidFill>
-                        <a:latin typeface="Cambria Math" panose="02040503050406030204" pitchFamily="18" charset="0"/>
-                      </a:rPr>
-                      <m:t>}</m:t>
+                      <m:t>&lt;1}</m:t>
                     </m:r>
                   </m:oMath>
                 </a14:m>
@@ -5425,7 +6045,7 @@
 </p:sld>
 </file>
 
-<file path=ppt/slides/slide11.xml><?xml version="1.0" encoding="utf-8"?>
+<file path=ppt/slides/slide12.xml><?xml version="1.0" encoding="utf-8"?>
 <p:sld xmlns:a="http://schemas.openxmlformats.org/drawingml/2006/main" xmlns:r="http://schemas.openxmlformats.org/officeDocument/2006/relationships" xmlns:p="http://schemas.openxmlformats.org/presentationml/2006/main">
   <p:cSld>
     <p:spTree>
@@ -5458,7 +6078,7 @@
           </a:prstGeom>
           <a:extLst>
             <a:ext uri="{C572A759-6A51-4108-AA02-DFA0A04FC94B}">
-              <ma14:wrappingTextBoxFlag xmlns="" xmlns:m="http://schemas.openxmlformats.org/officeDocument/2006/math" xmlns:a14="http://schemas.microsoft.com/office/drawing/2010/main" xmlns:ma14="http://schemas.microsoft.com/office/mac/drawingml/2011/main" val="1"/>
+              <ma14:wrappingTextBoxFlag xmlns:ma14="http://schemas.microsoft.com/office/mac/drawingml/2011/main" xmlns:a14="http://schemas.microsoft.com/office/drawing/2010/main" xmlns:m="http://schemas.openxmlformats.org/officeDocument/2006/math" xmlns="" val="1"/>
             </a:ext>
           </a:extLst>
         </p:spPr>
@@ -5469,7 +6089,7 @@
           <a:lstStyle/>
           <a:p>
             <a:fld id="{86CB4B4D-7CA3-9044-876B-883B54F8677D}" type="slidenum">
-              <a:t>11</a:t>
+              <a:t>12</a:t>
             </a:fld>
             <a:endParaRPr/>
           </a:p>
@@ -5547,7 +6167,7 @@
           </a:prstGeom>
           <a:extLst>
             <a:ext uri="{C572A759-6A51-4108-AA02-DFA0A04FC94B}">
-              <ma14:wrappingTextBoxFlag xmlns="" xmlns:m="http://schemas.openxmlformats.org/officeDocument/2006/math" xmlns:a14="http://schemas.microsoft.com/office/drawing/2010/main" xmlns:ma14="http://schemas.microsoft.com/office/mac/drawingml/2011/main" val="1"/>
+              <ma14:wrappingTextBoxFlag xmlns:ma14="http://schemas.microsoft.com/office/mac/drawingml/2011/main" xmlns:a14="http://schemas.microsoft.com/office/drawing/2010/main" xmlns:m="http://schemas.openxmlformats.org/officeDocument/2006/math" xmlns="" val="1"/>
             </a:ext>
           </a:extLst>
         </p:spPr>
@@ -5679,7 +6299,7 @@
 </p:sld>
 </file>
 
-<file path=ppt/slides/slide12.xml><?xml version="1.0" encoding="utf-8"?>
+<file path=ppt/slides/slide13.xml><?xml version="1.0" encoding="utf-8"?>
 <p:sld xmlns:a="http://schemas.openxmlformats.org/drawingml/2006/main" xmlns:r="http://schemas.openxmlformats.org/officeDocument/2006/relationships" xmlns:p="http://schemas.openxmlformats.org/presentationml/2006/main">
   <p:cSld>
     <p:spTree>
@@ -5712,7 +6332,7 @@
           </a:prstGeom>
           <a:extLst>
             <a:ext uri="{C572A759-6A51-4108-AA02-DFA0A04FC94B}">
-              <ma14:wrappingTextBoxFlag xmlns="" xmlns:m="http://schemas.openxmlformats.org/officeDocument/2006/math" xmlns:a14="http://schemas.microsoft.com/office/drawing/2010/main" xmlns:ma14="http://schemas.microsoft.com/office/mac/drawingml/2011/main" val="1"/>
+              <ma14:wrappingTextBoxFlag xmlns:ma14="http://schemas.microsoft.com/office/mac/drawingml/2011/main" xmlns:a14="http://schemas.microsoft.com/office/drawing/2010/main" xmlns:m="http://schemas.openxmlformats.org/officeDocument/2006/math" xmlns="" val="1"/>
             </a:ext>
           </a:extLst>
         </p:spPr>
@@ -5723,7 +6343,7 @@
           <a:lstStyle/>
           <a:p>
             <a:fld id="{86CB4B4D-7CA3-9044-876B-883B54F8677D}" type="slidenum">
-              <a:t>12</a:t>
+              <a:t>13</a:t>
             </a:fld>
             <a:endParaRPr/>
           </a:p>
@@ -5801,7 +6421,7 @@
           </a:prstGeom>
           <a:extLst>
             <a:ext uri="{C572A759-6A51-4108-AA02-DFA0A04FC94B}">
-              <ma14:wrappingTextBoxFlag xmlns="" xmlns:m="http://schemas.openxmlformats.org/officeDocument/2006/math" xmlns:a14="http://schemas.microsoft.com/office/drawing/2010/main" xmlns:ma14="http://schemas.microsoft.com/office/mac/drawingml/2011/main" val="1"/>
+              <ma14:wrappingTextBoxFlag xmlns:ma14="http://schemas.microsoft.com/office/mac/drawingml/2011/main" xmlns:a14="http://schemas.microsoft.com/office/drawing/2010/main" xmlns:m="http://schemas.openxmlformats.org/officeDocument/2006/math" xmlns="" val="1"/>
             </a:ext>
           </a:extLst>
         </p:spPr>
@@ -5904,7 +6524,7 @@
 </p:sld>
 </file>
 
-<file path=ppt/slides/slide13.xml><?xml version="1.0" encoding="utf-8"?>
+<file path=ppt/slides/slide14.xml><?xml version="1.0" encoding="utf-8"?>
 <p:sld xmlns:a="http://schemas.openxmlformats.org/drawingml/2006/main" xmlns:r="http://schemas.openxmlformats.org/officeDocument/2006/relationships" xmlns:p="http://schemas.openxmlformats.org/presentationml/2006/main">
   <p:cSld>
     <p:spTree>
@@ -5969,7 +6589,7 @@
           </a:ln>
           <a:extLst>
             <a:ext uri="{C572A759-6A51-4108-AA02-DFA0A04FC94B}">
-              <ma14:wrappingTextBoxFlag xmlns="" xmlns:m="http://schemas.openxmlformats.org/officeDocument/2006/math" xmlns:a14="http://schemas.microsoft.com/office/drawing/2010/main" xmlns:ma14="http://schemas.microsoft.com/office/mac/drawingml/2011/main" val="1"/>
+              <ma14:wrappingTextBoxFlag xmlns:ma14="http://schemas.microsoft.com/office/mac/drawingml/2011/main" xmlns:a14="http://schemas.microsoft.com/office/drawing/2010/main" xmlns:m="http://schemas.openxmlformats.org/officeDocument/2006/math" xmlns="" val="1"/>
             </a:ext>
           </a:extLst>
         </p:spPr>
@@ -6031,7 +6651,7 @@
           </a:prstGeom>
           <a:extLst>
             <a:ext uri="{C572A759-6A51-4108-AA02-DFA0A04FC94B}">
-              <ma14:wrappingTextBoxFlag xmlns="" xmlns:m="http://schemas.openxmlformats.org/officeDocument/2006/math" xmlns:a14="http://schemas.microsoft.com/office/drawing/2010/main" xmlns:ma14="http://schemas.microsoft.com/office/mac/drawingml/2011/main" val="1"/>
+              <ma14:wrappingTextBoxFlag xmlns:ma14="http://schemas.microsoft.com/office/mac/drawingml/2011/main" xmlns:a14="http://schemas.microsoft.com/office/drawing/2010/main" xmlns:m="http://schemas.openxmlformats.org/officeDocument/2006/math" xmlns="" val="1"/>
             </a:ext>
           </a:extLst>
         </p:spPr>
@@ -6114,14 +6734,14 @@
         <p:spPr>
           <a:xfrm>
             <a:off x="755809" y="1241530"/>
-            <a:ext cx="11467783" cy="8124275"/>
+            <a:ext cx="11467783" cy="4084708"/>
           </a:xfrm>
           <a:prstGeom prst="rect">
             <a:avLst/>
           </a:prstGeom>
           <a:extLst>
             <a:ext uri="{C572A759-6A51-4108-AA02-DFA0A04FC94B}">
-              <ma14:wrappingTextBoxFlag xmlns="" xmlns:m="http://schemas.openxmlformats.org/officeDocument/2006/math" xmlns:a14="http://schemas.microsoft.com/office/drawing/2010/main" xmlns:ma14="http://schemas.microsoft.com/office/mac/drawingml/2011/main" val="1"/>
+              <ma14:wrappingTextBoxFlag xmlns:ma14="http://schemas.microsoft.com/office/mac/drawingml/2011/main" xmlns:a14="http://schemas.microsoft.com/office/drawing/2010/main" xmlns:m="http://schemas.openxmlformats.org/officeDocument/2006/math" xmlns="" val="1"/>
             </a:ext>
           </a:extLst>
         </p:spPr>
@@ -6198,6 +6818,204 @@
               <a:t>.</a:t>
             </a:r>
           </a:p>
+        </p:txBody>
+      </p:sp>
+      <p:sp>
+        <p:nvSpPr>
+          <p:cNvPr id="74" name="IDA Template"/>
+          <p:cNvSpPr txBox="1">
+            <a:spLocks noGrp="1"/>
+          </p:cNvSpPr>
+          <p:nvPr>
+            <p:ph type="body" idx="24"/>
+          </p:nvPr>
+        </p:nvSpPr>
+        <p:spPr>
+          <a:prstGeom prst="rect">
+            <a:avLst/>
+          </a:prstGeom>
+        </p:spPr>
+        <p:txBody>
+          <a:bodyPr/>
+          <a:lstStyle/>
+          <a:p>
+            <a:r>
+              <a:t>IDA Template</a:t>
+            </a:r>
+          </a:p>
+        </p:txBody>
+      </p:sp>
+      <p:pic>
+        <p:nvPicPr>
+          <p:cNvPr id="3" name="圖片 2">
+            <a:extLst>
+              <a:ext uri="{FF2B5EF4-FFF2-40B4-BE49-F238E27FC236}">
+                <a16:creationId xmlns:a16="http://schemas.microsoft.com/office/drawing/2014/main" id="{681782C3-9C12-BE4B-4835-6FE56F01DCCE}"/>
+              </a:ext>
+            </a:extLst>
+          </p:cNvPr>
+          <p:cNvPicPr>
+            <a:picLocks noChangeAspect="1"/>
+          </p:cNvPicPr>
+          <p:nvPr/>
+        </p:nvPicPr>
+        <p:blipFill>
+          <a:blip r:embed="rId2"/>
+          <a:stretch>
+            <a:fillRect/>
+          </a:stretch>
+        </p:blipFill>
+        <p:spPr>
+          <a:xfrm>
+            <a:off x="1340719" y="5551588"/>
+            <a:ext cx="10297962" cy="2695951"/>
+          </a:xfrm>
+          <a:prstGeom prst="rect">
+            <a:avLst/>
+          </a:prstGeom>
+        </p:spPr>
+      </p:pic>
+    </p:spTree>
+  </p:cSld>
+  <p:clrMapOvr>
+    <a:masterClrMapping/>
+  </p:clrMapOvr>
+  <p:transition spd="med"/>
+</p:sld>
+</file>
+
+<file path=ppt/slides/slide3.xml><?xml version="1.0" encoding="utf-8"?>
+<p:sld xmlns:a="http://schemas.openxmlformats.org/drawingml/2006/main" xmlns:r="http://schemas.openxmlformats.org/officeDocument/2006/relationships" xmlns:p="http://schemas.openxmlformats.org/presentationml/2006/main">
+  <p:cSld>
+    <p:spTree>
+      <p:nvGrpSpPr>
+        <p:cNvPr id="1" name=""/>
+        <p:cNvGrpSpPr/>
+        <p:nvPr/>
+      </p:nvGrpSpPr>
+      <p:grpSpPr>
+        <a:xfrm>
+          <a:off x="0" y="0"/>
+          <a:ext cx="0" cy="0"/>
+          <a:chOff x="0" y="0"/>
+          <a:chExt cx="0" cy="0"/>
+        </a:xfrm>
+      </p:grpSpPr>
+      <p:sp>
+        <p:nvSpPr>
+          <p:cNvPr id="70" name="幻燈片編號"/>
+          <p:cNvSpPr txBox="1">
+            <a:spLocks noGrp="1"/>
+          </p:cNvSpPr>
+          <p:nvPr>
+            <p:ph type="sldNum" sz="quarter" idx="2"/>
+          </p:nvPr>
+        </p:nvSpPr>
+        <p:spPr>
+          <a:prstGeom prst="rect">
+            <a:avLst/>
+          </a:prstGeom>
+          <a:extLst>
+            <a:ext uri="{C572A759-6A51-4108-AA02-DFA0A04FC94B}">
+              <ma14:wrappingTextBoxFlag xmlns:ma14="http://schemas.microsoft.com/office/mac/drawingml/2011/main" xmlns:a14="http://schemas.microsoft.com/office/drawing/2010/main" xmlns:m="http://schemas.openxmlformats.org/officeDocument/2006/math" xmlns="" val="1"/>
+            </a:ext>
+          </a:extLst>
+        </p:spPr>
+        <p:txBody>
+          <a:bodyPr>
+            <a:normAutofit lnSpcReduction="10000"/>
+          </a:bodyPr>
+          <a:lstStyle/>
+          <a:p>
+            <a:fld id="{86CB4B4D-7CA3-9044-876B-883B54F8677D}" type="slidenum">
+              <a:rPr/>
+              <a:t>3</a:t>
+            </a:fld>
+            <a:endParaRPr/>
+          </a:p>
+        </p:txBody>
+      </p:sp>
+      <p:sp>
+        <p:nvSpPr>
+          <p:cNvPr id="71" name="Motivation"/>
+          <p:cNvSpPr txBox="1">
+            <a:spLocks noGrp="1"/>
+          </p:cNvSpPr>
+          <p:nvPr>
+            <p:ph type="body" idx="21"/>
+          </p:nvPr>
+        </p:nvSpPr>
+        <p:spPr>
+          <a:prstGeom prst="rect">
+            <a:avLst/>
+          </a:prstGeom>
+        </p:spPr>
+        <p:txBody>
+          <a:bodyPr/>
+          <a:lstStyle/>
+          <a:p>
+            <a:r>
+              <a:t>Motivation</a:t>
+            </a:r>
+          </a:p>
+        </p:txBody>
+      </p:sp>
+      <p:sp>
+        <p:nvSpPr>
+          <p:cNvPr id="72" name="Motivation"/>
+          <p:cNvSpPr txBox="1">
+            <a:spLocks noGrp="1"/>
+          </p:cNvSpPr>
+          <p:nvPr>
+            <p:ph type="body" idx="22"/>
+          </p:nvPr>
+        </p:nvSpPr>
+        <p:spPr>
+          <a:prstGeom prst="rect">
+            <a:avLst/>
+          </a:prstGeom>
+        </p:spPr>
+        <p:txBody>
+          <a:bodyPr>
+            <a:normAutofit lnSpcReduction="10000"/>
+          </a:bodyPr>
+          <a:lstStyle/>
+          <a:p>
+            <a:r>
+              <a:rPr lang="en-US" dirty="0"/>
+              <a:t>How to do</a:t>
+            </a:r>
+            <a:endParaRPr dirty="0"/>
+          </a:p>
+        </p:txBody>
+      </p:sp>
+      <p:sp>
+        <p:nvSpPr>
+          <p:cNvPr id="73" name="Motivate your presentation on 3-10 slides…"/>
+          <p:cNvSpPr txBox="1">
+            <a:spLocks noGrp="1"/>
+          </p:cNvSpPr>
+          <p:nvPr>
+            <p:ph type="body" idx="23"/>
+          </p:nvPr>
+        </p:nvSpPr>
+        <p:spPr>
+          <a:xfrm>
+            <a:off x="755809" y="1241530"/>
+            <a:ext cx="11467783" cy="4084708"/>
+          </a:xfrm>
+          <a:prstGeom prst="rect">
+            <a:avLst/>
+          </a:prstGeom>
+          <a:extLst>
+            <a:ext uri="{C572A759-6A51-4108-AA02-DFA0A04FC94B}">
+              <ma14:wrappingTextBoxFlag xmlns:ma14="http://schemas.microsoft.com/office/mac/drawingml/2011/main" xmlns:a14="http://schemas.microsoft.com/office/drawing/2010/main" xmlns:m="http://schemas.openxmlformats.org/officeDocument/2006/math" xmlns="" val="1"/>
+            </a:ext>
+          </a:extLst>
+        </p:spPr>
+        <p:txBody>
+          <a:bodyPr/>
+          <a:lstStyle/>
           <a:p>
             <a:pPr marL="444500" indent="-444500">
               <a:lnSpc>
@@ -6313,6 +7131,11 @@
         </p:txBody>
       </p:sp>
     </p:spTree>
+    <p:extLst>
+      <p:ext uri="{BB962C8B-B14F-4D97-AF65-F5344CB8AC3E}">
+        <p14:creationId xmlns:p14="http://schemas.microsoft.com/office/powerpoint/2010/main" val="1256134999"/>
+      </p:ext>
+    </p:extLst>
   </p:cSld>
   <p:clrMapOvr>
     <a:masterClrMapping/>
@@ -6321,7 +7144,7 @@
 </p:sld>
 </file>
 
-<file path=ppt/slides/slide3.xml><?xml version="1.0" encoding="utf-8"?>
+<file path=ppt/slides/slide4.xml><?xml version="1.0" encoding="utf-8"?>
 <p:sld xmlns:a="http://schemas.openxmlformats.org/drawingml/2006/main" xmlns:r="http://schemas.openxmlformats.org/officeDocument/2006/relationships" xmlns:p="http://schemas.openxmlformats.org/presentationml/2006/main">
   <p:cSld>
     <p:spTree>
@@ -6383,7 +7206,7 @@
           </a:prstGeom>
           <a:extLst>
             <a:ext uri="{C572A759-6A51-4108-AA02-DFA0A04FC94B}">
-              <ma14:wrappingTextBoxFlag xmlns="" xmlns:m="http://schemas.openxmlformats.org/officeDocument/2006/math" xmlns:a14="http://schemas.microsoft.com/office/drawing/2010/main" xmlns:ma14="http://schemas.microsoft.com/office/mac/drawingml/2011/main" val="1"/>
+              <ma14:wrappingTextBoxFlag xmlns:ma14="http://schemas.microsoft.com/office/mac/drawingml/2011/main" xmlns:a14="http://schemas.microsoft.com/office/drawing/2010/main" xmlns:m="http://schemas.openxmlformats.org/officeDocument/2006/math" xmlns="" val="1"/>
             </a:ext>
           </a:extLst>
         </p:spPr>
@@ -6450,7 +7273,7 @@
 </p:sld>
 </file>
 
-<file path=ppt/slides/slide4.xml><?xml version="1.0" encoding="utf-8"?>
+<file path=ppt/slides/slide5.xml><?xml version="1.0" encoding="utf-8"?>
 <p:sld xmlns:a="http://schemas.openxmlformats.org/drawingml/2006/main" xmlns:r="http://schemas.openxmlformats.org/officeDocument/2006/relationships" xmlns:p="http://schemas.openxmlformats.org/presentationml/2006/main">
   <p:cSld>
     <p:spTree>
@@ -6483,7 +7306,7 @@
           </a:prstGeom>
           <a:extLst>
             <a:ext uri="{C572A759-6A51-4108-AA02-DFA0A04FC94B}">
-              <ma14:wrappingTextBoxFlag xmlns="" xmlns:m="http://schemas.openxmlformats.org/officeDocument/2006/math" xmlns:a14="http://schemas.microsoft.com/office/drawing/2010/main" xmlns:ma14="http://schemas.microsoft.com/office/mac/drawingml/2011/main" val="1"/>
+              <ma14:wrappingTextBoxFlag xmlns:ma14="http://schemas.microsoft.com/office/mac/drawingml/2011/main" xmlns:a14="http://schemas.microsoft.com/office/drawing/2010/main" xmlns:m="http://schemas.openxmlformats.org/officeDocument/2006/math" xmlns="" val="1"/>
             </a:ext>
           </a:extLst>
         </p:spPr>
@@ -6494,7 +7317,7 @@
           <a:lstStyle/>
           <a:p>
             <a:fld id="{86CB4B4D-7CA3-9044-876B-883B54F8677D}" type="slidenum">
-              <a:t>4</a:t>
+              <a:t>5</a:t>
             </a:fld>
             <a:endParaRPr/>
           </a:p>
@@ -6686,7 +7509,7 @@
 </p:sld>
 </file>
 
-<file path=ppt/slides/slide5.xml><?xml version="1.0" encoding="utf-8"?>
+<file path=ppt/slides/slide6.xml><?xml version="1.0" encoding="utf-8"?>
 <p:sld xmlns:a="http://schemas.openxmlformats.org/drawingml/2006/main" xmlns:r="http://schemas.openxmlformats.org/officeDocument/2006/relationships" xmlns:p="http://schemas.openxmlformats.org/presentationml/2006/main">
   <p:cSld>
     <p:spTree>
@@ -6719,7 +7542,7 @@
           </a:prstGeom>
           <a:extLst>
             <a:ext uri="{C572A759-6A51-4108-AA02-DFA0A04FC94B}">
-              <ma14:wrappingTextBoxFlag xmlns="" xmlns:m="http://schemas.openxmlformats.org/officeDocument/2006/math" xmlns:a14="http://schemas.microsoft.com/office/drawing/2010/main" xmlns:ma14="http://schemas.microsoft.com/office/mac/drawingml/2011/main" val="1"/>
+              <ma14:wrappingTextBoxFlag xmlns:ma14="http://schemas.microsoft.com/office/mac/drawingml/2011/main" xmlns:a14="http://schemas.microsoft.com/office/drawing/2010/main" xmlns:m="http://schemas.openxmlformats.org/officeDocument/2006/math" xmlns="" val="1"/>
             </a:ext>
           </a:extLst>
         </p:spPr>
@@ -6730,7 +7553,7 @@
           <a:lstStyle/>
           <a:p>
             <a:fld id="{86CB4B4D-7CA3-9044-876B-883B54F8677D}" type="slidenum">
-              <a:t>5</a:t>
+              <a:t>6</a:t>
             </a:fld>
             <a:endParaRPr/>
           </a:p>
@@ -6832,7 +7655,7 @@
           </a:ln>
           <a:extLst>
             <a:ext uri="{C572A759-6A51-4108-AA02-DFA0A04FC94B}">
-              <ma14:wrappingTextBoxFlag xmlns="" xmlns:m="http://schemas.openxmlformats.org/officeDocument/2006/math" xmlns:a14="http://schemas.microsoft.com/office/drawing/2010/main" xmlns:ma14="http://schemas.microsoft.com/office/mac/drawingml/2011/main" val="1"/>
+              <ma14:wrappingTextBoxFlag xmlns:ma14="http://schemas.microsoft.com/office/mac/drawingml/2011/main" xmlns:a14="http://schemas.microsoft.com/office/drawing/2010/main" xmlns:m="http://schemas.openxmlformats.org/officeDocument/2006/math" xmlns="" val="1"/>
             </a:ext>
           </a:extLst>
         </p:spPr>
@@ -6900,7 +7723,7 @@
 </p:sld>
 </file>
 
-<file path=ppt/slides/slide6.xml><?xml version="1.0" encoding="utf-8"?>
+<file path=ppt/slides/slide7.xml><?xml version="1.0" encoding="utf-8"?>
 <p:sld xmlns:a="http://schemas.openxmlformats.org/drawingml/2006/main" xmlns:r="http://schemas.openxmlformats.org/officeDocument/2006/relationships" xmlns:p="http://schemas.openxmlformats.org/presentationml/2006/main">
   <p:cSld>
     <p:spTree>
@@ -6933,7 +7756,7 @@
           </a:prstGeom>
           <a:extLst>
             <a:ext uri="{C572A759-6A51-4108-AA02-DFA0A04FC94B}">
-              <ma14:wrappingTextBoxFlag xmlns="" xmlns:m="http://schemas.openxmlformats.org/officeDocument/2006/math" xmlns:a14="http://schemas.microsoft.com/office/drawing/2010/main" xmlns:ma14="http://schemas.microsoft.com/office/mac/drawingml/2011/main" val="1"/>
+              <ma14:wrappingTextBoxFlag xmlns:ma14="http://schemas.microsoft.com/office/mac/drawingml/2011/main" xmlns:a14="http://schemas.microsoft.com/office/drawing/2010/main" xmlns:m="http://schemas.openxmlformats.org/officeDocument/2006/math" xmlns="" val="1"/>
             </a:ext>
           </a:extLst>
         </p:spPr>
@@ -6944,7 +7767,7 @@
           <a:lstStyle/>
           <a:p>
             <a:fld id="{86CB4B4D-7CA3-9044-876B-883B54F8677D}" type="slidenum">
-              <a:t>6</a:t>
+              <a:t>7</a:t>
             </a:fld>
             <a:endParaRPr/>
           </a:p>
@@ -7046,7 +7869,7 @@
           </a:ln>
           <a:extLst>
             <a:ext uri="{C572A759-6A51-4108-AA02-DFA0A04FC94B}">
-              <ma14:wrappingTextBoxFlag xmlns="" xmlns:m="http://schemas.openxmlformats.org/officeDocument/2006/math" xmlns:a14="http://schemas.microsoft.com/office/drawing/2010/main" xmlns:ma14="http://schemas.microsoft.com/office/mac/drawingml/2011/main" val="1"/>
+              <ma14:wrappingTextBoxFlag xmlns:ma14="http://schemas.microsoft.com/office/mac/drawingml/2011/main" xmlns:a14="http://schemas.microsoft.com/office/drawing/2010/main" xmlns:m="http://schemas.openxmlformats.org/officeDocument/2006/math" xmlns="" val="1"/>
             </a:ext>
           </a:extLst>
         </p:spPr>
@@ -7138,7 +7961,7 @@
           </a:ln>
           <a:extLst>
             <a:ext uri="{C572A759-6A51-4108-AA02-DFA0A04FC94B}">
-              <ma14:wrappingTextBoxFlag xmlns="" xmlns:m="http://schemas.openxmlformats.org/officeDocument/2006/math" xmlns:a14="http://schemas.microsoft.com/office/drawing/2010/main" xmlns:ma14="http://schemas.microsoft.com/office/mac/drawingml/2011/main" val="1"/>
+              <ma14:wrappingTextBoxFlag xmlns:ma14="http://schemas.microsoft.com/office/mac/drawingml/2011/main" xmlns:a14="http://schemas.microsoft.com/office/drawing/2010/main" xmlns:m="http://schemas.openxmlformats.org/officeDocument/2006/math" xmlns="" val="1"/>
             </a:ext>
           </a:extLst>
         </p:spPr>
@@ -7198,7 +8021,7 @@
 </p:sld>
 </file>
 
-<file path=ppt/slides/slide7.xml><?xml version="1.0" encoding="utf-8"?>
+<file path=ppt/slides/slide8.xml><?xml version="1.0" encoding="utf-8"?>
 <p:sld xmlns:a="http://schemas.openxmlformats.org/drawingml/2006/main" xmlns:r="http://schemas.openxmlformats.org/officeDocument/2006/relationships" xmlns:p="http://schemas.openxmlformats.org/presentationml/2006/main">
   <p:cSld>
     <p:spTree>
@@ -7231,7 +8054,7 @@
           </a:prstGeom>
           <a:extLst>
             <a:ext uri="{C572A759-6A51-4108-AA02-DFA0A04FC94B}">
-              <ma14:wrappingTextBoxFlag xmlns="" xmlns:m="http://schemas.openxmlformats.org/officeDocument/2006/math" xmlns:a14="http://schemas.microsoft.com/office/drawing/2010/main" xmlns:ma14="http://schemas.microsoft.com/office/mac/drawingml/2011/main" val="1"/>
+              <ma14:wrappingTextBoxFlag xmlns:ma14="http://schemas.microsoft.com/office/mac/drawingml/2011/main" xmlns:a14="http://schemas.microsoft.com/office/drawing/2010/main" xmlns:m="http://schemas.openxmlformats.org/officeDocument/2006/math" xmlns="" val="1"/>
             </a:ext>
           </a:extLst>
         </p:spPr>
@@ -7242,7 +8065,7 @@
           <a:lstStyle/>
           <a:p>
             <a:fld id="{86CB4B4D-7CA3-9044-876B-883B54F8677D}" type="slidenum">
-              <a:t>7</a:t>
+              <a:t>8</a:t>
             </a:fld>
             <a:endParaRPr/>
           </a:p>
@@ -7346,7 +8169,7 @@
               </a:ln>
               <a:extLst>
                 <a:ext uri="{C572A759-6A51-4108-AA02-DFA0A04FC94B}">
-                  <ma14:wrappingTextBoxFlag xmlns="" xmlns:m="http://schemas.openxmlformats.org/officeDocument/2006/math" xmlns:ma14="http://schemas.microsoft.com/office/mac/drawingml/2011/main" val="1"/>
+                  <ma14:wrappingTextBoxFlag xmlns:ma14="http://schemas.microsoft.com/office/mac/drawingml/2011/main" xmlns:m="http://schemas.openxmlformats.org/officeDocument/2006/math" xmlns="" val="1"/>
                 </a:ext>
               </a:extLst>
             </p:spPr>
@@ -7914,7 +8737,7 @@
 </p:sld>
 </file>
 
-<file path=ppt/slides/slide8.xml><?xml version="1.0" encoding="utf-8"?>
+<file path=ppt/slides/slide9.xml><?xml version="1.0" encoding="utf-8"?>
 <p:sld xmlns:a="http://schemas.openxmlformats.org/drawingml/2006/main" xmlns:r="http://schemas.openxmlformats.org/officeDocument/2006/relationships" xmlns:p="http://schemas.openxmlformats.org/presentationml/2006/main">
   <p:cSld>
     <p:spTree>
@@ -7947,7 +8770,7 @@
           </a:prstGeom>
           <a:extLst>
             <a:ext uri="{C572A759-6A51-4108-AA02-DFA0A04FC94B}">
-              <ma14:wrappingTextBoxFlag xmlns="" xmlns:m="http://schemas.openxmlformats.org/officeDocument/2006/math" xmlns:a14="http://schemas.microsoft.com/office/drawing/2010/main" xmlns:ma14="http://schemas.microsoft.com/office/mac/drawingml/2011/main" val="1"/>
+              <ma14:wrappingTextBoxFlag xmlns:ma14="http://schemas.microsoft.com/office/mac/drawingml/2011/main" xmlns:a14="http://schemas.microsoft.com/office/drawing/2010/main" xmlns:m="http://schemas.openxmlformats.org/officeDocument/2006/math" xmlns="" val="1"/>
             </a:ext>
           </a:extLst>
         </p:spPr>
@@ -7958,7 +8781,7 @@
           <a:lstStyle/>
           <a:p>
             <a:fld id="{86CB4B4D-7CA3-9044-876B-883B54F8677D}" type="slidenum">
-              <a:t>8</a:t>
+              <a:t>9</a:t>
             </a:fld>
             <a:endParaRPr/>
           </a:p>
@@ -8062,7 +8885,7 @@
               </a:ln>
               <a:extLst>
                 <a:ext uri="{C572A759-6A51-4108-AA02-DFA0A04FC94B}">
-                  <ma14:wrappingTextBoxFlag xmlns="" xmlns:m="http://schemas.openxmlformats.org/officeDocument/2006/math" xmlns:ma14="http://schemas.microsoft.com/office/mac/drawingml/2011/main" val="1"/>
+                  <ma14:wrappingTextBoxFlag xmlns:ma14="http://schemas.microsoft.com/office/mac/drawingml/2011/main" xmlns:m="http://schemas.openxmlformats.org/officeDocument/2006/math" xmlns="" val="1"/>
                 </a:ext>
               </a:extLst>
             </p:spPr>
@@ -8440,733 +9263,6 @@
 </p:sld>
 </file>
 
-<file path=ppt/slides/slide9.xml><?xml version="1.0" encoding="utf-8"?>
-<p:sld xmlns:a="http://schemas.openxmlformats.org/drawingml/2006/main" xmlns:r="http://schemas.openxmlformats.org/officeDocument/2006/relationships" xmlns:p="http://schemas.openxmlformats.org/presentationml/2006/main">
-  <p:cSld>
-    <p:spTree>
-      <p:nvGrpSpPr>
-        <p:cNvPr id="1" name=""/>
-        <p:cNvGrpSpPr/>
-        <p:nvPr/>
-      </p:nvGrpSpPr>
-      <p:grpSpPr>
-        <a:xfrm>
-          <a:off x="0" y="0"/>
-          <a:ext cx="0" cy="0"/>
-          <a:chOff x="0" y="0"/>
-          <a:chExt cx="0" cy="0"/>
-        </a:xfrm>
-      </p:grpSpPr>
-      <p:sp>
-        <p:nvSpPr>
-          <p:cNvPr id="114" name="幻燈片編號"/>
-          <p:cNvSpPr txBox="1">
-            <a:spLocks noGrp="1"/>
-          </p:cNvSpPr>
-          <p:nvPr>
-            <p:ph type="sldNum" sz="quarter" idx="2"/>
-          </p:nvPr>
-        </p:nvSpPr>
-        <p:spPr>
-          <a:prstGeom prst="rect">
-            <a:avLst/>
-          </a:prstGeom>
-          <a:extLst>
-            <a:ext uri="{C572A759-6A51-4108-AA02-DFA0A04FC94B}">
-              <ma14:wrappingTextBoxFlag xmlns="" xmlns:m="http://schemas.openxmlformats.org/officeDocument/2006/math" xmlns:a14="http://schemas.microsoft.com/office/drawing/2010/main" xmlns:ma14="http://schemas.microsoft.com/office/mac/drawingml/2011/main" val="1"/>
-            </a:ext>
-          </a:extLst>
-        </p:spPr>
-        <p:txBody>
-          <a:bodyPr>
-            <a:normAutofit lnSpcReduction="10000"/>
-          </a:bodyPr>
-          <a:lstStyle/>
-          <a:p>
-            <a:fld id="{86CB4B4D-7CA3-9044-876B-883B54F8677D}" type="slidenum">
-              <a:t>9</a:t>
-            </a:fld>
-            <a:endParaRPr/>
-          </a:p>
-        </p:txBody>
-      </p:sp>
-      <p:sp>
-        <p:nvSpPr>
-          <p:cNvPr id="115" name="Styleguide"/>
-          <p:cNvSpPr txBox="1">
-            <a:spLocks noGrp="1"/>
-          </p:cNvSpPr>
-          <p:nvPr>
-            <p:ph type="body" idx="21"/>
-          </p:nvPr>
-        </p:nvSpPr>
-        <p:spPr>
-          <a:prstGeom prst="rect">
-            <a:avLst/>
-          </a:prstGeom>
-        </p:spPr>
-        <p:txBody>
-          <a:bodyPr/>
-          <a:lstStyle/>
-          <a:p>
-            <a:r>
-              <a:t>Styleguide</a:t>
-            </a:r>
-          </a:p>
-        </p:txBody>
-      </p:sp>
-      <p:sp>
-        <p:nvSpPr>
-          <p:cNvPr id="116" name="LvB notations 3"/>
-          <p:cNvSpPr txBox="1">
-            <a:spLocks noGrp="1"/>
-          </p:cNvSpPr>
-          <p:nvPr>
-            <p:ph type="body" idx="22"/>
-          </p:nvPr>
-        </p:nvSpPr>
-        <p:spPr>
-          <a:prstGeom prst="rect">
-            <a:avLst/>
-          </a:prstGeom>
-        </p:spPr>
-        <p:txBody>
-          <a:bodyPr>
-            <a:normAutofit lnSpcReduction="10000"/>
-          </a:bodyPr>
-          <a:lstStyle/>
-          <a:p>
-            <a:r>
-              <a:t>LvB notations 3</a:t>
-            </a:r>
-          </a:p>
-        </p:txBody>
-      </p:sp>
-      <p:sp>
-        <p:nvSpPr>
-          <p:cNvPr id="117" name="IDA Template"/>
-          <p:cNvSpPr txBox="1">
-            <a:spLocks noGrp="1"/>
-          </p:cNvSpPr>
-          <p:nvPr>
-            <p:ph type="body" idx="24"/>
-          </p:nvPr>
-        </p:nvSpPr>
-        <p:spPr>
-          <a:prstGeom prst="rect">
-            <a:avLst/>
-          </a:prstGeom>
-        </p:spPr>
-        <p:txBody>
-          <a:bodyPr/>
-          <a:lstStyle/>
-          <a:p>
-            <a:r>
-              <a:t>IDA Template</a:t>
-            </a:r>
-          </a:p>
-        </p:txBody>
-      </p:sp>
-      <mc:AlternateContent xmlns:mc="http://schemas.openxmlformats.org/markup-compatibility/2006" xmlns:a14="http://schemas.microsoft.com/office/drawing/2010/main">
-        <mc:Choice Requires="a14">
-          <p:sp>
-            <p:nvSpPr>
-              <p:cNvPr id="118" name="The for convergence may be written with \mathcal{O}:…"/>
-              <p:cNvSpPr txBox="1"/>
-              <p:nvPr/>
-            </p:nvSpPr>
-            <p:spPr>
-              <a:xfrm>
-                <a:off x="667478" y="2153311"/>
-                <a:ext cx="11467783" cy="5805426"/>
-              </a:xfrm>
-              <a:prstGeom prst="rect">
-                <a:avLst/>
-              </a:prstGeom>
-              <a:ln w="12700">
-                <a:miter lim="400000"/>
-              </a:ln>
-              <a:extLst>
-                <a:ext uri="{C572A759-6A51-4108-AA02-DFA0A04FC94B}">
-                  <ma14:wrappingTextBoxFlag xmlns="" xmlns:m="http://schemas.openxmlformats.org/officeDocument/2006/math" xmlns:ma14="http://schemas.microsoft.com/office/mac/drawingml/2011/main" val="1"/>
-                </a:ext>
-              </a:extLst>
-            </p:spPr>
-            <p:txBody>
-              <a:bodyPr lIns="50800" tIns="50800" rIns="50800" bIns="50800">
-                <a:spAutoFit/>
-              </a:bodyPr>
-              <a:lstStyle/>
-              <a:p>
-                <a:pPr marL="444500" indent="-444500">
-                  <a:lnSpc>
-                    <a:spcPts val="4500"/>
-                  </a:lnSpc>
-                  <a:buClr>
-                    <a:srgbClr val="00599E"/>
-                  </a:buClr>
-                  <a:buSzPct val="100000"/>
-                  <a:buChar char="⊡"/>
-                  <a:defRPr sz="3000">
-                    <a:solidFill>
-                      <a:srgbClr val="5A5F5E"/>
-                    </a:solidFill>
-                  </a:defRPr>
-                </a:pPr>
-                <a:r>
-                  <a:t>The for convergence may be written with \mathcal{O}: </a:t>
-                </a:r>
-                <a14:m>
-                  <m:oMath xmlns:m="http://schemas.openxmlformats.org/officeDocument/2006/math">
-                    <m:r>
-                      <a:rPr sz="3650" i="1">
-                        <a:solidFill>
-                          <a:srgbClr val="5A5F5E"/>
-                        </a:solidFill>
-                        <a:latin typeface="Cambria Math" panose="02040503050406030204" pitchFamily="18" charset="0"/>
-                      </a:rPr>
-                      <m:t>𝒪</m:t>
-                    </m:r>
-                  </m:oMath>
-                </a14:m>
-                <a:endParaRPr/>
-              </a:p>
-              <a:p>
-                <a:pPr marL="444500" indent="-444500">
-                  <a:lnSpc>
-                    <a:spcPts val="4500"/>
-                  </a:lnSpc>
-                  <a:buClr>
-                    <a:srgbClr val="00599E"/>
-                  </a:buClr>
-                  <a:buSzPct val="100000"/>
-                  <a:buChar char="⊡"/>
-                  <a:defRPr sz="3000">
-                    <a:solidFill>
-                      <a:srgbClr val="5A5F5E"/>
-                    </a:solidFill>
-                  </a:defRPr>
-                </a:pPr>
-                <a:r>
-                  <a:t>The operator for exponential terms with Euler’s number as the base is defined by \exp: </a:t>
-                </a:r>
-                <a14:m>
-                  <m:oMath xmlns:m="http://schemas.openxmlformats.org/officeDocument/2006/math">
-                    <m:r>
-                      <m:rPr>
-                        <m:sty m:val="p"/>
-                      </m:rPr>
-                      <a:rPr sz="3650" i="1">
-                        <a:solidFill>
-                          <a:srgbClr val="5A5F5E"/>
-                        </a:solidFill>
-                        <a:latin typeface="Cambria Math" panose="02040503050406030204" pitchFamily="18" charset="0"/>
-                      </a:rPr>
-                      <m:t>exp</m:t>
-                    </m:r>
-                    <m:r>
-                      <a:rPr sz="3650" i="1">
-                        <a:solidFill>
-                          <a:srgbClr val="5A5F5E"/>
-                        </a:solidFill>
-                        <a:latin typeface="Cambria Math" panose="02040503050406030204" pitchFamily="18" charset="0"/>
-                      </a:rPr>
-                      <m:t>(</m:t>
-                    </m:r>
-                    <m:r>
-                      <a:rPr sz="3650" i="1">
-                        <a:solidFill>
-                          <a:srgbClr val="5A5F5E"/>
-                        </a:solidFill>
-                        <a:latin typeface="Cambria Math" panose="02040503050406030204" pitchFamily="18" charset="0"/>
-                      </a:rPr>
-                      <m:t>1</m:t>
-                    </m:r>
-                    <m:r>
-                      <a:rPr sz="3650" i="1">
-                        <a:solidFill>
-                          <a:srgbClr val="5A5F5E"/>
-                        </a:solidFill>
-                        <a:latin typeface="Cambria Math" panose="02040503050406030204" pitchFamily="18" charset="0"/>
-                      </a:rPr>
-                      <m:t>)≈</m:t>
-                    </m:r>
-                    <m:r>
-                      <a:rPr sz="3650" i="1">
-                        <a:solidFill>
-                          <a:srgbClr val="5A5F5E"/>
-                        </a:solidFill>
-                        <a:latin typeface="Cambria Math" panose="02040503050406030204" pitchFamily="18" charset="0"/>
-                      </a:rPr>
-                      <m:t>2</m:t>
-                    </m:r>
-                    <m:r>
-                      <a:rPr sz="3650" i="1">
-                        <a:solidFill>
-                          <a:srgbClr val="5A5F5E"/>
-                        </a:solidFill>
-                        <a:latin typeface="Cambria Math" panose="02040503050406030204" pitchFamily="18" charset="0"/>
-                      </a:rPr>
-                      <m:t>.</m:t>
-                    </m:r>
-                    <m:r>
-                      <a:rPr sz="3650" i="1">
-                        <a:solidFill>
-                          <a:srgbClr val="5A5F5E"/>
-                        </a:solidFill>
-                        <a:latin typeface="Cambria Math" panose="02040503050406030204" pitchFamily="18" charset="0"/>
-                      </a:rPr>
-                      <m:t>718</m:t>
-                    </m:r>
-                  </m:oMath>
-                </a14:m>
-                <a:endParaRPr/>
-              </a:p>
-              <a:p>
-                <a:pPr marL="444500" indent="-444500">
-                  <a:lnSpc>
-                    <a:spcPts val="4500"/>
-                  </a:lnSpc>
-                  <a:buClr>
-                    <a:srgbClr val="00599E"/>
-                  </a:buClr>
-                  <a:buSzPct val="100000"/>
-                  <a:buChar char="⊡"/>
-                  <a:defRPr sz="3000">
-                    <a:solidFill>
-                      <a:srgbClr val="5A5F5E"/>
-                    </a:solidFill>
-                  </a:defRPr>
-                </a:pPr>
-                <a:r>
-                  <a:t>Use \overset{\mathcal{L}}{\rightarrow} to write the symbol for convergence in distribution and denote the normal distribution by \mathcal{N}, this produces </a:t>
-                </a:r>
-                <a14:m>
-                  <m:oMath xmlns:m="http://schemas.openxmlformats.org/officeDocument/2006/math">
-                    <m:r>
-                      <a:rPr sz="3650" i="1">
-                        <a:solidFill>
-                          <a:srgbClr val="5A5F5E"/>
-                        </a:solidFill>
-                        <a:latin typeface="Cambria Math" panose="02040503050406030204" pitchFamily="18" charset="0"/>
-                      </a:rPr>
-                      <m:t>𝑋</m:t>
-                    </m:r>
-                    <m:limUpp>
-                      <m:limUppPr>
-                        <m:ctrlPr>
-                          <a:rPr sz="3650" i="1">
-                            <a:solidFill>
-                              <a:srgbClr val="5A5F5E"/>
-                            </a:solidFill>
-                            <a:latin typeface="Cambria Math" panose="02040503050406030204" pitchFamily="18" charset="0"/>
-                          </a:rPr>
-                        </m:ctrlPr>
-                      </m:limUppPr>
-                      <m:e>
-                        <m:r>
-                          <a:rPr sz="3650" i="1">
-                            <a:solidFill>
-                              <a:srgbClr val="5A5F5E"/>
-                            </a:solidFill>
-                            <a:latin typeface="Cambria Math" panose="02040503050406030204" pitchFamily="18" charset="0"/>
-                          </a:rPr>
-                          <m:t>→</m:t>
-                        </m:r>
-                      </m:e>
-                      <m:lim>
-                        <m:r>
-                          <a:rPr sz="3650" i="1">
-                            <a:solidFill>
-                              <a:srgbClr val="5A5F5E"/>
-                            </a:solidFill>
-                            <a:latin typeface="Cambria Math" panose="02040503050406030204" pitchFamily="18" charset="0"/>
-                          </a:rPr>
-                          <m:t>ℒ</m:t>
-                        </m:r>
-                      </m:lim>
-                    </m:limUpp>
-                    <m:r>
-                      <a:rPr sz="3650" i="1">
-                        <a:solidFill>
-                          <a:srgbClr val="5A5F5E"/>
-                        </a:solidFill>
-                        <a:latin typeface="Cambria Math" panose="02040503050406030204" pitchFamily="18" charset="0"/>
-                      </a:rPr>
-                      <m:t>𝒩</m:t>
-                    </m:r>
-                    <m:r>
-                      <a:rPr sz="3650" i="1">
-                        <a:solidFill>
-                          <a:srgbClr val="5A5F5E"/>
-                        </a:solidFill>
-                        <a:latin typeface="Cambria Math" panose="02040503050406030204" pitchFamily="18" charset="0"/>
-                      </a:rPr>
-                      <m:t>(</m:t>
-                    </m:r>
-                    <m:r>
-                      <a:rPr sz="3650" i="1">
-                        <a:solidFill>
-                          <a:srgbClr val="5A5F5E"/>
-                        </a:solidFill>
-                        <a:latin typeface="Cambria Math" panose="02040503050406030204" pitchFamily="18" charset="0"/>
-                      </a:rPr>
-                      <m:t>0</m:t>
-                    </m:r>
-                    <m:r>
-                      <a:rPr sz="3650" i="1">
-                        <a:solidFill>
-                          <a:srgbClr val="5A5F5E"/>
-                        </a:solidFill>
-                        <a:latin typeface="Cambria Math" panose="02040503050406030204" pitchFamily="18" charset="0"/>
-                      </a:rPr>
-                      <m:t>,</m:t>
-                    </m:r>
-                    <m:sSup>
-                      <m:sSupPr>
-                        <m:ctrlPr>
-                          <a:rPr sz="3650" i="1">
-                            <a:solidFill>
-                              <a:srgbClr val="5A5F5E"/>
-                            </a:solidFill>
-                            <a:latin typeface="Cambria Math" panose="02040503050406030204" pitchFamily="18" charset="0"/>
-                          </a:rPr>
-                        </m:ctrlPr>
-                      </m:sSupPr>
-                      <m:e>
-                        <m:r>
-                          <a:rPr sz="3650" i="1">
-                            <a:solidFill>
-                              <a:srgbClr val="5A5F5E"/>
-                            </a:solidFill>
-                            <a:latin typeface="Cambria Math" panose="02040503050406030204" pitchFamily="18" charset="0"/>
-                          </a:rPr>
-                          <m:t>𝜎</m:t>
-                        </m:r>
-                      </m:e>
-                      <m:sup>
-                        <m:r>
-                          <a:rPr sz="3650" i="1">
-                            <a:solidFill>
-                              <a:srgbClr val="5A5F5E"/>
-                            </a:solidFill>
-                            <a:latin typeface="Cambria Math" panose="02040503050406030204" pitchFamily="18" charset="0"/>
-                          </a:rPr>
-                          <m:t>2</m:t>
-                        </m:r>
-                      </m:sup>
-                    </m:sSup>
-                    <m:r>
-                      <a:rPr sz="3650" i="1">
-                        <a:solidFill>
-                          <a:srgbClr val="5A5F5E"/>
-                        </a:solidFill>
-                        <a:latin typeface="Cambria Math" panose="02040503050406030204" pitchFamily="18" charset="0"/>
-                      </a:rPr>
-                      <m:t>)</m:t>
-                    </m:r>
-                  </m:oMath>
-                </a14:m>
-                <a:endParaRPr/>
-              </a:p>
-              <a:p>
-                <a:pPr marL="444500" indent="-444500">
-                  <a:lnSpc>
-                    <a:spcPts val="4500"/>
-                  </a:lnSpc>
-                  <a:buClr>
-                    <a:srgbClr val="00599E"/>
-                  </a:buClr>
-                  <a:buSzPct val="100000"/>
-                  <a:buChar char="⊡"/>
-                  <a:defRPr sz="3000">
-                    <a:solidFill>
-                      <a:srgbClr val="5A5F5E"/>
-                    </a:solidFill>
-                  </a:defRPr>
-                </a:pPr>
-                <a:r>
-                  <a:t>Use \overset{\operatorname{as.}}{\sim} to write the symbol for asymptotic distribution  </a:t>
-                </a:r>
-                <a14:m>
-                  <m:oMath xmlns:m="http://schemas.openxmlformats.org/officeDocument/2006/math">
-                    <m:r>
-                      <a:rPr sz="3650" i="1">
-                        <a:solidFill>
-                          <a:srgbClr val="5A5F5E"/>
-                        </a:solidFill>
-                        <a:latin typeface="Cambria Math" panose="02040503050406030204" pitchFamily="18" charset="0"/>
-                      </a:rPr>
-                      <m:t>𝑋</m:t>
-                    </m:r>
-                    <m:limUpp>
-                      <m:limUppPr>
-                        <m:ctrlPr>
-                          <a:rPr sz="3650" i="1">
-                            <a:solidFill>
-                              <a:srgbClr val="5A5F5E"/>
-                            </a:solidFill>
-                            <a:latin typeface="Cambria Math" panose="02040503050406030204" pitchFamily="18" charset="0"/>
-                          </a:rPr>
-                        </m:ctrlPr>
-                      </m:limUppPr>
-                      <m:e>
-                        <m:r>
-                          <a:rPr sz="3650" i="1">
-                            <a:solidFill>
-                              <a:srgbClr val="5A5F5E"/>
-                            </a:solidFill>
-                            <a:latin typeface="Cambria Math" panose="02040503050406030204" pitchFamily="18" charset="0"/>
-                          </a:rPr>
-                          <m:t>∼</m:t>
-                        </m:r>
-                      </m:e>
-                      <m:lim>
-                        <m:r>
-                          <m:rPr>
-                            <m:sty m:val="p"/>
-                          </m:rPr>
-                          <a:rPr sz="3650" i="1">
-                            <a:solidFill>
-                              <a:srgbClr val="5A5F5E"/>
-                            </a:solidFill>
-                            <a:latin typeface="Cambria Math" panose="02040503050406030204" pitchFamily="18" charset="0"/>
-                          </a:rPr>
-                          <m:t>as</m:t>
-                        </m:r>
-                        <m:r>
-                          <a:rPr sz="3650" i="1">
-                            <a:solidFill>
-                              <a:srgbClr val="5A5F5E"/>
-                            </a:solidFill>
-                            <a:latin typeface="Cambria Math" panose="02040503050406030204" pitchFamily="18" charset="0"/>
-                          </a:rPr>
-                          <m:t>.</m:t>
-                        </m:r>
-                      </m:lim>
-                    </m:limUpp>
-                    <m:sSup>
-                      <m:sSupPr>
-                        <m:ctrlPr>
-                          <a:rPr sz="3650" i="1">
-                            <a:solidFill>
-                              <a:srgbClr val="5A5F5E"/>
-                            </a:solidFill>
-                            <a:latin typeface="Cambria Math" panose="02040503050406030204" pitchFamily="18" charset="0"/>
-                          </a:rPr>
-                        </m:ctrlPr>
-                      </m:sSupPr>
-                      <m:e>
-                        <m:r>
-                          <a:rPr sz="3650" i="1">
-                            <a:solidFill>
-                              <a:srgbClr val="5A5F5E"/>
-                            </a:solidFill>
-                            <a:latin typeface="Cambria Math" panose="02040503050406030204" pitchFamily="18" charset="0"/>
-                          </a:rPr>
-                          <m:t>𝜒</m:t>
-                        </m:r>
-                      </m:e>
-                      <m:sup>
-                        <m:r>
-                          <a:rPr sz="3650" i="1">
-                            <a:solidFill>
-                              <a:srgbClr val="5A5F5E"/>
-                            </a:solidFill>
-                            <a:latin typeface="Cambria Math" panose="02040503050406030204" pitchFamily="18" charset="0"/>
-                          </a:rPr>
-                          <m:t>2</m:t>
-                        </m:r>
-                      </m:sup>
-                    </m:sSup>
-                  </m:oMath>
-                </a14:m>
-                <a:endParaRPr/>
-              </a:p>
-              <a:p>
-                <a:pPr marL="444500" indent="-444500">
-                  <a:lnSpc>
-                    <a:spcPts val="4500"/>
-                  </a:lnSpc>
-                  <a:buClr>
-                    <a:srgbClr val="00599E"/>
-                  </a:buClr>
-                  <a:buSzPct val="100000"/>
-                  <a:buChar char="⊡"/>
-                  <a:defRPr sz="3000">
-                    <a:solidFill>
-                      <a:srgbClr val="5A5F5E"/>
-                    </a:solidFill>
-                  </a:defRPr>
-                </a:pPr>
-                <a:r>
-                  <a:t>To define a function, variable etc. use \overset{\operatorname{def}}{=} </a:t>
-                </a:r>
-                <a14:m>
-                  <m:oMath xmlns:m="http://schemas.openxmlformats.org/officeDocument/2006/math">
-                    <m:r>
-                      <a:rPr sz="3650" i="1">
-                        <a:solidFill>
-                          <a:srgbClr val="5A5F5E"/>
-                        </a:solidFill>
-                        <a:latin typeface="Cambria Math" panose="02040503050406030204" pitchFamily="18" charset="0"/>
-                      </a:rPr>
-                      <m:t>𝑓</m:t>
-                    </m:r>
-                    <m:r>
-                      <a:rPr sz="3650" i="1">
-                        <a:solidFill>
-                          <a:srgbClr val="5A5F5E"/>
-                        </a:solidFill>
-                        <a:latin typeface="Cambria Math" panose="02040503050406030204" pitchFamily="18" charset="0"/>
-                      </a:rPr>
-                      <m:t>(</m:t>
-                    </m:r>
-                    <m:r>
-                      <a:rPr sz="3650" i="1">
-                        <a:solidFill>
-                          <a:srgbClr val="5A5F5E"/>
-                        </a:solidFill>
-                        <a:latin typeface="Cambria Math" panose="02040503050406030204" pitchFamily="18" charset="0"/>
-                      </a:rPr>
-                      <m:t>𝑥</m:t>
-                    </m:r>
-                    <m:r>
-                      <a:rPr sz="3650" i="1">
-                        <a:solidFill>
-                          <a:srgbClr val="5A5F5E"/>
-                        </a:solidFill>
-                        <a:latin typeface="Cambria Math" panose="02040503050406030204" pitchFamily="18" charset="0"/>
-                      </a:rPr>
-                      <m:t>)</m:t>
-                    </m:r>
-                    <m:limUpp>
-                      <m:limUppPr>
-                        <m:ctrlPr>
-                          <a:rPr sz="3650" i="1">
-                            <a:solidFill>
-                              <a:srgbClr val="5A5F5E"/>
-                            </a:solidFill>
-                            <a:latin typeface="Cambria Math" panose="02040503050406030204" pitchFamily="18" charset="0"/>
-                          </a:rPr>
-                        </m:ctrlPr>
-                      </m:limUppPr>
-                      <m:e>
-                        <m:r>
-                          <a:rPr sz="3650" i="1">
-                            <a:solidFill>
-                              <a:srgbClr val="5A5F5E"/>
-                            </a:solidFill>
-                            <a:latin typeface="Cambria Math" panose="02040503050406030204" pitchFamily="18" charset="0"/>
-                          </a:rPr>
-                          <m:t>=</m:t>
-                        </m:r>
-                      </m:e>
-                      <m:lim>
-                        <m:r>
-                          <m:rPr>
-                            <m:sty m:val="p"/>
-                          </m:rPr>
-                          <a:rPr sz="3650" i="1">
-                            <a:solidFill>
-                              <a:srgbClr val="5A5F5E"/>
-                            </a:solidFill>
-                            <a:latin typeface="Cambria Math" panose="02040503050406030204" pitchFamily="18" charset="0"/>
-                          </a:rPr>
-                          <m:t>def</m:t>
-                        </m:r>
-                      </m:lim>
-                    </m:limUpp>
-                    <m:r>
-                      <a:rPr sz="3650" i="1">
-                        <a:solidFill>
-                          <a:srgbClr val="5A5F5E"/>
-                        </a:solidFill>
-                        <a:latin typeface="Cambria Math" panose="02040503050406030204" pitchFamily="18" charset="0"/>
-                      </a:rPr>
-                      <m:t>𝑎𝑥</m:t>
-                    </m:r>
-                    <m:r>
-                      <a:rPr sz="3650" i="1">
-                        <a:solidFill>
-                          <a:srgbClr val="5A5F5E"/>
-                        </a:solidFill>
-                        <a:latin typeface="Cambria Math" panose="02040503050406030204" pitchFamily="18" charset="0"/>
-                      </a:rPr>
-                      <m:t>+</m:t>
-                    </m:r>
-                    <m:r>
-                      <a:rPr sz="3650" i="1">
-                        <a:solidFill>
-                          <a:srgbClr val="5A5F5E"/>
-                        </a:solidFill>
-                        <a:latin typeface="Cambria Math" panose="02040503050406030204" pitchFamily="18" charset="0"/>
-                      </a:rPr>
-                      <m:t>𝑏</m:t>
-                    </m:r>
-                  </m:oMath>
-                </a14:m>
-                <a:endParaRPr/>
-              </a:p>
-            </p:txBody>
-          </p:sp>
-        </mc:Choice>
-        <mc:Fallback xmlns="">
-          <p:sp>
-            <p:nvSpPr>
-              <p:cNvPr id="118" name="The for convergence may be written with \mathcal{O}:…"/>
-              <p:cNvSpPr txBox="1">
-                <a:spLocks noRot="1" noChangeAspect="1" noMove="1" noResize="1" noEditPoints="1" noAdjustHandles="1" noChangeArrowheads="1" noChangeShapeType="1" noTextEdit="1"/>
-              </p:cNvSpPr>
-              <p:nvPr/>
-            </p:nvSpPr>
-            <p:spPr>
-              <a:xfrm>
-                <a:off x="667478" y="2153311"/>
-                <a:ext cx="11467783" cy="5805426"/>
-              </a:xfrm>
-              <a:prstGeom prst="rect">
-                <a:avLst/>
-              </a:prstGeom>
-              <a:blipFill>
-                <a:blip r:embed="rId2"/>
-                <a:stretch>
-                  <a:fillRect l="-1541" t="-315" b="-2938"/>
-                </a:stretch>
-              </a:blipFill>
-              <a:ln w="12700">
-                <a:miter lim="400000"/>
-              </a:ln>
-              <a:extLst>
-                <a:ext uri="{C572A759-6A51-4108-AA02-DFA0A04FC94B}">
-                  <ma14:wrappingTextBoxFlag xmlns:ma14="http://schemas.microsoft.com/office/mac/drawingml/2011/main" xmlns:a14="http://schemas.microsoft.com/office/drawing/2010/main" xmlns:m="http://schemas.openxmlformats.org/officeDocument/2006/math" xmlns="" val="1"/>
-                </a:ext>
-              </a:extLst>
-            </p:spPr>
-            <p:txBody>
-              <a:bodyPr/>
-              <a:lstStyle/>
-              <a:p>
-                <a:r>
-                  <a:rPr lang="zh-TW" altLang="en-US">
-                    <a:noFill/>
-                  </a:rPr>
-                  <a:t> </a:t>
-                </a:r>
-              </a:p>
-            </p:txBody>
-          </p:sp>
-        </mc:Fallback>
-      </mc:AlternateContent>
-    </p:spTree>
-  </p:cSld>
-  <p:clrMapOvr>
-    <a:masterClrMapping/>
-  </p:clrMapOvr>
-  <p:transition spd="med"/>
-</p:sld>
-</file>
-
 <file path=ppt/theme/theme1.xml><?xml version="1.0" encoding="utf-8"?>
 <a:theme xmlns:a="http://schemas.openxmlformats.org/drawingml/2006/main" name="Showroom">
   <a:themeElements>

--- a/projects/5_機器學習應用於偵測信用卡詐欺的績效評估.pptx
+++ b/projects/5_機器學習應用於偵測信用卡詐欺的績效評估.pptx
@@ -5,23 +5,20 @@
     <p:sldMasterId id="2147483648" r:id="rId1"/>
   </p:sldMasterIdLst>
   <p:notesMasterIdLst>
-    <p:notesMasterId r:id="rId16"/>
+    <p:notesMasterId r:id="rId13"/>
   </p:notesMasterIdLst>
   <p:sldIdLst>
     <p:sldId id="269" r:id="rId2"/>
-    <p:sldId id="257" r:id="rId3"/>
-    <p:sldId id="270" r:id="rId4"/>
-    <p:sldId id="258" r:id="rId5"/>
-    <p:sldId id="259" r:id="rId6"/>
-    <p:sldId id="260" r:id="rId7"/>
-    <p:sldId id="261" r:id="rId8"/>
-    <p:sldId id="262" r:id="rId9"/>
-    <p:sldId id="263" r:id="rId10"/>
-    <p:sldId id="264" r:id="rId11"/>
-    <p:sldId id="265" r:id="rId12"/>
-    <p:sldId id="266" r:id="rId13"/>
-    <p:sldId id="267" r:id="rId14"/>
-    <p:sldId id="268" r:id="rId15"/>
+    <p:sldId id="258" r:id="rId3"/>
+    <p:sldId id="271" r:id="rId4"/>
+    <p:sldId id="257" r:id="rId5"/>
+    <p:sldId id="273" r:id="rId6"/>
+    <p:sldId id="274" r:id="rId7"/>
+    <p:sldId id="276" r:id="rId8"/>
+    <p:sldId id="270" r:id="rId9"/>
+    <p:sldId id="277" r:id="rId10"/>
+    <p:sldId id="278" r:id="rId11"/>
+    <p:sldId id="268" r:id="rId12"/>
   </p:sldIdLst>
   <p:sldSz cx="13004800" cy="9753600"/>
   <p:notesSz cx="6858000" cy="9144000"/>
@@ -681,7 +678,7 @@
           </a:ln>
           <a:extLst>
             <a:ext uri="{C572A759-6A51-4108-AA02-DFA0A04FC94B}">
-              <ma14:wrappingTextBoxFlag xmlns:ma14="http://schemas.microsoft.com/office/mac/drawingml/2011/main" xmlns:a14="http://schemas.microsoft.com/office/drawing/2010/main" xmlns:m="http://schemas.openxmlformats.org/officeDocument/2006/math" xmlns="" val="1"/>
+              <ma14:wrappingTextBoxFlag xmlns="" xmlns:m="http://schemas.openxmlformats.org/officeDocument/2006/math" xmlns:a14="http://schemas.microsoft.com/office/drawing/2010/main" xmlns:ma14="http://schemas.microsoft.com/office/mac/drawingml/2011/main" val="1"/>
             </a:ext>
           </a:extLst>
         </p:spPr>
@@ -3550,7 +3547,7 @@
           </a:ln>
           <a:extLst>
             <a:ext uri="{C572A759-6A51-4108-AA02-DFA0A04FC94B}">
-              <ma14:wrappingTextBoxFlag xmlns:ma14="http://schemas.microsoft.com/office/mac/drawingml/2011/main" xmlns:a14="http://schemas.microsoft.com/office/drawing/2010/main" xmlns:m="http://schemas.openxmlformats.org/officeDocument/2006/math" xmlns="" val="1"/>
+              <ma14:wrappingTextBoxFlag xmlns="" xmlns:m="http://schemas.openxmlformats.org/officeDocument/2006/math" xmlns:a14="http://schemas.microsoft.com/office/drawing/2010/main" xmlns:ma14="http://schemas.microsoft.com/office/mac/drawingml/2011/main" val="1"/>
             </a:ext>
           </a:extLst>
         </p:spPr>
@@ -3592,7 +3589,7 @@
           </a:ln>
           <a:extLst>
             <a:ext uri="{C572A759-6A51-4108-AA02-DFA0A04FC94B}">
-              <ma14:wrappingTextBoxFlag xmlns:ma14="http://schemas.microsoft.com/office/mac/drawingml/2011/main" xmlns:a14="http://schemas.microsoft.com/office/drawing/2010/main" xmlns:m="http://schemas.openxmlformats.org/officeDocument/2006/math" xmlns="" val="1"/>
+              <ma14:wrappingTextBoxFlag xmlns="" xmlns:m="http://schemas.openxmlformats.org/officeDocument/2006/math" xmlns:a14="http://schemas.microsoft.com/office/drawing/2010/main" xmlns:ma14="http://schemas.microsoft.com/office/mac/drawingml/2011/main" val="1"/>
             </a:ext>
           </a:extLst>
         </p:spPr>
@@ -3649,7 +3646,7 @@
           </a:ln>
           <a:extLst>
             <a:ext uri="{C572A759-6A51-4108-AA02-DFA0A04FC94B}">
-              <ma14:wrappingTextBoxFlag xmlns:ma14="http://schemas.microsoft.com/office/mac/drawingml/2011/main" xmlns:a14="http://schemas.microsoft.com/office/drawing/2010/main" xmlns:m="http://schemas.openxmlformats.org/officeDocument/2006/math" xmlns="" val="1"/>
+              <ma14:wrappingTextBoxFlag xmlns="" xmlns:m="http://schemas.openxmlformats.org/officeDocument/2006/math" xmlns:a14="http://schemas.microsoft.com/office/drawing/2010/main" xmlns:ma14="http://schemas.microsoft.com/office/mac/drawingml/2011/main" val="1"/>
             </a:ext>
           </a:extLst>
         </p:spPr>
@@ -3724,7 +3721,7 @@
           </a:ln>
           <a:extLst>
             <a:ext uri="{C572A759-6A51-4108-AA02-DFA0A04FC94B}">
-              <ma14:wrappingTextBoxFlag xmlns:ma14="http://schemas.microsoft.com/office/mac/drawingml/2011/main" xmlns:a14="http://schemas.microsoft.com/office/drawing/2010/main" xmlns:m="http://schemas.openxmlformats.org/officeDocument/2006/math" xmlns="" val="1"/>
+              <ma14:wrappingTextBoxFlag xmlns="" xmlns:m="http://schemas.openxmlformats.org/officeDocument/2006/math" xmlns:a14="http://schemas.microsoft.com/office/drawing/2010/main" xmlns:ma14="http://schemas.microsoft.com/office/mac/drawingml/2011/main" val="1"/>
             </a:ext>
           </a:extLst>
         </p:spPr>
@@ -3763,7 +3760,7 @@
           </a:ln>
           <a:extLst>
             <a:ext uri="{C572A759-6A51-4108-AA02-DFA0A04FC94B}">
-              <ma14:wrappingTextBoxFlag xmlns:ma14="http://schemas.microsoft.com/office/mac/drawingml/2011/main" xmlns:a14="http://schemas.microsoft.com/office/drawing/2010/main" xmlns:m="http://schemas.openxmlformats.org/officeDocument/2006/math" xmlns="" val="1"/>
+              <ma14:wrappingTextBoxFlag xmlns="" xmlns:m="http://schemas.openxmlformats.org/officeDocument/2006/math" xmlns:a14="http://schemas.microsoft.com/office/drawing/2010/main" xmlns:ma14="http://schemas.microsoft.com/office/mac/drawingml/2011/main" val="1"/>
             </a:ext>
           </a:extLst>
         </p:spPr>
@@ -4701,7 +4698,7 @@
           </a:custGeom>
           <a:extLst>
             <a:ext uri="{C572A759-6A51-4108-AA02-DFA0A04FC94B}">
-              <ma14:wrappingTextBoxFlag xmlns="" xmlns:m="http://schemas.openxmlformats.org/officeDocument/2006/math" xmlns:a14="http://schemas.microsoft.com/office/drawing/2010/main" xmlns:ma14="http://schemas.microsoft.com/office/mac/drawingml/2011/main" val="1"/>
+              <ma14:wrappingTextBoxFlag xmlns:ma14="http://schemas.microsoft.com/office/mac/drawingml/2011/main" xmlns:a14="http://schemas.microsoft.com/office/drawing/2010/main" xmlns:m="http://schemas.openxmlformats.org/officeDocument/2006/math" xmlns="" val="1"/>
             </a:ext>
           </a:extLst>
         </p:spPr>
@@ -4793,7 +4790,7 @@
           </a:custGeom>
           <a:extLst>
             <a:ext uri="{C572A759-6A51-4108-AA02-DFA0A04FC94B}">
-              <ma14:wrappingTextBoxFlag xmlns="" xmlns:m="http://schemas.openxmlformats.org/officeDocument/2006/math" xmlns:a14="http://schemas.microsoft.com/office/drawing/2010/main" xmlns:ma14="http://schemas.microsoft.com/office/mac/drawingml/2011/main" val="1"/>
+              <ma14:wrappingTextBoxFlag xmlns:ma14="http://schemas.microsoft.com/office/mac/drawingml/2011/main" xmlns:a14="http://schemas.microsoft.com/office/drawing/2010/main" xmlns:m="http://schemas.openxmlformats.org/officeDocument/2006/math" xmlns="" val="1"/>
             </a:ext>
           </a:extLst>
         </p:spPr>
@@ -4826,7 +4823,7 @@
           </a:ln>
           <a:extLst>
             <a:ext uri="{C572A759-6A51-4108-AA02-DFA0A04FC94B}">
-              <ma14:wrappingTextBoxFlag xmlns="" xmlns:m="http://schemas.openxmlformats.org/officeDocument/2006/math" xmlns:a14="http://schemas.microsoft.com/office/drawing/2010/main" xmlns:ma14="http://schemas.microsoft.com/office/mac/drawingml/2011/main" val="1"/>
+              <ma14:wrappingTextBoxFlag xmlns:ma14="http://schemas.microsoft.com/office/mac/drawingml/2011/main" xmlns:a14="http://schemas.microsoft.com/office/drawing/2010/main" xmlns:m="http://schemas.openxmlformats.org/officeDocument/2006/math" xmlns="" val="1"/>
             </a:ext>
           </a:extLst>
         </p:spPr>
@@ -4874,77 +4871,46 @@
       </p:grpSpPr>
       <p:sp>
         <p:nvSpPr>
-          <p:cNvPr id="114" name="幻燈片編號"/>
-          <p:cNvSpPr txBox="1">
+          <p:cNvPr id="2" name="文字版面配置區 1">
+            <a:extLst>
+              <a:ext uri="{FF2B5EF4-FFF2-40B4-BE49-F238E27FC236}">
+                <a16:creationId xmlns:a16="http://schemas.microsoft.com/office/drawing/2014/main" id="{FEA5594A-EFB7-0B10-8D68-8641D4AC5F83}"/>
+              </a:ext>
+            </a:extLst>
+          </p:cNvPr>
+          <p:cNvSpPr>
             <a:spLocks noGrp="1"/>
           </p:cNvSpPr>
           <p:nvPr>
-            <p:ph type="sldNum" sz="quarter" idx="2"/>
+            <p:ph type="body" sz="quarter" idx="21"/>
           </p:nvPr>
         </p:nvSpPr>
-        <p:spPr>
-          <a:prstGeom prst="rect">
-            <a:avLst/>
-          </a:prstGeom>
-          <a:extLst>
-            <a:ext uri="{C572A759-6A51-4108-AA02-DFA0A04FC94B}">
-              <ma14:wrappingTextBoxFlag xmlns:ma14="http://schemas.microsoft.com/office/mac/drawingml/2011/main" xmlns:a14="http://schemas.microsoft.com/office/drawing/2010/main" xmlns:m="http://schemas.openxmlformats.org/officeDocument/2006/math" xmlns="" val="1"/>
-            </a:ext>
-          </a:extLst>
-        </p:spPr>
+        <p:spPr/>
         <p:txBody>
-          <a:bodyPr>
-            <a:normAutofit lnSpcReduction="10000"/>
-          </a:bodyPr>
+          <a:bodyPr/>
           <a:lstStyle/>
           <a:p>
-            <a:fld id="{86CB4B4D-7CA3-9044-876B-883B54F8677D}" type="slidenum">
-              <a:t>10</a:t>
-            </a:fld>
-            <a:endParaRPr/>
+            <a:endParaRPr lang="zh-TW" altLang="en-US"/>
           </a:p>
         </p:txBody>
       </p:sp>
       <p:sp>
         <p:nvSpPr>
-          <p:cNvPr id="115" name="Styleguide"/>
-          <p:cNvSpPr txBox="1">
+          <p:cNvPr id="3" name="文字版面配置區 2">
+            <a:extLst>
+              <a:ext uri="{FF2B5EF4-FFF2-40B4-BE49-F238E27FC236}">
+                <a16:creationId xmlns:a16="http://schemas.microsoft.com/office/drawing/2014/main" id="{E25E360E-384C-DD79-3F1E-D4A8D7282DB8}"/>
+              </a:ext>
+            </a:extLst>
+          </p:cNvPr>
+          <p:cNvSpPr>
             <a:spLocks noGrp="1"/>
           </p:cNvSpPr>
           <p:nvPr>
-            <p:ph type="body" idx="21"/>
+            <p:ph type="body" sz="quarter" idx="22"/>
           </p:nvPr>
         </p:nvSpPr>
-        <p:spPr>
-          <a:prstGeom prst="rect">
-            <a:avLst/>
-          </a:prstGeom>
-        </p:spPr>
-        <p:txBody>
-          <a:bodyPr/>
-          <a:lstStyle/>
-          <a:p>
-            <a:r>
-              <a:t>Styleguide</a:t>
-            </a:r>
-          </a:p>
-        </p:txBody>
-      </p:sp>
-      <p:sp>
-        <p:nvSpPr>
-          <p:cNvPr id="116" name="LvB notations 3"/>
-          <p:cNvSpPr txBox="1">
-            <a:spLocks noGrp="1"/>
-          </p:cNvSpPr>
-          <p:nvPr>
-            <p:ph type="body" idx="22"/>
-          </p:nvPr>
-        </p:nvSpPr>
-        <p:spPr>
-          <a:prstGeom prst="rect">
-            <a:avLst/>
-          </a:prstGeom>
-        </p:spPr>
+        <p:spPr/>
         <p:txBody>
           <a:bodyPr>
             <a:normAutofit lnSpcReduction="10000"/>
@@ -4952,565 +4918,366 @@
           <a:lstStyle/>
           <a:p>
             <a:r>
-              <a:t>LvB notations 3</a:t>
+              <a:rPr lang="en-US" altLang="zh-TW"/>
+              <a:t>Performance</a:t>
             </a:r>
+            <a:endParaRPr lang="zh-TW" altLang="en-US"/>
           </a:p>
         </p:txBody>
       </p:sp>
       <p:sp>
         <p:nvSpPr>
-          <p:cNvPr id="117" name="IDA Template"/>
-          <p:cNvSpPr txBox="1">
+          <p:cNvPr id="4" name="文字版面配置區 3">
+            <a:extLst>
+              <a:ext uri="{FF2B5EF4-FFF2-40B4-BE49-F238E27FC236}">
+                <a16:creationId xmlns:a16="http://schemas.microsoft.com/office/drawing/2014/main" id="{FEB70AD5-83F6-EEA6-AA6A-86C003B64726}"/>
+              </a:ext>
+            </a:extLst>
+          </p:cNvPr>
+          <p:cNvSpPr>
             <a:spLocks noGrp="1"/>
           </p:cNvSpPr>
           <p:nvPr>
-            <p:ph type="body" idx="24"/>
+            <p:ph type="body" sz="half" idx="23"/>
           </p:nvPr>
         </p:nvSpPr>
         <p:spPr>
-          <a:prstGeom prst="rect">
-            <a:avLst/>
-          </a:prstGeom>
+          <a:xfrm rot="10800000" flipV="1">
+            <a:off x="715405" y="1371855"/>
+            <a:ext cx="12289391" cy="758282"/>
+          </a:xfrm>
         </p:spPr>
         <p:txBody>
           <a:bodyPr/>
           <a:lstStyle/>
           <a:p>
             <a:r>
-              <a:t>IDA Template</a:t>
+              <a:rPr lang="en-US" altLang="zh-TW" sz="2800">
+                <a:solidFill>
+                  <a:schemeClr val="bg2"/>
+                </a:solidFill>
+              </a:rPr>
+              <a:t>1.Confusion</a:t>
             </a:r>
+            <a:r>
+              <a:rPr lang="zh-TW" altLang="en-US" sz="2800">
+                <a:solidFill>
+                  <a:schemeClr val="bg2"/>
+                </a:solidFill>
+              </a:rPr>
+              <a:t> </a:t>
+            </a:r>
+            <a:r>
+              <a:rPr lang="en-US" altLang="zh-TW" sz="2800">
+                <a:solidFill>
+                  <a:schemeClr val="bg2"/>
+                </a:solidFill>
+              </a:rPr>
+              <a:t>matrix. </a:t>
+            </a:r>
+            <a:r>
+              <a:rPr lang="zh-TW" altLang="en-US" sz="2800">
+                <a:solidFill>
+                  <a:schemeClr val="bg2"/>
+                </a:solidFill>
+              </a:rPr>
+              <a:t>                        </a:t>
+            </a:r>
+            <a:r>
+              <a:rPr lang="en-US" altLang="zh-TW" sz="2800">
+                <a:solidFill>
+                  <a:schemeClr val="bg2"/>
+                </a:solidFill>
+              </a:rPr>
+              <a:t>2.F1-score. </a:t>
+            </a:r>
+            <a:r>
+              <a:rPr lang="zh-TW" altLang="en-US" sz="2800">
+                <a:solidFill>
+                  <a:schemeClr val="bg2"/>
+                </a:solidFill>
+              </a:rPr>
+              <a:t>                 </a:t>
+            </a:r>
+            <a:r>
+              <a:rPr lang="en-US" altLang="zh-TW" sz="2800">
+                <a:solidFill>
+                  <a:schemeClr val="bg2"/>
+                </a:solidFill>
+              </a:rPr>
+              <a:t>3.AUC/ROC</a:t>
+            </a:r>
+            <a:r>
+              <a:rPr lang="zh-TW" altLang="en-US" sz="2800">
+                <a:solidFill>
+                  <a:schemeClr val="bg2"/>
+                </a:solidFill>
+              </a:rPr>
+              <a:t> </a:t>
+            </a:r>
+            <a:r>
+              <a:rPr lang="en-US" altLang="zh-TW" sz="2800">
+                <a:solidFill>
+                  <a:schemeClr val="bg2"/>
+                </a:solidFill>
+              </a:rPr>
+              <a:t>curve</a:t>
+            </a:r>
+            <a:endParaRPr lang="zh-TW" altLang="en-US" sz="2800">
+              <a:solidFill>
+                <a:schemeClr val="bg2"/>
+              </a:solidFill>
+            </a:endParaRPr>
           </a:p>
         </p:txBody>
       </p:sp>
-      <mc:AlternateContent xmlns:mc="http://schemas.openxmlformats.org/markup-compatibility/2006" xmlns:a14="http://schemas.microsoft.com/office/drawing/2010/main">
-        <mc:Choice Requires="a14">
-          <p:sp>
-            <p:nvSpPr>
-              <p:cNvPr id="118" name="The for convergence may be written with \mathcal{O}:…"/>
-              <p:cNvSpPr txBox="1"/>
-              <p:nvPr/>
-            </p:nvSpPr>
-            <p:spPr>
-              <a:xfrm>
-                <a:off x="667478" y="2153311"/>
-                <a:ext cx="11467783" cy="5805426"/>
-              </a:xfrm>
-              <a:prstGeom prst="rect">
-                <a:avLst/>
-              </a:prstGeom>
-              <a:ln w="12700">
-                <a:miter lim="400000"/>
-              </a:ln>
-              <a:extLst>
-                <a:ext uri="{C572A759-6A51-4108-AA02-DFA0A04FC94B}">
-                  <ma14:wrappingTextBoxFlag xmlns:ma14="http://schemas.microsoft.com/office/mac/drawingml/2011/main" xmlns:m="http://schemas.openxmlformats.org/officeDocument/2006/math" xmlns="" val="1"/>
-                </a:ext>
-              </a:extLst>
-            </p:spPr>
-            <p:txBody>
-              <a:bodyPr lIns="50800" tIns="50800" rIns="50800" bIns="50800">
-                <a:spAutoFit/>
-              </a:bodyPr>
-              <a:lstStyle/>
-              <a:p>
-                <a:pPr marL="444500" indent="-444500">
-                  <a:lnSpc>
-                    <a:spcPts val="4500"/>
-                  </a:lnSpc>
-                  <a:buClr>
-                    <a:srgbClr val="00599E"/>
-                  </a:buClr>
-                  <a:buSzPct val="100000"/>
-                  <a:buChar char="⊡"/>
-                  <a:defRPr sz="3000">
-                    <a:solidFill>
-                      <a:srgbClr val="5A5F5E"/>
-                    </a:solidFill>
-                  </a:defRPr>
-                </a:pPr>
-                <a:r>
-                  <a:t>The for convergence may be written with \mathcal{O}: </a:t>
-                </a:r>
-                <a14:m>
-                  <m:oMath xmlns:m="http://schemas.openxmlformats.org/officeDocument/2006/math">
-                    <m:r>
-                      <a:rPr sz="3650" i="1">
-                        <a:solidFill>
-                          <a:srgbClr val="5A5F5E"/>
-                        </a:solidFill>
-                        <a:latin typeface="Cambria Math" panose="02040503050406030204" pitchFamily="18" charset="0"/>
-                      </a:rPr>
-                      <m:t>𝒪</m:t>
-                    </m:r>
-                  </m:oMath>
-                </a14:m>
-                <a:endParaRPr/>
-              </a:p>
-              <a:p>
-                <a:pPr marL="444500" indent="-444500">
-                  <a:lnSpc>
-                    <a:spcPts val="4500"/>
-                  </a:lnSpc>
-                  <a:buClr>
-                    <a:srgbClr val="00599E"/>
-                  </a:buClr>
-                  <a:buSzPct val="100000"/>
-                  <a:buChar char="⊡"/>
-                  <a:defRPr sz="3000">
-                    <a:solidFill>
-                      <a:srgbClr val="5A5F5E"/>
-                    </a:solidFill>
-                  </a:defRPr>
-                </a:pPr>
-                <a:r>
-                  <a:t>The operator for exponential terms with Euler’s number as the base is defined by \exp: </a:t>
-                </a:r>
-                <a14:m>
-                  <m:oMath xmlns:m="http://schemas.openxmlformats.org/officeDocument/2006/math">
-                    <m:r>
-                      <m:rPr>
-                        <m:sty m:val="p"/>
-                      </m:rPr>
-                      <a:rPr sz="3650" i="1">
-                        <a:solidFill>
-                          <a:srgbClr val="5A5F5E"/>
-                        </a:solidFill>
-                        <a:latin typeface="Cambria Math" panose="02040503050406030204" pitchFamily="18" charset="0"/>
-                      </a:rPr>
-                      <m:t>exp</m:t>
-                    </m:r>
-                    <m:r>
-                      <a:rPr sz="3650" i="1">
-                        <a:solidFill>
-                          <a:srgbClr val="5A5F5E"/>
-                        </a:solidFill>
-                        <a:latin typeface="Cambria Math" panose="02040503050406030204" pitchFamily="18" charset="0"/>
-                      </a:rPr>
-                      <m:t>(1)≈2.718</m:t>
-                    </m:r>
-                  </m:oMath>
-                </a14:m>
-                <a:endParaRPr/>
-              </a:p>
-              <a:p>
-                <a:pPr marL="444500" indent="-444500">
-                  <a:lnSpc>
-                    <a:spcPts val="4500"/>
-                  </a:lnSpc>
-                  <a:buClr>
-                    <a:srgbClr val="00599E"/>
-                  </a:buClr>
-                  <a:buSzPct val="100000"/>
-                  <a:buChar char="⊡"/>
-                  <a:defRPr sz="3000">
-                    <a:solidFill>
-                      <a:srgbClr val="5A5F5E"/>
-                    </a:solidFill>
-                  </a:defRPr>
-                </a:pPr>
-                <a:r>
-                  <a:t>Use \overset{\mathcal{L}}{\rightarrow} to write the symbol for convergence in distribution and denote the normal distribution by \mathcal{N}, this produces </a:t>
-                </a:r>
-                <a14:m>
-                  <m:oMath xmlns:m="http://schemas.openxmlformats.org/officeDocument/2006/math">
-                    <m:r>
-                      <a:rPr sz="3650" i="1">
-                        <a:solidFill>
-                          <a:srgbClr val="5A5F5E"/>
-                        </a:solidFill>
-                        <a:latin typeface="Cambria Math" panose="02040503050406030204" pitchFamily="18" charset="0"/>
-                      </a:rPr>
-                      <m:t>𝑋</m:t>
-                    </m:r>
-                    <m:limUpp>
-                      <m:limUppPr>
-                        <m:ctrlPr>
-                          <a:rPr sz="3650" i="1">
-                            <a:solidFill>
-                              <a:srgbClr val="5A5F5E"/>
-                            </a:solidFill>
-                            <a:latin typeface="Cambria Math" panose="02040503050406030204" pitchFamily="18" charset="0"/>
-                          </a:rPr>
-                        </m:ctrlPr>
-                      </m:limUppPr>
-                      <m:e>
-                        <m:r>
-                          <a:rPr sz="3650" i="1">
-                            <a:solidFill>
-                              <a:srgbClr val="5A5F5E"/>
-                            </a:solidFill>
-                            <a:latin typeface="Cambria Math" panose="02040503050406030204" pitchFamily="18" charset="0"/>
-                          </a:rPr>
-                          <m:t>→</m:t>
-                        </m:r>
-                      </m:e>
-                      <m:lim>
-                        <m:r>
-                          <a:rPr sz="3650" i="1">
-                            <a:solidFill>
-                              <a:srgbClr val="5A5F5E"/>
-                            </a:solidFill>
-                            <a:latin typeface="Cambria Math" panose="02040503050406030204" pitchFamily="18" charset="0"/>
-                          </a:rPr>
-                          <m:t>ℒ</m:t>
-                        </m:r>
-                      </m:lim>
-                    </m:limUpp>
-                    <m:r>
-                      <a:rPr sz="3650" i="1">
-                        <a:solidFill>
-                          <a:srgbClr val="5A5F5E"/>
-                        </a:solidFill>
-                        <a:latin typeface="Cambria Math" panose="02040503050406030204" pitchFamily="18" charset="0"/>
-                      </a:rPr>
-                      <m:t>𝒩</m:t>
-                    </m:r>
-                    <m:r>
-                      <a:rPr sz="3650" i="1">
-                        <a:solidFill>
-                          <a:srgbClr val="5A5F5E"/>
-                        </a:solidFill>
-                        <a:latin typeface="Cambria Math" panose="02040503050406030204" pitchFamily="18" charset="0"/>
-                      </a:rPr>
-                      <m:t>(0,</m:t>
-                    </m:r>
-                    <m:sSup>
-                      <m:sSupPr>
-                        <m:ctrlPr>
-                          <a:rPr sz="3650" i="1">
-                            <a:solidFill>
-                              <a:srgbClr val="5A5F5E"/>
-                            </a:solidFill>
-                            <a:latin typeface="Cambria Math" panose="02040503050406030204" pitchFamily="18" charset="0"/>
-                          </a:rPr>
-                        </m:ctrlPr>
-                      </m:sSupPr>
-                      <m:e>
-                        <m:r>
-                          <a:rPr sz="3650" i="1">
-                            <a:solidFill>
-                              <a:srgbClr val="5A5F5E"/>
-                            </a:solidFill>
-                            <a:latin typeface="Cambria Math" panose="02040503050406030204" pitchFamily="18" charset="0"/>
-                          </a:rPr>
-                          <m:t>𝜎</m:t>
-                        </m:r>
-                      </m:e>
-                      <m:sup>
-                        <m:r>
-                          <a:rPr sz="3650" i="1">
-                            <a:solidFill>
-                              <a:srgbClr val="5A5F5E"/>
-                            </a:solidFill>
-                            <a:latin typeface="Cambria Math" panose="02040503050406030204" pitchFamily="18" charset="0"/>
-                          </a:rPr>
-                          <m:t>2</m:t>
-                        </m:r>
-                      </m:sup>
-                    </m:sSup>
-                    <m:r>
-                      <a:rPr sz="3650" i="1">
-                        <a:solidFill>
-                          <a:srgbClr val="5A5F5E"/>
-                        </a:solidFill>
-                        <a:latin typeface="Cambria Math" panose="02040503050406030204" pitchFamily="18" charset="0"/>
-                      </a:rPr>
-                      <m:t>)</m:t>
-                    </m:r>
-                  </m:oMath>
-                </a14:m>
-                <a:endParaRPr/>
-              </a:p>
-              <a:p>
-                <a:pPr marL="444500" indent="-444500">
-                  <a:lnSpc>
-                    <a:spcPts val="4500"/>
-                  </a:lnSpc>
-                  <a:buClr>
-                    <a:srgbClr val="00599E"/>
-                  </a:buClr>
-                  <a:buSzPct val="100000"/>
-                  <a:buChar char="⊡"/>
-                  <a:defRPr sz="3000">
-                    <a:solidFill>
-                      <a:srgbClr val="5A5F5E"/>
-                    </a:solidFill>
-                  </a:defRPr>
-                </a:pPr>
-                <a:r>
-                  <a:t>Use \overset{\operatorname{as.}}{\sim} to write the symbol for asymptotic distribution  </a:t>
-                </a:r>
-                <a14:m>
-                  <m:oMath xmlns:m="http://schemas.openxmlformats.org/officeDocument/2006/math">
-                    <m:r>
-                      <a:rPr sz="3650" i="1">
-                        <a:solidFill>
-                          <a:srgbClr val="5A5F5E"/>
-                        </a:solidFill>
-                        <a:latin typeface="Cambria Math" panose="02040503050406030204" pitchFamily="18" charset="0"/>
-                      </a:rPr>
-                      <m:t>𝑋</m:t>
-                    </m:r>
-                    <m:limUpp>
-                      <m:limUppPr>
-                        <m:ctrlPr>
-                          <a:rPr sz="3650" i="1">
-                            <a:solidFill>
-                              <a:srgbClr val="5A5F5E"/>
-                            </a:solidFill>
-                            <a:latin typeface="Cambria Math" panose="02040503050406030204" pitchFamily="18" charset="0"/>
-                          </a:rPr>
-                        </m:ctrlPr>
-                      </m:limUppPr>
-                      <m:e>
-                        <m:r>
-                          <a:rPr sz="3650" i="1">
-                            <a:solidFill>
-                              <a:srgbClr val="5A5F5E"/>
-                            </a:solidFill>
-                            <a:latin typeface="Cambria Math" panose="02040503050406030204" pitchFamily="18" charset="0"/>
-                          </a:rPr>
-                          <m:t>∼</m:t>
-                        </m:r>
-                      </m:e>
-                      <m:lim>
-                        <m:r>
-                          <m:rPr>
-                            <m:sty m:val="p"/>
-                          </m:rPr>
-                          <a:rPr sz="3650" i="1">
-                            <a:solidFill>
-                              <a:srgbClr val="5A5F5E"/>
-                            </a:solidFill>
-                            <a:latin typeface="Cambria Math" panose="02040503050406030204" pitchFamily="18" charset="0"/>
-                          </a:rPr>
-                          <m:t>as</m:t>
-                        </m:r>
-                        <m:r>
-                          <a:rPr sz="3650" i="1">
-                            <a:solidFill>
-                              <a:srgbClr val="5A5F5E"/>
-                            </a:solidFill>
-                            <a:latin typeface="Cambria Math" panose="02040503050406030204" pitchFamily="18" charset="0"/>
-                          </a:rPr>
-                          <m:t>.</m:t>
-                        </m:r>
-                      </m:lim>
-                    </m:limUpp>
-                    <m:sSup>
-                      <m:sSupPr>
-                        <m:ctrlPr>
-                          <a:rPr sz="3650" i="1">
-                            <a:solidFill>
-                              <a:srgbClr val="5A5F5E"/>
-                            </a:solidFill>
-                            <a:latin typeface="Cambria Math" panose="02040503050406030204" pitchFamily="18" charset="0"/>
-                          </a:rPr>
-                        </m:ctrlPr>
-                      </m:sSupPr>
-                      <m:e>
-                        <m:r>
-                          <a:rPr sz="3650" i="1">
-                            <a:solidFill>
-                              <a:srgbClr val="5A5F5E"/>
-                            </a:solidFill>
-                            <a:latin typeface="Cambria Math" panose="02040503050406030204" pitchFamily="18" charset="0"/>
-                          </a:rPr>
-                          <m:t>𝜒</m:t>
-                        </m:r>
-                      </m:e>
-                      <m:sup>
-                        <m:r>
-                          <a:rPr sz="3650" i="1">
-                            <a:solidFill>
-                              <a:srgbClr val="5A5F5E"/>
-                            </a:solidFill>
-                            <a:latin typeface="Cambria Math" panose="02040503050406030204" pitchFamily="18" charset="0"/>
-                          </a:rPr>
-                          <m:t>2</m:t>
-                        </m:r>
-                      </m:sup>
-                    </m:sSup>
-                  </m:oMath>
-                </a14:m>
-                <a:endParaRPr/>
-              </a:p>
-              <a:p>
-                <a:pPr marL="444500" indent="-444500">
-                  <a:lnSpc>
-                    <a:spcPts val="4500"/>
-                  </a:lnSpc>
-                  <a:buClr>
-                    <a:srgbClr val="00599E"/>
-                  </a:buClr>
-                  <a:buSzPct val="100000"/>
-                  <a:buChar char="⊡"/>
-                  <a:defRPr sz="3000">
-                    <a:solidFill>
-                      <a:srgbClr val="5A5F5E"/>
-                    </a:solidFill>
-                  </a:defRPr>
-                </a:pPr>
-                <a:r>
-                  <a:t>To define a function, variable etc. use \overset{\operatorname{def}}{=} </a:t>
-                </a:r>
-                <a14:m>
-                  <m:oMath xmlns:m="http://schemas.openxmlformats.org/officeDocument/2006/math">
-                    <m:r>
-                      <a:rPr sz="3650" i="1">
-                        <a:solidFill>
-                          <a:srgbClr val="5A5F5E"/>
-                        </a:solidFill>
-                        <a:latin typeface="Cambria Math" panose="02040503050406030204" pitchFamily="18" charset="0"/>
-                      </a:rPr>
-                      <m:t>𝑓</m:t>
-                    </m:r>
-                    <m:r>
-                      <a:rPr sz="3650" i="1">
-                        <a:solidFill>
-                          <a:srgbClr val="5A5F5E"/>
-                        </a:solidFill>
-                        <a:latin typeface="Cambria Math" panose="02040503050406030204" pitchFamily="18" charset="0"/>
-                      </a:rPr>
-                      <m:t>(</m:t>
-                    </m:r>
-                    <m:r>
-                      <a:rPr sz="3650" i="1">
-                        <a:solidFill>
-                          <a:srgbClr val="5A5F5E"/>
-                        </a:solidFill>
-                        <a:latin typeface="Cambria Math" panose="02040503050406030204" pitchFamily="18" charset="0"/>
-                      </a:rPr>
-                      <m:t>𝑥</m:t>
-                    </m:r>
-                    <m:r>
-                      <a:rPr sz="3650" i="1">
-                        <a:solidFill>
-                          <a:srgbClr val="5A5F5E"/>
-                        </a:solidFill>
-                        <a:latin typeface="Cambria Math" panose="02040503050406030204" pitchFamily="18" charset="0"/>
-                      </a:rPr>
-                      <m:t>)</m:t>
-                    </m:r>
-                    <m:limUpp>
-                      <m:limUppPr>
-                        <m:ctrlPr>
-                          <a:rPr sz="3650" i="1">
-                            <a:solidFill>
-                              <a:srgbClr val="5A5F5E"/>
-                            </a:solidFill>
-                            <a:latin typeface="Cambria Math" panose="02040503050406030204" pitchFamily="18" charset="0"/>
-                          </a:rPr>
-                        </m:ctrlPr>
-                      </m:limUppPr>
-                      <m:e>
-                        <m:r>
-                          <a:rPr sz="3650" i="1">
-                            <a:solidFill>
-                              <a:srgbClr val="5A5F5E"/>
-                            </a:solidFill>
-                            <a:latin typeface="Cambria Math" panose="02040503050406030204" pitchFamily="18" charset="0"/>
-                          </a:rPr>
-                          <m:t>=</m:t>
-                        </m:r>
-                      </m:e>
-                      <m:lim>
-                        <m:r>
-                          <m:rPr>
-                            <m:sty m:val="p"/>
-                          </m:rPr>
-                          <a:rPr sz="3650" i="1">
-                            <a:solidFill>
-                              <a:srgbClr val="5A5F5E"/>
-                            </a:solidFill>
-                            <a:latin typeface="Cambria Math" panose="02040503050406030204" pitchFamily="18" charset="0"/>
-                          </a:rPr>
-                          <m:t>def</m:t>
-                        </m:r>
-                      </m:lim>
-                    </m:limUpp>
-                    <m:r>
-                      <a:rPr sz="3650" i="1">
-                        <a:solidFill>
-                          <a:srgbClr val="5A5F5E"/>
-                        </a:solidFill>
-                        <a:latin typeface="Cambria Math" panose="02040503050406030204" pitchFamily="18" charset="0"/>
-                      </a:rPr>
-                      <m:t>𝑎𝑥</m:t>
-                    </m:r>
-                    <m:r>
-                      <a:rPr sz="3650" i="1">
-                        <a:solidFill>
-                          <a:srgbClr val="5A5F5E"/>
-                        </a:solidFill>
-                        <a:latin typeface="Cambria Math" panose="02040503050406030204" pitchFamily="18" charset="0"/>
-                      </a:rPr>
-                      <m:t>+</m:t>
-                    </m:r>
-                    <m:r>
-                      <a:rPr sz="3650" i="1">
-                        <a:solidFill>
-                          <a:srgbClr val="5A5F5E"/>
-                        </a:solidFill>
-                        <a:latin typeface="Cambria Math" panose="02040503050406030204" pitchFamily="18" charset="0"/>
-                      </a:rPr>
-                      <m:t>𝑏</m:t>
-                    </m:r>
-                  </m:oMath>
-                </a14:m>
-                <a:endParaRPr/>
-              </a:p>
-            </p:txBody>
-          </p:sp>
-        </mc:Choice>
-        <mc:Fallback xmlns="">
-          <p:sp>
-            <p:nvSpPr>
-              <p:cNvPr id="118" name="The for convergence may be written with \mathcal{O}:…"/>
-              <p:cNvSpPr txBox="1">
-                <a:spLocks noRot="1" noChangeAspect="1" noMove="1" noResize="1" noEditPoints="1" noAdjustHandles="1" noChangeArrowheads="1" noChangeShapeType="1" noTextEdit="1"/>
-              </p:cNvSpPr>
-              <p:nvPr/>
-            </p:nvSpPr>
-            <p:spPr>
-              <a:xfrm>
-                <a:off x="667478" y="2153311"/>
-                <a:ext cx="11467783" cy="5805426"/>
-              </a:xfrm>
-              <a:prstGeom prst="rect">
-                <a:avLst/>
-              </a:prstGeom>
-              <a:blipFill>
-                <a:blip r:embed="rId2"/>
-                <a:stretch>
-                  <a:fillRect l="-1541" t="-315" b="-2938"/>
-                </a:stretch>
-              </a:blipFill>
-              <a:ln w="12700">
-                <a:miter lim="400000"/>
-              </a:ln>
-              <a:extLst>
-                <a:ext uri="{C572A759-6A51-4108-AA02-DFA0A04FC94B}">
-                  <ma14:wrappingTextBoxFlag xmlns:ma14="http://schemas.microsoft.com/office/mac/drawingml/2011/main" xmlns:a14="http://schemas.microsoft.com/office/drawing/2010/main" xmlns:m="http://schemas.openxmlformats.org/officeDocument/2006/math" xmlns="" val="1"/>
-                </a:ext>
-              </a:extLst>
-            </p:spPr>
-            <p:txBody>
-              <a:bodyPr/>
-              <a:lstStyle/>
-              <a:p>
-                <a:r>
-                  <a:rPr lang="zh-TW" altLang="en-US">
-                    <a:noFill/>
-                  </a:rPr>
-                  <a:t> </a:t>
-                </a:r>
-              </a:p>
-            </p:txBody>
-          </p:sp>
-        </mc:Fallback>
-      </mc:AlternateContent>
+      <p:sp>
+        <p:nvSpPr>
+          <p:cNvPr id="5" name="文字版面配置區 4">
+            <a:extLst>
+              <a:ext uri="{FF2B5EF4-FFF2-40B4-BE49-F238E27FC236}">
+                <a16:creationId xmlns:a16="http://schemas.microsoft.com/office/drawing/2014/main" id="{5A8005F1-2976-70CD-7157-7E9665912E35}"/>
+              </a:ext>
+            </a:extLst>
+          </p:cNvPr>
+          <p:cNvSpPr>
+            <a:spLocks noGrp="1"/>
+          </p:cNvSpPr>
+          <p:nvPr>
+            <p:ph type="body" sz="quarter" idx="24"/>
+          </p:nvPr>
+        </p:nvSpPr>
+        <p:spPr/>
+        <p:txBody>
+          <a:bodyPr/>
+          <a:lstStyle/>
+          <a:p>
+            <a:endParaRPr lang="zh-TW" altLang="en-US"/>
+          </a:p>
+        </p:txBody>
+      </p:sp>
+      <p:pic>
+        <p:nvPicPr>
+          <p:cNvPr id="6" name="圖片 5">
+            <a:extLst>
+              <a:ext uri="{FF2B5EF4-FFF2-40B4-BE49-F238E27FC236}">
+                <a16:creationId xmlns:a16="http://schemas.microsoft.com/office/drawing/2014/main" id="{D9340631-B8E0-10D0-E6F3-0EAA71099FC9}"/>
+              </a:ext>
+            </a:extLst>
+          </p:cNvPr>
+          <p:cNvPicPr>
+            <a:picLocks noChangeAspect="1"/>
+          </p:cNvPicPr>
+          <p:nvPr/>
+        </p:nvPicPr>
+        <p:blipFill>
+          <a:blip r:embed="rId2">
+            <a:extLst>
+              <a:ext uri="{28A0092B-C50C-407E-A947-70E740481C1C}">
+                <a14:useLocalDpi xmlns:a14="http://schemas.microsoft.com/office/drawing/2010/main" val="0"/>
+              </a:ext>
+            </a:extLst>
+          </a:blip>
+          <a:stretch>
+            <a:fillRect/>
+          </a:stretch>
+        </p:blipFill>
+        <p:spPr>
+          <a:xfrm>
+            <a:off x="198004" y="2281350"/>
+            <a:ext cx="4581623" cy="3176139"/>
+          </a:xfrm>
+          <a:prstGeom prst="rect">
+            <a:avLst/>
+          </a:prstGeom>
+        </p:spPr>
+      </p:pic>
+      <p:pic>
+        <p:nvPicPr>
+          <p:cNvPr id="9" name="圖片 8">
+            <a:extLst>
+              <a:ext uri="{FF2B5EF4-FFF2-40B4-BE49-F238E27FC236}">
+                <a16:creationId xmlns:a16="http://schemas.microsoft.com/office/drawing/2014/main" id="{DB3CAB6A-1DD3-2B6B-0936-AB01AC69EF56}"/>
+              </a:ext>
+            </a:extLst>
+          </p:cNvPr>
+          <p:cNvPicPr>
+            <a:picLocks noChangeAspect="1"/>
+          </p:cNvPicPr>
+          <p:nvPr/>
+        </p:nvPicPr>
+        <p:blipFill>
+          <a:blip r:embed="rId3">
+            <a:extLst>
+              <a:ext uri="{28A0092B-C50C-407E-A947-70E740481C1C}">
+                <a14:useLocalDpi xmlns:a14="http://schemas.microsoft.com/office/drawing/2010/main" val="0"/>
+              </a:ext>
+            </a:extLst>
+          </a:blip>
+          <a:stretch>
+            <a:fillRect/>
+          </a:stretch>
+        </p:blipFill>
+        <p:spPr>
+          <a:xfrm>
+            <a:off x="777052" y="6484073"/>
+            <a:ext cx="3423525" cy="1993123"/>
+          </a:xfrm>
+          <a:prstGeom prst="rect">
+            <a:avLst/>
+          </a:prstGeom>
+        </p:spPr>
+      </p:pic>
+      <p:pic>
+        <p:nvPicPr>
+          <p:cNvPr id="11" name="圖片 10">
+            <a:extLst>
+              <a:ext uri="{FF2B5EF4-FFF2-40B4-BE49-F238E27FC236}">
+                <a16:creationId xmlns:a16="http://schemas.microsoft.com/office/drawing/2014/main" id="{7342DE9E-098C-6477-3023-B1BEDAF6D03E}"/>
+              </a:ext>
+            </a:extLst>
+          </p:cNvPr>
+          <p:cNvPicPr>
+            <a:picLocks noChangeAspect="1"/>
+          </p:cNvPicPr>
+          <p:nvPr/>
+        </p:nvPicPr>
+        <p:blipFill>
+          <a:blip r:embed="rId4">
+            <a:extLst>
+              <a:ext uri="{28A0092B-C50C-407E-A947-70E740481C1C}">
+                <a14:useLocalDpi xmlns:a14="http://schemas.microsoft.com/office/drawing/2010/main" val="0"/>
+              </a:ext>
+            </a:extLst>
+          </a:blip>
+          <a:stretch>
+            <a:fillRect/>
+          </a:stretch>
+        </p:blipFill>
+        <p:spPr>
+          <a:xfrm>
+            <a:off x="9201779" y="2176093"/>
+            <a:ext cx="3722375" cy="705615"/>
+          </a:xfrm>
+          <a:prstGeom prst="rect">
+            <a:avLst/>
+          </a:prstGeom>
+        </p:spPr>
+      </p:pic>
+      <p:pic>
+        <p:nvPicPr>
+          <p:cNvPr id="13" name="圖片 12">
+            <a:extLst>
+              <a:ext uri="{FF2B5EF4-FFF2-40B4-BE49-F238E27FC236}">
+                <a16:creationId xmlns:a16="http://schemas.microsoft.com/office/drawing/2014/main" id="{CB9D3EB7-6003-1216-F37E-5CC7D40C3A59}"/>
+              </a:ext>
+            </a:extLst>
+          </p:cNvPr>
+          <p:cNvPicPr>
+            <a:picLocks noChangeAspect="1"/>
+          </p:cNvPicPr>
+          <p:nvPr/>
+        </p:nvPicPr>
+        <p:blipFill>
+          <a:blip r:embed="rId5">
+            <a:extLst>
+              <a:ext uri="{28A0092B-C50C-407E-A947-70E740481C1C}">
+                <a14:useLocalDpi xmlns:a14="http://schemas.microsoft.com/office/drawing/2010/main" val="0"/>
+              </a:ext>
+            </a:extLst>
+          </a:blip>
+          <a:stretch>
+            <a:fillRect/>
+          </a:stretch>
+        </p:blipFill>
+        <p:spPr>
+          <a:xfrm>
+            <a:off x="9201779" y="3104604"/>
+            <a:ext cx="3819120" cy="758284"/>
+          </a:xfrm>
+          <a:prstGeom prst="rect">
+            <a:avLst/>
+          </a:prstGeom>
+        </p:spPr>
+      </p:pic>
+      <p:pic>
+        <p:nvPicPr>
+          <p:cNvPr id="14" name="圖片 13">
+            <a:extLst>
+              <a:ext uri="{FF2B5EF4-FFF2-40B4-BE49-F238E27FC236}">
+                <a16:creationId xmlns:a16="http://schemas.microsoft.com/office/drawing/2014/main" id="{7271C056-2694-B777-AFD4-F5E28A8D7583}"/>
+              </a:ext>
+            </a:extLst>
+          </p:cNvPr>
+          <p:cNvPicPr>
+            <a:picLocks noChangeAspect="1"/>
+          </p:cNvPicPr>
+          <p:nvPr/>
+        </p:nvPicPr>
+        <p:blipFill>
+          <a:blip r:embed="rId6">
+            <a:extLst>
+              <a:ext uri="{28A0092B-C50C-407E-A947-70E740481C1C}">
+                <a14:useLocalDpi xmlns:a14="http://schemas.microsoft.com/office/drawing/2010/main" val="0"/>
+              </a:ext>
+            </a:extLst>
+          </a:blip>
+          <a:stretch>
+            <a:fillRect/>
+          </a:stretch>
+        </p:blipFill>
+        <p:spPr>
+          <a:xfrm>
+            <a:off x="4934768" y="2111778"/>
+            <a:ext cx="4111869" cy="1817759"/>
+          </a:xfrm>
+          <a:prstGeom prst="rect">
+            <a:avLst/>
+          </a:prstGeom>
+        </p:spPr>
+      </p:pic>
+      <p:pic>
+        <p:nvPicPr>
+          <p:cNvPr id="15" name="圖片 14">
+            <a:extLst>
+              <a:ext uri="{FF2B5EF4-FFF2-40B4-BE49-F238E27FC236}">
+                <a16:creationId xmlns:a16="http://schemas.microsoft.com/office/drawing/2014/main" id="{570BF5B0-E140-ACA4-DE06-D8D5EB609CE7}"/>
+              </a:ext>
+            </a:extLst>
+          </p:cNvPr>
+          <p:cNvPicPr>
+            <a:picLocks noChangeAspect="1"/>
+          </p:cNvPicPr>
+          <p:nvPr/>
+        </p:nvPicPr>
+        <p:blipFill>
+          <a:blip r:embed="rId7">
+            <a:extLst>
+              <a:ext uri="{28A0092B-C50C-407E-A947-70E740481C1C}">
+                <a14:useLocalDpi xmlns:a14="http://schemas.microsoft.com/office/drawing/2010/main" val="0"/>
+              </a:ext>
+            </a:extLst>
+          </a:blip>
+          <a:stretch>
+            <a:fillRect/>
+          </a:stretch>
+        </p:blipFill>
+        <p:spPr>
+          <a:xfrm>
+            <a:off x="7528800" y="4035316"/>
+            <a:ext cx="5492099" cy="4492526"/>
+          </a:xfrm>
+          <a:prstGeom prst="rect">
+            <a:avLst/>
+          </a:prstGeom>
+        </p:spPr>
+      </p:pic>
     </p:spTree>
+    <p:extLst>
+      <p:ext uri="{BB962C8B-B14F-4D97-AF65-F5344CB8AC3E}">
+        <p14:creationId xmlns:p14="http://schemas.microsoft.com/office/powerpoint/2010/main" val="2367974227"/>
+      </p:ext>
+    </p:extLst>
   </p:cSld>
   <p:clrMapOvr>
     <a:masterClrMapping/>
@@ -5520,1011 +5287,6 @@
 </file>
 
 <file path=ppt/slides/slide11.xml><?xml version="1.0" encoding="utf-8"?>
-<p:sld xmlns:a="http://schemas.openxmlformats.org/drawingml/2006/main" xmlns:r="http://schemas.openxmlformats.org/officeDocument/2006/relationships" xmlns:p="http://schemas.openxmlformats.org/presentationml/2006/main">
-  <p:cSld>
-    <p:spTree>
-      <p:nvGrpSpPr>
-        <p:cNvPr id="1" name=""/>
-        <p:cNvGrpSpPr/>
-        <p:nvPr/>
-      </p:nvGrpSpPr>
-      <p:grpSpPr>
-        <a:xfrm>
-          <a:off x="0" y="0"/>
-          <a:ext cx="0" cy="0"/>
-          <a:chOff x="0" y="0"/>
-          <a:chExt cx="0" cy="0"/>
-        </a:xfrm>
-      </p:grpSpPr>
-      <p:sp>
-        <p:nvSpPr>
-          <p:cNvPr id="120" name="幻燈片編號"/>
-          <p:cNvSpPr txBox="1">
-            <a:spLocks noGrp="1"/>
-          </p:cNvSpPr>
-          <p:nvPr>
-            <p:ph type="sldNum" sz="quarter" idx="2"/>
-          </p:nvPr>
-        </p:nvSpPr>
-        <p:spPr>
-          <a:prstGeom prst="rect">
-            <a:avLst/>
-          </a:prstGeom>
-          <a:extLst>
-            <a:ext uri="{C572A759-6A51-4108-AA02-DFA0A04FC94B}">
-              <ma14:wrappingTextBoxFlag xmlns:ma14="http://schemas.microsoft.com/office/mac/drawingml/2011/main" xmlns:a14="http://schemas.microsoft.com/office/drawing/2010/main" xmlns:m="http://schemas.openxmlformats.org/officeDocument/2006/math" xmlns="" val="1"/>
-            </a:ext>
-          </a:extLst>
-        </p:spPr>
-        <p:txBody>
-          <a:bodyPr>
-            <a:normAutofit lnSpcReduction="10000"/>
-          </a:bodyPr>
-          <a:lstStyle/>
-          <a:p>
-            <a:fld id="{86CB4B4D-7CA3-9044-876B-883B54F8677D}" type="slidenum">
-              <a:t>11</a:t>
-            </a:fld>
-            <a:endParaRPr/>
-          </a:p>
-        </p:txBody>
-      </p:sp>
-      <p:sp>
-        <p:nvSpPr>
-          <p:cNvPr id="121" name="Styleguide"/>
-          <p:cNvSpPr txBox="1">
-            <a:spLocks noGrp="1"/>
-          </p:cNvSpPr>
-          <p:nvPr>
-            <p:ph type="body" idx="21"/>
-          </p:nvPr>
-        </p:nvSpPr>
-        <p:spPr>
-          <a:prstGeom prst="rect">
-            <a:avLst/>
-          </a:prstGeom>
-        </p:spPr>
-        <p:txBody>
-          <a:bodyPr/>
-          <a:lstStyle/>
-          <a:p>
-            <a:r>
-              <a:t>Styleguide</a:t>
-            </a:r>
-          </a:p>
-        </p:txBody>
-      </p:sp>
-      <p:sp>
-        <p:nvSpPr>
-          <p:cNvPr id="122" name="LvB notations 4"/>
-          <p:cNvSpPr txBox="1">
-            <a:spLocks noGrp="1"/>
-          </p:cNvSpPr>
-          <p:nvPr>
-            <p:ph type="body" idx="22"/>
-          </p:nvPr>
-        </p:nvSpPr>
-        <p:spPr>
-          <a:prstGeom prst="rect">
-            <a:avLst/>
-          </a:prstGeom>
-        </p:spPr>
-        <p:txBody>
-          <a:bodyPr>
-            <a:normAutofit lnSpcReduction="10000"/>
-          </a:bodyPr>
-          <a:lstStyle/>
-          <a:p>
-            <a:r>
-              <a:t>LvB notations 4</a:t>
-            </a:r>
-          </a:p>
-        </p:txBody>
-      </p:sp>
-      <p:sp>
-        <p:nvSpPr>
-          <p:cNvPr id="123" name="IDA Template"/>
-          <p:cNvSpPr txBox="1">
-            <a:spLocks noGrp="1"/>
-          </p:cNvSpPr>
-          <p:nvPr>
-            <p:ph type="body" idx="24"/>
-          </p:nvPr>
-        </p:nvSpPr>
-        <p:spPr>
-          <a:prstGeom prst="rect">
-            <a:avLst/>
-          </a:prstGeom>
-        </p:spPr>
-        <p:txBody>
-          <a:bodyPr/>
-          <a:lstStyle/>
-          <a:p>
-            <a:r>
-              <a:t>IDA Template</a:t>
-            </a:r>
-          </a:p>
-        </p:txBody>
-      </p:sp>
-      <mc:AlternateContent xmlns:mc="http://schemas.openxmlformats.org/markup-compatibility/2006" xmlns:a14="http://schemas.microsoft.com/office/drawing/2010/main">
-        <mc:Choice Requires="a14">
-          <p:sp>
-            <p:nvSpPr>
-              <p:cNvPr id="124" name="Use \log for the natural logarithm:…"/>
-              <p:cNvSpPr txBox="1"/>
-              <p:nvPr/>
-            </p:nvSpPr>
-            <p:spPr>
-              <a:xfrm>
-                <a:off x="667478" y="2127911"/>
-                <a:ext cx="11467783" cy="2943966"/>
-              </a:xfrm>
-              <a:prstGeom prst="rect">
-                <a:avLst/>
-              </a:prstGeom>
-              <a:ln w="12700">
-                <a:miter lim="400000"/>
-              </a:ln>
-              <a:extLst>
-                <a:ext uri="{C572A759-6A51-4108-AA02-DFA0A04FC94B}">
-                  <ma14:wrappingTextBoxFlag xmlns:ma14="http://schemas.microsoft.com/office/mac/drawingml/2011/main" xmlns:m="http://schemas.openxmlformats.org/officeDocument/2006/math" xmlns="" val="1"/>
-                </a:ext>
-              </a:extLst>
-            </p:spPr>
-            <p:txBody>
-              <a:bodyPr lIns="50800" tIns="50800" rIns="50800" bIns="50800">
-                <a:spAutoFit/>
-              </a:bodyPr>
-              <a:lstStyle/>
-              <a:p>
-                <a:pPr marL="444500" indent="-444500">
-                  <a:lnSpc>
-                    <a:spcPts val="4500"/>
-                  </a:lnSpc>
-                  <a:buClr>
-                    <a:srgbClr val="00599E"/>
-                  </a:buClr>
-                  <a:buSzPct val="100000"/>
-                  <a:buChar char="⊡"/>
-                  <a:defRPr sz="3000">
-                    <a:solidFill>
-                      <a:srgbClr val="5A5F5E"/>
-                    </a:solidFill>
-                  </a:defRPr>
-                </a:pPr>
-                <a:r>
-                  <a:t>Use \log for the natural logarithm: </a:t>
-                </a:r>
-                <a14:m>
-                  <m:oMath xmlns:m="http://schemas.openxmlformats.org/officeDocument/2006/math">
-                    <m:r>
-                      <m:rPr>
-                        <m:sty m:val="p"/>
-                      </m:rPr>
-                      <a:rPr sz="3650" i="1">
-                        <a:solidFill>
-                          <a:srgbClr val="5A5F5E"/>
-                        </a:solidFill>
-                        <a:latin typeface="Cambria Math" panose="02040503050406030204" pitchFamily="18" charset="0"/>
-                      </a:rPr>
-                      <m:t>log</m:t>
-                    </m:r>
-                    <m:r>
-                      <a:rPr sz="3650" i="1">
-                        <a:solidFill>
-                          <a:srgbClr val="5A5F5E"/>
-                        </a:solidFill>
-                        <a:latin typeface="Cambria Math" panose="02040503050406030204" pitchFamily="18" charset="0"/>
-                      </a:rPr>
-                      <m:t>{</m:t>
-                    </m:r>
-                    <m:r>
-                      <m:rPr>
-                        <m:sty m:val="p"/>
-                      </m:rPr>
-                      <a:rPr sz="3650" i="1">
-                        <a:solidFill>
-                          <a:srgbClr val="5A5F5E"/>
-                        </a:solidFill>
-                        <a:latin typeface="Cambria Math" panose="02040503050406030204" pitchFamily="18" charset="0"/>
-                      </a:rPr>
-                      <m:t>exp</m:t>
-                    </m:r>
-                    <m:r>
-                      <a:rPr sz="3650" i="1">
-                        <a:solidFill>
-                          <a:srgbClr val="5A5F5E"/>
-                        </a:solidFill>
-                        <a:latin typeface="Cambria Math" panose="02040503050406030204" pitchFamily="18" charset="0"/>
-                      </a:rPr>
-                      <m:t>(1)}=1</m:t>
-                    </m:r>
-                  </m:oMath>
-                </a14:m>
-                <a:r>
-                  <a:t> </a:t>
-                </a:r>
-              </a:p>
-              <a:p>
-                <a:pPr marL="444500" indent="-444500">
-                  <a:lnSpc>
-                    <a:spcPts val="4500"/>
-                  </a:lnSpc>
-                  <a:buClr>
-                    <a:srgbClr val="00599E"/>
-                  </a:buClr>
-                  <a:buSzPct val="100000"/>
-                  <a:buChar char="⊡"/>
-                  <a:defRPr sz="3000">
-                    <a:solidFill>
-                      <a:srgbClr val="5A5F5E"/>
-                    </a:solidFill>
-                  </a:defRPr>
-                </a:pPr>
-                <a:r>
-                  <a:t>Use \mathsf{E} for expectation: </a:t>
-                </a:r>
-                <a14:m>
-                  <m:oMath xmlns:m="http://schemas.openxmlformats.org/officeDocument/2006/math">
-                    <m:r>
-                      <a:rPr sz="3650" i="1">
-                        <a:solidFill>
-                          <a:srgbClr val="5A5F5E"/>
-                        </a:solidFill>
-                        <a:latin typeface="Cambria Math" panose="02040503050406030204" pitchFamily="18" charset="0"/>
-                      </a:rPr>
-                      <m:t>𝖤</m:t>
-                    </m:r>
-                    <m:r>
-                      <a:rPr sz="3650" i="1">
-                        <a:solidFill>
-                          <a:srgbClr val="5A5F5E"/>
-                        </a:solidFill>
-                        <a:latin typeface="Cambria Math" panose="02040503050406030204" pitchFamily="18" charset="0"/>
-                      </a:rPr>
-                      <m:t>[</m:t>
-                    </m:r>
-                    <m:r>
-                      <a:rPr sz="3650" i="1">
-                        <a:solidFill>
-                          <a:srgbClr val="5A5F5E"/>
-                        </a:solidFill>
-                        <a:latin typeface="Cambria Math" panose="02040503050406030204" pitchFamily="18" charset="0"/>
-                      </a:rPr>
-                      <m:t>𝑋</m:t>
-                    </m:r>
-                    <m:r>
-                      <a:rPr sz="3650" i="1">
-                        <a:solidFill>
-                          <a:srgbClr val="5A5F5E"/>
-                        </a:solidFill>
-                        <a:latin typeface="Cambria Math" panose="02040503050406030204" pitchFamily="18" charset="0"/>
-                      </a:rPr>
-                      <m:t>]=</m:t>
-                    </m:r>
-                    <m:r>
-                      <a:rPr sz="3650" i="1">
-                        <a:solidFill>
-                          <a:srgbClr val="5A5F5E"/>
-                        </a:solidFill>
-                        <a:latin typeface="Cambria Math" panose="02040503050406030204" pitchFamily="18" charset="0"/>
-                      </a:rPr>
-                      <m:t>𝜇</m:t>
-                    </m:r>
-                  </m:oMath>
-                </a14:m>
-                <a:endParaRPr/>
-              </a:p>
-              <a:p>
-                <a:pPr marL="444500" indent="-444500">
-                  <a:lnSpc>
-                    <a:spcPts val="4500"/>
-                  </a:lnSpc>
-                  <a:buClr>
-                    <a:srgbClr val="00599E"/>
-                  </a:buClr>
-                  <a:buSzPct val="100000"/>
-                  <a:buChar char="⊡"/>
-                  <a:defRPr sz="3000">
-                    <a:solidFill>
-                      <a:srgbClr val="5A5F5E"/>
-                    </a:solidFill>
-                  </a:defRPr>
-                </a:pPr>
-                <a:r>
-                  <a:t>Use \operatorname{P} to write the symbol for probability: </a:t>
-                </a:r>
-                <a14:m>
-                  <m:oMath xmlns:m="http://schemas.openxmlformats.org/officeDocument/2006/math">
-                    <m:r>
-                      <m:rPr>
-                        <m:sty m:val="p"/>
-                      </m:rPr>
-                      <a:rPr sz="3650" i="1">
-                        <a:solidFill>
-                          <a:srgbClr val="5A5F5E"/>
-                        </a:solidFill>
-                        <a:latin typeface="Cambria Math" panose="02040503050406030204" pitchFamily="18" charset="0"/>
-                      </a:rPr>
-                      <m:t>P</m:t>
-                    </m:r>
-                  </m:oMath>
-                </a14:m>
-                <a:endParaRPr/>
-              </a:p>
-              <a:p>
-                <a:pPr marL="444500" indent="-444500">
-                  <a:lnSpc>
-                    <a:spcPts val="4500"/>
-                  </a:lnSpc>
-                  <a:buClr>
-                    <a:srgbClr val="00599E"/>
-                  </a:buClr>
-                  <a:buSzPct val="100000"/>
-                  <a:buChar char="⊡"/>
-                  <a:defRPr sz="3000">
-                    <a:solidFill>
-                      <a:srgbClr val="5A5F5E"/>
-                    </a:solidFill>
-                  </a:defRPr>
-                </a:pPr>
-                <a:r>
-                  <a:t>Use \operatorname{\mathbf{I}} for the indicator function: </a:t>
-                </a:r>
-                <a14:m>
-                  <m:oMath xmlns:m="http://schemas.openxmlformats.org/officeDocument/2006/math">
-                    <m:r>
-                      <a:rPr sz="3400" i="1">
-                        <a:solidFill>
-                          <a:srgbClr val="5A5F5E"/>
-                        </a:solidFill>
-                        <a:latin typeface="Cambria Math" panose="02040503050406030204" pitchFamily="18" charset="0"/>
-                      </a:rPr>
-                      <m:t>𝐈</m:t>
-                    </m:r>
-                    <m:r>
-                      <a:rPr sz="3400" i="1">
-                        <a:solidFill>
-                          <a:srgbClr val="5A5F5E"/>
-                        </a:solidFill>
-                        <a:latin typeface="Cambria Math" panose="02040503050406030204" pitchFamily="18" charset="0"/>
-                      </a:rPr>
-                      <m:t>{</m:t>
-                    </m:r>
-                    <m:r>
-                      <a:rPr sz="3400" i="1">
-                        <a:solidFill>
-                          <a:srgbClr val="5A5F5E"/>
-                        </a:solidFill>
-                        <a:latin typeface="Cambria Math" panose="02040503050406030204" pitchFamily="18" charset="0"/>
-                      </a:rPr>
-                      <m:t>𝑥</m:t>
-                    </m:r>
-                    <m:r>
-                      <a:rPr sz="3400" i="1">
-                        <a:solidFill>
-                          <a:srgbClr val="5A5F5E"/>
-                        </a:solidFill>
-                        <a:latin typeface="Cambria Math" panose="02040503050406030204" pitchFamily="18" charset="0"/>
-                      </a:rPr>
-                      <m:t>&lt;1}</m:t>
-                    </m:r>
-                  </m:oMath>
-                </a14:m>
-                <a:endParaRPr/>
-              </a:p>
-              <a:p>
-                <a:pPr marL="444500" indent="-444500">
-                  <a:lnSpc>
-                    <a:spcPts val="4500"/>
-                  </a:lnSpc>
-                  <a:buClr>
-                    <a:srgbClr val="00599E"/>
-                  </a:buClr>
-                  <a:buSzPct val="100000"/>
-                  <a:buChar char="⊡"/>
-                  <a:defRPr sz="3000">
-                    <a:solidFill>
-                      <a:srgbClr val="5A5F5E"/>
-                    </a:solidFill>
-                  </a:defRPr>
-                </a:pPr>
-                <a:r>
-                  <a:t>Use \varepsilon instead of epsilon:  </a:t>
-                </a:r>
-                <a14:m>
-                  <m:oMath xmlns:m="http://schemas.openxmlformats.org/officeDocument/2006/math">
-                    <m:borderBox>
-                      <m:borderBoxPr>
-                        <m:hideTop m:val="on"/>
-                        <m:hideBot m:val="on"/>
-                        <m:hideLeft m:val="on"/>
-                        <m:hideRight m:val="on"/>
-                        <m:strikeBLTR m:val="on"/>
-                        <m:ctrlPr>
-                          <a:rPr sz="3650" i="1">
-                            <a:solidFill>
-                              <a:srgbClr val="5A5F5E"/>
-                            </a:solidFill>
-                            <a:latin typeface="Cambria Math" panose="02040503050406030204" pitchFamily="18" charset="0"/>
-                          </a:rPr>
-                        </m:ctrlPr>
-                      </m:borderBoxPr>
-                      <m:e>
-                        <m:r>
-                          <a:rPr sz="3650" i="1">
-                            <a:solidFill>
-                              <a:srgbClr val="5A5F5E"/>
-                            </a:solidFill>
-                            <a:latin typeface="Cambria Math" panose="02040503050406030204" pitchFamily="18" charset="0"/>
-                          </a:rPr>
-                          <m:t>𝜖</m:t>
-                        </m:r>
-                      </m:e>
-                    </m:borderBox>
-                    <m:r>
-                      <a:rPr sz="3650" i="1">
-                        <a:solidFill>
-                          <a:srgbClr val="5A5F5E"/>
-                        </a:solidFill>
-                        <a:latin typeface="Cambria Math" panose="02040503050406030204" pitchFamily="18" charset="0"/>
-                      </a:rPr>
-                      <m:t>→</m:t>
-                    </m:r>
-                    <m:r>
-                      <a:rPr sz="3650" i="1">
-                        <a:solidFill>
-                          <a:srgbClr val="5A5F5E"/>
-                        </a:solidFill>
-                        <a:latin typeface="Cambria Math" panose="02040503050406030204" pitchFamily="18" charset="0"/>
-                      </a:rPr>
-                      <m:t>𝜀</m:t>
-                    </m:r>
-                  </m:oMath>
-                </a14:m>
-                <a:r>
-                  <a:t>  </a:t>
-                </a:r>
-              </a:p>
-            </p:txBody>
-          </p:sp>
-        </mc:Choice>
-        <mc:Fallback xmlns="">
-          <p:sp>
-            <p:nvSpPr>
-              <p:cNvPr id="124" name="Use \log for the natural logarithm:…"/>
-              <p:cNvSpPr txBox="1">
-                <a:spLocks noRot="1" noChangeAspect="1" noMove="1" noResize="1" noEditPoints="1" noAdjustHandles="1" noChangeArrowheads="1" noChangeShapeType="1" noTextEdit="1"/>
-              </p:cNvSpPr>
-              <p:nvPr/>
-            </p:nvSpPr>
-            <p:spPr>
-              <a:xfrm>
-                <a:off x="667478" y="2127911"/>
-                <a:ext cx="11467783" cy="2943966"/>
-              </a:xfrm>
-              <a:prstGeom prst="rect">
-                <a:avLst/>
-              </a:prstGeom>
-              <a:blipFill>
-                <a:blip r:embed="rId2"/>
-                <a:stretch>
-                  <a:fillRect l="-1541" t="-621" b="-4762"/>
-                </a:stretch>
-              </a:blipFill>
-              <a:ln w="12700">
-                <a:miter lim="400000"/>
-              </a:ln>
-              <a:extLst>
-                <a:ext uri="{C572A759-6A51-4108-AA02-DFA0A04FC94B}">
-                  <ma14:wrappingTextBoxFlag xmlns:ma14="http://schemas.microsoft.com/office/mac/drawingml/2011/main" xmlns:a14="http://schemas.microsoft.com/office/drawing/2010/main" xmlns:m="http://schemas.openxmlformats.org/officeDocument/2006/math" xmlns="" val="1"/>
-                </a:ext>
-              </a:extLst>
-            </p:spPr>
-            <p:txBody>
-              <a:bodyPr/>
-              <a:lstStyle/>
-              <a:p>
-                <a:r>
-                  <a:rPr lang="zh-TW" altLang="en-US">
-                    <a:noFill/>
-                  </a:rPr>
-                  <a:t> </a:t>
-                </a:r>
-              </a:p>
-            </p:txBody>
-          </p:sp>
-        </mc:Fallback>
-      </mc:AlternateContent>
-    </p:spTree>
-  </p:cSld>
-  <p:clrMapOvr>
-    <a:masterClrMapping/>
-  </p:clrMapOvr>
-  <p:transition spd="med"/>
-</p:sld>
-</file>
-
-<file path=ppt/slides/slide12.xml><?xml version="1.0" encoding="utf-8"?>
-<p:sld xmlns:a="http://schemas.openxmlformats.org/drawingml/2006/main" xmlns:r="http://schemas.openxmlformats.org/officeDocument/2006/relationships" xmlns:p="http://schemas.openxmlformats.org/presentationml/2006/main">
-  <p:cSld>
-    <p:spTree>
-      <p:nvGrpSpPr>
-        <p:cNvPr id="1" name=""/>
-        <p:cNvGrpSpPr/>
-        <p:nvPr/>
-      </p:nvGrpSpPr>
-      <p:grpSpPr>
-        <a:xfrm>
-          <a:off x="0" y="0"/>
-          <a:ext cx="0" cy="0"/>
-          <a:chOff x="0" y="0"/>
-          <a:chExt cx="0" cy="0"/>
-        </a:xfrm>
-      </p:grpSpPr>
-      <p:sp>
-        <p:nvSpPr>
-          <p:cNvPr id="126" name="幻燈片編號"/>
-          <p:cNvSpPr txBox="1">
-            <a:spLocks noGrp="1"/>
-          </p:cNvSpPr>
-          <p:nvPr>
-            <p:ph type="sldNum" sz="quarter" idx="2"/>
-          </p:nvPr>
-        </p:nvSpPr>
-        <p:spPr>
-          <a:prstGeom prst="rect">
-            <a:avLst/>
-          </a:prstGeom>
-          <a:extLst>
-            <a:ext uri="{C572A759-6A51-4108-AA02-DFA0A04FC94B}">
-              <ma14:wrappingTextBoxFlag xmlns:ma14="http://schemas.microsoft.com/office/mac/drawingml/2011/main" xmlns:a14="http://schemas.microsoft.com/office/drawing/2010/main" xmlns:m="http://schemas.openxmlformats.org/officeDocument/2006/math" xmlns="" val="1"/>
-            </a:ext>
-          </a:extLst>
-        </p:spPr>
-        <p:txBody>
-          <a:bodyPr>
-            <a:normAutofit lnSpcReduction="10000"/>
-          </a:bodyPr>
-          <a:lstStyle/>
-          <a:p>
-            <a:fld id="{86CB4B4D-7CA3-9044-876B-883B54F8677D}" type="slidenum">
-              <a:t>12</a:t>
-            </a:fld>
-            <a:endParaRPr/>
-          </a:p>
-        </p:txBody>
-      </p:sp>
-      <p:sp>
-        <p:nvSpPr>
-          <p:cNvPr id="127" name="Styleguide"/>
-          <p:cNvSpPr txBox="1">
-            <a:spLocks noGrp="1"/>
-          </p:cNvSpPr>
-          <p:nvPr>
-            <p:ph type="body" idx="21"/>
-          </p:nvPr>
-        </p:nvSpPr>
-        <p:spPr>
-          <a:prstGeom prst="rect">
-            <a:avLst/>
-          </a:prstGeom>
-        </p:spPr>
-        <p:txBody>
-          <a:bodyPr/>
-          <a:lstStyle/>
-          <a:p>
-            <a:r>
-              <a:t>Styleguide</a:t>
-            </a:r>
-          </a:p>
-        </p:txBody>
-      </p:sp>
-      <p:sp>
-        <p:nvSpPr>
-          <p:cNvPr id="128" name="Tables"/>
-          <p:cNvSpPr txBox="1">
-            <a:spLocks noGrp="1"/>
-          </p:cNvSpPr>
-          <p:nvPr>
-            <p:ph type="body" idx="22"/>
-          </p:nvPr>
-        </p:nvSpPr>
-        <p:spPr>
-          <a:prstGeom prst="rect">
-            <a:avLst/>
-          </a:prstGeom>
-        </p:spPr>
-        <p:txBody>
-          <a:bodyPr>
-            <a:normAutofit lnSpcReduction="10000"/>
-          </a:bodyPr>
-          <a:lstStyle/>
-          <a:p>
-            <a:r>
-              <a:t>Tables</a:t>
-            </a:r>
-          </a:p>
-        </p:txBody>
-      </p:sp>
-      <p:sp>
-        <p:nvSpPr>
-          <p:cNvPr id="129" name="Follow the Cambridge University Press Style…"/>
-          <p:cNvSpPr txBox="1">
-            <a:spLocks noGrp="1"/>
-          </p:cNvSpPr>
-          <p:nvPr>
-            <p:ph type="body" idx="23"/>
-          </p:nvPr>
-        </p:nvSpPr>
-        <p:spPr>
-          <a:xfrm>
-            <a:off x="667478" y="2178711"/>
-            <a:ext cx="11467783" cy="2925953"/>
-          </a:xfrm>
-          <a:prstGeom prst="rect">
-            <a:avLst/>
-          </a:prstGeom>
-          <a:extLst>
-            <a:ext uri="{C572A759-6A51-4108-AA02-DFA0A04FC94B}">
-              <ma14:wrappingTextBoxFlag xmlns:ma14="http://schemas.microsoft.com/office/mac/drawingml/2011/main" xmlns:a14="http://schemas.microsoft.com/office/drawing/2010/main" xmlns:m="http://schemas.openxmlformats.org/officeDocument/2006/math" xmlns="" val="1"/>
-            </a:ext>
-          </a:extLst>
-        </p:spPr>
-        <p:txBody>
-          <a:bodyPr/>
-          <a:lstStyle/>
-          <a:p>
-            <a:pPr marL="444500" indent="-444500">
-              <a:lnSpc>
-                <a:spcPts val="4500"/>
-              </a:lnSpc>
-              <a:buClr>
-                <a:srgbClr val="00599E"/>
-              </a:buClr>
-              <a:buSzPct val="100000"/>
-              <a:buChar char="⊡"/>
-              <a:defRPr sz="3000">
-                <a:solidFill>
-                  <a:srgbClr val="5A5F5E"/>
-                </a:solidFill>
-              </a:defRPr>
-            </a:pPr>
-            <a:r>
-              <a:t>Follow the Cambridge University Press Style</a:t>
-            </a:r>
-          </a:p>
-          <a:p>
-            <a:pPr marL="444500" indent="-444500">
-              <a:lnSpc>
-                <a:spcPts val="4500"/>
-              </a:lnSpc>
-              <a:buClr>
-                <a:srgbClr val="00599E"/>
-              </a:buClr>
-              <a:buSzPct val="100000"/>
-              <a:buChar char="⊡"/>
-              <a:defRPr sz="3000">
-                <a:solidFill>
-                  <a:srgbClr val="5A5F5E"/>
-                </a:solidFill>
-              </a:defRPr>
-            </a:pPr>
-            <a:r>
-              <a:t>Round appropriately (as much information as necessary, as little as possible)</a:t>
-            </a:r>
-          </a:p>
-          <a:p>
-            <a:pPr marL="444500" indent="-444500">
-              <a:lnSpc>
-                <a:spcPts val="4500"/>
-              </a:lnSpc>
-              <a:buClr>
-                <a:srgbClr val="00599E"/>
-              </a:buClr>
-              <a:buSzPct val="100000"/>
-              <a:buChar char="⊡"/>
-              <a:defRPr sz="3000">
-                <a:solidFill>
-                  <a:srgbClr val="5A5F5E"/>
-                </a:solidFill>
-              </a:defRPr>
-            </a:pPr>
-            <a:r>
-              <a:t>Align decimal points</a:t>
-            </a:r>
-          </a:p>
-        </p:txBody>
-      </p:sp>
-      <p:sp>
-        <p:nvSpPr>
-          <p:cNvPr id="130" name="IDA Template"/>
-          <p:cNvSpPr txBox="1">
-            <a:spLocks noGrp="1"/>
-          </p:cNvSpPr>
-          <p:nvPr>
-            <p:ph type="body" idx="24"/>
-          </p:nvPr>
-        </p:nvSpPr>
-        <p:spPr>
-          <a:prstGeom prst="rect">
-            <a:avLst/>
-          </a:prstGeom>
-        </p:spPr>
-        <p:txBody>
-          <a:bodyPr/>
-          <a:lstStyle/>
-          <a:p>
-            <a:r>
-              <a:t>IDA Template</a:t>
-            </a:r>
-          </a:p>
-        </p:txBody>
-      </p:sp>
-      <p:pic>
-        <p:nvPicPr>
-          <p:cNvPr id="131" name="pasted-image.pdf" descr="pasted-image.pdf"/>
-          <p:cNvPicPr>
-            <a:picLocks noChangeAspect="1"/>
-          </p:cNvPicPr>
-          <p:nvPr/>
-        </p:nvPicPr>
-        <p:blipFill>
-          <a:blip r:embed="rId2">
-            <a:alphaModFix amt="79761"/>
-          </a:blip>
-          <a:stretch>
-            <a:fillRect/>
-          </a:stretch>
-        </p:blipFill>
-        <p:spPr>
-          <a:xfrm>
-            <a:off x="1268214" y="4745065"/>
-            <a:ext cx="4829576" cy="1726777"/>
-          </a:xfrm>
-          <a:prstGeom prst="rect">
-            <a:avLst/>
-          </a:prstGeom>
-          <a:ln w="12700">
-            <a:miter lim="400000"/>
-          </a:ln>
-        </p:spPr>
-      </p:pic>
-    </p:spTree>
-  </p:cSld>
-  <p:clrMapOvr>
-    <a:masterClrMapping/>
-  </p:clrMapOvr>
-  <p:transition spd="med"/>
-</p:sld>
-</file>
-
-<file path=ppt/slides/slide13.xml><?xml version="1.0" encoding="utf-8"?>
-<p:sld xmlns:a="http://schemas.openxmlformats.org/drawingml/2006/main" xmlns:r="http://schemas.openxmlformats.org/officeDocument/2006/relationships" xmlns:p="http://schemas.openxmlformats.org/presentationml/2006/main">
-  <p:cSld>
-    <p:spTree>
-      <p:nvGrpSpPr>
-        <p:cNvPr id="1" name=""/>
-        <p:cNvGrpSpPr/>
-        <p:nvPr/>
-      </p:nvGrpSpPr>
-      <p:grpSpPr>
-        <a:xfrm>
-          <a:off x="0" y="0"/>
-          <a:ext cx="0" cy="0"/>
-          <a:chOff x="0" y="0"/>
-          <a:chExt cx="0" cy="0"/>
-        </a:xfrm>
-      </p:grpSpPr>
-      <p:sp>
-        <p:nvSpPr>
-          <p:cNvPr id="133" name="幻燈片編號"/>
-          <p:cNvSpPr txBox="1">
-            <a:spLocks noGrp="1"/>
-          </p:cNvSpPr>
-          <p:nvPr>
-            <p:ph type="sldNum" sz="quarter" idx="2"/>
-          </p:nvPr>
-        </p:nvSpPr>
-        <p:spPr>
-          <a:prstGeom prst="rect">
-            <a:avLst/>
-          </a:prstGeom>
-          <a:extLst>
-            <a:ext uri="{C572A759-6A51-4108-AA02-DFA0A04FC94B}">
-              <ma14:wrappingTextBoxFlag xmlns:ma14="http://schemas.microsoft.com/office/mac/drawingml/2011/main" xmlns:a14="http://schemas.microsoft.com/office/drawing/2010/main" xmlns:m="http://schemas.openxmlformats.org/officeDocument/2006/math" xmlns="" val="1"/>
-            </a:ext>
-          </a:extLst>
-        </p:spPr>
-        <p:txBody>
-          <a:bodyPr>
-            <a:normAutofit lnSpcReduction="10000"/>
-          </a:bodyPr>
-          <a:lstStyle/>
-          <a:p>
-            <a:fld id="{86CB4B4D-7CA3-9044-876B-883B54F8677D}" type="slidenum">
-              <a:t>13</a:t>
-            </a:fld>
-            <a:endParaRPr/>
-          </a:p>
-        </p:txBody>
-      </p:sp>
-      <p:sp>
-        <p:nvSpPr>
-          <p:cNvPr id="134" name="Styleguide"/>
-          <p:cNvSpPr txBox="1">
-            <a:spLocks noGrp="1"/>
-          </p:cNvSpPr>
-          <p:nvPr>
-            <p:ph type="body" idx="21"/>
-          </p:nvPr>
-        </p:nvSpPr>
-        <p:spPr>
-          <a:prstGeom prst="rect">
-            <a:avLst/>
-          </a:prstGeom>
-        </p:spPr>
-        <p:txBody>
-          <a:bodyPr/>
-          <a:lstStyle/>
-          <a:p>
-            <a:r>
-              <a:t>Styleguide</a:t>
-            </a:r>
-          </a:p>
-        </p:txBody>
-      </p:sp>
-      <p:sp>
-        <p:nvSpPr>
-          <p:cNvPr id="135" name="Figures"/>
-          <p:cNvSpPr txBox="1">
-            <a:spLocks noGrp="1"/>
-          </p:cNvSpPr>
-          <p:nvPr>
-            <p:ph type="body" idx="22"/>
-          </p:nvPr>
-        </p:nvSpPr>
-        <p:spPr>
-          <a:prstGeom prst="rect">
-            <a:avLst/>
-          </a:prstGeom>
-        </p:spPr>
-        <p:txBody>
-          <a:bodyPr>
-            <a:normAutofit lnSpcReduction="10000"/>
-          </a:bodyPr>
-          <a:lstStyle/>
-          <a:p>
-            <a:r>
-              <a:t>Figures</a:t>
-            </a:r>
-          </a:p>
-        </p:txBody>
-      </p:sp>
-      <p:sp>
-        <p:nvSpPr>
-          <p:cNvPr id="136" name="Give informative axis labels…"/>
-          <p:cNvSpPr txBox="1">
-            <a:spLocks noGrp="1"/>
-          </p:cNvSpPr>
-          <p:nvPr>
-            <p:ph type="body" idx="23"/>
-          </p:nvPr>
-        </p:nvSpPr>
-        <p:spPr>
-          <a:xfrm>
-            <a:off x="667478" y="2178711"/>
-            <a:ext cx="11467783" cy="2354453"/>
-          </a:xfrm>
-          <a:prstGeom prst="rect">
-            <a:avLst/>
-          </a:prstGeom>
-          <a:extLst>
-            <a:ext uri="{C572A759-6A51-4108-AA02-DFA0A04FC94B}">
-              <ma14:wrappingTextBoxFlag xmlns:ma14="http://schemas.microsoft.com/office/mac/drawingml/2011/main" xmlns:a14="http://schemas.microsoft.com/office/drawing/2010/main" xmlns:m="http://schemas.openxmlformats.org/officeDocument/2006/math" xmlns="" val="1"/>
-            </a:ext>
-          </a:extLst>
-        </p:spPr>
-        <p:txBody>
-          <a:bodyPr/>
-          <a:lstStyle/>
-          <a:p>
-            <a:pPr marL="444500" indent="-444500">
-              <a:lnSpc>
-                <a:spcPts val="4500"/>
-              </a:lnSpc>
-              <a:buClr>
-                <a:srgbClr val="00599E"/>
-              </a:buClr>
-              <a:buSzPct val="100000"/>
-              <a:buChar char="⊡"/>
-              <a:defRPr sz="3000">
-                <a:solidFill>
-                  <a:srgbClr val="5A5F5E"/>
-                </a:solidFill>
-              </a:defRPr>
-            </a:pPr>
-            <a:r>
-              <a:t>Give informative axis labels</a:t>
-            </a:r>
-          </a:p>
-          <a:p>
-            <a:pPr marL="444500" indent="-444500">
-              <a:lnSpc>
-                <a:spcPts val="4500"/>
-              </a:lnSpc>
-              <a:buClr>
-                <a:srgbClr val="00599E"/>
-              </a:buClr>
-              <a:buSzPct val="100000"/>
-              <a:buChar char="⊡"/>
-              <a:defRPr sz="3000">
-                <a:solidFill>
-                  <a:srgbClr val="5A5F5E"/>
-                </a:solidFill>
-              </a:defRPr>
-            </a:pPr>
-            <a:r>
-              <a:t>If x- and y-axis are on the same domain, the plot should be square</a:t>
-            </a:r>
-          </a:p>
-          <a:p>
-            <a:pPr marL="444500" indent="-444500">
-              <a:lnSpc>
-                <a:spcPts val="4500"/>
-              </a:lnSpc>
-              <a:buClr>
-                <a:srgbClr val="00599E"/>
-              </a:buClr>
-              <a:buSzPct val="100000"/>
-              <a:buChar char="⊡"/>
-              <a:defRPr sz="3000">
-                <a:solidFill>
-                  <a:srgbClr val="5A5F5E"/>
-                </a:solidFill>
-              </a:defRPr>
-            </a:pPr>
-            <a:r>
-              <a:t>Use same color scheme for multiple plots if they show the same content.</a:t>
-            </a:r>
-          </a:p>
-        </p:txBody>
-      </p:sp>
-      <p:sp>
-        <p:nvSpPr>
-          <p:cNvPr id="137" name="IDA Template"/>
-          <p:cNvSpPr txBox="1">
-            <a:spLocks noGrp="1"/>
-          </p:cNvSpPr>
-          <p:nvPr>
-            <p:ph type="body" idx="24"/>
-          </p:nvPr>
-        </p:nvSpPr>
-        <p:spPr>
-          <a:prstGeom prst="rect">
-            <a:avLst/>
-          </a:prstGeom>
-        </p:spPr>
-        <p:txBody>
-          <a:bodyPr/>
-          <a:lstStyle/>
-          <a:p>
-            <a:r>
-              <a:t>IDA Template</a:t>
-            </a:r>
-          </a:p>
-        </p:txBody>
-      </p:sp>
-    </p:spTree>
-  </p:cSld>
-  <p:clrMapOvr>
-    <a:masterClrMapping/>
-  </p:clrMapOvr>
-  <p:transition spd="med"/>
-</p:sld>
-</file>
-
-<file path=ppt/slides/slide14.xml><?xml version="1.0" encoding="utf-8"?>
 <p:sld xmlns:a="http://schemas.openxmlformats.org/drawingml/2006/main" xmlns:r="http://schemas.openxmlformats.org/officeDocument/2006/relationships" xmlns:p="http://schemas.openxmlformats.org/presentationml/2006/main">
   <p:cSld>
     <p:spTree>
@@ -6589,7 +5351,7 @@
           </a:ln>
           <a:extLst>
             <a:ext uri="{C572A759-6A51-4108-AA02-DFA0A04FC94B}">
-              <ma14:wrappingTextBoxFlag xmlns:ma14="http://schemas.microsoft.com/office/mac/drawingml/2011/main" xmlns:a14="http://schemas.microsoft.com/office/drawing/2010/main" xmlns:m="http://schemas.openxmlformats.org/officeDocument/2006/math" xmlns="" val="1"/>
+              <ma14:wrappingTextBoxFlag xmlns="" xmlns:m="http://schemas.openxmlformats.org/officeDocument/2006/math" xmlns:a14="http://schemas.microsoft.com/office/drawing/2010/main" xmlns:ma14="http://schemas.microsoft.com/office/mac/drawingml/2011/main" val="1"/>
             </a:ext>
           </a:extLst>
         </p:spPr>
@@ -6637,6 +5399,292 @@
       </p:grpSpPr>
       <p:sp>
         <p:nvSpPr>
+          <p:cNvPr id="78" name="IDA Template"/>
+          <p:cNvSpPr txBox="1">
+            <a:spLocks noGrp="1"/>
+          </p:cNvSpPr>
+          <p:nvPr>
+            <p:ph type="body" idx="21"/>
+          </p:nvPr>
+        </p:nvSpPr>
+        <p:spPr>
+          <a:prstGeom prst="rect">
+            <a:avLst/>
+          </a:prstGeom>
+        </p:spPr>
+        <p:txBody>
+          <a:bodyPr/>
+          <a:lstStyle/>
+          <a:p>
+            <a:r>
+              <a:t>IDA Template</a:t>
+            </a:r>
+          </a:p>
+        </p:txBody>
+      </p:sp>
+      <p:sp>
+        <p:nvSpPr>
+          <p:cNvPr id="79" name="Motivation ✓…"/>
+          <p:cNvSpPr txBox="1">
+            <a:spLocks noGrp="1"/>
+          </p:cNvSpPr>
+          <p:nvPr>
+            <p:ph type="body" idx="22"/>
+          </p:nvPr>
+        </p:nvSpPr>
+        <p:spPr>
+          <a:xfrm>
+            <a:off x="761999" y="1581811"/>
+            <a:ext cx="11467783" cy="3478773"/>
+          </a:xfrm>
+          <a:prstGeom prst="rect">
+            <a:avLst/>
+          </a:prstGeom>
+          <a:extLst>
+            <a:ext uri="{C572A759-6A51-4108-AA02-DFA0A04FC94B}">
+              <ma14:wrappingTextBoxFlag xmlns="" xmlns:m="http://schemas.openxmlformats.org/officeDocument/2006/math" xmlns:a14="http://schemas.microsoft.com/office/drawing/2010/main" xmlns:ma14="http://schemas.microsoft.com/office/mac/drawingml/2011/main" val="1"/>
+            </a:ext>
+          </a:extLst>
+        </p:spPr>
+        <p:txBody>
+          <a:bodyPr/>
+          <a:lstStyle/>
+          <a:p>
+            <a:pPr marL="444500" indent="-444500">
+              <a:lnSpc>
+                <a:spcPct val="150000"/>
+              </a:lnSpc>
+              <a:buClr>
+                <a:srgbClr val="5A5F5E"/>
+              </a:buClr>
+              <a:buSzPct val="100000"/>
+              <a:buAutoNum type="arabicPeriod"/>
+              <a:defRPr sz="3000">
+                <a:solidFill>
+                  <a:srgbClr val="5A5F5E"/>
+                </a:solidFill>
+              </a:defRPr>
+            </a:pPr>
+            <a:r>
+              <a:rPr b="1"/>
+              <a:t>Motivation </a:t>
+            </a:r>
+            <a:endParaRPr b="1">
+              <a:latin typeface="Lucida Grande"/>
+              <a:ea typeface="Lucida Grande"/>
+              <a:cs typeface="Lucida Grande"/>
+              <a:sym typeface="Lucida Grande"/>
+            </a:endParaRPr>
+          </a:p>
+          <a:p>
+            <a:pPr marL="444500" indent="-444500">
+              <a:lnSpc>
+                <a:spcPct val="150000"/>
+              </a:lnSpc>
+              <a:buClr>
+                <a:srgbClr val="5A5F5E"/>
+              </a:buClr>
+              <a:buSzPct val="100000"/>
+              <a:buAutoNum type="arabicPeriod"/>
+              <a:defRPr sz="3000">
+                <a:solidFill>
+                  <a:srgbClr val="5A5F5E"/>
+                </a:solidFill>
+              </a:defRPr>
+            </a:pPr>
+            <a:r>
+              <a:rPr lang="en-US" altLang="zh-TW" b="1"/>
+              <a:t>Data</a:t>
+            </a:r>
+            <a:r>
+              <a:rPr lang="zh-TW" altLang="en-US" b="1"/>
+              <a:t> </a:t>
+            </a:r>
+            <a:endParaRPr lang="en-US" altLang="zh-TW" b="1"/>
+          </a:p>
+          <a:p>
+            <a:pPr marL="444500" indent="-444500">
+              <a:lnSpc>
+                <a:spcPct val="150000"/>
+              </a:lnSpc>
+              <a:buClr>
+                <a:srgbClr val="5A5F5E"/>
+              </a:buClr>
+              <a:buSzPct val="100000"/>
+              <a:buAutoNum type="arabicPeriod"/>
+              <a:defRPr sz="3000">
+                <a:solidFill>
+                  <a:srgbClr val="5A5F5E"/>
+                </a:solidFill>
+              </a:defRPr>
+            </a:pPr>
+            <a:r>
+              <a:rPr lang="en-US" altLang="zh-TW" b="1"/>
+              <a:t>Design</a:t>
+            </a:r>
+            <a:r>
+              <a:rPr lang="zh-TW" altLang="en-US" b="1"/>
+              <a:t> </a:t>
+            </a:r>
+            <a:r>
+              <a:rPr lang="en-US" altLang="zh-TW" b="1"/>
+              <a:t>of</a:t>
+            </a:r>
+            <a:r>
+              <a:rPr lang="zh-TW" altLang="en-US" b="1"/>
+              <a:t> </a:t>
+            </a:r>
+            <a:r>
+              <a:rPr lang="en-US" altLang="zh-TW" b="1"/>
+              <a:t>analysis</a:t>
+            </a:r>
+          </a:p>
+          <a:p>
+            <a:pPr marL="444500" indent="-444500">
+              <a:lnSpc>
+                <a:spcPct val="150000"/>
+              </a:lnSpc>
+              <a:buClr>
+                <a:srgbClr val="5A5F5E"/>
+              </a:buClr>
+              <a:buSzPct val="100000"/>
+              <a:buAutoNum type="arabicPeriod"/>
+              <a:defRPr sz="3000">
+                <a:solidFill>
+                  <a:srgbClr val="5A5F5E"/>
+                </a:solidFill>
+              </a:defRPr>
+            </a:pPr>
+            <a:r>
+              <a:rPr lang="en-US" altLang="zh-TW" b="1"/>
+              <a:t>Empirucal</a:t>
+            </a:r>
+            <a:r>
+              <a:rPr lang="zh-TW" altLang="en-US" b="1"/>
+              <a:t> </a:t>
+            </a:r>
+            <a:r>
+              <a:rPr lang="en-US" altLang="zh-TW" b="1"/>
+              <a:t>results</a:t>
+            </a:r>
+          </a:p>
+          <a:p>
+            <a:pPr marL="444500" indent="-444500">
+              <a:lnSpc>
+                <a:spcPct val="150000"/>
+              </a:lnSpc>
+              <a:buClr>
+                <a:srgbClr val="5A5F5E"/>
+              </a:buClr>
+              <a:buSzPct val="100000"/>
+              <a:buAutoNum type="arabicPeriod"/>
+              <a:defRPr sz="3000">
+                <a:solidFill>
+                  <a:srgbClr val="5A5F5E"/>
+                </a:solidFill>
+              </a:defRPr>
+            </a:pPr>
+            <a:r>
+              <a:rPr lang="en-US" altLang="zh-TW" b="1"/>
+              <a:t>Conclusion</a:t>
+            </a:r>
+            <a:endParaRPr b="1"/>
+          </a:p>
+        </p:txBody>
+      </p:sp>
+    </p:spTree>
+  </p:cSld>
+  <p:clrMapOvr>
+    <a:masterClrMapping/>
+  </p:clrMapOvr>
+  <p:transition spd="med"/>
+</p:sld>
+</file>
+
+<file path=ppt/slides/slide3.xml><?xml version="1.0" encoding="utf-8"?>
+<p:sld xmlns:a="http://schemas.openxmlformats.org/drawingml/2006/main" xmlns:r="http://schemas.openxmlformats.org/officeDocument/2006/relationships" xmlns:p="http://schemas.openxmlformats.org/presentationml/2006/main">
+  <p:cSld>
+    <p:spTree>
+      <p:nvGrpSpPr>
+        <p:cNvPr id="1" name=""/>
+        <p:cNvGrpSpPr/>
+        <p:nvPr/>
+      </p:nvGrpSpPr>
+      <p:grpSpPr>
+        <a:xfrm>
+          <a:off x="0" y="0"/>
+          <a:ext cx="0" cy="0"/>
+          <a:chOff x="0" y="0"/>
+          <a:chExt cx="0" cy="0"/>
+        </a:xfrm>
+      </p:grpSpPr>
+      <p:sp>
+        <p:nvSpPr>
+          <p:cNvPr id="4" name="文字版面配置區 3">
+            <a:extLst>
+              <a:ext uri="{FF2B5EF4-FFF2-40B4-BE49-F238E27FC236}">
+                <a16:creationId xmlns:a16="http://schemas.microsoft.com/office/drawing/2014/main" id="{ED697936-DC5B-2130-8232-8BBD7628F6EF}"/>
+              </a:ext>
+            </a:extLst>
+          </p:cNvPr>
+          <p:cNvSpPr>
+            <a:spLocks noGrp="1"/>
+          </p:cNvSpPr>
+          <p:nvPr>
+            <p:ph type="body" sz="half" idx="23"/>
+          </p:nvPr>
+        </p:nvSpPr>
+        <p:spPr>
+          <a:xfrm>
+            <a:off x="761999" y="4143375"/>
+            <a:ext cx="11467783" cy="933589"/>
+          </a:xfrm>
+        </p:spPr>
+        <p:txBody>
+          <a:bodyPr/>
+          <a:lstStyle/>
+          <a:p>
+            <a:r>
+              <a:rPr lang="en-US" altLang="zh-TW"/>
+              <a:t>Movitation</a:t>
+            </a:r>
+            <a:endParaRPr lang="zh-TW" altLang="en-US"/>
+          </a:p>
+        </p:txBody>
+      </p:sp>
+    </p:spTree>
+    <p:extLst>
+      <p:ext uri="{BB962C8B-B14F-4D97-AF65-F5344CB8AC3E}">
+        <p14:creationId xmlns:p14="http://schemas.microsoft.com/office/powerpoint/2010/main" val="1133121640"/>
+      </p:ext>
+    </p:extLst>
+  </p:cSld>
+  <p:clrMapOvr>
+    <a:masterClrMapping/>
+  </p:clrMapOvr>
+  <p:transition spd="med"/>
+</p:sld>
+</file>
+
+<file path=ppt/slides/slide4.xml><?xml version="1.0" encoding="utf-8"?>
+<p:sld xmlns:a="http://schemas.openxmlformats.org/drawingml/2006/main" xmlns:r="http://schemas.openxmlformats.org/officeDocument/2006/relationships" xmlns:p="http://schemas.openxmlformats.org/presentationml/2006/main">
+  <p:cSld>
+    <p:spTree>
+      <p:nvGrpSpPr>
+        <p:cNvPr id="1" name=""/>
+        <p:cNvGrpSpPr/>
+        <p:nvPr/>
+      </p:nvGrpSpPr>
+      <p:grpSpPr>
+        <a:xfrm>
+          <a:off x="0" y="0"/>
+          <a:ext cx="0" cy="0"/>
+          <a:chOff x="0" y="0"/>
+          <a:chExt cx="0" cy="0"/>
+        </a:xfrm>
+      </p:grpSpPr>
+      <p:sp>
+        <p:nvSpPr>
           <p:cNvPr id="70" name="幻燈片編號"/>
           <p:cNvSpPr txBox="1">
             <a:spLocks noGrp="1"/>
@@ -6651,7 +5699,7 @@
           </a:prstGeom>
           <a:extLst>
             <a:ext uri="{C572A759-6A51-4108-AA02-DFA0A04FC94B}">
-              <ma14:wrappingTextBoxFlag xmlns:ma14="http://schemas.microsoft.com/office/mac/drawingml/2011/main" xmlns:a14="http://schemas.microsoft.com/office/drawing/2010/main" xmlns:m="http://schemas.openxmlformats.org/officeDocument/2006/math" xmlns="" val="1"/>
+              <ma14:wrappingTextBoxFlag xmlns="" xmlns:m="http://schemas.openxmlformats.org/officeDocument/2006/math" xmlns:a14="http://schemas.microsoft.com/office/drawing/2010/main" xmlns:ma14="http://schemas.microsoft.com/office/mac/drawingml/2011/main" val="1"/>
             </a:ext>
           </a:extLst>
         </p:spPr>
@@ -6663,7 +5711,7 @@
           <a:p>
             <a:fld id="{86CB4B4D-7CA3-9044-876B-883B54F8677D}" type="slidenum">
               <a:rPr/>
-              <a:t>2</a:t>
+              <a:t>4</a:t>
             </a:fld>
             <a:endParaRPr/>
           </a:p>
@@ -6741,7 +5789,7 @@
           </a:prstGeom>
           <a:extLst>
             <a:ext uri="{C572A759-6A51-4108-AA02-DFA0A04FC94B}">
-              <ma14:wrappingTextBoxFlag xmlns:ma14="http://schemas.microsoft.com/office/mac/drawingml/2011/main" xmlns:a14="http://schemas.microsoft.com/office/drawing/2010/main" xmlns:m="http://schemas.openxmlformats.org/officeDocument/2006/math" xmlns="" val="1"/>
+              <ma14:wrappingTextBoxFlag xmlns="" xmlns:m="http://schemas.openxmlformats.org/officeDocument/2006/math" xmlns:a14="http://schemas.microsoft.com/office/drawing/2010/main" xmlns:ma14="http://schemas.microsoft.com/office/mac/drawingml/2011/main" val="1"/>
             </a:ext>
           </a:extLst>
         </p:spPr>
@@ -6884,7 +5932,295 @@
 </p:sld>
 </file>
 
-<file path=ppt/slides/slide3.xml><?xml version="1.0" encoding="utf-8"?>
+<file path=ppt/slides/slide5.xml><?xml version="1.0" encoding="utf-8"?>
+<p:sld xmlns:a="http://schemas.openxmlformats.org/drawingml/2006/main" xmlns:r="http://schemas.openxmlformats.org/officeDocument/2006/relationships" xmlns:p="http://schemas.openxmlformats.org/presentationml/2006/main">
+  <p:cSld>
+    <p:spTree>
+      <p:nvGrpSpPr>
+        <p:cNvPr id="1" name=""/>
+        <p:cNvGrpSpPr/>
+        <p:nvPr/>
+      </p:nvGrpSpPr>
+      <p:grpSpPr>
+        <a:xfrm>
+          <a:off x="0" y="0"/>
+          <a:ext cx="0" cy="0"/>
+          <a:chOff x="0" y="0"/>
+          <a:chExt cx="0" cy="0"/>
+        </a:xfrm>
+      </p:grpSpPr>
+      <p:sp>
+        <p:nvSpPr>
+          <p:cNvPr id="4" name="文字版面配置區 3">
+            <a:extLst>
+              <a:ext uri="{FF2B5EF4-FFF2-40B4-BE49-F238E27FC236}">
+                <a16:creationId xmlns:a16="http://schemas.microsoft.com/office/drawing/2014/main" id="{ED697936-DC5B-2130-8232-8BBD7628F6EF}"/>
+              </a:ext>
+            </a:extLst>
+          </p:cNvPr>
+          <p:cNvSpPr>
+            <a:spLocks noGrp="1"/>
+          </p:cNvSpPr>
+          <p:nvPr>
+            <p:ph type="body" sz="half" idx="23"/>
+          </p:nvPr>
+        </p:nvSpPr>
+        <p:spPr>
+          <a:xfrm>
+            <a:off x="761999" y="4143375"/>
+            <a:ext cx="11467783" cy="933589"/>
+          </a:xfrm>
+        </p:spPr>
+        <p:txBody>
+          <a:bodyPr/>
+          <a:lstStyle/>
+          <a:p>
+            <a:r>
+              <a:rPr lang="en-US" altLang="zh-TW"/>
+              <a:t>Data</a:t>
+            </a:r>
+            <a:endParaRPr lang="zh-TW" altLang="en-US"/>
+          </a:p>
+        </p:txBody>
+      </p:sp>
+    </p:spTree>
+    <p:extLst>
+      <p:ext uri="{BB962C8B-B14F-4D97-AF65-F5344CB8AC3E}">
+        <p14:creationId xmlns:p14="http://schemas.microsoft.com/office/powerpoint/2010/main" val="3072503730"/>
+      </p:ext>
+    </p:extLst>
+  </p:cSld>
+  <p:clrMapOvr>
+    <a:masterClrMapping/>
+  </p:clrMapOvr>
+  <p:transition spd="med"/>
+</p:sld>
+</file>
+
+<file path=ppt/slides/slide6.xml><?xml version="1.0" encoding="utf-8"?>
+<p:sld xmlns:a="http://schemas.openxmlformats.org/drawingml/2006/main" xmlns:r="http://schemas.openxmlformats.org/officeDocument/2006/relationships" xmlns:p="http://schemas.openxmlformats.org/presentationml/2006/main">
+  <p:cSld>
+    <p:spTree>
+      <p:nvGrpSpPr>
+        <p:cNvPr id="1" name=""/>
+        <p:cNvGrpSpPr/>
+        <p:nvPr/>
+      </p:nvGrpSpPr>
+      <p:grpSpPr>
+        <a:xfrm>
+          <a:off x="0" y="0"/>
+          <a:ext cx="0" cy="0"/>
+          <a:chOff x="0" y="0"/>
+          <a:chExt cx="0" cy="0"/>
+        </a:xfrm>
+      </p:grpSpPr>
+      <p:sp>
+        <p:nvSpPr>
+          <p:cNvPr id="2" name="文字版面配置區 1">
+            <a:extLst>
+              <a:ext uri="{FF2B5EF4-FFF2-40B4-BE49-F238E27FC236}">
+                <a16:creationId xmlns:a16="http://schemas.microsoft.com/office/drawing/2014/main" id="{C2F8C42B-B747-0D4F-92B8-A18C98F908A8}"/>
+              </a:ext>
+            </a:extLst>
+          </p:cNvPr>
+          <p:cNvSpPr>
+            <a:spLocks noGrp="1"/>
+          </p:cNvSpPr>
+          <p:nvPr>
+            <p:ph type="body" sz="quarter" idx="21"/>
+          </p:nvPr>
+        </p:nvSpPr>
+        <p:spPr/>
+        <p:txBody>
+          <a:bodyPr/>
+          <a:lstStyle/>
+          <a:p>
+            <a:endParaRPr lang="zh-TW" altLang="en-US"/>
+          </a:p>
+        </p:txBody>
+      </p:sp>
+      <p:sp>
+        <p:nvSpPr>
+          <p:cNvPr id="3" name="文字版面配置區 2">
+            <a:extLst>
+              <a:ext uri="{FF2B5EF4-FFF2-40B4-BE49-F238E27FC236}">
+                <a16:creationId xmlns:a16="http://schemas.microsoft.com/office/drawing/2014/main" id="{870B5BD2-27FC-8BEE-31AD-EC78E360C4D7}"/>
+              </a:ext>
+            </a:extLst>
+          </p:cNvPr>
+          <p:cNvSpPr>
+            <a:spLocks noGrp="1"/>
+          </p:cNvSpPr>
+          <p:nvPr>
+            <p:ph type="body" sz="quarter" idx="22"/>
+          </p:nvPr>
+        </p:nvSpPr>
+        <p:spPr/>
+        <p:txBody>
+          <a:bodyPr>
+            <a:normAutofit lnSpcReduction="10000"/>
+          </a:bodyPr>
+          <a:lstStyle/>
+          <a:p>
+            <a:r>
+              <a:rPr lang="en-US" altLang="zh-TW"/>
+              <a:t>Data</a:t>
+            </a:r>
+            <a:endParaRPr lang="zh-TW" altLang="en-US"/>
+          </a:p>
+        </p:txBody>
+      </p:sp>
+      <p:sp>
+        <p:nvSpPr>
+          <p:cNvPr id="4" name="文字版面配置區 3">
+            <a:extLst>
+              <a:ext uri="{FF2B5EF4-FFF2-40B4-BE49-F238E27FC236}">
+                <a16:creationId xmlns:a16="http://schemas.microsoft.com/office/drawing/2014/main" id="{4716A8C3-D70D-AF00-4D5A-8F93D320036D}"/>
+              </a:ext>
+            </a:extLst>
+          </p:cNvPr>
+          <p:cNvSpPr>
+            <a:spLocks noGrp="1"/>
+          </p:cNvSpPr>
+          <p:nvPr>
+            <p:ph type="body" sz="half" idx="23"/>
+          </p:nvPr>
+        </p:nvSpPr>
+        <p:spPr>
+          <a:xfrm>
+            <a:off x="761999" y="1581811"/>
+            <a:ext cx="11467783" cy="933589"/>
+          </a:xfrm>
+        </p:spPr>
+        <p:txBody>
+          <a:bodyPr/>
+          <a:lstStyle/>
+          <a:p>
+            <a:endParaRPr lang="zh-TW" altLang="en-US"/>
+          </a:p>
+        </p:txBody>
+      </p:sp>
+      <p:sp>
+        <p:nvSpPr>
+          <p:cNvPr id="5" name="文字版面配置區 4">
+            <a:extLst>
+              <a:ext uri="{FF2B5EF4-FFF2-40B4-BE49-F238E27FC236}">
+                <a16:creationId xmlns:a16="http://schemas.microsoft.com/office/drawing/2014/main" id="{6D134639-B6FA-23B9-E66A-469DBEE5C3BF}"/>
+              </a:ext>
+            </a:extLst>
+          </p:cNvPr>
+          <p:cNvSpPr>
+            <a:spLocks noGrp="1"/>
+          </p:cNvSpPr>
+          <p:nvPr>
+            <p:ph type="body" sz="quarter" idx="24"/>
+          </p:nvPr>
+        </p:nvSpPr>
+        <p:spPr/>
+        <p:txBody>
+          <a:bodyPr/>
+          <a:lstStyle/>
+          <a:p>
+            <a:endParaRPr lang="zh-TW" altLang="en-US"/>
+          </a:p>
+        </p:txBody>
+      </p:sp>
+    </p:spTree>
+    <p:extLst>
+      <p:ext uri="{BB962C8B-B14F-4D97-AF65-F5344CB8AC3E}">
+        <p14:creationId xmlns:p14="http://schemas.microsoft.com/office/powerpoint/2010/main" val="1876183623"/>
+      </p:ext>
+    </p:extLst>
+  </p:cSld>
+  <p:clrMapOvr>
+    <a:masterClrMapping/>
+  </p:clrMapOvr>
+  <p:transition spd="med"/>
+</p:sld>
+</file>
+
+<file path=ppt/slides/slide7.xml><?xml version="1.0" encoding="utf-8"?>
+<p:sld xmlns:a="http://schemas.openxmlformats.org/drawingml/2006/main" xmlns:r="http://schemas.openxmlformats.org/officeDocument/2006/relationships" xmlns:p="http://schemas.openxmlformats.org/presentationml/2006/main">
+  <p:cSld>
+    <p:spTree>
+      <p:nvGrpSpPr>
+        <p:cNvPr id="1" name=""/>
+        <p:cNvGrpSpPr/>
+        <p:nvPr/>
+      </p:nvGrpSpPr>
+      <p:grpSpPr>
+        <a:xfrm>
+          <a:off x="0" y="0"/>
+          <a:ext cx="0" cy="0"/>
+          <a:chOff x="0" y="0"/>
+          <a:chExt cx="0" cy="0"/>
+        </a:xfrm>
+      </p:grpSpPr>
+      <p:sp>
+        <p:nvSpPr>
+          <p:cNvPr id="4" name="文字版面配置區 3">
+            <a:extLst>
+              <a:ext uri="{FF2B5EF4-FFF2-40B4-BE49-F238E27FC236}">
+                <a16:creationId xmlns:a16="http://schemas.microsoft.com/office/drawing/2014/main" id="{ED697936-DC5B-2130-8232-8BBD7628F6EF}"/>
+              </a:ext>
+            </a:extLst>
+          </p:cNvPr>
+          <p:cNvSpPr>
+            <a:spLocks noGrp="1"/>
+          </p:cNvSpPr>
+          <p:nvPr>
+            <p:ph type="body" sz="half" idx="23"/>
+          </p:nvPr>
+        </p:nvSpPr>
+        <p:spPr>
+          <a:xfrm>
+            <a:off x="761999" y="4143375"/>
+            <a:ext cx="11467783" cy="933589"/>
+          </a:xfrm>
+        </p:spPr>
+        <p:txBody>
+          <a:bodyPr/>
+          <a:lstStyle/>
+          <a:p>
+            <a:r>
+              <a:rPr lang="en-US" altLang="zh-TW"/>
+              <a:t>Design</a:t>
+            </a:r>
+            <a:r>
+              <a:rPr lang="zh-TW" altLang="en-US"/>
+              <a:t> </a:t>
+            </a:r>
+            <a:r>
+              <a:rPr lang="en-US" altLang="zh-TW"/>
+              <a:t>of</a:t>
+            </a:r>
+            <a:r>
+              <a:rPr lang="zh-TW" altLang="en-US"/>
+              <a:t> </a:t>
+            </a:r>
+            <a:r>
+              <a:rPr lang="en-US" altLang="zh-TW"/>
+              <a:t>analysis</a:t>
+            </a:r>
+            <a:endParaRPr lang="zh-TW" altLang="en-US"/>
+          </a:p>
+        </p:txBody>
+      </p:sp>
+    </p:spTree>
+    <p:extLst>
+      <p:ext uri="{BB962C8B-B14F-4D97-AF65-F5344CB8AC3E}">
+        <p14:creationId xmlns:p14="http://schemas.microsoft.com/office/powerpoint/2010/main" val="2195846371"/>
+      </p:ext>
+    </p:extLst>
+  </p:cSld>
+  <p:clrMapOvr>
+    <a:masterClrMapping/>
+  </p:clrMapOvr>
+  <p:transition spd="med"/>
+</p:sld>
+</file>
+
+<file path=ppt/slides/slide8.xml><?xml version="1.0" encoding="utf-8"?>
 <p:sld xmlns:a="http://schemas.openxmlformats.org/drawingml/2006/main" xmlns:r="http://schemas.openxmlformats.org/officeDocument/2006/relationships" xmlns:p="http://schemas.openxmlformats.org/presentationml/2006/main">
   <p:cSld>
     <p:spTree>
@@ -6917,7 +6253,7 @@
           </a:prstGeom>
           <a:extLst>
             <a:ext uri="{C572A759-6A51-4108-AA02-DFA0A04FC94B}">
-              <ma14:wrappingTextBoxFlag xmlns:ma14="http://schemas.microsoft.com/office/mac/drawingml/2011/main" xmlns:a14="http://schemas.microsoft.com/office/drawing/2010/main" xmlns:m="http://schemas.openxmlformats.org/officeDocument/2006/math" xmlns="" val="1"/>
+              <ma14:wrappingTextBoxFlag xmlns="" xmlns:m="http://schemas.openxmlformats.org/officeDocument/2006/math" xmlns:a14="http://schemas.microsoft.com/office/drawing/2010/main" xmlns:ma14="http://schemas.microsoft.com/office/mac/drawingml/2011/main" val="1"/>
             </a:ext>
           </a:extLst>
         </p:spPr>
@@ -6929,7 +6265,7 @@
           <a:p>
             <a:fld id="{86CB4B4D-7CA3-9044-876B-883B54F8677D}" type="slidenum">
               <a:rPr/>
-              <a:t>3</a:t>
+              <a:t>8</a:t>
             </a:fld>
             <a:endParaRPr/>
           </a:p>
@@ -7001,15 +6337,15 @@
         </p:nvSpPr>
         <p:spPr>
           <a:xfrm>
-            <a:off x="755809" y="1241530"/>
-            <a:ext cx="11467783" cy="4084708"/>
+            <a:off x="906887" y="1483861"/>
+            <a:ext cx="11178007" cy="622222"/>
           </a:xfrm>
           <a:prstGeom prst="rect">
             <a:avLst/>
           </a:prstGeom>
           <a:extLst>
             <a:ext uri="{C572A759-6A51-4108-AA02-DFA0A04FC94B}">
-              <ma14:wrappingTextBoxFlag xmlns:ma14="http://schemas.microsoft.com/office/mac/drawingml/2011/main" xmlns:a14="http://schemas.microsoft.com/office/drawing/2010/main" xmlns:m="http://schemas.openxmlformats.org/officeDocument/2006/math" xmlns="" val="1"/>
+              <ma14:wrappingTextBoxFlag xmlns="" xmlns:m="http://schemas.openxmlformats.org/officeDocument/2006/math" xmlns:a14="http://schemas.microsoft.com/office/drawing/2010/main" xmlns:ma14="http://schemas.microsoft.com/office/mac/drawingml/2011/main" val="1"/>
             </a:ext>
           </a:extLst>
         </p:spPr>
@@ -7034,73 +6370,23 @@
             </a:pPr>
             <a:r>
               <a:rPr lang="en-US" altLang="zh-TW" dirty="0"/>
-              <a:t>Advantages of </a:t>
+              <a:t>Model</a:t>
             </a:r>
             <a:r>
-              <a:rPr lang="en-US" altLang="zh-TW" dirty="0">
-                <a:solidFill>
-                  <a:schemeClr val="tx1">
-                    <a:lumMod val="75000"/>
-                  </a:schemeClr>
-                </a:solidFill>
-              </a:rPr>
-              <a:t>Decision Trees </a:t>
+              <a:rPr lang="zh-TW" altLang="en-US" dirty="0"/>
+              <a:t> </a:t>
             </a:r>
             <a:r>
               <a:rPr lang="en-US" altLang="zh-TW" dirty="0"/>
-              <a:t>in Fraud Detection: </a:t>
+              <a:t>used:Decision</a:t>
             </a:r>
-          </a:p>
-          <a:p>
-            <a:pPr marL="457200" lvl="2" indent="-457200">
-              <a:lnSpc>
-                <a:spcPts val="4500"/>
-              </a:lnSpc>
-              <a:buClr>
-                <a:srgbClr val="00599E"/>
-              </a:buClr>
-              <a:buSzPct val="100000"/>
-              <a:buFont typeface="Wingdings" panose="05000000000000000000" pitchFamily="2" charset="2"/>
-              <a:buChar char="Ø"/>
-              <a:defRPr sz="3000">
-                <a:solidFill>
-                  <a:srgbClr val="5A5F5E"/>
-                </a:solidFill>
-              </a:defRPr>
-            </a:pPr>
             <a:r>
-              <a:rPr lang="en-US" altLang="zh-TW" b="1" dirty="0"/>
-              <a:t>Easy to interpret</a:t>
+              <a:rPr lang="zh-TW" altLang="en-US" dirty="0"/>
+              <a:t> </a:t>
             </a:r>
             <a:r>
               <a:rPr lang="en-US" altLang="zh-TW" dirty="0"/>
-              <a:t>: Decision trees are based on a tree-like structure that can intuitively display the decision-making process, which is crucial for fraud detection. </a:t>
-            </a:r>
-          </a:p>
-          <a:p>
-            <a:pPr marL="457200" lvl="2" indent="-457200">
-              <a:lnSpc>
-                <a:spcPts val="4500"/>
-              </a:lnSpc>
-              <a:buClr>
-                <a:srgbClr val="00599E"/>
-              </a:buClr>
-              <a:buSzPct val="100000"/>
-              <a:buFont typeface="Wingdings" panose="05000000000000000000" pitchFamily="2" charset="2"/>
-              <a:buChar char="Ø"/>
-              <a:defRPr sz="3000">
-                <a:solidFill>
-                  <a:srgbClr val="5A5F5E"/>
-                </a:solidFill>
-              </a:defRPr>
-            </a:pPr>
-            <a:r>
-              <a:rPr lang="en-US" altLang="zh-TW" b="1" dirty="0"/>
-              <a:t>Ability to handle imbalanced data</a:t>
-            </a:r>
-            <a:r>
-              <a:rPr lang="en-US" altLang="zh-TW" dirty="0"/>
-              <a:t>: Decision trees can effectively handle missing values in the data and produce reasonable classification results for imbalanced datasets.</a:t>
+              <a:t>tree,RandomForest,XGBoost</a:t>
             </a:r>
           </a:p>
         </p:txBody>
@@ -7130,1605 +6416,489 @@
           </a:p>
         </p:txBody>
       </p:sp>
+      <p:graphicFrame>
+        <p:nvGraphicFramePr>
+          <p:cNvPr id="5" name="表格 4">
+            <a:extLst>
+              <a:ext uri="{FF2B5EF4-FFF2-40B4-BE49-F238E27FC236}">
+                <a16:creationId xmlns:a16="http://schemas.microsoft.com/office/drawing/2014/main" id="{EBA131A6-9AFE-99E7-D4FF-E1D787C962C9}"/>
+              </a:ext>
+            </a:extLst>
+          </p:cNvPr>
+          <p:cNvGraphicFramePr>
+            <a:graphicFrameLocks noGrp="1"/>
+          </p:cNvGraphicFramePr>
+          <p:nvPr>
+            <p:extLst>
+              <p:ext uri="{D42A27DB-BD31-4B8C-83A1-F6EECF244321}">
+                <p14:modId xmlns:p14="http://schemas.microsoft.com/office/powerpoint/2010/main" val="2207178000"/>
+              </p:ext>
+            </p:extLst>
+          </p:nvPr>
+        </p:nvGraphicFramePr>
+        <p:xfrm>
+          <a:off x="2094444" y="3117273"/>
+          <a:ext cx="8815912" cy="4522950"/>
+        </p:xfrm>
+        <a:graphic>
+          <a:graphicData uri="http://schemas.openxmlformats.org/drawingml/2006/table">
+            <a:tbl>
+              <a:tblPr firstRow="1" bandRow="1">
+                <a:tableStyleId>{5940675A-B579-460E-94D1-54222C63F5DA}</a:tableStyleId>
+              </a:tblPr>
+              <a:tblGrid>
+                <a:gridCol w="3813956">
+                  <a:extLst>
+                    <a:ext uri="{9D8B030D-6E8A-4147-A177-3AD203B41FA5}">
+                      <a16:colId xmlns:a16="http://schemas.microsoft.com/office/drawing/2014/main" val="4235680921"/>
+                    </a:ext>
+                  </a:extLst>
+                </a:gridCol>
+                <a:gridCol w="5001956">
+                  <a:extLst>
+                    <a:ext uri="{9D8B030D-6E8A-4147-A177-3AD203B41FA5}">
+                      <a16:colId xmlns:a16="http://schemas.microsoft.com/office/drawing/2014/main" val="1935622467"/>
+                    </a:ext>
+                  </a:extLst>
+                </a:gridCol>
+              </a:tblGrid>
+              <a:tr h="593917">
+                <a:tc>
+                  <a:txBody>
+                    <a:bodyPr/>
+                    <a:lstStyle/>
+                    <a:p>
+                      <a:r>
+                        <a:rPr lang="en-US" altLang="zh-TW" sz="2400"/>
+                        <a:t>Model</a:t>
+                      </a:r>
+                      <a:endParaRPr lang="zh-TW" altLang="en-US" sz="2400"/>
+                    </a:p>
+                  </a:txBody>
+                  <a:tcPr/>
+                </a:tc>
+                <a:tc>
+                  <a:txBody>
+                    <a:bodyPr/>
+                    <a:lstStyle/>
+                    <a:p>
+                      <a:r>
+                        <a:rPr lang="en-US" altLang="zh-TW" sz="2400"/>
+                        <a:t>Advantages</a:t>
+                      </a:r>
+                      <a:endParaRPr lang="zh-TW" altLang="en-US" sz="2400"/>
+                    </a:p>
+                  </a:txBody>
+                  <a:tcPr/>
+                </a:tc>
+                <a:extLst>
+                  <a:ext uri="{0D108BD9-81ED-4DB2-BD59-A6C34878D82A}">
+                    <a16:rowId xmlns:a16="http://schemas.microsoft.com/office/drawing/2014/main" val="1108979449"/>
+                  </a:ext>
+                </a:extLst>
+              </a:tr>
+              <a:tr h="1205739">
+                <a:tc>
+                  <a:txBody>
+                    <a:bodyPr/>
+                    <a:lstStyle/>
+                    <a:p>
+                      <a:r>
+                        <a:rPr lang="en-US" altLang="zh-TW" sz="2800">
+                          <a:solidFill>
+                            <a:schemeClr val="bg2"/>
+                          </a:solidFill>
+                        </a:rPr>
+                        <a:t>Decision</a:t>
+                      </a:r>
+                      <a:r>
+                        <a:rPr lang="zh-TW" altLang="en-US" sz="2800"/>
+                        <a:t> </a:t>
+                      </a:r>
+                      <a:r>
+                        <a:rPr lang="en-US" altLang="zh-TW" sz="2800">
+                          <a:solidFill>
+                            <a:schemeClr val="bg2"/>
+                          </a:solidFill>
+                        </a:rPr>
+                        <a:t>tree</a:t>
+                      </a:r>
+                      <a:endParaRPr lang="zh-TW" altLang="en-US" sz="2800">
+                        <a:solidFill>
+                          <a:schemeClr val="bg2"/>
+                        </a:solidFill>
+                      </a:endParaRPr>
+                    </a:p>
+                  </a:txBody>
+                  <a:tcPr anchor="ctr"/>
+                </a:tc>
+                <a:tc>
+                  <a:txBody>
+                    <a:bodyPr/>
+                    <a:lstStyle/>
+                    <a:p>
+                      <a:r>
+                        <a:rPr lang="en-US" altLang="zh-TW" sz="2000">
+                          <a:solidFill>
+                            <a:schemeClr val="accent3"/>
+                          </a:solidFill>
+                        </a:rPr>
+                        <a:t>Ability</a:t>
+                      </a:r>
+                      <a:r>
+                        <a:rPr lang="zh-TW" altLang="en-US" sz="2000">
+                          <a:solidFill>
+                            <a:schemeClr val="accent3"/>
+                          </a:solidFill>
+                        </a:rPr>
+                        <a:t> </a:t>
+                      </a:r>
+                      <a:r>
+                        <a:rPr lang="en-US" altLang="zh-TW" sz="2000">
+                          <a:solidFill>
+                            <a:schemeClr val="accent3"/>
+                          </a:solidFill>
+                        </a:rPr>
+                        <a:t>to</a:t>
+                      </a:r>
+                      <a:r>
+                        <a:rPr lang="zh-TW" altLang="en-US" sz="2000">
+                          <a:solidFill>
+                            <a:schemeClr val="accent3"/>
+                          </a:solidFill>
+                        </a:rPr>
+                        <a:t> </a:t>
+                      </a:r>
+                      <a:r>
+                        <a:rPr lang="en-US" altLang="zh-TW" sz="2000">
+                          <a:solidFill>
+                            <a:schemeClr val="accent3"/>
+                          </a:solidFill>
+                        </a:rPr>
+                        <a:t>handle</a:t>
+                      </a:r>
+                      <a:r>
+                        <a:rPr lang="zh-TW" altLang="en-US" sz="2000">
+                          <a:solidFill>
+                            <a:schemeClr val="accent3"/>
+                          </a:solidFill>
+                        </a:rPr>
+                        <a:t> </a:t>
+                      </a:r>
+                      <a:r>
+                        <a:rPr lang="en-US" altLang="zh-TW" sz="2000">
+                          <a:solidFill>
+                            <a:schemeClr val="accent3"/>
+                          </a:solidFill>
+                        </a:rPr>
+                        <a:t>imbalanced</a:t>
+                      </a:r>
+                      <a:r>
+                        <a:rPr lang="zh-TW" altLang="en-US" sz="2000">
+                          <a:solidFill>
+                            <a:schemeClr val="accent3"/>
+                          </a:solidFill>
+                        </a:rPr>
+                        <a:t> </a:t>
+                      </a:r>
+                      <a:r>
+                        <a:rPr lang="en-US" altLang="zh-TW" sz="2000">
+                          <a:solidFill>
+                            <a:schemeClr val="accent3"/>
+                          </a:solidFill>
+                        </a:rPr>
+                        <a:t>data</a:t>
+                      </a:r>
+                    </a:p>
+                    <a:p>
+                      <a:r>
+                        <a:rPr lang="en-US" altLang="zh-TW" sz="2000">
+                          <a:solidFill>
+                            <a:schemeClr val="accent3"/>
+                          </a:solidFill>
+                        </a:rPr>
+                        <a:t>Easy</a:t>
+                      </a:r>
+                      <a:r>
+                        <a:rPr lang="zh-TW" altLang="en-US" sz="2000">
+                          <a:solidFill>
+                            <a:schemeClr val="accent3"/>
+                          </a:solidFill>
+                        </a:rPr>
+                        <a:t> </a:t>
+                      </a:r>
+                      <a:r>
+                        <a:rPr lang="en-US" altLang="zh-TW" sz="2000">
+                          <a:solidFill>
+                            <a:schemeClr val="accent3"/>
+                          </a:solidFill>
+                        </a:rPr>
+                        <a:t>to</a:t>
+                      </a:r>
+                      <a:r>
+                        <a:rPr lang="zh-TW" altLang="en-US" sz="2000">
+                          <a:solidFill>
+                            <a:schemeClr val="accent3"/>
+                          </a:solidFill>
+                        </a:rPr>
+                        <a:t> </a:t>
+                      </a:r>
+                      <a:r>
+                        <a:rPr lang="en-US" altLang="zh-TW" sz="2000">
+                          <a:solidFill>
+                            <a:schemeClr val="accent3"/>
+                          </a:solidFill>
+                        </a:rPr>
+                        <a:t>interpret</a:t>
+                      </a:r>
+                    </a:p>
+                  </a:txBody>
+                  <a:tcPr anchor="ctr"/>
+                </a:tc>
+                <a:extLst>
+                  <a:ext uri="{0D108BD9-81ED-4DB2-BD59-A6C34878D82A}">
+                    <a16:rowId xmlns:a16="http://schemas.microsoft.com/office/drawing/2014/main" val="1720631267"/>
+                  </a:ext>
+                </a:extLst>
+              </a:tr>
+              <a:tr h="1361647">
+                <a:tc>
+                  <a:txBody>
+                    <a:bodyPr/>
+                    <a:lstStyle/>
+                    <a:p>
+                      <a:r>
+                        <a:rPr lang="en-US" altLang="zh-TW" sz="2800">
+                          <a:solidFill>
+                            <a:schemeClr val="bg2"/>
+                          </a:solidFill>
+                        </a:rPr>
+                        <a:t>RandomForest</a:t>
+                      </a:r>
+                      <a:endParaRPr lang="zh-TW" altLang="en-US" sz="2800">
+                        <a:solidFill>
+                          <a:schemeClr val="bg2"/>
+                        </a:solidFill>
+                      </a:endParaRPr>
+                    </a:p>
+                  </a:txBody>
+                  <a:tcPr anchor="ctr"/>
+                </a:tc>
+                <a:tc>
+                  <a:txBody>
+                    <a:bodyPr/>
+                    <a:lstStyle/>
+                    <a:p>
+                      <a:r>
+                        <a:rPr lang="en-US" altLang="zh-TW" sz="2000">
+                          <a:solidFill>
+                            <a:schemeClr val="accent3"/>
+                          </a:solidFill>
+                        </a:rPr>
+                        <a:t>Anti-overfitting</a:t>
+                      </a:r>
+                    </a:p>
+                    <a:p>
+                      <a:r>
+                        <a:rPr lang="en-US" altLang="zh-TW" sz="2000">
+                          <a:solidFill>
+                            <a:schemeClr val="accent3"/>
+                          </a:solidFill>
+                        </a:rPr>
+                        <a:t>Training</a:t>
+                      </a:r>
+                      <a:r>
+                        <a:rPr lang="zh-TW" altLang="en-US" sz="2000">
+                          <a:solidFill>
+                            <a:schemeClr val="accent3"/>
+                          </a:solidFill>
+                        </a:rPr>
+                        <a:t> </a:t>
+                      </a:r>
+                      <a:r>
+                        <a:rPr lang="en-US" altLang="zh-TW" sz="2000">
+                          <a:solidFill>
+                            <a:schemeClr val="accent3"/>
+                          </a:solidFill>
+                        </a:rPr>
+                        <a:t>well</a:t>
+                      </a:r>
+                      <a:r>
+                        <a:rPr lang="zh-TW" altLang="en-US" sz="2000">
+                          <a:solidFill>
+                            <a:schemeClr val="accent3"/>
+                          </a:solidFill>
+                        </a:rPr>
+                        <a:t> </a:t>
+                      </a:r>
+                      <a:r>
+                        <a:rPr lang="en-US" altLang="zh-TW" sz="2000">
+                          <a:solidFill>
+                            <a:schemeClr val="accent3"/>
+                          </a:solidFill>
+                        </a:rPr>
+                        <a:t>for</a:t>
+                      </a:r>
+                      <a:r>
+                        <a:rPr lang="zh-TW" altLang="en-US" sz="2000">
+                          <a:solidFill>
+                            <a:schemeClr val="accent3"/>
+                          </a:solidFill>
+                        </a:rPr>
+                        <a:t> </a:t>
+                      </a:r>
+                      <a:r>
+                        <a:rPr lang="en-US" altLang="zh-TW" sz="2000">
+                          <a:solidFill>
+                            <a:schemeClr val="accent3"/>
+                          </a:solidFill>
+                        </a:rPr>
+                        <a:t>high-dimensional</a:t>
+                      </a:r>
+                      <a:r>
+                        <a:rPr lang="zh-TW" altLang="en-US" sz="2000">
+                          <a:solidFill>
+                            <a:schemeClr val="accent3"/>
+                          </a:solidFill>
+                        </a:rPr>
+                        <a:t> </a:t>
+                      </a:r>
+                      <a:r>
+                        <a:rPr lang="en-US" altLang="zh-TW" sz="2000">
+                          <a:solidFill>
+                            <a:schemeClr val="accent3"/>
+                          </a:solidFill>
+                        </a:rPr>
+                        <a:t>data</a:t>
+                      </a:r>
+                      <a:endParaRPr lang="zh-TW" altLang="en-US" sz="2000">
+                        <a:solidFill>
+                          <a:schemeClr val="accent3"/>
+                        </a:solidFill>
+                      </a:endParaRPr>
+                    </a:p>
+                  </a:txBody>
+                  <a:tcPr anchor="ctr"/>
+                </a:tc>
+                <a:extLst>
+                  <a:ext uri="{0D108BD9-81ED-4DB2-BD59-A6C34878D82A}">
+                    <a16:rowId xmlns:a16="http://schemas.microsoft.com/office/drawing/2014/main" val="2647499627"/>
+                  </a:ext>
+                </a:extLst>
+              </a:tr>
+              <a:tr h="1361647">
+                <a:tc>
+                  <a:txBody>
+                    <a:bodyPr/>
+                    <a:lstStyle/>
+                    <a:p>
+                      <a:r>
+                        <a:rPr lang="en-US" altLang="zh-TW" sz="2800">
+                          <a:solidFill>
+                            <a:schemeClr val="bg2"/>
+                          </a:solidFill>
+                        </a:rPr>
+                        <a:t>XGBoost</a:t>
+                      </a:r>
+                      <a:endParaRPr lang="zh-TW" altLang="en-US" sz="2800">
+                        <a:solidFill>
+                          <a:schemeClr val="bg2"/>
+                        </a:solidFill>
+                      </a:endParaRPr>
+                    </a:p>
+                  </a:txBody>
+                  <a:tcPr anchor="ctr"/>
+                </a:tc>
+                <a:tc>
+                  <a:txBody>
+                    <a:bodyPr/>
+                    <a:lstStyle/>
+                    <a:p>
+                      <a:r>
+                        <a:rPr lang="en-US" altLang="zh-TW" sz="2000" u="none">
+                          <a:solidFill>
+                            <a:schemeClr val="accent3"/>
+                          </a:solidFill>
+                        </a:rPr>
+                        <a:t>High</a:t>
+                      </a:r>
+                      <a:r>
+                        <a:rPr lang="zh-TW" altLang="en-US" sz="2000" u="none">
+                          <a:solidFill>
+                            <a:schemeClr val="accent3"/>
+                          </a:solidFill>
+                        </a:rPr>
+                        <a:t> </a:t>
+                      </a:r>
+                      <a:r>
+                        <a:rPr lang="en-US" altLang="zh-TW" sz="2000" u="none">
+                          <a:solidFill>
+                            <a:schemeClr val="accent3"/>
+                          </a:solidFill>
+                        </a:rPr>
+                        <a:t>accuracy</a:t>
+                      </a:r>
+                    </a:p>
+                    <a:p>
+                      <a:r>
+                        <a:rPr lang="en-US" altLang="zh-TW" sz="2000" u="none">
+                          <a:solidFill>
+                            <a:schemeClr val="accent3"/>
+                          </a:solidFill>
+                        </a:rPr>
+                        <a:t>Fast</a:t>
+                      </a:r>
+                      <a:r>
+                        <a:rPr lang="zh-TW" altLang="en-US" sz="2000" u="none">
+                          <a:solidFill>
+                            <a:schemeClr val="accent3"/>
+                          </a:solidFill>
+                        </a:rPr>
+                        <a:t> </a:t>
+                      </a:r>
+                      <a:r>
+                        <a:rPr lang="en-US" altLang="zh-TW" sz="2000" u="none">
+                          <a:solidFill>
+                            <a:schemeClr val="accent3"/>
+                          </a:solidFill>
+                        </a:rPr>
+                        <a:t>computation</a:t>
+                      </a:r>
+                    </a:p>
+                    <a:p>
+                      <a:r>
+                        <a:rPr lang="en-US" altLang="zh-TW" sz="2000" u="none">
+                          <a:solidFill>
+                            <a:schemeClr val="accent3"/>
+                          </a:solidFill>
+                        </a:rPr>
+                        <a:t>Ability to handle imbalanced data</a:t>
+                      </a:r>
+                      <a:endParaRPr lang="zh-TW" altLang="en-US" sz="2000" u="none">
+                        <a:solidFill>
+                          <a:schemeClr val="accent3"/>
+                        </a:solidFill>
+                      </a:endParaRPr>
+                    </a:p>
+                  </a:txBody>
+                  <a:tcPr anchor="ctr"/>
+                </a:tc>
+                <a:extLst>
+                  <a:ext uri="{0D108BD9-81ED-4DB2-BD59-A6C34878D82A}">
+                    <a16:rowId xmlns:a16="http://schemas.microsoft.com/office/drawing/2014/main" val="2992994627"/>
+                  </a:ext>
+                </a:extLst>
+              </a:tr>
+            </a:tbl>
+          </a:graphicData>
+        </a:graphic>
+      </p:graphicFrame>
     </p:spTree>
     <p:extLst>
       <p:ext uri="{BB962C8B-B14F-4D97-AF65-F5344CB8AC3E}">
         <p14:creationId xmlns:p14="http://schemas.microsoft.com/office/powerpoint/2010/main" val="1256134999"/>
       </p:ext>
     </p:extLst>
-  </p:cSld>
-  <p:clrMapOvr>
-    <a:masterClrMapping/>
-  </p:clrMapOvr>
-  <p:transition spd="med"/>
-</p:sld>
-</file>
-
-<file path=ppt/slides/slide4.xml><?xml version="1.0" encoding="utf-8"?>
-<p:sld xmlns:a="http://schemas.openxmlformats.org/drawingml/2006/main" xmlns:r="http://schemas.openxmlformats.org/officeDocument/2006/relationships" xmlns:p="http://schemas.openxmlformats.org/presentationml/2006/main">
-  <p:cSld>
-    <p:spTree>
-      <p:nvGrpSpPr>
-        <p:cNvPr id="1" name=""/>
-        <p:cNvGrpSpPr/>
-        <p:nvPr/>
-      </p:nvGrpSpPr>
-      <p:grpSpPr>
-        <a:xfrm>
-          <a:off x="0" y="0"/>
-          <a:ext cx="0" cy="0"/>
-          <a:chOff x="0" y="0"/>
-          <a:chExt cx="0" cy="0"/>
-        </a:xfrm>
-      </p:grpSpPr>
-      <p:sp>
-        <p:nvSpPr>
-          <p:cNvPr id="78" name="IDA Template"/>
-          <p:cNvSpPr txBox="1">
-            <a:spLocks noGrp="1"/>
-          </p:cNvSpPr>
-          <p:nvPr>
-            <p:ph type="body" idx="21"/>
-          </p:nvPr>
-        </p:nvSpPr>
-        <p:spPr>
-          <a:prstGeom prst="rect">
-            <a:avLst/>
-          </a:prstGeom>
-        </p:spPr>
-        <p:txBody>
-          <a:bodyPr/>
-          <a:lstStyle/>
-          <a:p>
-            <a:r>
-              <a:t>IDA Template</a:t>
-            </a:r>
-          </a:p>
-        </p:txBody>
-      </p:sp>
-      <p:sp>
-        <p:nvSpPr>
-          <p:cNvPr id="79" name="Motivation ✓…"/>
-          <p:cNvSpPr txBox="1">
-            <a:spLocks noGrp="1"/>
-          </p:cNvSpPr>
-          <p:nvPr>
-            <p:ph type="body" idx="22"/>
-          </p:nvPr>
-        </p:nvSpPr>
-        <p:spPr>
-          <a:xfrm>
-            <a:off x="761999" y="1581811"/>
-            <a:ext cx="11467783" cy="1228024"/>
-          </a:xfrm>
-          <a:prstGeom prst="rect">
-            <a:avLst/>
-          </a:prstGeom>
-          <a:extLst>
-            <a:ext uri="{C572A759-6A51-4108-AA02-DFA0A04FC94B}">
-              <ma14:wrappingTextBoxFlag xmlns:ma14="http://schemas.microsoft.com/office/mac/drawingml/2011/main" xmlns:a14="http://schemas.microsoft.com/office/drawing/2010/main" xmlns:m="http://schemas.openxmlformats.org/officeDocument/2006/math" xmlns="" val="1"/>
-            </a:ext>
-          </a:extLst>
-        </p:spPr>
-        <p:txBody>
-          <a:bodyPr/>
-          <a:lstStyle/>
-          <a:p>
-            <a:pPr marL="444500" indent="-444500">
-              <a:lnSpc>
-                <a:spcPct val="150000"/>
-              </a:lnSpc>
-              <a:buClr>
-                <a:srgbClr val="5A5F5E"/>
-              </a:buClr>
-              <a:buSzPct val="100000"/>
-              <a:buAutoNum type="arabicPeriod"/>
-              <a:defRPr sz="3000">
-                <a:solidFill>
-                  <a:srgbClr val="5A5F5E"/>
-                </a:solidFill>
-              </a:defRPr>
-            </a:pPr>
-            <a:r>
-              <a:t>Motivation </a:t>
-            </a:r>
-            <a:r>
-              <a:rPr>
-                <a:latin typeface="Lucida Grande"/>
-                <a:ea typeface="Lucida Grande"/>
-                <a:cs typeface="Lucida Grande"/>
-                <a:sym typeface="Lucida Grande"/>
-              </a:rPr>
-              <a:t>✓</a:t>
-            </a:r>
-          </a:p>
-          <a:p>
-            <a:pPr marL="444500" indent="-444500">
-              <a:lnSpc>
-                <a:spcPct val="150000"/>
-              </a:lnSpc>
-              <a:buClr>
-                <a:srgbClr val="5A5F5E"/>
-              </a:buClr>
-              <a:buSzPct val="100000"/>
-              <a:buAutoNum type="arabicPeriod"/>
-              <a:defRPr sz="3000">
-                <a:solidFill>
-                  <a:srgbClr val="5A5F5E"/>
-                </a:solidFill>
-              </a:defRPr>
-            </a:pPr>
-            <a:r>
-              <a:t>Styleguide</a:t>
-            </a:r>
-          </a:p>
-        </p:txBody>
-      </p:sp>
-    </p:spTree>
-  </p:cSld>
-  <p:clrMapOvr>
-    <a:masterClrMapping/>
-  </p:clrMapOvr>
-  <p:transition spd="med"/>
-</p:sld>
-</file>
-
-<file path=ppt/slides/slide5.xml><?xml version="1.0" encoding="utf-8"?>
-<p:sld xmlns:a="http://schemas.openxmlformats.org/drawingml/2006/main" xmlns:r="http://schemas.openxmlformats.org/officeDocument/2006/relationships" xmlns:p="http://schemas.openxmlformats.org/presentationml/2006/main">
-  <p:cSld>
-    <p:spTree>
-      <p:nvGrpSpPr>
-        <p:cNvPr id="1" name=""/>
-        <p:cNvGrpSpPr/>
-        <p:nvPr/>
-      </p:nvGrpSpPr>
-      <p:grpSpPr>
-        <a:xfrm>
-          <a:off x="0" y="0"/>
-          <a:ext cx="0" cy="0"/>
-          <a:chOff x="0" y="0"/>
-          <a:chExt cx="0" cy="0"/>
-        </a:xfrm>
-      </p:grpSpPr>
-      <p:sp>
-        <p:nvSpPr>
-          <p:cNvPr id="81" name="幻燈片編號"/>
-          <p:cNvSpPr txBox="1">
-            <a:spLocks noGrp="1"/>
-          </p:cNvSpPr>
-          <p:nvPr>
-            <p:ph type="sldNum" sz="quarter" idx="2"/>
-          </p:nvPr>
-        </p:nvSpPr>
-        <p:spPr>
-          <a:prstGeom prst="rect">
-            <a:avLst/>
-          </a:prstGeom>
-          <a:extLst>
-            <a:ext uri="{C572A759-6A51-4108-AA02-DFA0A04FC94B}">
-              <ma14:wrappingTextBoxFlag xmlns:ma14="http://schemas.microsoft.com/office/mac/drawingml/2011/main" xmlns:a14="http://schemas.microsoft.com/office/drawing/2010/main" xmlns:m="http://schemas.openxmlformats.org/officeDocument/2006/math" xmlns="" val="1"/>
-            </a:ext>
-          </a:extLst>
-        </p:spPr>
-        <p:txBody>
-          <a:bodyPr>
-            <a:normAutofit lnSpcReduction="10000"/>
-          </a:bodyPr>
-          <a:lstStyle/>
-          <a:p>
-            <a:fld id="{86CB4B4D-7CA3-9044-876B-883B54F8677D}" type="slidenum">
-              <a:t>5</a:t>
-            </a:fld>
-            <a:endParaRPr/>
-          </a:p>
-        </p:txBody>
-      </p:sp>
-      <p:sp>
-        <p:nvSpPr>
-          <p:cNvPr id="82" name="Section Title"/>
-          <p:cNvSpPr txBox="1">
-            <a:spLocks noGrp="1"/>
-          </p:cNvSpPr>
-          <p:nvPr>
-            <p:ph type="body" idx="21"/>
-          </p:nvPr>
-        </p:nvSpPr>
-        <p:spPr>
-          <a:prstGeom prst="rect">
-            <a:avLst/>
-          </a:prstGeom>
-        </p:spPr>
-        <p:txBody>
-          <a:bodyPr/>
-          <a:lstStyle/>
-          <a:p>
-            <a:r>
-              <a:t>Section Title</a:t>
-            </a:r>
-          </a:p>
-        </p:txBody>
-      </p:sp>
-      <p:sp>
-        <p:nvSpPr>
-          <p:cNvPr id="83" name="Slide Title"/>
-          <p:cNvSpPr txBox="1">
-            <a:spLocks noGrp="1"/>
-          </p:cNvSpPr>
-          <p:nvPr>
-            <p:ph type="body" idx="22"/>
-          </p:nvPr>
-        </p:nvSpPr>
-        <p:spPr>
-          <a:prstGeom prst="rect">
-            <a:avLst/>
-          </a:prstGeom>
-        </p:spPr>
-        <p:txBody>
-          <a:bodyPr>
-            <a:normAutofit lnSpcReduction="10000"/>
-          </a:bodyPr>
-          <a:lstStyle/>
-          <a:p>
-            <a:r>
-              <a:t>Slide Title</a:t>
-            </a:r>
-          </a:p>
-        </p:txBody>
-      </p:sp>
-      <p:sp>
-        <p:nvSpPr>
-          <p:cNvPr id="84" name="Use…"/>
-          <p:cNvSpPr txBox="1">
-            <a:spLocks noGrp="1"/>
-          </p:cNvSpPr>
-          <p:nvPr>
-            <p:ph type="body" idx="23"/>
-          </p:nvPr>
-        </p:nvSpPr>
-        <p:spPr>
-          <a:prstGeom prst="rect">
-            <a:avLst/>
-          </a:prstGeom>
-        </p:spPr>
-        <p:txBody>
-          <a:bodyPr/>
-          <a:lstStyle/>
-          <a:p>
-            <a:pPr marL="444500" indent="-444500">
-              <a:lnSpc>
-                <a:spcPts val="4500"/>
-              </a:lnSpc>
-              <a:buClr>
-                <a:srgbClr val="00599E"/>
-              </a:buClr>
-              <a:buSzPct val="100000"/>
-              <a:buChar char="⊡"/>
-              <a:defRPr sz="3000">
-                <a:solidFill>
-                  <a:srgbClr val="5A5F5E"/>
-                </a:solidFill>
-              </a:defRPr>
-            </a:pPr>
-            <a:r>
-              <a:t>Use</a:t>
-            </a:r>
-          </a:p>
-          <a:p>
-            <a:pPr marL="444500" indent="-444500">
-              <a:lnSpc>
-                <a:spcPts val="4500"/>
-              </a:lnSpc>
-              <a:buClr>
-                <a:srgbClr val="00599E"/>
-              </a:buClr>
-              <a:buSzPct val="100000"/>
-              <a:buChar char="⊡"/>
-              <a:defRPr sz="3000">
-                <a:solidFill>
-                  <a:srgbClr val="5A5F5E"/>
-                </a:solidFill>
-              </a:defRPr>
-            </a:pPr>
-            <a:r>
-              <a:t>All</a:t>
-            </a:r>
-          </a:p>
-          <a:p>
-            <a:pPr marL="889000" lvl="1" indent="-444500">
-              <a:lnSpc>
-                <a:spcPts val="4500"/>
-              </a:lnSpc>
-              <a:buClr>
-                <a:srgbClr val="00599E"/>
-              </a:buClr>
-              <a:buSzPct val="80000"/>
-              <a:buChar char="►"/>
-              <a:defRPr sz="3000">
-                <a:solidFill>
-                  <a:srgbClr val="5A5F5E"/>
-                </a:solidFill>
-              </a:defRPr>
-            </a:pPr>
-            <a:r>
-              <a:t>w2</a:t>
-            </a:r>
-          </a:p>
-          <a:p>
-            <a:pPr marL="889000" lvl="1" indent="-444500">
-              <a:lnSpc>
-                <a:spcPts val="4500"/>
-              </a:lnSpc>
-              <a:buClr>
-                <a:srgbClr val="00599E"/>
-              </a:buClr>
-              <a:buSzPct val="80000"/>
-              <a:buChar char="►"/>
-              <a:defRPr sz="3000">
-                <a:solidFill>
-                  <a:srgbClr val="5A5F5E"/>
-                </a:solidFill>
-              </a:defRPr>
-            </a:pPr>
-            <a:r>
-              <a:t>w3</a:t>
-            </a:r>
-          </a:p>
-        </p:txBody>
-      </p:sp>
-      <p:sp>
-        <p:nvSpPr>
-          <p:cNvPr id="85" name="Title"/>
-          <p:cNvSpPr txBox="1">
-            <a:spLocks noGrp="1"/>
-          </p:cNvSpPr>
-          <p:nvPr>
-            <p:ph type="body" idx="24"/>
-          </p:nvPr>
-        </p:nvSpPr>
-        <p:spPr>
-          <a:prstGeom prst="rect">
-            <a:avLst/>
-          </a:prstGeom>
-        </p:spPr>
-        <p:txBody>
-          <a:bodyPr/>
-          <a:lstStyle/>
-          <a:p>
-            <a:r>
-              <a:t>Title</a:t>
-            </a:r>
-          </a:p>
-        </p:txBody>
-      </p:sp>
-    </p:spTree>
-  </p:cSld>
-  <p:clrMapOvr>
-    <a:masterClrMapping/>
-  </p:clrMapOvr>
-  <p:transition spd="med"/>
-</p:sld>
-</file>
-
-<file path=ppt/slides/slide6.xml><?xml version="1.0" encoding="utf-8"?>
-<p:sld xmlns:a="http://schemas.openxmlformats.org/drawingml/2006/main" xmlns:r="http://schemas.openxmlformats.org/officeDocument/2006/relationships" xmlns:p="http://schemas.openxmlformats.org/presentationml/2006/main">
-  <p:cSld>
-    <p:spTree>
-      <p:nvGrpSpPr>
-        <p:cNvPr id="1" name=""/>
-        <p:cNvGrpSpPr/>
-        <p:nvPr/>
-      </p:nvGrpSpPr>
-      <p:grpSpPr>
-        <a:xfrm>
-          <a:off x="0" y="0"/>
-          <a:ext cx="0" cy="0"/>
-          <a:chOff x="0" y="0"/>
-          <a:chExt cx="0" cy="0"/>
-        </a:xfrm>
-      </p:grpSpPr>
-      <p:sp>
-        <p:nvSpPr>
-          <p:cNvPr id="87" name="幻燈片編號"/>
-          <p:cNvSpPr txBox="1">
-            <a:spLocks noGrp="1"/>
-          </p:cNvSpPr>
-          <p:nvPr>
-            <p:ph type="sldNum" sz="quarter" idx="2"/>
-          </p:nvPr>
-        </p:nvSpPr>
-        <p:spPr>
-          <a:prstGeom prst="rect">
-            <a:avLst/>
-          </a:prstGeom>
-          <a:extLst>
-            <a:ext uri="{C572A759-6A51-4108-AA02-DFA0A04FC94B}">
-              <ma14:wrappingTextBoxFlag xmlns:ma14="http://schemas.microsoft.com/office/mac/drawingml/2011/main" xmlns:a14="http://schemas.microsoft.com/office/drawing/2010/main" xmlns:m="http://schemas.openxmlformats.org/officeDocument/2006/math" xmlns="" val="1"/>
-            </a:ext>
-          </a:extLst>
-        </p:spPr>
-        <p:txBody>
-          <a:bodyPr>
-            <a:normAutofit lnSpcReduction="10000"/>
-          </a:bodyPr>
-          <a:lstStyle/>
-          <a:p>
-            <a:fld id="{86CB4B4D-7CA3-9044-876B-883B54F8677D}" type="slidenum">
-              <a:t>6</a:t>
-            </a:fld>
-            <a:endParaRPr/>
-          </a:p>
-        </p:txBody>
-      </p:sp>
-      <p:sp>
-        <p:nvSpPr>
-          <p:cNvPr id="88" name="Styleguide"/>
-          <p:cNvSpPr txBox="1">
-            <a:spLocks noGrp="1"/>
-          </p:cNvSpPr>
-          <p:nvPr>
-            <p:ph type="body" idx="21"/>
-          </p:nvPr>
-        </p:nvSpPr>
-        <p:spPr>
-          <a:prstGeom prst="rect">
-            <a:avLst/>
-          </a:prstGeom>
-        </p:spPr>
-        <p:txBody>
-          <a:bodyPr/>
-          <a:lstStyle/>
-          <a:p>
-            <a:r>
-              <a:t>Styleguide</a:t>
-            </a:r>
-          </a:p>
-        </p:txBody>
-      </p:sp>
-      <p:sp>
-        <p:nvSpPr>
-          <p:cNvPr id="89" name="Logo and Links to Quantinar Courselets"/>
-          <p:cNvSpPr txBox="1">
-            <a:spLocks noGrp="1"/>
-          </p:cNvSpPr>
-          <p:nvPr>
-            <p:ph type="body" idx="22"/>
-          </p:nvPr>
-        </p:nvSpPr>
-        <p:spPr>
-          <a:prstGeom prst="rect">
-            <a:avLst/>
-          </a:prstGeom>
-        </p:spPr>
-        <p:txBody>
-          <a:bodyPr>
-            <a:normAutofit lnSpcReduction="10000"/>
-          </a:bodyPr>
-          <a:lstStyle/>
-          <a:p>
-            <a:r>
-              <a:t>Logo and Links to Quantinar Courselets</a:t>
-            </a:r>
-          </a:p>
-        </p:txBody>
-      </p:sp>
-      <p:sp>
-        <p:nvSpPr>
-          <p:cNvPr id="90" name="IDA Template"/>
-          <p:cNvSpPr txBox="1">
-            <a:spLocks noGrp="1"/>
-          </p:cNvSpPr>
-          <p:nvPr>
-            <p:ph type="body" idx="24"/>
-          </p:nvPr>
-        </p:nvSpPr>
-        <p:spPr>
-          <a:prstGeom prst="rect">
-            <a:avLst/>
-          </a:prstGeom>
-        </p:spPr>
-        <p:txBody>
-          <a:bodyPr/>
-          <a:lstStyle/>
-          <a:p>
-            <a:r>
-              <a:t>IDA Template</a:t>
-            </a:r>
-          </a:p>
-        </p:txBody>
-      </p:sp>
-      <p:sp>
-        <p:nvSpPr>
-          <p:cNvPr id="91" name="Use Quantinar icon and name as source"/>
-          <p:cNvSpPr txBox="1"/>
-          <p:nvPr/>
-        </p:nvSpPr>
-        <p:spPr>
-          <a:xfrm>
-            <a:off x="667478" y="2124894"/>
-            <a:ext cx="11467783" cy="639953"/>
-          </a:xfrm>
-          <a:prstGeom prst="rect">
-            <a:avLst/>
-          </a:prstGeom>
-          <a:ln w="12700">
-            <a:miter lim="400000"/>
-          </a:ln>
-          <a:extLst>
-            <a:ext uri="{C572A759-6A51-4108-AA02-DFA0A04FC94B}">
-              <ma14:wrappingTextBoxFlag xmlns:ma14="http://schemas.microsoft.com/office/mac/drawingml/2011/main" xmlns:a14="http://schemas.microsoft.com/office/drawing/2010/main" xmlns:m="http://schemas.openxmlformats.org/officeDocument/2006/math" xmlns="" val="1"/>
-            </a:ext>
-          </a:extLst>
-        </p:spPr>
-        <p:txBody>
-          <a:bodyPr lIns="50800" tIns="50800" rIns="50800" bIns="50800">
-            <a:spAutoFit/>
-          </a:bodyPr>
-          <a:lstStyle>
-            <a:lvl1pPr marL="444500" indent="-444500">
-              <a:lnSpc>
-                <a:spcPts val="4500"/>
-              </a:lnSpc>
-              <a:buClr>
-                <a:srgbClr val="00599E"/>
-              </a:buClr>
-              <a:buSzPct val="100000"/>
-              <a:buChar char="⊡"/>
-              <a:defRPr sz="3000">
-                <a:solidFill>
-                  <a:srgbClr val="5A5F5E"/>
-                </a:solidFill>
-              </a:defRPr>
-            </a:lvl1pPr>
-          </a:lstStyle>
-          <a:p>
-            <a:r>
-              <a:t>Use Quantinar icon and name as source</a:t>
-            </a:r>
-          </a:p>
-        </p:txBody>
-      </p:sp>
-      <p:pic>
-        <p:nvPicPr>
-          <p:cNvPr id="92" name="pasted-movie.png" descr="pasted-movie.png"/>
-          <p:cNvPicPr>
-            <a:picLocks noChangeAspect="1"/>
-          </p:cNvPicPr>
-          <p:nvPr/>
-        </p:nvPicPr>
-        <p:blipFill>
-          <a:blip r:embed="rId2"/>
-          <a:stretch>
-            <a:fillRect/>
-          </a:stretch>
-        </p:blipFill>
-        <p:spPr>
-          <a:xfrm>
-            <a:off x="7988300" y="1868537"/>
-            <a:ext cx="1152666" cy="1152667"/>
-          </a:xfrm>
-          <a:prstGeom prst="rect">
-            <a:avLst/>
-          </a:prstGeom>
-          <a:ln w="12700">
-            <a:miter lim="400000"/>
-          </a:ln>
-        </p:spPr>
-      </p:pic>
-    </p:spTree>
-  </p:cSld>
-  <p:clrMapOvr>
-    <a:masterClrMapping/>
-  </p:clrMapOvr>
-  <p:transition spd="med"/>
-</p:sld>
-</file>
-
-<file path=ppt/slides/slide7.xml><?xml version="1.0" encoding="utf-8"?>
-<p:sld xmlns:a="http://schemas.openxmlformats.org/drawingml/2006/main" xmlns:r="http://schemas.openxmlformats.org/officeDocument/2006/relationships" xmlns:p="http://schemas.openxmlformats.org/presentationml/2006/main">
-  <p:cSld>
-    <p:spTree>
-      <p:nvGrpSpPr>
-        <p:cNvPr id="1" name=""/>
-        <p:cNvGrpSpPr/>
-        <p:nvPr/>
-      </p:nvGrpSpPr>
-      <p:grpSpPr>
-        <a:xfrm>
-          <a:off x="0" y="0"/>
-          <a:ext cx="0" cy="0"/>
-          <a:chOff x="0" y="0"/>
-          <a:chExt cx="0" cy="0"/>
-        </a:xfrm>
-      </p:grpSpPr>
-      <p:sp>
-        <p:nvSpPr>
-          <p:cNvPr id="94" name="幻燈片編號"/>
-          <p:cNvSpPr txBox="1">
-            <a:spLocks noGrp="1"/>
-          </p:cNvSpPr>
-          <p:nvPr>
-            <p:ph type="sldNum" sz="quarter" idx="2"/>
-          </p:nvPr>
-        </p:nvSpPr>
-        <p:spPr>
-          <a:prstGeom prst="rect">
-            <a:avLst/>
-          </a:prstGeom>
-          <a:extLst>
-            <a:ext uri="{C572A759-6A51-4108-AA02-DFA0A04FC94B}">
-              <ma14:wrappingTextBoxFlag xmlns:ma14="http://schemas.microsoft.com/office/mac/drawingml/2011/main" xmlns:a14="http://schemas.microsoft.com/office/drawing/2010/main" xmlns:m="http://schemas.openxmlformats.org/officeDocument/2006/math" xmlns="" val="1"/>
-            </a:ext>
-          </a:extLst>
-        </p:spPr>
-        <p:txBody>
-          <a:bodyPr>
-            <a:normAutofit lnSpcReduction="10000"/>
-          </a:bodyPr>
-          <a:lstStyle/>
-          <a:p>
-            <a:fld id="{86CB4B4D-7CA3-9044-876B-883B54F8677D}" type="slidenum">
-              <a:t>7</a:t>
-            </a:fld>
-            <a:endParaRPr/>
-          </a:p>
-        </p:txBody>
-      </p:sp>
-      <p:sp>
-        <p:nvSpPr>
-          <p:cNvPr id="95" name="Styleguide"/>
-          <p:cNvSpPr txBox="1">
-            <a:spLocks noGrp="1"/>
-          </p:cNvSpPr>
-          <p:nvPr>
-            <p:ph type="body" idx="21"/>
-          </p:nvPr>
-        </p:nvSpPr>
-        <p:spPr>
-          <a:prstGeom prst="rect">
-            <a:avLst/>
-          </a:prstGeom>
-        </p:spPr>
-        <p:txBody>
-          <a:bodyPr/>
-          <a:lstStyle/>
-          <a:p>
-            <a:r>
-              <a:t>Styleguide</a:t>
-            </a:r>
-          </a:p>
-        </p:txBody>
-      </p:sp>
-      <p:sp>
-        <p:nvSpPr>
-          <p:cNvPr id="96" name="Logo and Links to Quantlet/GitHub"/>
-          <p:cNvSpPr txBox="1">
-            <a:spLocks noGrp="1"/>
-          </p:cNvSpPr>
-          <p:nvPr>
-            <p:ph type="body" idx="22"/>
-          </p:nvPr>
-        </p:nvSpPr>
-        <p:spPr>
-          <a:prstGeom prst="rect">
-            <a:avLst/>
-          </a:prstGeom>
-        </p:spPr>
-        <p:txBody>
-          <a:bodyPr>
-            <a:normAutofit lnSpcReduction="10000"/>
-          </a:bodyPr>
-          <a:lstStyle/>
-          <a:p>
-            <a:r>
-              <a:t>Logo and Links to Quantlet/GitHub</a:t>
-            </a:r>
-          </a:p>
-        </p:txBody>
-      </p:sp>
-      <p:sp>
-        <p:nvSpPr>
-          <p:cNvPr id="97" name="IDA Template"/>
-          <p:cNvSpPr txBox="1">
-            <a:spLocks noGrp="1"/>
-          </p:cNvSpPr>
-          <p:nvPr>
-            <p:ph type="body" idx="24"/>
-          </p:nvPr>
-        </p:nvSpPr>
-        <p:spPr>
-          <a:prstGeom prst="rect">
-            <a:avLst/>
-          </a:prstGeom>
-        </p:spPr>
-        <p:txBody>
-          <a:bodyPr/>
-          <a:lstStyle/>
-          <a:p>
-            <a:r>
-              <a:t>IDA Template</a:t>
-            </a:r>
-          </a:p>
-        </p:txBody>
-      </p:sp>
-      <p:sp>
-        <p:nvSpPr>
-          <p:cNvPr id="98" name="Use Quantlet icon and name as source…"/>
-          <p:cNvSpPr txBox="1"/>
-          <p:nvPr/>
-        </p:nvSpPr>
-        <p:spPr>
-          <a:xfrm>
-            <a:off x="667478" y="2124894"/>
-            <a:ext cx="11467783" cy="2354453"/>
-          </a:xfrm>
-          <a:prstGeom prst="rect">
-            <a:avLst/>
-          </a:prstGeom>
-          <a:ln w="12700">
-            <a:miter lim="400000"/>
-          </a:ln>
-          <a:extLst>
-            <a:ext uri="{C572A759-6A51-4108-AA02-DFA0A04FC94B}">
-              <ma14:wrappingTextBoxFlag xmlns:ma14="http://schemas.microsoft.com/office/mac/drawingml/2011/main" xmlns:a14="http://schemas.microsoft.com/office/drawing/2010/main" xmlns:m="http://schemas.openxmlformats.org/officeDocument/2006/math" xmlns="" val="1"/>
-            </a:ext>
-          </a:extLst>
-        </p:spPr>
-        <p:txBody>
-          <a:bodyPr lIns="50800" tIns="50800" rIns="50800" bIns="50800">
-            <a:spAutoFit/>
-          </a:bodyPr>
-          <a:lstStyle/>
-          <a:p>
-            <a:pPr marL="444500" indent="-444500">
-              <a:lnSpc>
-                <a:spcPts val="4500"/>
-              </a:lnSpc>
-              <a:buClr>
-                <a:srgbClr val="00599E"/>
-              </a:buClr>
-              <a:buSzPct val="100000"/>
-              <a:buChar char="⊡"/>
-              <a:defRPr sz="3000">
-                <a:solidFill>
-                  <a:srgbClr val="5A5F5E"/>
-                </a:solidFill>
-              </a:defRPr>
-            </a:pPr>
-            <a:r>
-              <a:t>Use Quantlet icon and name as source</a:t>
-            </a:r>
-          </a:p>
-          <a:p>
-            <a:pPr marL="444500" indent="-444500">
-              <a:lnSpc>
-                <a:spcPts val="4500"/>
-              </a:lnSpc>
-              <a:buClr>
-                <a:srgbClr val="00599E"/>
-              </a:buClr>
-              <a:buSzPct val="100000"/>
-              <a:buChar char="⊡"/>
-              <a:defRPr sz="3000">
-                <a:solidFill>
-                  <a:srgbClr val="5A5F5E"/>
-                </a:solidFill>
-              </a:defRPr>
-            </a:pPr>
-            <a:r>
-              <a:t>Hyperlink both to GitHub repository</a:t>
-            </a:r>
-          </a:p>
-          <a:p>
-            <a:pPr marL="342900" indent="-342900">
-              <a:lnSpc>
-                <a:spcPts val="4500"/>
-              </a:lnSpc>
-              <a:buClr>
-                <a:srgbClr val="00599E"/>
-              </a:buClr>
-              <a:buSzPct val="100000"/>
-              <a:buChar char="⊡"/>
-              <a:defRPr sz="3000">
-                <a:solidFill>
-                  <a:srgbClr val="5A5F5E"/>
-                </a:solidFill>
-              </a:defRPr>
-            </a:pPr>
-            <a:r>
-              <a:t> Change the presentation logo in the master slide (see View/Edit Master Slide, shortcut: Shift-Command-E) </a:t>
-            </a:r>
-          </a:p>
-        </p:txBody>
-      </p:sp>
-      <p:sp>
-        <p:nvSpPr>
-          <p:cNvPr id="99" name="Styleguide">
-            <a:hlinkClick r:id="rId2"/>
-          </p:cNvPr>
-          <p:cNvSpPr txBox="1"/>
-          <p:nvPr/>
-        </p:nvSpPr>
-        <p:spPr>
-          <a:xfrm>
-            <a:off x="7978673" y="2846692"/>
-            <a:ext cx="1645007" cy="510754"/>
-          </a:xfrm>
-          <a:prstGeom prst="rect">
-            <a:avLst/>
-          </a:prstGeom>
-          <a:ln w="12700">
-            <a:miter lim="400000"/>
-          </a:ln>
-          <a:extLst>
-            <a:ext uri="{C572A759-6A51-4108-AA02-DFA0A04FC94B}">
-              <ma14:wrappingTextBoxFlag xmlns:ma14="http://schemas.microsoft.com/office/mac/drawingml/2011/main" xmlns:a14="http://schemas.microsoft.com/office/drawing/2010/main" xmlns:m="http://schemas.openxmlformats.org/officeDocument/2006/math" xmlns="" val="1"/>
-            </a:ext>
-          </a:extLst>
-        </p:spPr>
-        <p:txBody>
-          <a:bodyPr wrap="none" lIns="50800" tIns="50800" rIns="50800" bIns="50800">
-            <a:normAutofit lnSpcReduction="10000"/>
-          </a:bodyPr>
-          <a:lstStyle>
-            <a:lvl1pPr>
-              <a:defRPr sz="2700">
-                <a:solidFill>
-                  <a:srgbClr val="5B5B5B"/>
-                </a:solidFill>
-              </a:defRPr>
-            </a:lvl1pPr>
-          </a:lstStyle>
-          <a:p>
-            <a:r>
-              <a:t>Styleguide</a:t>
-            </a:r>
-          </a:p>
-        </p:txBody>
-      </p:sp>
-      <p:pic>
-        <p:nvPicPr>
-          <p:cNvPr id="100" name="pasted-movie.png" descr="pasted-movie.png"/>
-          <p:cNvPicPr>
-            <a:picLocks noChangeAspect="1"/>
-          </p:cNvPicPr>
-          <p:nvPr/>
-        </p:nvPicPr>
-        <p:blipFill>
-          <a:blip r:embed="rId3"/>
-          <a:stretch>
-            <a:fillRect/>
-          </a:stretch>
-        </p:blipFill>
-        <p:spPr>
-          <a:xfrm>
-            <a:off x="7099300" y="2734660"/>
-            <a:ext cx="734818" cy="734818"/>
-          </a:xfrm>
-          <a:prstGeom prst="rect">
-            <a:avLst/>
-          </a:prstGeom>
-          <a:ln w="12700">
-            <a:miter lim="400000"/>
-          </a:ln>
-        </p:spPr>
-      </p:pic>
-    </p:spTree>
-  </p:cSld>
-  <p:clrMapOvr>
-    <a:masterClrMapping/>
-  </p:clrMapOvr>
-  <p:transition spd="med"/>
-</p:sld>
-</file>
-
-<file path=ppt/slides/slide8.xml><?xml version="1.0" encoding="utf-8"?>
-<p:sld xmlns:a="http://schemas.openxmlformats.org/drawingml/2006/main" xmlns:r="http://schemas.openxmlformats.org/officeDocument/2006/relationships" xmlns:p="http://schemas.openxmlformats.org/presentationml/2006/main">
-  <p:cSld>
-    <p:spTree>
-      <p:nvGrpSpPr>
-        <p:cNvPr id="1" name=""/>
-        <p:cNvGrpSpPr/>
-        <p:nvPr/>
-      </p:nvGrpSpPr>
-      <p:grpSpPr>
-        <a:xfrm>
-          <a:off x="0" y="0"/>
-          <a:ext cx="0" cy="0"/>
-          <a:chOff x="0" y="0"/>
-          <a:chExt cx="0" cy="0"/>
-        </a:xfrm>
-      </p:grpSpPr>
-      <p:sp>
-        <p:nvSpPr>
-          <p:cNvPr id="102" name="幻燈片編號"/>
-          <p:cNvSpPr txBox="1">
-            <a:spLocks noGrp="1"/>
-          </p:cNvSpPr>
-          <p:nvPr>
-            <p:ph type="sldNum" sz="quarter" idx="2"/>
-          </p:nvPr>
-        </p:nvSpPr>
-        <p:spPr>
-          <a:prstGeom prst="rect">
-            <a:avLst/>
-          </a:prstGeom>
-          <a:extLst>
-            <a:ext uri="{C572A759-6A51-4108-AA02-DFA0A04FC94B}">
-              <ma14:wrappingTextBoxFlag xmlns:ma14="http://schemas.microsoft.com/office/mac/drawingml/2011/main" xmlns:a14="http://schemas.microsoft.com/office/drawing/2010/main" xmlns:m="http://schemas.openxmlformats.org/officeDocument/2006/math" xmlns="" val="1"/>
-            </a:ext>
-          </a:extLst>
-        </p:spPr>
-        <p:txBody>
-          <a:bodyPr>
-            <a:normAutofit lnSpcReduction="10000"/>
-          </a:bodyPr>
-          <a:lstStyle/>
-          <a:p>
-            <a:fld id="{86CB4B4D-7CA3-9044-876B-883B54F8677D}" type="slidenum">
-              <a:t>8</a:t>
-            </a:fld>
-            <a:endParaRPr/>
-          </a:p>
-        </p:txBody>
-      </p:sp>
-      <p:sp>
-        <p:nvSpPr>
-          <p:cNvPr id="103" name="Styleguide"/>
-          <p:cNvSpPr txBox="1">
-            <a:spLocks noGrp="1"/>
-          </p:cNvSpPr>
-          <p:nvPr>
-            <p:ph type="body" idx="21"/>
-          </p:nvPr>
-        </p:nvSpPr>
-        <p:spPr>
-          <a:prstGeom prst="rect">
-            <a:avLst/>
-          </a:prstGeom>
-        </p:spPr>
-        <p:txBody>
-          <a:bodyPr/>
-          <a:lstStyle/>
-          <a:p>
-            <a:r>
-              <a:t>Styleguide</a:t>
-            </a:r>
-          </a:p>
-        </p:txBody>
-      </p:sp>
-      <p:sp>
-        <p:nvSpPr>
-          <p:cNvPr id="104" name="LvB notations 1"/>
-          <p:cNvSpPr txBox="1">
-            <a:spLocks noGrp="1"/>
-          </p:cNvSpPr>
-          <p:nvPr>
-            <p:ph type="body" idx="22"/>
-          </p:nvPr>
-        </p:nvSpPr>
-        <p:spPr>
-          <a:prstGeom prst="rect">
-            <a:avLst/>
-          </a:prstGeom>
-        </p:spPr>
-        <p:txBody>
-          <a:bodyPr>
-            <a:normAutofit lnSpcReduction="10000"/>
-          </a:bodyPr>
-          <a:lstStyle/>
-          <a:p>
-            <a:r>
-              <a:t>LvB notations 1</a:t>
-            </a:r>
-          </a:p>
-        </p:txBody>
-      </p:sp>
-      <p:sp>
-        <p:nvSpPr>
-          <p:cNvPr id="105" name="IDA Template"/>
-          <p:cNvSpPr txBox="1">
-            <a:spLocks noGrp="1"/>
-          </p:cNvSpPr>
-          <p:nvPr>
-            <p:ph type="body" idx="24"/>
-          </p:nvPr>
-        </p:nvSpPr>
-        <p:spPr>
-          <a:prstGeom prst="rect">
-            <a:avLst/>
-          </a:prstGeom>
-        </p:spPr>
-        <p:txBody>
-          <a:bodyPr/>
-          <a:lstStyle/>
-          <a:p>
-            <a:r>
-              <a:t>IDA Template</a:t>
-            </a:r>
-          </a:p>
-        </p:txBody>
-      </p:sp>
-      <mc:AlternateContent xmlns:mc="http://schemas.openxmlformats.org/markup-compatibility/2006" xmlns:a14="http://schemas.microsoft.com/office/drawing/2010/main">
-        <mc:Choice Requires="a14">
-          <p:sp>
-            <p:nvSpPr>
-              <p:cNvPr id="106" name="Use the formula creator within keynote ‘Insert/Equation’…"/>
-              <p:cNvSpPr txBox="1"/>
-              <p:nvPr/>
-            </p:nvSpPr>
-            <p:spPr>
-              <a:xfrm>
-                <a:off x="667478" y="2140611"/>
-                <a:ext cx="11467783" cy="4661495"/>
-              </a:xfrm>
-              <a:prstGeom prst="rect">
-                <a:avLst/>
-              </a:prstGeom>
-              <a:ln w="12700">
-                <a:miter lim="400000"/>
-              </a:ln>
-              <a:extLst>
-                <a:ext uri="{C572A759-6A51-4108-AA02-DFA0A04FC94B}">
-                  <ma14:wrappingTextBoxFlag xmlns:ma14="http://schemas.microsoft.com/office/mac/drawingml/2011/main" xmlns:m="http://schemas.openxmlformats.org/officeDocument/2006/math" xmlns="" val="1"/>
-                </a:ext>
-              </a:extLst>
-            </p:spPr>
-            <p:txBody>
-              <a:bodyPr lIns="50800" tIns="50800" rIns="50800" bIns="50800">
-                <a:spAutoFit/>
-              </a:bodyPr>
-              <a:lstStyle/>
-              <a:p>
-                <a:pPr marL="444500" indent="-444500">
-                  <a:lnSpc>
-                    <a:spcPts val="4500"/>
-                  </a:lnSpc>
-                  <a:buClr>
-                    <a:srgbClr val="00599E"/>
-                  </a:buClr>
-                  <a:buSzPct val="100000"/>
-                  <a:buChar char="⊡"/>
-                  <a:defRPr sz="3000">
-                    <a:solidFill>
-                      <a:srgbClr val="5A5F5E"/>
-                    </a:solidFill>
-                  </a:defRPr>
-                </a:pPr>
-                <a:r>
-                  <a:t>Use the formula creator within keynote ‘Insert/Equation’</a:t>
-                </a:r>
-              </a:p>
-              <a:p>
-                <a:pPr marL="444500" indent="-444500">
-                  <a:lnSpc>
-                    <a:spcPts val="4500"/>
-                  </a:lnSpc>
-                  <a:buClr>
-                    <a:srgbClr val="00599E"/>
-                  </a:buClr>
-                  <a:buSzPct val="100000"/>
-                  <a:buChar char="⊡"/>
-                  <a:defRPr sz="3000">
-                    <a:solidFill>
-                      <a:srgbClr val="5A5F5E"/>
-                    </a:solidFill>
-                  </a:defRPr>
-                </a:pPr>
-                <a:r>
-                  <a:t>All operators are to be defined by \operatorname{}</a:t>
-                </a:r>
-              </a:p>
-              <a:p>
-                <a:pPr marL="889000" lvl="1" indent="-444500">
-                  <a:lnSpc>
-                    <a:spcPts val="4500"/>
-                  </a:lnSpc>
-                  <a:buClr>
-                    <a:srgbClr val="00599E"/>
-                  </a:buClr>
-                  <a:buSzPct val="80000"/>
-                  <a:buChar char="►"/>
-                  <a:defRPr sz="3000">
-                    <a:solidFill>
-                      <a:srgbClr val="5A5F5E"/>
-                    </a:solidFill>
-                  </a:defRPr>
-                </a:pPr>
-                <a:r>
-                  <a:t>without operatorname: </a:t>
-                </a:r>
-                <a14:m>
-                  <m:oMath xmlns:m="http://schemas.openxmlformats.org/officeDocument/2006/math">
-                    <m:borderBox>
-                      <m:borderBoxPr>
-                        <m:hideTop m:val="on"/>
-                        <m:hideBot m:val="on"/>
-                        <m:hideLeft m:val="on"/>
-                        <m:hideRight m:val="on"/>
-                        <m:strikeBLTR m:val="on"/>
-                        <m:ctrlPr>
-                          <a:rPr sz="3650" i="1">
-                            <a:solidFill>
-                              <a:srgbClr val="5A5F5E"/>
-                            </a:solidFill>
-                            <a:latin typeface="Cambria Math" panose="02040503050406030204" pitchFamily="18" charset="0"/>
-                          </a:rPr>
-                        </m:ctrlPr>
-                      </m:borderBoxPr>
-                      <m:e>
-                        <m:r>
-                          <a:rPr sz="3650" i="1">
-                            <a:solidFill>
-                              <a:srgbClr val="5A5F5E"/>
-                            </a:solidFill>
-                            <a:latin typeface="Cambria Math" panose="02040503050406030204" pitchFamily="18" charset="0"/>
-                          </a:rPr>
-                          <m:t>𝑎𝑟𝑔𝑚𝑎</m:t>
-                        </m:r>
-                        <m:sSub>
-                          <m:sSubPr>
-                            <m:ctrlPr>
-                              <a:rPr sz="3650" i="1">
-                                <a:solidFill>
-                                  <a:srgbClr val="5A5F5E"/>
-                                </a:solidFill>
-                                <a:latin typeface="Cambria Math" panose="02040503050406030204" pitchFamily="18" charset="0"/>
-                              </a:rPr>
-                            </m:ctrlPr>
-                          </m:sSubPr>
-                          <m:e>
-                            <m:r>
-                              <a:rPr sz="3650" i="1">
-                                <a:solidFill>
-                                  <a:srgbClr val="5A5F5E"/>
-                                </a:solidFill>
-                                <a:latin typeface="Cambria Math" panose="02040503050406030204" pitchFamily="18" charset="0"/>
-                              </a:rPr>
-                              <m:t>𝑥</m:t>
-                            </m:r>
-                          </m:e>
-                          <m:sub>
-                            <m:r>
-                              <a:rPr sz="3650" i="1">
-                                <a:solidFill>
-                                  <a:srgbClr val="5A5F5E"/>
-                                </a:solidFill>
-                                <a:latin typeface="Cambria Math" panose="02040503050406030204" pitchFamily="18" charset="0"/>
-                              </a:rPr>
-                              <m:t>𝑖</m:t>
-                            </m:r>
-                          </m:sub>
-                        </m:sSub>
-                        <m:r>
-                          <a:rPr sz="3650" i="1">
-                            <a:solidFill>
-                              <a:srgbClr val="5A5F5E"/>
-                            </a:solidFill>
-                            <a:latin typeface="Cambria Math" panose="02040503050406030204" pitchFamily="18" charset="0"/>
-                          </a:rPr>
-                          <m:t>𝑓</m:t>
-                        </m:r>
-                        <m:r>
-                          <a:rPr sz="3650" i="1">
-                            <a:solidFill>
-                              <a:srgbClr val="5A5F5E"/>
-                            </a:solidFill>
-                            <a:latin typeface="Cambria Math" panose="02040503050406030204" pitchFamily="18" charset="0"/>
-                          </a:rPr>
-                          <m:t>(</m:t>
-                        </m:r>
-                        <m:sSub>
-                          <m:sSubPr>
-                            <m:ctrlPr>
-                              <a:rPr sz="3650" i="1">
-                                <a:solidFill>
-                                  <a:srgbClr val="5A5F5E"/>
-                                </a:solidFill>
-                                <a:latin typeface="Cambria Math" panose="02040503050406030204" pitchFamily="18" charset="0"/>
-                              </a:rPr>
-                            </m:ctrlPr>
-                          </m:sSubPr>
-                          <m:e>
-                            <m:r>
-                              <a:rPr sz="3650" i="1">
-                                <a:solidFill>
-                                  <a:srgbClr val="5A5F5E"/>
-                                </a:solidFill>
-                                <a:latin typeface="Cambria Math" panose="02040503050406030204" pitchFamily="18" charset="0"/>
-                              </a:rPr>
-                              <m:t>𝑥</m:t>
-                            </m:r>
-                          </m:e>
-                          <m:sub>
-                            <m:r>
-                              <a:rPr sz="3650" i="1">
-                                <a:solidFill>
-                                  <a:srgbClr val="5A5F5E"/>
-                                </a:solidFill>
-                                <a:latin typeface="Cambria Math" panose="02040503050406030204" pitchFamily="18" charset="0"/>
-                              </a:rPr>
-                              <m:t>𝑖</m:t>
-                            </m:r>
-                          </m:sub>
-                        </m:sSub>
-                        <m:r>
-                          <a:rPr sz="3650" i="1">
-                            <a:solidFill>
-                              <a:srgbClr val="5A5F5E"/>
-                            </a:solidFill>
-                            <a:latin typeface="Cambria Math" panose="02040503050406030204" pitchFamily="18" charset="0"/>
-                          </a:rPr>
-                          <m:t>)</m:t>
-                        </m:r>
-                      </m:e>
-                    </m:borderBox>
-                  </m:oMath>
-                </a14:m>
-                <a:endParaRPr/>
-              </a:p>
-              <a:p>
-                <a:pPr marL="889000" lvl="1" indent="-444500">
-                  <a:lnSpc>
-                    <a:spcPts val="4500"/>
-                  </a:lnSpc>
-                  <a:buClr>
-                    <a:srgbClr val="00599E"/>
-                  </a:buClr>
-                  <a:buSzPct val="80000"/>
-                  <a:buChar char="►"/>
-                  <a:defRPr sz="3000">
-                    <a:solidFill>
-                      <a:srgbClr val="5A5F5E"/>
-                    </a:solidFill>
-                  </a:defRPr>
-                </a:pPr>
-                <a:r>
-                  <a:t>with operatorname: </a:t>
-                </a:r>
-                <a14:m>
-                  <m:oMath xmlns:m="http://schemas.openxmlformats.org/officeDocument/2006/math">
-                    <m:sSub>
-                      <m:sSubPr>
-                        <m:ctrlPr>
-                          <a:rPr sz="3650" i="1">
-                            <a:solidFill>
-                              <a:srgbClr val="5A5F5E"/>
-                            </a:solidFill>
-                            <a:latin typeface="Cambria Math" panose="02040503050406030204" pitchFamily="18" charset="0"/>
-                          </a:rPr>
-                        </m:ctrlPr>
-                      </m:sSubPr>
-                      <m:e>
-                        <m:r>
-                          <m:rPr>
-                            <m:sty m:val="p"/>
-                          </m:rPr>
-                          <a:rPr sz="3650" i="1">
-                            <a:solidFill>
-                              <a:srgbClr val="5A5F5E"/>
-                            </a:solidFill>
-                            <a:latin typeface="Cambria Math" panose="02040503050406030204" pitchFamily="18" charset="0"/>
-                          </a:rPr>
-                          <m:t>argmax</m:t>
-                        </m:r>
-                      </m:e>
-                      <m:sub>
-                        <m:r>
-                          <a:rPr sz="3650" i="1">
-                            <a:solidFill>
-                              <a:srgbClr val="5A5F5E"/>
-                            </a:solidFill>
-                            <a:latin typeface="Cambria Math" panose="02040503050406030204" pitchFamily="18" charset="0"/>
-                          </a:rPr>
-                          <m:t>𝑖</m:t>
-                        </m:r>
-                      </m:sub>
-                    </m:sSub>
-                    <m:r>
-                      <a:rPr sz="3650" i="1">
-                        <a:solidFill>
-                          <a:srgbClr val="5A5F5E"/>
-                        </a:solidFill>
-                        <a:latin typeface="Cambria Math" panose="02040503050406030204" pitchFamily="18" charset="0"/>
-                      </a:rPr>
-                      <m:t>𝑓</m:t>
-                    </m:r>
-                    <m:r>
-                      <a:rPr sz="3650" i="1">
-                        <a:solidFill>
-                          <a:srgbClr val="5A5F5E"/>
-                        </a:solidFill>
-                        <a:latin typeface="Cambria Math" panose="02040503050406030204" pitchFamily="18" charset="0"/>
-                      </a:rPr>
-                      <m:t>(</m:t>
-                    </m:r>
-                    <m:sSub>
-                      <m:sSubPr>
-                        <m:ctrlPr>
-                          <a:rPr sz="3650" i="1">
-                            <a:solidFill>
-                              <a:srgbClr val="5A5F5E"/>
-                            </a:solidFill>
-                            <a:latin typeface="Cambria Math" panose="02040503050406030204" pitchFamily="18" charset="0"/>
-                          </a:rPr>
-                        </m:ctrlPr>
-                      </m:sSubPr>
-                      <m:e>
-                        <m:r>
-                          <a:rPr sz="3650" i="1">
-                            <a:solidFill>
-                              <a:srgbClr val="5A5F5E"/>
-                            </a:solidFill>
-                            <a:latin typeface="Cambria Math" panose="02040503050406030204" pitchFamily="18" charset="0"/>
-                          </a:rPr>
-                          <m:t>𝑥</m:t>
-                        </m:r>
-                      </m:e>
-                      <m:sub>
-                        <m:r>
-                          <a:rPr sz="3650" i="1">
-                            <a:solidFill>
-                              <a:srgbClr val="5A5F5E"/>
-                            </a:solidFill>
-                            <a:latin typeface="Cambria Math" panose="02040503050406030204" pitchFamily="18" charset="0"/>
-                          </a:rPr>
-                          <m:t>𝑖</m:t>
-                        </m:r>
-                      </m:sub>
-                    </m:sSub>
-                    <m:r>
-                      <a:rPr sz="3650" i="1">
-                        <a:solidFill>
-                          <a:srgbClr val="5A5F5E"/>
-                        </a:solidFill>
-                        <a:latin typeface="Cambria Math" panose="02040503050406030204" pitchFamily="18" charset="0"/>
-                      </a:rPr>
-                      <m:t>)</m:t>
-                    </m:r>
-                  </m:oMath>
-                </a14:m>
-                <a:endParaRPr/>
-              </a:p>
-              <a:p>
-                <a:pPr marL="444500" indent="-444500">
-                  <a:lnSpc>
-                    <a:spcPts val="4500"/>
-                  </a:lnSpc>
-                  <a:buClr>
-                    <a:srgbClr val="00599E"/>
-                  </a:buClr>
-                  <a:buSzPct val="100000"/>
-                  <a:buChar char="⊡"/>
-                  <a:defRPr sz="3000">
-                    <a:solidFill>
-                      <a:srgbClr val="5A5F5E"/>
-                    </a:solidFill>
-                  </a:defRPr>
-                </a:pPr>
-                <a:r>
-                  <a:t>Equations covering multiple lines may be written aligned</a:t>
-                </a:r>
-              </a:p>
-              <a:p>
-                <a:pPr marL="444500" indent="-444500">
-                  <a:lnSpc>
-                    <a:spcPts val="4500"/>
-                  </a:lnSpc>
-                  <a:buClr>
-                    <a:srgbClr val="00599E"/>
-                  </a:buClr>
-                  <a:buSzPct val="100000"/>
-                  <a:buChar char="⊡"/>
-                  <a:defRPr sz="3000">
-                    <a:solidFill>
-                      <a:srgbClr val="5A5F5E"/>
-                    </a:solidFill>
-                  </a:defRPr>
-                </a:pPr>
-                <a:r>
-                  <a:t>Use bracket sequence </a:t>
-                </a:r>
-                <a14:m>
-                  <m:oMath xmlns:m="http://schemas.openxmlformats.org/officeDocument/2006/math">
-                    <m:r>
-                      <a:rPr sz="3650" i="1">
-                        <a:solidFill>
-                          <a:srgbClr val="5A5F5E"/>
-                        </a:solidFill>
-                        <a:latin typeface="Cambria Math" panose="02040503050406030204" pitchFamily="18" charset="0"/>
-                      </a:rPr>
-                      <m:t>[{(…)}]</m:t>
-                    </m:r>
-                  </m:oMath>
-                </a14:m>
-                <a:endParaRPr/>
-              </a:p>
-              <a:p>
-                <a:pPr marL="444500" indent="-444500">
-                  <a:lnSpc>
-                    <a:spcPts val="4500"/>
-                  </a:lnSpc>
-                  <a:buClr>
-                    <a:srgbClr val="00599E"/>
-                  </a:buClr>
-                  <a:buSzPct val="100000"/>
-                  <a:buChar char="⊡"/>
-                  <a:defRPr sz="3000">
-                    <a:solidFill>
-                      <a:srgbClr val="5A5F5E"/>
-                    </a:solidFill>
-                  </a:defRPr>
-                </a:pPr>
-                <a:r>
-                  <a:t>Conventional bracket rules represent and exemption of the rule above. For example: </a:t>
-                </a:r>
-                <a14:m>
-                  <m:oMath xmlns:m="http://schemas.openxmlformats.org/officeDocument/2006/math">
-                    <m:r>
-                      <a:rPr sz="3650" i="1">
-                        <a:solidFill>
-                          <a:srgbClr val="5A5F5E"/>
-                        </a:solidFill>
-                        <a:latin typeface="Cambria Math" panose="02040503050406030204" pitchFamily="18" charset="0"/>
-                      </a:rPr>
-                      <m:t>𝑌</m:t>
-                    </m:r>
-                    <m:r>
-                      <a:rPr sz="3650" i="1">
-                        <a:solidFill>
-                          <a:srgbClr val="5A5F5E"/>
-                        </a:solidFill>
-                        <a:latin typeface="Cambria Math" panose="02040503050406030204" pitchFamily="18" charset="0"/>
-                      </a:rPr>
-                      <m:t>∼</m:t>
-                    </m:r>
-                    <m:r>
-                      <a:rPr sz="3650" i="1">
-                        <a:solidFill>
-                          <a:srgbClr val="5A5F5E"/>
-                        </a:solidFill>
-                        <a:latin typeface="Cambria Math" panose="02040503050406030204" pitchFamily="18" charset="0"/>
-                      </a:rPr>
-                      <m:t>𝒩</m:t>
-                    </m:r>
-                    <m:r>
-                      <a:rPr sz="3650" i="1">
-                        <a:solidFill>
-                          <a:srgbClr val="5A5F5E"/>
-                        </a:solidFill>
-                        <a:latin typeface="Cambria Math" panose="02040503050406030204" pitchFamily="18" charset="0"/>
-                      </a:rPr>
-                      <m:t>(</m:t>
-                    </m:r>
-                    <m:r>
-                      <a:rPr sz="3650" i="1">
-                        <a:solidFill>
-                          <a:srgbClr val="5A5F5E"/>
-                        </a:solidFill>
-                        <a:latin typeface="Cambria Math" panose="02040503050406030204" pitchFamily="18" charset="0"/>
-                      </a:rPr>
-                      <m:t>𝜇</m:t>
-                    </m:r>
-                    <m:r>
-                      <a:rPr sz="3650" i="1">
-                        <a:solidFill>
-                          <a:srgbClr val="5A5F5E"/>
-                        </a:solidFill>
-                        <a:latin typeface="Cambria Math" panose="02040503050406030204" pitchFamily="18" charset="0"/>
-                      </a:rPr>
-                      <m:t>(</m:t>
-                    </m:r>
-                    <m:r>
-                      <a:rPr sz="3650" i="1">
-                        <a:solidFill>
-                          <a:srgbClr val="5A5F5E"/>
-                        </a:solidFill>
-                        <a:latin typeface="Cambria Math" panose="02040503050406030204" pitchFamily="18" charset="0"/>
-                      </a:rPr>
-                      <m:t>𝑋</m:t>
-                    </m:r>
-                    <m:r>
-                      <a:rPr sz="3650" i="1">
-                        <a:solidFill>
-                          <a:srgbClr val="5A5F5E"/>
-                        </a:solidFill>
-                        <a:latin typeface="Cambria Math" panose="02040503050406030204" pitchFamily="18" charset="0"/>
-                      </a:rPr>
-                      <m:t>),</m:t>
-                    </m:r>
-                    <m:r>
-                      <a:rPr sz="3650" i="1">
-                        <a:solidFill>
-                          <a:srgbClr val="5A5F5E"/>
-                        </a:solidFill>
-                        <a:latin typeface="Cambria Math" panose="02040503050406030204" pitchFamily="18" charset="0"/>
-                      </a:rPr>
-                      <m:t>𝜎</m:t>
-                    </m:r>
-                    <m:r>
-                      <a:rPr sz="3650" i="1">
-                        <a:solidFill>
-                          <a:srgbClr val="5A5F5E"/>
-                        </a:solidFill>
-                        <a:latin typeface="Cambria Math" panose="02040503050406030204" pitchFamily="18" charset="0"/>
-                      </a:rPr>
-                      <m:t>(</m:t>
-                    </m:r>
-                    <m:r>
-                      <a:rPr sz="3650" i="1">
-                        <a:solidFill>
-                          <a:srgbClr val="5A5F5E"/>
-                        </a:solidFill>
-                        <a:latin typeface="Cambria Math" panose="02040503050406030204" pitchFamily="18" charset="0"/>
-                      </a:rPr>
-                      <m:t>𝑋</m:t>
-                    </m:r>
-                    <m:r>
-                      <a:rPr sz="3650" i="1">
-                        <a:solidFill>
-                          <a:srgbClr val="5A5F5E"/>
-                        </a:solidFill>
-                        <a:latin typeface="Cambria Math" panose="02040503050406030204" pitchFamily="18" charset="0"/>
-                      </a:rPr>
-                      <m:t>))</m:t>
-                    </m:r>
-                  </m:oMath>
-                </a14:m>
-                <a:r>
-                  <a:t> </a:t>
-                </a:r>
-              </a:p>
-            </p:txBody>
-          </p:sp>
-        </mc:Choice>
-        <mc:Fallback xmlns="">
-          <p:sp>
-            <p:nvSpPr>
-              <p:cNvPr id="106" name="Use the formula creator within keynote ‘Insert/Equation’…"/>
-              <p:cNvSpPr txBox="1">
-                <a:spLocks noRot="1" noChangeAspect="1" noMove="1" noResize="1" noEditPoints="1" noAdjustHandles="1" noChangeArrowheads="1" noChangeShapeType="1" noTextEdit="1"/>
-              </p:cNvSpPr>
-              <p:nvPr/>
-            </p:nvSpPr>
-            <p:spPr>
-              <a:xfrm>
-                <a:off x="667478" y="2140611"/>
-                <a:ext cx="11467783" cy="4661495"/>
-              </a:xfrm>
-              <a:prstGeom prst="rect">
-                <a:avLst/>
-              </a:prstGeom>
-              <a:blipFill>
-                <a:blip r:embed="rId2"/>
-                <a:stretch>
-                  <a:fillRect l="-1541" t="-392" b="-3007"/>
-                </a:stretch>
-              </a:blipFill>
-              <a:ln w="12700">
-                <a:miter lim="400000"/>
-              </a:ln>
-              <a:extLst>
-                <a:ext uri="{C572A759-6A51-4108-AA02-DFA0A04FC94B}">
-                  <ma14:wrappingTextBoxFlag xmlns:ma14="http://schemas.microsoft.com/office/mac/drawingml/2011/main" xmlns:a14="http://schemas.microsoft.com/office/drawing/2010/main" xmlns:m="http://schemas.openxmlformats.org/officeDocument/2006/math" xmlns="" val="1"/>
-                </a:ext>
-              </a:extLst>
-            </p:spPr>
-            <p:txBody>
-              <a:bodyPr/>
-              <a:lstStyle/>
-              <a:p>
-                <a:r>
-                  <a:rPr lang="zh-TW" altLang="en-US">
-                    <a:noFill/>
-                  </a:rPr>
-                  <a:t> </a:t>
-                </a:r>
-              </a:p>
-            </p:txBody>
-          </p:sp>
-        </mc:Fallback>
-      </mc:AlternateContent>
-    </p:spTree>
   </p:cSld>
   <p:clrMapOvr>
     <a:masterClrMapping/>
@@ -8756,505 +6926,151 @@
       </p:grpSpPr>
       <p:sp>
         <p:nvSpPr>
-          <p:cNvPr id="108" name="幻燈片編號"/>
-          <p:cNvSpPr txBox="1">
+          <p:cNvPr id="2" name="文字版面配置區 1">
+            <a:extLst>
+              <a:ext uri="{FF2B5EF4-FFF2-40B4-BE49-F238E27FC236}">
+                <a16:creationId xmlns:a16="http://schemas.microsoft.com/office/drawing/2014/main" id="{0A2C7C5F-9FCD-C2B7-3DC3-FF05E4617B1E}"/>
+              </a:ext>
+            </a:extLst>
+          </p:cNvPr>
+          <p:cNvSpPr>
             <a:spLocks noGrp="1"/>
           </p:cNvSpPr>
           <p:nvPr>
-            <p:ph type="sldNum" sz="quarter" idx="2"/>
+            <p:ph type="body" sz="quarter" idx="21"/>
           </p:nvPr>
         </p:nvSpPr>
-        <p:spPr>
-          <a:prstGeom prst="rect">
-            <a:avLst/>
-          </a:prstGeom>
-          <a:extLst>
-            <a:ext uri="{C572A759-6A51-4108-AA02-DFA0A04FC94B}">
-              <ma14:wrappingTextBoxFlag xmlns:ma14="http://schemas.microsoft.com/office/mac/drawingml/2011/main" xmlns:a14="http://schemas.microsoft.com/office/drawing/2010/main" xmlns:m="http://schemas.openxmlformats.org/officeDocument/2006/math" xmlns="" val="1"/>
-            </a:ext>
-          </a:extLst>
-        </p:spPr>
+        <p:spPr/>
         <p:txBody>
-          <a:bodyPr>
-            <a:normAutofit lnSpcReduction="10000"/>
-          </a:bodyPr>
+          <a:bodyPr/>
           <a:lstStyle/>
           <a:p>
-            <a:fld id="{86CB4B4D-7CA3-9044-876B-883B54F8677D}" type="slidenum">
-              <a:t>9</a:t>
-            </a:fld>
-            <a:endParaRPr/>
+            <a:endParaRPr lang="zh-TW" altLang="en-US"/>
           </a:p>
         </p:txBody>
       </p:sp>
       <p:sp>
         <p:nvSpPr>
-          <p:cNvPr id="109" name="Styleguide"/>
-          <p:cNvSpPr txBox="1">
+          <p:cNvPr id="3" name="文字版面配置區 2">
+            <a:extLst>
+              <a:ext uri="{FF2B5EF4-FFF2-40B4-BE49-F238E27FC236}">
+                <a16:creationId xmlns:a16="http://schemas.microsoft.com/office/drawing/2014/main" id="{518F515F-7CF5-CFE5-3B75-A817F16D6749}"/>
+              </a:ext>
+            </a:extLst>
+          </p:cNvPr>
+          <p:cNvSpPr>
             <a:spLocks noGrp="1"/>
           </p:cNvSpPr>
           <p:nvPr>
-            <p:ph type="body" idx="21"/>
+            <p:ph type="body" sz="quarter" idx="22"/>
+          </p:nvPr>
+        </p:nvSpPr>
+        <p:spPr/>
+        <p:txBody>
+          <a:bodyPr/>
+          <a:lstStyle/>
+          <a:p>
+            <a:endParaRPr lang="zh-TW" altLang="en-US"/>
+          </a:p>
+        </p:txBody>
+      </p:sp>
+      <p:sp>
+        <p:nvSpPr>
+          <p:cNvPr id="4" name="文字版面配置區 3">
+            <a:extLst>
+              <a:ext uri="{FF2B5EF4-FFF2-40B4-BE49-F238E27FC236}">
+                <a16:creationId xmlns:a16="http://schemas.microsoft.com/office/drawing/2014/main" id="{4385F35C-8275-A91F-4074-E511EB2E8AD2}"/>
+              </a:ext>
+            </a:extLst>
+          </p:cNvPr>
+          <p:cNvSpPr>
+            <a:spLocks noGrp="1"/>
+          </p:cNvSpPr>
+          <p:nvPr>
+            <p:ph type="body" sz="half" idx="23"/>
           </p:nvPr>
         </p:nvSpPr>
         <p:spPr>
-          <a:prstGeom prst="rect">
-            <a:avLst/>
-          </a:prstGeom>
+          <a:xfrm>
+            <a:off x="762000" y="1581811"/>
+            <a:ext cx="11467783" cy="2925953"/>
+          </a:xfrm>
         </p:spPr>
         <p:txBody>
           <a:bodyPr/>
           <a:lstStyle/>
           <a:p>
-            <a:r>
-              <a:t>Styleguide</a:t>
-            </a:r>
+            <a:endParaRPr lang="zh-TW" altLang="en-US"/>
           </a:p>
         </p:txBody>
       </p:sp>
       <p:sp>
         <p:nvSpPr>
-          <p:cNvPr id="110" name="LvB notations 2"/>
-          <p:cNvSpPr txBox="1">
+          <p:cNvPr id="5" name="文字版面配置區 4">
+            <a:extLst>
+              <a:ext uri="{FF2B5EF4-FFF2-40B4-BE49-F238E27FC236}">
+                <a16:creationId xmlns:a16="http://schemas.microsoft.com/office/drawing/2014/main" id="{74027E94-6825-D523-D488-0A6A6536EA96}"/>
+              </a:ext>
+            </a:extLst>
+          </p:cNvPr>
+          <p:cNvSpPr>
             <a:spLocks noGrp="1"/>
           </p:cNvSpPr>
           <p:nvPr>
-            <p:ph type="body" idx="22"/>
+            <p:ph type="body" sz="quarter" idx="24"/>
           </p:nvPr>
         </p:nvSpPr>
+        <p:spPr/>
+        <p:txBody>
+          <a:bodyPr/>
+          <a:lstStyle/>
+          <a:p>
+            <a:endParaRPr lang="zh-TW" altLang="en-US"/>
+          </a:p>
+        </p:txBody>
+      </p:sp>
+      <p:pic>
+        <p:nvPicPr>
+          <p:cNvPr id="6" name="圖片 5">
+            <a:extLst>
+              <a:ext uri="{FF2B5EF4-FFF2-40B4-BE49-F238E27FC236}">
+                <a16:creationId xmlns:a16="http://schemas.microsoft.com/office/drawing/2014/main" id="{2FE85F0F-B6E2-2395-21FB-875D7566A9DD}"/>
+              </a:ext>
+            </a:extLst>
+          </p:cNvPr>
+          <p:cNvPicPr>
+            <a:picLocks noChangeAspect="1"/>
+          </p:cNvPicPr>
+          <p:nvPr/>
+        </p:nvPicPr>
+        <p:blipFill>
+          <a:blip r:embed="rId2">
+            <a:extLst>
+              <a:ext uri="{28A0092B-C50C-407E-A947-70E740481C1C}">
+                <a14:useLocalDpi xmlns:a14="http://schemas.microsoft.com/office/drawing/2010/main" val="0"/>
+              </a:ext>
+            </a:extLst>
+          </a:blip>
+          <a:stretch>
+            <a:fillRect/>
+          </a:stretch>
+        </p:blipFill>
         <p:spPr>
+          <a:xfrm>
+            <a:off x="755809" y="213147"/>
+            <a:ext cx="11467782" cy="8007775"/>
+          </a:xfrm>
           <a:prstGeom prst="rect">
             <a:avLst/>
           </a:prstGeom>
         </p:spPr>
-        <p:txBody>
-          <a:bodyPr>
-            <a:normAutofit lnSpcReduction="10000"/>
-          </a:bodyPr>
-          <a:lstStyle/>
-          <a:p>
-            <a:r>
-              <a:t>LvB notations 2</a:t>
-            </a:r>
-          </a:p>
-        </p:txBody>
-      </p:sp>
-      <p:sp>
-        <p:nvSpPr>
-          <p:cNvPr id="111" name="IDA Template"/>
-          <p:cNvSpPr txBox="1">
-            <a:spLocks noGrp="1"/>
-          </p:cNvSpPr>
-          <p:nvPr>
-            <p:ph type="body" idx="24"/>
-          </p:nvPr>
-        </p:nvSpPr>
-        <p:spPr>
-          <a:prstGeom prst="rect">
-            <a:avLst/>
-          </a:prstGeom>
-        </p:spPr>
-        <p:txBody>
-          <a:bodyPr/>
-          <a:lstStyle/>
-          <a:p>
-            <a:r>
-              <a:t>IDA Template</a:t>
-            </a:r>
-          </a:p>
-        </p:txBody>
-      </p:sp>
-      <mc:AlternateContent xmlns:mc="http://schemas.openxmlformats.org/markup-compatibility/2006" xmlns:a14="http://schemas.microsoft.com/office/drawing/2010/main">
-        <mc:Choice Requires="a14">
-          <p:sp>
-            <p:nvSpPr>
-              <p:cNvPr id="112" name="Use ^{\top} to write the transpose symbol:…"/>
-              <p:cNvSpPr txBox="1"/>
-              <p:nvPr/>
-            </p:nvSpPr>
-            <p:spPr>
-              <a:xfrm>
-                <a:off x="667478" y="2140611"/>
-                <a:ext cx="11467783" cy="2372466"/>
-              </a:xfrm>
-              <a:prstGeom prst="rect">
-                <a:avLst/>
-              </a:prstGeom>
-              <a:ln w="12700">
-                <a:miter lim="400000"/>
-              </a:ln>
-              <a:extLst>
-                <a:ext uri="{C572A759-6A51-4108-AA02-DFA0A04FC94B}">
-                  <ma14:wrappingTextBoxFlag xmlns:ma14="http://schemas.microsoft.com/office/mac/drawingml/2011/main" xmlns:m="http://schemas.openxmlformats.org/officeDocument/2006/math" xmlns="" val="1"/>
-                </a:ext>
-              </a:extLst>
-            </p:spPr>
-            <p:txBody>
-              <a:bodyPr lIns="50800" tIns="50800" rIns="50800" bIns="50800">
-                <a:spAutoFit/>
-              </a:bodyPr>
-              <a:lstStyle/>
-              <a:p>
-                <a:pPr marL="444500" indent="-444500">
-                  <a:lnSpc>
-                    <a:spcPts val="4500"/>
-                  </a:lnSpc>
-                  <a:buClr>
-                    <a:srgbClr val="00599E"/>
-                  </a:buClr>
-                  <a:buSzPct val="100000"/>
-                  <a:buChar char="⊡"/>
-                  <a:defRPr sz="3000">
-                    <a:solidFill>
-                      <a:srgbClr val="5A5F5E"/>
-                    </a:solidFill>
-                  </a:defRPr>
-                </a:pPr>
-                <a:r>
-                  <a:t>Use ^{\top} to write the transpose symbol: </a:t>
-                </a:r>
-                <a14:m>
-                  <m:oMath xmlns:m="http://schemas.openxmlformats.org/officeDocument/2006/math">
-                    <m:sSup>
-                      <m:sSupPr>
-                        <m:ctrlPr>
-                          <a:rPr sz="3650" i="1">
-                            <a:solidFill>
-                              <a:srgbClr val="5A5F5E"/>
-                            </a:solidFill>
-                            <a:latin typeface="Cambria Math" panose="02040503050406030204" pitchFamily="18" charset="0"/>
-                          </a:rPr>
-                        </m:ctrlPr>
-                      </m:sSupPr>
-                      <m:e>
-                        <m:r>
-                          <a:rPr sz="3650" i="1">
-                            <a:solidFill>
-                              <a:srgbClr val="5A5F5E"/>
-                            </a:solidFill>
-                            <a:latin typeface="Cambria Math" panose="02040503050406030204" pitchFamily="18" charset="0"/>
-                          </a:rPr>
-                          <m:t>𝑥</m:t>
-                        </m:r>
-                      </m:e>
-                      <m:sup>
-                        <m:r>
-                          <a:rPr sz="3650" i="1">
-                            <a:solidFill>
-                              <a:srgbClr val="5A5F5E"/>
-                            </a:solidFill>
-                            <a:latin typeface="Cambria Math" panose="02040503050406030204" pitchFamily="18" charset="0"/>
-                          </a:rPr>
-                          <m:t>⊤</m:t>
-                        </m:r>
-                      </m:sup>
-                    </m:sSup>
-                    <m:r>
-                      <a:rPr sz="3650" i="1">
-                        <a:solidFill>
-                          <a:srgbClr val="5A5F5E"/>
-                        </a:solidFill>
-                        <a:latin typeface="Cambria Math" panose="02040503050406030204" pitchFamily="18" charset="0"/>
-                      </a:rPr>
-                      <m:t>𝑥</m:t>
-                    </m:r>
-                    <m:r>
-                      <a:rPr sz="3650" i="1">
-                        <a:solidFill>
-                          <a:srgbClr val="5A5F5E"/>
-                        </a:solidFill>
-                        <a:latin typeface="Cambria Math" panose="02040503050406030204" pitchFamily="18" charset="0"/>
-                      </a:rPr>
-                      <m:t>=∥</m:t>
-                    </m:r>
-                    <m:r>
-                      <a:rPr sz="3650" i="1">
-                        <a:solidFill>
-                          <a:srgbClr val="5A5F5E"/>
-                        </a:solidFill>
-                        <a:latin typeface="Cambria Math" panose="02040503050406030204" pitchFamily="18" charset="0"/>
-                      </a:rPr>
-                      <m:t>𝑥</m:t>
-                    </m:r>
-                    <m:r>
-                      <a:rPr sz="3650" i="1">
-                        <a:solidFill>
-                          <a:srgbClr val="5A5F5E"/>
-                        </a:solidFill>
-                        <a:latin typeface="Cambria Math" panose="02040503050406030204" pitchFamily="18" charset="0"/>
-                      </a:rPr>
-                      <m:t>∥</m:t>
-                    </m:r>
-                  </m:oMath>
-                </a14:m>
-                <a:endParaRPr/>
-              </a:p>
-              <a:p>
-                <a:pPr marL="444500" indent="-444500">
-                  <a:lnSpc>
-                    <a:spcPts val="4500"/>
-                  </a:lnSpc>
-                  <a:buClr>
-                    <a:srgbClr val="00599E"/>
-                  </a:buClr>
-                  <a:buSzPct val="100000"/>
-                  <a:buChar char="⊡"/>
-                  <a:defRPr sz="3000">
-                    <a:solidFill>
-                      <a:srgbClr val="5A5F5E"/>
-                    </a:solidFill>
-                  </a:defRPr>
-                </a:pPr>
-                <a:r>
-                  <a:t>Use \ldots to write the three dots symbol: </a:t>
-                </a:r>
-                <a14:m>
-                  <m:oMath xmlns:m="http://schemas.openxmlformats.org/officeDocument/2006/math">
-                    <m:r>
-                      <a:rPr sz="3650" i="1">
-                        <a:solidFill>
-                          <a:srgbClr val="5A5F5E"/>
-                        </a:solidFill>
-                        <a:latin typeface="Cambria Math" panose="02040503050406030204" pitchFamily="18" charset="0"/>
-                      </a:rPr>
-                      <m:t>𝑥</m:t>
-                    </m:r>
-                    <m:r>
-                      <a:rPr sz="3650" i="1">
-                        <a:solidFill>
-                          <a:srgbClr val="5A5F5E"/>
-                        </a:solidFill>
-                        <a:latin typeface="Cambria Math" panose="02040503050406030204" pitchFamily="18" charset="0"/>
-                      </a:rPr>
-                      <m:t>∈{1,…,</m:t>
-                    </m:r>
-                    <m:r>
-                      <a:rPr sz="3650" i="1">
-                        <a:solidFill>
-                          <a:srgbClr val="5A5F5E"/>
-                        </a:solidFill>
-                        <a:latin typeface="Cambria Math" panose="02040503050406030204" pitchFamily="18" charset="0"/>
-                      </a:rPr>
-                      <m:t>𝑛</m:t>
-                    </m:r>
-                    <m:r>
-                      <a:rPr sz="3650" i="1">
-                        <a:solidFill>
-                          <a:srgbClr val="5A5F5E"/>
-                        </a:solidFill>
-                        <a:latin typeface="Cambria Math" panose="02040503050406030204" pitchFamily="18" charset="0"/>
-                      </a:rPr>
-                      <m:t>}</m:t>
-                    </m:r>
-                  </m:oMath>
-                </a14:m>
-                <a:endParaRPr/>
-              </a:p>
-              <a:p>
-                <a:pPr marL="444500" indent="-444500">
-                  <a:lnSpc>
-                    <a:spcPts val="4500"/>
-                  </a:lnSpc>
-                  <a:buClr>
-                    <a:srgbClr val="00599E"/>
-                  </a:buClr>
-                  <a:buSzPct val="100000"/>
-                  <a:buChar char="⊡"/>
-                  <a:defRPr sz="3000">
-                    <a:solidFill>
-                      <a:srgbClr val="5A5F5E"/>
-                    </a:solidFill>
-                  </a:defRPr>
-                </a:pPr>
-                <a:r>
-                  <a:t>Use \widehat{} and \widetilde{} rather than \hat{}, \tilde{}: </a:t>
-                </a:r>
-                <a14:m>
-                  <m:oMath xmlns:m="http://schemas.openxmlformats.org/officeDocument/2006/math">
-                    <m:limUpp>
-                      <m:limUppPr>
-                        <m:ctrlPr>
-                          <a:rPr sz="3650" i="1">
-                            <a:solidFill>
-                              <a:srgbClr val="5A5F5E"/>
-                            </a:solidFill>
-                            <a:latin typeface="Cambria Math" panose="02040503050406030204" pitchFamily="18" charset="0"/>
-                          </a:rPr>
-                        </m:ctrlPr>
-                      </m:limUppPr>
-                      <m:e>
-                        <m:r>
-                          <a:rPr sz="3650" i="1">
-                            <a:solidFill>
-                              <a:srgbClr val="5A5F5E"/>
-                            </a:solidFill>
-                            <a:latin typeface="Cambria Math" panose="02040503050406030204" pitchFamily="18" charset="0"/>
-                          </a:rPr>
-                          <m:t>𝑌</m:t>
-                        </m:r>
-                      </m:e>
-                      <m:lim>
-                        <m:r>
-                          <a:rPr sz="3650" i="1">
-                            <a:solidFill>
-                              <a:srgbClr val="5A5F5E"/>
-                            </a:solidFill>
-                            <a:latin typeface="Cambria Math" panose="02040503050406030204" pitchFamily="18" charset="0"/>
-                          </a:rPr>
-                          <m:t>̂</m:t>
-                        </m:r>
-                      </m:lim>
-                    </m:limUpp>
-                    <m:r>
-                      <a:rPr sz="3650" i="1">
-                        <a:solidFill>
-                          <a:srgbClr val="5A5F5E"/>
-                        </a:solidFill>
-                        <a:latin typeface="Cambria Math" panose="02040503050406030204" pitchFamily="18" charset="0"/>
-                      </a:rPr>
-                      <m:t>,</m:t>
-                    </m:r>
-                    <m:limUpp>
-                      <m:limUppPr>
-                        <m:ctrlPr>
-                          <a:rPr sz="3650" i="1">
-                            <a:solidFill>
-                              <a:srgbClr val="5A5F5E"/>
-                            </a:solidFill>
-                            <a:latin typeface="Cambria Math" panose="02040503050406030204" pitchFamily="18" charset="0"/>
-                          </a:rPr>
-                        </m:ctrlPr>
-                      </m:limUppPr>
-                      <m:e>
-                        <m:r>
-                          <a:rPr sz="3650" i="1">
-                            <a:solidFill>
-                              <a:srgbClr val="5A5F5E"/>
-                            </a:solidFill>
-                            <a:latin typeface="Cambria Math" panose="02040503050406030204" pitchFamily="18" charset="0"/>
-                          </a:rPr>
-                          <m:t>𝑌</m:t>
-                        </m:r>
-                      </m:e>
-                      <m:lim>
-                        <m:r>
-                          <a:rPr sz="3650" i="1">
-                            <a:solidFill>
-                              <a:srgbClr val="5A5F5E"/>
-                            </a:solidFill>
-                            <a:latin typeface="Cambria Math" panose="02040503050406030204" pitchFamily="18" charset="0"/>
-                          </a:rPr>
-                          <m:t>˜</m:t>
-                        </m:r>
-                      </m:lim>
-                    </m:limUpp>
-                  </m:oMath>
-                </a14:m>
-                <a:endParaRPr/>
-              </a:p>
-              <a:p>
-                <a:pPr marL="444500" indent="-444500">
-                  <a:lnSpc>
-                    <a:spcPts val="4500"/>
-                  </a:lnSpc>
-                  <a:buClr>
-                    <a:srgbClr val="00599E"/>
-                  </a:buClr>
-                  <a:buSzPct val="100000"/>
-                  <a:buChar char="⊡"/>
-                  <a:defRPr sz="3000">
-                    <a:solidFill>
-                      <a:srgbClr val="5A5F5E"/>
-                    </a:solidFill>
-                  </a:defRPr>
-                </a:pPr>
-                <a:r>
-                  <a:t>Write norms via \|:  </a:t>
-                </a:r>
-                <a14:m>
-                  <m:oMath xmlns:m="http://schemas.openxmlformats.org/officeDocument/2006/math">
-                    <m:r>
-                      <a:rPr sz="3650" i="1">
-                        <a:solidFill>
-                          <a:srgbClr val="5A5F5E"/>
-                        </a:solidFill>
-                        <a:latin typeface="Cambria Math" panose="02040503050406030204" pitchFamily="18" charset="0"/>
-                      </a:rPr>
-                      <m:t>∥</m:t>
-                    </m:r>
-                    <m:r>
-                      <a:rPr sz="3650" i="1">
-                        <a:solidFill>
-                          <a:srgbClr val="5A5F5E"/>
-                        </a:solidFill>
-                        <a:latin typeface="Cambria Math" panose="02040503050406030204" pitchFamily="18" charset="0"/>
-                      </a:rPr>
-                      <m:t>𝑥</m:t>
-                    </m:r>
-                    <m:r>
-                      <a:rPr sz="3650" i="1">
-                        <a:solidFill>
-                          <a:srgbClr val="5A5F5E"/>
-                        </a:solidFill>
-                        <a:latin typeface="Cambria Math" panose="02040503050406030204" pitchFamily="18" charset="0"/>
-                      </a:rPr>
-                      <m:t>∥</m:t>
-                    </m:r>
-                  </m:oMath>
-                </a14:m>
-                <a:endParaRPr/>
-              </a:p>
-            </p:txBody>
-          </p:sp>
-        </mc:Choice>
-        <mc:Fallback xmlns="">
-          <p:sp>
-            <p:nvSpPr>
-              <p:cNvPr id="112" name="Use ^{\top} to write the transpose symbol:…"/>
-              <p:cNvSpPr txBox="1">
-                <a:spLocks noRot="1" noChangeAspect="1" noMove="1" noResize="1" noEditPoints="1" noAdjustHandles="1" noChangeArrowheads="1" noChangeShapeType="1" noTextEdit="1"/>
-              </p:cNvSpPr>
-              <p:nvPr/>
-            </p:nvSpPr>
-            <p:spPr>
-              <a:xfrm>
-                <a:off x="667478" y="2140611"/>
-                <a:ext cx="11467783" cy="2372466"/>
-              </a:xfrm>
-              <a:prstGeom prst="rect">
-                <a:avLst/>
-              </a:prstGeom>
-              <a:blipFill>
-                <a:blip r:embed="rId2"/>
-                <a:stretch>
-                  <a:fillRect l="-1541" t="-771" b="-6170"/>
-                </a:stretch>
-              </a:blipFill>
-              <a:ln w="12700">
-                <a:miter lim="400000"/>
-              </a:ln>
-              <a:extLst>
-                <a:ext uri="{C572A759-6A51-4108-AA02-DFA0A04FC94B}">
-                  <ma14:wrappingTextBoxFlag xmlns:ma14="http://schemas.microsoft.com/office/mac/drawingml/2011/main" xmlns:a14="http://schemas.microsoft.com/office/drawing/2010/main" xmlns:m="http://schemas.openxmlformats.org/officeDocument/2006/math" xmlns="" val="1"/>
-                </a:ext>
-              </a:extLst>
-            </p:spPr>
-            <p:txBody>
-              <a:bodyPr/>
-              <a:lstStyle/>
-              <a:p>
-                <a:r>
-                  <a:rPr lang="zh-TW" altLang="en-US">
-                    <a:noFill/>
-                  </a:rPr>
-                  <a:t> </a:t>
-                </a:r>
-              </a:p>
-            </p:txBody>
-          </p:sp>
-        </mc:Fallback>
-      </mc:AlternateContent>
+      </p:pic>
     </p:spTree>
+    <p:extLst>
+      <p:ext uri="{BB962C8B-B14F-4D97-AF65-F5344CB8AC3E}">
+        <p14:creationId xmlns:p14="http://schemas.microsoft.com/office/powerpoint/2010/main" val="2163502733"/>
+      </p:ext>
+    </p:extLst>
   </p:cSld>
   <p:clrMapOvr>
     <a:masterClrMapping/>
